--- a/lectures/Session 3/Session3_Lecture.pptx
+++ b/lectures/Session 3/Session3_Lecture.pptx
@@ -1147,11 +1147,72 @@
   </pc:docChgLst>
   <pc:docChgLst>
     <pc:chgData name="N.D. Barber" userId="2439b294-b381-4911-ad1d-575a5e61005a" providerId="ADAL" clId="{F8B8FF06-F57F-6F44-89B5-3094D49DC0AB}"/>
-    <pc:docChg chg="delSld modSld">
-      <pc:chgData name="N.D. Barber" userId="2439b294-b381-4911-ad1d-575a5e61005a" providerId="ADAL" clId="{F8B8FF06-F57F-6F44-89B5-3094D49DC0AB}" dt="2020-07-06T15:09:23.159" v="25"/>
+    <pc:docChg chg="custSel delSld modSld">
+      <pc:chgData name="N.D. Barber" userId="2439b294-b381-4911-ad1d-575a5e61005a" providerId="ADAL" clId="{F8B8FF06-F57F-6F44-89B5-3094D49DC0AB}" dt="2020-07-06T15:54:39.883" v="73" actId="113"/>
       <pc:docMkLst>
         <pc:docMk/>
       </pc:docMkLst>
+      <pc:sldChg chg="modSp">
+        <pc:chgData name="N.D. Barber" userId="2439b294-b381-4911-ad1d-575a5e61005a" providerId="ADAL" clId="{F8B8FF06-F57F-6F44-89B5-3094D49DC0AB}" dt="2020-07-06T15:50:27.229" v="44" actId="20577"/>
+        <pc:sldMkLst>
+          <pc:docMk/>
+          <pc:sldMk cId="943752205" sldId="258"/>
+        </pc:sldMkLst>
+        <pc:spChg chg="mod">
+          <ac:chgData name="N.D. Barber" userId="2439b294-b381-4911-ad1d-575a5e61005a" providerId="ADAL" clId="{F8B8FF06-F57F-6F44-89B5-3094D49DC0AB}" dt="2020-07-06T15:50:27.229" v="44" actId="20577"/>
+          <ac:spMkLst>
+            <pc:docMk/>
+            <pc:sldMk cId="943752205" sldId="258"/>
+            <ac:spMk id="2" creationId="{00000000-0000-0000-0000-000000000000}"/>
+          </ac:spMkLst>
+        </pc:spChg>
+      </pc:sldChg>
+      <pc:sldChg chg="modSp">
+        <pc:chgData name="N.D. Barber" userId="2439b294-b381-4911-ad1d-575a5e61005a" providerId="ADAL" clId="{F8B8FF06-F57F-6F44-89B5-3094D49DC0AB}" dt="2020-07-06T15:52:46.411" v="50" actId="33524"/>
+        <pc:sldMkLst>
+          <pc:docMk/>
+          <pc:sldMk cId="3982107366" sldId="276"/>
+        </pc:sldMkLst>
+        <pc:spChg chg="mod">
+          <ac:chgData name="N.D. Barber" userId="2439b294-b381-4911-ad1d-575a5e61005a" providerId="ADAL" clId="{F8B8FF06-F57F-6F44-89B5-3094D49DC0AB}" dt="2020-07-06T15:52:46.411" v="50" actId="33524"/>
+          <ac:spMkLst>
+            <pc:docMk/>
+            <pc:sldMk cId="3982107366" sldId="276"/>
+            <ac:spMk id="3" creationId="{DAB305CE-FF84-504E-A791-57A99FB1C5BB}"/>
+          </ac:spMkLst>
+        </pc:spChg>
+      </pc:sldChg>
+      <pc:sldChg chg="addSp modSp">
+        <pc:chgData name="N.D. Barber" userId="2439b294-b381-4911-ad1d-575a5e61005a" providerId="ADAL" clId="{F8B8FF06-F57F-6F44-89B5-3094D49DC0AB}" dt="2020-07-06T15:54:39.883" v="73" actId="113"/>
+        <pc:sldMkLst>
+          <pc:docMk/>
+          <pc:sldMk cId="1338931758" sldId="277"/>
+        </pc:sldMkLst>
+        <pc:spChg chg="mod">
+          <ac:chgData name="N.D. Barber" userId="2439b294-b381-4911-ad1d-575a5e61005a" providerId="ADAL" clId="{F8B8FF06-F57F-6F44-89B5-3094D49DC0AB}" dt="2020-07-06T15:54:33.023" v="71" actId="113"/>
+          <ac:spMkLst>
+            <pc:docMk/>
+            <pc:sldMk cId="1338931758" sldId="277"/>
+            <ac:spMk id="3" creationId="{6F69D046-0F02-CE4B-BCEF-330237B3E970}"/>
+          </ac:spMkLst>
+        </pc:spChg>
+        <pc:spChg chg="add mod">
+          <ac:chgData name="N.D. Barber" userId="2439b294-b381-4911-ad1d-575a5e61005a" providerId="ADAL" clId="{F8B8FF06-F57F-6F44-89B5-3094D49DC0AB}" dt="2020-07-06T15:54:07.162" v="70" actId="1076"/>
+          <ac:spMkLst>
+            <pc:docMk/>
+            <pc:sldMk cId="1338931758" sldId="277"/>
+            <ac:spMk id="6" creationId="{F2681EE8-D2F1-2047-B4F4-BFABE2017A0E}"/>
+          </ac:spMkLst>
+        </pc:spChg>
+        <pc:spChg chg="mod">
+          <ac:chgData name="N.D. Barber" userId="2439b294-b381-4911-ad1d-575a5e61005a" providerId="ADAL" clId="{F8B8FF06-F57F-6F44-89B5-3094D49DC0AB}" dt="2020-07-06T15:54:39.883" v="73" actId="113"/>
+          <ac:spMkLst>
+            <pc:docMk/>
+            <pc:sldMk cId="1338931758" sldId="277"/>
+            <ac:spMk id="8" creationId="{1952B431-84ED-EA48-99FA-614D3EE146A8}"/>
+          </ac:spMkLst>
+        </pc:spChg>
+      </pc:sldChg>
       <pc:sldChg chg="del">
         <pc:chgData name="N.D. Barber" userId="2439b294-b381-4911-ad1d-575a5e61005a" providerId="ADAL" clId="{F8B8FF06-F57F-6F44-89B5-3094D49DC0AB}" dt="2020-07-06T15:09:07.347" v="23" actId="2696"/>
         <pc:sldMkLst>
@@ -5194,7 +5255,7 @@
                   <a:srgbClr val="FFFFFF"/>
                 </a:solidFill>
               </a:rPr>
-              <a:t>GIS For Dummies Session 2: Live Demo</a:t>
+              <a:t>GIS For the Intrepid: Session 3</a:t>
             </a:r>
           </a:p>
         </p:txBody>
@@ -6560,8 +6621,15 @@
             <a:pPr lvl="2"/>
             <a:r>
               <a:rPr lang="en-US" dirty="0"/>
-              <a:t>Too big a topic to cover in a 2 hour course</a:t>
-            </a:r>
+              <a:t>Too big a topic to cover in a 2-hour course </a:t>
+            </a:r>
+            <a:r>
+              <a:rPr lang="en-US" dirty="0">
+                <a:sym typeface="Wingdings" pitchFamily="2" charset="2"/>
+              </a:rPr>
+              <a:t> </a:t>
+            </a:r>
+            <a:endParaRPr lang="en-US" dirty="0"/>
           </a:p>
           <a:p>
             <a:pPr lvl="1"/>
@@ -6991,7 +7059,7 @@
           <a:lstStyle/>
           <a:p>
             <a:r>
-              <a:rPr lang="en-US" dirty="0"/>
+              <a:rPr lang="en-US" b="1" dirty="0"/>
               <a:t>Section 1: Advanced Analysis</a:t>
             </a:r>
           </a:p>
@@ -7392,7 +7460,7 @@
           </a:lstStyle>
           <a:p>
             <a:r>
-              <a:rPr lang="en-US" dirty="0"/>
+              <a:rPr lang="en-US" b="1" dirty="0"/>
               <a:t>Section 2: Advanced Formatting</a:t>
             </a:r>
           </a:p>
@@ -7433,7 +7501,7 @@
           </a:p>
           <a:p>
             <a:r>
-              <a:rPr lang="en-US" dirty="0"/>
+              <a:rPr lang="en-US" b="1" dirty="0"/>
               <a:t>Section 3: Final Topics</a:t>
             </a:r>
           </a:p>
@@ -7449,6 +7517,43 @@
             <a:r>
               <a:rPr lang="en-US" dirty="0"/>
               <a:t>Basics of Python</a:t>
+            </a:r>
+          </a:p>
+        </p:txBody>
+      </p:sp>
+      <p:sp>
+        <p:nvSpPr>
+          <p:cNvPr id="6" name="TextBox 5">
+            <a:extLst>
+              <a:ext uri="{FF2B5EF4-FFF2-40B4-BE49-F238E27FC236}">
+                <a16:creationId xmlns:a16="http://schemas.microsoft.com/office/drawing/2014/main" id="{F2681EE8-D2F1-2047-B4F4-BFABE2017A0E}"/>
+              </a:ext>
+            </a:extLst>
+          </p:cNvPr>
+          <p:cNvSpPr txBox="1"/>
+          <p:nvPr/>
+        </p:nvSpPr>
+        <p:spPr>
+          <a:xfrm>
+            <a:off x="1806223" y="4718756"/>
+            <a:ext cx="3273778" cy="369332"/>
+          </a:xfrm>
+          <a:prstGeom prst="rect">
+            <a:avLst/>
+          </a:prstGeom>
+          <a:noFill/>
+        </p:spPr>
+        <p:txBody>
+          <a:bodyPr wrap="square" rtlCol="0">
+            <a:spAutoFit/>
+          </a:bodyPr>
+          <a:lstStyle/>
+          <a:p>
+            <a:r>
+              <a:rPr lang="en-US" b="1" dirty="0">
+                <a:latin typeface="Candara" panose="020E0502030303020204" pitchFamily="34" charset="0"/>
+              </a:rPr>
+              <a:t>5 Minute break?</a:t>
             </a:r>
           </a:p>
         </p:txBody>

--- a/lectures/Session 3/Session3_Lecture.pptx
+++ b/lectures/Session 3/Session3_Lecture.pptx
@@ -1148,7 +1148,7 @@
   <pc:docChgLst>
     <pc:chgData name="N.D. Barber" userId="2439b294-b381-4911-ad1d-575a5e61005a" providerId="ADAL" clId="{F8B8FF06-F57F-6F44-89B5-3094D49DC0AB}"/>
     <pc:docChg chg="custSel delSld modSld">
-      <pc:chgData name="N.D. Barber" userId="2439b294-b381-4911-ad1d-575a5e61005a" providerId="ADAL" clId="{F8B8FF06-F57F-6F44-89B5-3094D49DC0AB}" dt="2020-07-06T15:54:39.883" v="73" actId="113"/>
+      <pc:chgData name="N.D. Barber" userId="2439b294-b381-4911-ad1d-575a5e61005a" providerId="ADAL" clId="{F8B8FF06-F57F-6F44-89B5-3094D49DC0AB}" dt="2020-07-06T16:14:12.792" v="75" actId="313"/>
       <pc:docMkLst>
         <pc:docMk/>
       </pc:docMkLst>
@@ -1168,13 +1168,13 @@
         </pc:spChg>
       </pc:sldChg>
       <pc:sldChg chg="modSp">
-        <pc:chgData name="N.D. Barber" userId="2439b294-b381-4911-ad1d-575a5e61005a" providerId="ADAL" clId="{F8B8FF06-F57F-6F44-89B5-3094D49DC0AB}" dt="2020-07-06T15:52:46.411" v="50" actId="33524"/>
+        <pc:chgData name="N.D. Barber" userId="2439b294-b381-4911-ad1d-575a5e61005a" providerId="ADAL" clId="{F8B8FF06-F57F-6F44-89B5-3094D49DC0AB}" dt="2020-07-06T16:12:22.291" v="74" actId="313"/>
         <pc:sldMkLst>
           <pc:docMk/>
           <pc:sldMk cId="3982107366" sldId="276"/>
         </pc:sldMkLst>
         <pc:spChg chg="mod">
-          <ac:chgData name="N.D. Barber" userId="2439b294-b381-4911-ad1d-575a5e61005a" providerId="ADAL" clId="{F8B8FF06-F57F-6F44-89B5-3094D49DC0AB}" dt="2020-07-06T15:52:46.411" v="50" actId="33524"/>
+          <ac:chgData name="N.D. Barber" userId="2439b294-b381-4911-ad1d-575a5e61005a" providerId="ADAL" clId="{F8B8FF06-F57F-6F44-89B5-3094D49DC0AB}" dt="2020-07-06T16:12:22.291" v="74" actId="313"/>
           <ac:spMkLst>
             <pc:docMk/>
             <pc:sldMk cId="3982107366" sldId="276"/>
@@ -1210,6 +1210,21 @@
             <pc:docMk/>
             <pc:sldMk cId="1338931758" sldId="277"/>
             <ac:spMk id="8" creationId="{1952B431-84ED-EA48-99FA-614D3EE146A8}"/>
+          </ac:spMkLst>
+        </pc:spChg>
+      </pc:sldChg>
+      <pc:sldChg chg="modSp">
+        <pc:chgData name="N.D. Barber" userId="2439b294-b381-4911-ad1d-575a5e61005a" providerId="ADAL" clId="{F8B8FF06-F57F-6F44-89B5-3094D49DC0AB}" dt="2020-07-06T16:14:12.792" v="75" actId="313"/>
+        <pc:sldMkLst>
+          <pc:docMk/>
+          <pc:sldMk cId="1109333282" sldId="278"/>
+        </pc:sldMkLst>
+        <pc:spChg chg="mod">
+          <ac:chgData name="N.D. Barber" userId="2439b294-b381-4911-ad1d-575a5e61005a" providerId="ADAL" clId="{F8B8FF06-F57F-6F44-89B5-3094D49DC0AB}" dt="2020-07-06T16:14:12.792" v="75" actId="313"/>
+          <ac:spMkLst>
+            <pc:docMk/>
+            <pc:sldMk cId="1109333282" sldId="278"/>
+            <ac:spMk id="3" creationId="{DAB305CE-FF84-504E-A791-57A99FB1C5BB}"/>
           </ac:spMkLst>
         </pc:spChg>
       </pc:sldChg>
@@ -6609,13 +6624,8 @@
             <a:pPr lvl="1"/>
             <a:r>
               <a:rPr lang="en-US" dirty="0"/>
-              <a:t>LANDSAT Mineral </a:t>
-            </a:r>
-            <a:r>
-              <a:rPr lang="en-US" dirty="0" err="1"/>
-              <a:t>Epxloration</a:t>
-            </a:r>
-            <a:endParaRPr lang="en-US" dirty="0"/>
+              <a:t>LANDSAT Mineral Exploration</a:t>
+            </a:r>
           </a:p>
           <a:p>
             <a:pPr lvl="2"/>
@@ -6871,12 +6881,8 @@
           <a:p>
             <a:pPr lvl="1"/>
             <a:r>
-              <a:rPr lang="en-US" dirty="0" err="1"/>
-              <a:t>Adavanced</a:t>
-            </a:r>
-            <a:r>
-              <a:rPr lang="en-US" dirty="0"/>
-              <a:t> Formatting + Symbology</a:t>
+              <a:rPr lang="en-US" dirty="0"/>
+              <a:t>Advanced Formatting + Symbology</a:t>
             </a:r>
           </a:p>
           <a:p>

--- a/lectures/Session 3/Session3_Lecture.pptx
+++ b/lectures/Session 3/Session3_Lecture.pptx
@@ -5,7 +5,7 @@
     <p:sldMasterId id="2147483840" r:id="rId1"/>
   </p:sldMasterIdLst>
   <p:notesMasterIdLst>
-    <p:notesMasterId r:id="rId14"/>
+    <p:notesMasterId r:id="rId18"/>
   </p:notesMasterIdLst>
   <p:sldIdLst>
     <p:sldId id="258" r:id="rId2"/>
@@ -13,13 +13,17 @@
     <p:sldId id="270" r:id="rId4"/>
     <p:sldId id="276" r:id="rId5"/>
     <p:sldId id="278" r:id="rId6"/>
-    <p:sldId id="277" r:id="rId7"/>
-    <p:sldId id="279" r:id="rId8"/>
-    <p:sldId id="280" r:id="rId9"/>
-    <p:sldId id="281" r:id="rId10"/>
-    <p:sldId id="282" r:id="rId11"/>
-    <p:sldId id="285" r:id="rId12"/>
-    <p:sldId id="284" r:id="rId13"/>
+    <p:sldId id="287" r:id="rId7"/>
+    <p:sldId id="277" r:id="rId8"/>
+    <p:sldId id="279" r:id="rId9"/>
+    <p:sldId id="286" r:id="rId10"/>
+    <p:sldId id="280" r:id="rId11"/>
+    <p:sldId id="289" r:id="rId12"/>
+    <p:sldId id="281" r:id="rId13"/>
+    <p:sldId id="290" r:id="rId14"/>
+    <p:sldId id="282" r:id="rId15"/>
+    <p:sldId id="285" r:id="rId16"/>
+    <p:sldId id="284" r:id="rId17"/>
   </p:sldIdLst>
   <p:sldSz cx="12192000" cy="6858000"/>
   <p:notesSz cx="6858000" cy="9144000"/>
@@ -128,6 +132,574 @@
 
 <file path=ppt/changesInfos/changesInfo1.xml><?xml version="1.0" encoding="utf-8"?>
 <pc:chgInfo xmlns:a="http://schemas.openxmlformats.org/drawingml/2006/main" xmlns:r="http://schemas.openxmlformats.org/officeDocument/2006/relationships" xmlns:ac="http://schemas.microsoft.com/office/drawing/2013/main/command" xmlns:pc="http://schemas.microsoft.com/office/powerpoint/2013/main/command">
+  <pc:docChgLst>
+    <pc:chgData name="N.D. Barber" userId="2439b294-b381-4911-ad1d-575a5e61005a" providerId="ADAL" clId="{155DEF3F-930A-F04A-A267-D129109962A0}"/>
+    <pc:docChg chg="undo custSel addSld delSld modSld sldOrd modMainMaster">
+      <pc:chgData name="N.D. Barber" userId="2439b294-b381-4911-ad1d-575a5e61005a" providerId="ADAL" clId="{155DEF3F-930A-F04A-A267-D129109962A0}" dt="2020-08-17T10:58:25.015" v="1026"/>
+      <pc:docMkLst>
+        <pc:docMk/>
+      </pc:docMkLst>
+      <pc:sldChg chg="modSp mod">
+        <pc:chgData name="N.D. Barber" userId="2439b294-b381-4911-ad1d-575a5e61005a" providerId="ADAL" clId="{155DEF3F-930A-F04A-A267-D129109962A0}" dt="2020-08-17T09:16:36.952" v="17" actId="20577"/>
+        <pc:sldMkLst>
+          <pc:docMk/>
+          <pc:sldMk cId="943752205" sldId="258"/>
+        </pc:sldMkLst>
+        <pc:spChg chg="mod">
+          <ac:chgData name="N.D. Barber" userId="2439b294-b381-4911-ad1d-575a5e61005a" providerId="ADAL" clId="{155DEF3F-930A-F04A-A267-D129109962A0}" dt="2020-08-17T09:16:36.952" v="17" actId="20577"/>
+          <ac:spMkLst>
+            <pc:docMk/>
+            <pc:sldMk cId="943752205" sldId="258"/>
+            <ac:spMk id="2" creationId="{00000000-0000-0000-0000-000000000000}"/>
+          </ac:spMkLst>
+        </pc:spChg>
+      </pc:sldChg>
+      <pc:sldChg chg="addSp modSp mod">
+        <pc:chgData name="N.D. Barber" userId="2439b294-b381-4911-ad1d-575a5e61005a" providerId="ADAL" clId="{155DEF3F-930A-F04A-A267-D129109962A0}" dt="2020-08-17T09:20:13.249" v="136"/>
+        <pc:sldMkLst>
+          <pc:docMk/>
+          <pc:sldMk cId="1534045868" sldId="270"/>
+        </pc:sldMkLst>
+        <pc:spChg chg="mod">
+          <ac:chgData name="N.D. Barber" userId="2439b294-b381-4911-ad1d-575a5e61005a" providerId="ADAL" clId="{155DEF3F-930A-F04A-A267-D129109962A0}" dt="2020-08-17T09:19:23.796" v="91" actId="400"/>
+          <ac:spMkLst>
+            <pc:docMk/>
+            <pc:sldMk cId="1534045868" sldId="270"/>
+            <ac:spMk id="3" creationId="{BB985F6C-414B-6C46-AC13-CE425348F9CE}"/>
+          </ac:spMkLst>
+        </pc:spChg>
+        <pc:spChg chg="add mod">
+          <ac:chgData name="N.D. Barber" userId="2439b294-b381-4911-ad1d-575a5e61005a" providerId="ADAL" clId="{155DEF3F-930A-F04A-A267-D129109962A0}" dt="2020-08-17T09:20:13.249" v="136"/>
+          <ac:spMkLst>
+            <pc:docMk/>
+            <pc:sldMk cId="1534045868" sldId="270"/>
+            <ac:spMk id="7" creationId="{4806680E-D792-E643-9AAD-FCA4F88B3655}"/>
+          </ac:spMkLst>
+        </pc:spChg>
+      </pc:sldChg>
+      <pc:sldChg chg="addSp delSp modSp mod">
+        <pc:chgData name="N.D. Barber" userId="2439b294-b381-4911-ad1d-575a5e61005a" providerId="ADAL" clId="{155DEF3F-930A-F04A-A267-D129109962A0}" dt="2020-08-17T09:20:10.525" v="135"/>
+        <pc:sldMkLst>
+          <pc:docMk/>
+          <pc:sldMk cId="1875994291" sldId="275"/>
+        </pc:sldMkLst>
+        <pc:spChg chg="del">
+          <ac:chgData name="N.D. Barber" userId="2439b294-b381-4911-ad1d-575a5e61005a" providerId="ADAL" clId="{155DEF3F-930A-F04A-A267-D129109962A0}" dt="2020-08-17T09:18:54.812" v="65" actId="478"/>
+          <ac:spMkLst>
+            <pc:docMk/>
+            <pc:sldMk cId="1875994291" sldId="275"/>
+            <ac:spMk id="3" creationId="{5077F4FB-9D15-3840-9E2B-97EDC56F0F0E}"/>
+          </ac:spMkLst>
+        </pc:spChg>
+        <pc:spChg chg="add del mod">
+          <ac:chgData name="N.D. Barber" userId="2439b294-b381-4911-ad1d-575a5e61005a" providerId="ADAL" clId="{155DEF3F-930A-F04A-A267-D129109962A0}" dt="2020-08-17T09:16:46.721" v="20"/>
+          <ac:spMkLst>
+            <pc:docMk/>
+            <pc:sldMk cId="1875994291" sldId="275"/>
+            <ac:spMk id="5" creationId="{71018AD8-5552-724B-8F26-0F6738040EB7}"/>
+          </ac:spMkLst>
+        </pc:spChg>
+        <pc:spChg chg="add del mod">
+          <ac:chgData name="N.D. Barber" userId="2439b294-b381-4911-ad1d-575a5e61005a" providerId="ADAL" clId="{155DEF3F-930A-F04A-A267-D129109962A0}" dt="2020-08-17T09:18:59.759" v="68" actId="478"/>
+          <ac:spMkLst>
+            <pc:docMk/>
+            <pc:sldMk cId="1875994291" sldId="275"/>
+            <ac:spMk id="8" creationId="{B0D99316-2859-A04D-B121-9219BCC9DB2B}"/>
+          </ac:spMkLst>
+        </pc:spChg>
+        <pc:spChg chg="add mod">
+          <ac:chgData name="N.D. Barber" userId="2439b294-b381-4911-ad1d-575a5e61005a" providerId="ADAL" clId="{155DEF3F-930A-F04A-A267-D129109962A0}" dt="2020-08-17T09:19:18.050" v="90" actId="20577"/>
+          <ac:spMkLst>
+            <pc:docMk/>
+            <pc:sldMk cId="1875994291" sldId="275"/>
+            <ac:spMk id="9" creationId="{E2FF03D0-BDCA-014E-ABE9-5AA81A1B1E2B}"/>
+          </ac:spMkLst>
+        </pc:spChg>
+        <pc:spChg chg="add mod">
+          <ac:chgData name="N.D. Barber" userId="2439b294-b381-4911-ad1d-575a5e61005a" providerId="ADAL" clId="{155DEF3F-930A-F04A-A267-D129109962A0}" dt="2020-08-17T09:20:10.525" v="135"/>
+          <ac:spMkLst>
+            <pc:docMk/>
+            <pc:sldMk cId="1875994291" sldId="275"/>
+            <ac:spMk id="10" creationId="{CA82BD2B-71CC-5542-9321-E3A7081505BF}"/>
+          </ac:spMkLst>
+        </pc:spChg>
+      </pc:sldChg>
+      <pc:sldChg chg="addSp modSp">
+        <pc:chgData name="N.D. Barber" userId="2439b294-b381-4911-ad1d-575a5e61005a" providerId="ADAL" clId="{155DEF3F-930A-F04A-A267-D129109962A0}" dt="2020-08-17T09:20:14.841" v="137"/>
+        <pc:sldMkLst>
+          <pc:docMk/>
+          <pc:sldMk cId="3982107366" sldId="276"/>
+        </pc:sldMkLst>
+        <pc:spChg chg="add mod">
+          <ac:chgData name="N.D. Barber" userId="2439b294-b381-4911-ad1d-575a5e61005a" providerId="ADAL" clId="{155DEF3F-930A-F04A-A267-D129109962A0}" dt="2020-08-17T09:20:14.841" v="137"/>
+          <ac:spMkLst>
+            <pc:docMk/>
+            <pc:sldMk cId="3982107366" sldId="276"/>
+            <ac:spMk id="7" creationId="{E1C3E264-5FCA-4648-94F5-032D2AC9D90B}"/>
+          </ac:spMkLst>
+        </pc:spChg>
+      </pc:sldChg>
+      <pc:sldChg chg="addSp modSp ord">
+        <pc:chgData name="N.D. Barber" userId="2439b294-b381-4911-ad1d-575a5e61005a" providerId="ADAL" clId="{155DEF3F-930A-F04A-A267-D129109962A0}" dt="2020-08-17T10:53:50.706" v="882"/>
+        <pc:sldMkLst>
+          <pc:docMk/>
+          <pc:sldMk cId="1338931758" sldId="277"/>
+        </pc:sldMkLst>
+        <pc:spChg chg="add mod">
+          <ac:chgData name="N.D. Barber" userId="2439b294-b381-4911-ad1d-575a5e61005a" providerId="ADAL" clId="{155DEF3F-930A-F04A-A267-D129109962A0}" dt="2020-08-17T09:20:19.027" v="139"/>
+          <ac:spMkLst>
+            <pc:docMk/>
+            <pc:sldMk cId="1338931758" sldId="277"/>
+            <ac:spMk id="9" creationId="{9455670E-E5B8-7344-9AAB-D7F1444B9E6F}"/>
+          </ac:spMkLst>
+        </pc:spChg>
+      </pc:sldChg>
+      <pc:sldChg chg="addSp modSp mod">
+        <pc:chgData name="N.D. Barber" userId="2439b294-b381-4911-ad1d-575a5e61005a" providerId="ADAL" clId="{155DEF3F-930A-F04A-A267-D129109962A0}" dt="2020-08-17T09:20:16.527" v="138"/>
+        <pc:sldMkLst>
+          <pc:docMk/>
+          <pc:sldMk cId="1109333282" sldId="278"/>
+        </pc:sldMkLst>
+        <pc:spChg chg="mod">
+          <ac:chgData name="N.D. Barber" userId="2439b294-b381-4911-ad1d-575a5e61005a" providerId="ADAL" clId="{155DEF3F-930A-F04A-A267-D129109962A0}" dt="2020-08-17T09:19:49.320" v="134" actId="114"/>
+          <ac:spMkLst>
+            <pc:docMk/>
+            <pc:sldMk cId="1109333282" sldId="278"/>
+            <ac:spMk id="3" creationId="{DAB305CE-FF84-504E-A791-57A99FB1C5BB}"/>
+          </ac:spMkLst>
+        </pc:spChg>
+        <pc:spChg chg="add mod">
+          <ac:chgData name="N.D. Barber" userId="2439b294-b381-4911-ad1d-575a5e61005a" providerId="ADAL" clId="{155DEF3F-930A-F04A-A267-D129109962A0}" dt="2020-08-17T09:20:16.527" v="138"/>
+          <ac:spMkLst>
+            <pc:docMk/>
+            <pc:sldMk cId="1109333282" sldId="278"/>
+            <ac:spMk id="7" creationId="{02C3649A-5040-F04B-A726-FEA28F3C30FF}"/>
+          </ac:spMkLst>
+        </pc:spChg>
+      </pc:sldChg>
+      <pc:sldChg chg="addSp modSp mod">
+        <pc:chgData name="N.D. Barber" userId="2439b294-b381-4911-ad1d-575a5e61005a" providerId="ADAL" clId="{155DEF3F-930A-F04A-A267-D129109962A0}" dt="2020-08-17T09:39:34.811" v="632" actId="20577"/>
+        <pc:sldMkLst>
+          <pc:docMk/>
+          <pc:sldMk cId="366334908" sldId="279"/>
+        </pc:sldMkLst>
+        <pc:spChg chg="mod">
+          <ac:chgData name="N.D. Barber" userId="2439b294-b381-4911-ad1d-575a5e61005a" providerId="ADAL" clId="{155DEF3F-930A-F04A-A267-D129109962A0}" dt="2020-08-17T09:39:34.811" v="632" actId="20577"/>
+          <ac:spMkLst>
+            <pc:docMk/>
+            <pc:sldMk cId="366334908" sldId="279"/>
+            <ac:spMk id="2" creationId="{6885F1C6-366C-E241-A164-6D3AE2E3CCDB}"/>
+          </ac:spMkLst>
+        </pc:spChg>
+        <pc:spChg chg="mod">
+          <ac:chgData name="N.D. Barber" userId="2439b294-b381-4911-ad1d-575a5e61005a" providerId="ADAL" clId="{155DEF3F-930A-F04A-A267-D129109962A0}" dt="2020-08-17T09:21:21.891" v="265" actId="20577"/>
+          <ac:spMkLst>
+            <pc:docMk/>
+            <pc:sldMk cId="366334908" sldId="279"/>
+            <ac:spMk id="3" creationId="{0E47BC1A-8F83-1544-9036-E4F7D93B9603}"/>
+          </ac:spMkLst>
+        </pc:spChg>
+        <pc:spChg chg="add mod">
+          <ac:chgData name="N.D. Barber" userId="2439b294-b381-4911-ad1d-575a5e61005a" providerId="ADAL" clId="{155DEF3F-930A-F04A-A267-D129109962A0}" dt="2020-08-17T09:20:21.930" v="140"/>
+          <ac:spMkLst>
+            <pc:docMk/>
+            <pc:sldMk cId="366334908" sldId="279"/>
+            <ac:spMk id="6" creationId="{3B38966E-3A08-584B-A0F8-2F6BB46E163E}"/>
+          </ac:spMkLst>
+        </pc:spChg>
+      </pc:sldChg>
+      <pc:sldChg chg="addSp modSp add mod">
+        <pc:chgData name="N.D. Barber" userId="2439b294-b381-4911-ad1d-575a5e61005a" providerId="ADAL" clId="{155DEF3F-930A-F04A-A267-D129109962A0}" dt="2020-08-17T10:53:58.229" v="883" actId="1076"/>
+        <pc:sldMkLst>
+          <pc:docMk/>
+          <pc:sldMk cId="3548231802" sldId="286"/>
+        </pc:sldMkLst>
+        <pc:spChg chg="mod">
+          <ac:chgData name="N.D. Barber" userId="2439b294-b381-4911-ad1d-575a5e61005a" providerId="ADAL" clId="{155DEF3F-930A-F04A-A267-D129109962A0}" dt="2020-08-17T09:21:58.453" v="280" actId="20577"/>
+          <ac:spMkLst>
+            <pc:docMk/>
+            <pc:sldMk cId="3548231802" sldId="286"/>
+            <ac:spMk id="2" creationId="{FD6C7A8A-0B0E-BC40-BBB3-A2EBA505A425}"/>
+          </ac:spMkLst>
+        </pc:spChg>
+        <pc:spChg chg="mod">
+          <ac:chgData name="N.D. Barber" userId="2439b294-b381-4911-ad1d-575a5e61005a" providerId="ADAL" clId="{155DEF3F-930A-F04A-A267-D129109962A0}" dt="2020-08-17T10:53:31.910" v="858" actId="20577"/>
+          <ac:spMkLst>
+            <pc:docMk/>
+            <pc:sldMk cId="3548231802" sldId="286"/>
+            <ac:spMk id="3" creationId="{A427FE3F-49D5-C247-8E68-29AF7BBD2494}"/>
+          </ac:spMkLst>
+        </pc:spChg>
+        <pc:spChg chg="mod">
+          <ac:chgData name="N.D. Barber" userId="2439b294-b381-4911-ad1d-575a5e61005a" providerId="ADAL" clId="{155DEF3F-930A-F04A-A267-D129109962A0}" dt="2020-08-17T09:21:53.755" v="267" actId="27636"/>
+          <ac:spMkLst>
+            <pc:docMk/>
+            <pc:sldMk cId="3548231802" sldId="286"/>
+            <ac:spMk id="5" creationId="{12047D6E-3B9E-9E45-918B-52E3DB61B3F1}"/>
+          </ac:spMkLst>
+        </pc:spChg>
+        <pc:picChg chg="add mod">
+          <ac:chgData name="N.D. Barber" userId="2439b294-b381-4911-ad1d-575a5e61005a" providerId="ADAL" clId="{155DEF3F-930A-F04A-A267-D129109962A0}" dt="2020-08-17T10:53:58.229" v="883" actId="1076"/>
+          <ac:picMkLst>
+            <pc:docMk/>
+            <pc:sldMk cId="3548231802" sldId="286"/>
+            <ac:picMk id="8" creationId="{744C8758-BCAA-1046-AB6D-9E6CBB14EF1E}"/>
+          </ac:picMkLst>
+        </pc:picChg>
+        <pc:picChg chg="add mod">
+          <ac:chgData name="N.D. Barber" userId="2439b294-b381-4911-ad1d-575a5e61005a" providerId="ADAL" clId="{155DEF3F-930A-F04A-A267-D129109962A0}" dt="2020-08-17T10:52:38.500" v="796" actId="1076"/>
+          <ac:picMkLst>
+            <pc:docMk/>
+            <pc:sldMk cId="3548231802" sldId="286"/>
+            <ac:picMk id="9" creationId="{B33D23CE-246B-A345-85DF-3E495F0D4D49}"/>
+          </ac:picMkLst>
+        </pc:picChg>
+      </pc:sldChg>
+      <pc:sldChg chg="addSp delSp modSp add mod">
+        <pc:chgData name="N.D. Barber" userId="2439b294-b381-4911-ad1d-575a5e61005a" providerId="ADAL" clId="{155DEF3F-930A-F04A-A267-D129109962A0}" dt="2020-08-17T10:53:45.949" v="881" actId="20577"/>
+        <pc:sldMkLst>
+          <pc:docMk/>
+          <pc:sldMk cId="2959314020" sldId="287"/>
+        </pc:sldMkLst>
+        <pc:spChg chg="mod">
+          <ac:chgData name="N.D. Barber" userId="2439b294-b381-4911-ad1d-575a5e61005a" providerId="ADAL" clId="{155DEF3F-930A-F04A-A267-D129109962A0}" dt="2020-08-17T10:53:45.949" v="881" actId="20577"/>
+          <ac:spMkLst>
+            <pc:docMk/>
+            <pc:sldMk cId="2959314020" sldId="287"/>
+            <ac:spMk id="2" creationId="{59A8B2AC-352B-8F4A-9D7A-6C546DE1107B}"/>
+          </ac:spMkLst>
+        </pc:spChg>
+        <pc:spChg chg="del">
+          <ac:chgData name="N.D. Barber" userId="2439b294-b381-4911-ad1d-575a5e61005a" providerId="ADAL" clId="{155DEF3F-930A-F04A-A267-D129109962A0}" dt="2020-08-17T09:39:42.033" v="633" actId="478"/>
+          <ac:spMkLst>
+            <pc:docMk/>
+            <pc:sldMk cId="2959314020" sldId="287"/>
+            <ac:spMk id="3" creationId="{CCB0B131-7E2C-474E-9799-367525839FBE}"/>
+          </ac:spMkLst>
+        </pc:spChg>
+        <pc:spChg chg="mod">
+          <ac:chgData name="N.D. Barber" userId="2439b294-b381-4911-ad1d-575a5e61005a" providerId="ADAL" clId="{155DEF3F-930A-F04A-A267-D129109962A0}" dt="2020-08-17T09:39:24.876" v="604" actId="27636"/>
+          <ac:spMkLst>
+            <pc:docMk/>
+            <pc:sldMk cId="2959314020" sldId="287"/>
+            <ac:spMk id="5" creationId="{F9504AF3-27B4-6B4E-83B8-B4BC988C5459}"/>
+          </ac:spMkLst>
+        </pc:spChg>
+        <pc:spChg chg="add mod">
+          <ac:chgData name="N.D. Barber" userId="2439b294-b381-4911-ad1d-575a5e61005a" providerId="ADAL" clId="{155DEF3F-930A-F04A-A267-D129109962A0}" dt="2020-08-17T09:39:42.870" v="634"/>
+          <ac:spMkLst>
+            <pc:docMk/>
+            <pc:sldMk cId="2959314020" sldId="287"/>
+            <ac:spMk id="7" creationId="{C5D51057-382C-7D44-8954-98B01AFB2D75}"/>
+          </ac:spMkLst>
+        </pc:spChg>
+      </pc:sldChg>
+      <pc:sldChg chg="modSp add del mod">
+        <pc:chgData name="N.D. Barber" userId="2439b294-b381-4911-ad1d-575a5e61005a" providerId="ADAL" clId="{155DEF3F-930A-F04A-A267-D129109962A0}" dt="2020-08-17T10:54:26.789" v="888" actId="2696"/>
+        <pc:sldMkLst>
+          <pc:docMk/>
+          <pc:sldMk cId="2525679142" sldId="288"/>
+        </pc:sldMkLst>
+        <pc:spChg chg="mod">
+          <ac:chgData name="N.D. Barber" userId="2439b294-b381-4911-ad1d-575a5e61005a" providerId="ADAL" clId="{155DEF3F-930A-F04A-A267-D129109962A0}" dt="2020-08-17T10:54:20.201" v="885" actId="27636"/>
+          <ac:spMkLst>
+            <pc:docMk/>
+            <pc:sldMk cId="2525679142" sldId="288"/>
+            <ac:spMk id="5" creationId="{3BF8E95B-5963-014D-B651-C1D1E24DB505}"/>
+          </ac:spMkLst>
+        </pc:spChg>
+      </pc:sldChg>
+      <pc:sldChg chg="addSp delSp modSp add mod">
+        <pc:chgData name="N.D. Barber" userId="2439b294-b381-4911-ad1d-575a5e61005a" providerId="ADAL" clId="{155DEF3F-930A-F04A-A267-D129109962A0}" dt="2020-08-17T10:54:36.210" v="895" actId="1076"/>
+        <pc:sldMkLst>
+          <pc:docMk/>
+          <pc:sldMk cId="3227073904" sldId="289"/>
+        </pc:sldMkLst>
+        <pc:spChg chg="del">
+          <ac:chgData name="N.D. Barber" userId="2439b294-b381-4911-ad1d-575a5e61005a" providerId="ADAL" clId="{155DEF3F-930A-F04A-A267-D129109962A0}" dt="2020-08-17T10:54:29.760" v="889"/>
+          <ac:spMkLst>
+            <pc:docMk/>
+            <pc:sldMk cId="3227073904" sldId="289"/>
+            <ac:spMk id="3" creationId="{9E681000-E842-FB40-8FFD-EEF279A84097}"/>
+          </ac:spMkLst>
+        </pc:spChg>
+        <pc:spChg chg="mod">
+          <ac:chgData name="N.D. Barber" userId="2439b294-b381-4911-ad1d-575a5e61005a" providerId="ADAL" clId="{155DEF3F-930A-F04A-A267-D129109962A0}" dt="2020-08-17T10:54:25.516" v="887" actId="27636"/>
+          <ac:spMkLst>
+            <pc:docMk/>
+            <pc:sldMk cId="3227073904" sldId="289"/>
+            <ac:spMk id="5" creationId="{E140BD1B-6F28-1745-80D3-4B23AD310594}"/>
+          </ac:spMkLst>
+        </pc:spChg>
+        <pc:picChg chg="add mod">
+          <ac:chgData name="N.D. Barber" userId="2439b294-b381-4911-ad1d-575a5e61005a" providerId="ADAL" clId="{155DEF3F-930A-F04A-A267-D129109962A0}" dt="2020-08-17T10:54:36.210" v="895" actId="1076"/>
+          <ac:picMkLst>
+            <pc:docMk/>
+            <pc:sldMk cId="3227073904" sldId="289"/>
+            <ac:picMk id="8" creationId="{DB9853F3-2614-3341-A43D-F2820205773A}"/>
+          </ac:picMkLst>
+        </pc:picChg>
+      </pc:sldChg>
+      <pc:sldChg chg="modSp add mod">
+        <pc:chgData name="N.D. Barber" userId="2439b294-b381-4911-ad1d-575a5e61005a" providerId="ADAL" clId="{155DEF3F-930A-F04A-A267-D129109962A0}" dt="2020-08-17T10:58:25.015" v="1026"/>
+        <pc:sldMkLst>
+          <pc:docMk/>
+          <pc:sldMk cId="3394649118" sldId="290"/>
+        </pc:sldMkLst>
+        <pc:spChg chg="mod">
+          <ac:chgData name="N.D. Barber" userId="2439b294-b381-4911-ad1d-575a5e61005a" providerId="ADAL" clId="{155DEF3F-930A-F04A-A267-D129109962A0}" dt="2020-08-17T10:56:04.753" v="915" actId="20577"/>
+          <ac:spMkLst>
+            <pc:docMk/>
+            <pc:sldMk cId="3394649118" sldId="290"/>
+            <ac:spMk id="2" creationId="{02D5D0D7-1158-5040-B035-11B71C02D831}"/>
+          </ac:spMkLst>
+        </pc:spChg>
+        <pc:spChg chg="mod">
+          <ac:chgData name="N.D. Barber" userId="2439b294-b381-4911-ad1d-575a5e61005a" providerId="ADAL" clId="{155DEF3F-930A-F04A-A267-D129109962A0}" dt="2020-08-17T10:58:25.015" v="1026"/>
+          <ac:spMkLst>
+            <pc:docMk/>
+            <pc:sldMk cId="3394649118" sldId="290"/>
+            <ac:spMk id="3" creationId="{47BF72F7-AC12-C34D-9C3D-A10E48B80699}"/>
+          </ac:spMkLst>
+        </pc:spChg>
+        <pc:spChg chg="mod">
+          <ac:chgData name="N.D. Barber" userId="2439b294-b381-4911-ad1d-575a5e61005a" providerId="ADAL" clId="{155DEF3F-930A-F04A-A267-D129109962A0}" dt="2020-08-17T10:55:59.123" v="897" actId="27636"/>
+          <ac:spMkLst>
+            <pc:docMk/>
+            <pc:sldMk cId="3394649118" sldId="290"/>
+            <ac:spMk id="5" creationId="{CEBD24D7-BAC7-294E-9370-BAD2D7800611}"/>
+          </ac:spMkLst>
+        </pc:spChg>
+      </pc:sldChg>
+      <pc:sldMasterChg chg="addSp delSp modSp mod modSldLayout">
+        <pc:chgData name="N.D. Barber" userId="2439b294-b381-4911-ad1d-575a5e61005a" providerId="ADAL" clId="{155DEF3F-930A-F04A-A267-D129109962A0}" dt="2020-08-17T09:18:38.525" v="64"/>
+        <pc:sldMasterMkLst>
+          <pc:docMk/>
+          <pc:sldMasterMk cId="943519665" sldId="2147483840"/>
+        </pc:sldMasterMkLst>
+        <pc:spChg chg="mod">
+          <ac:chgData name="N.D. Barber" userId="2439b294-b381-4911-ad1d-575a5e61005a" providerId="ADAL" clId="{155DEF3F-930A-F04A-A267-D129109962A0}" dt="2020-08-17T09:18:04.763" v="51" actId="1076"/>
+          <ac:spMkLst>
+            <pc:docMk/>
+            <pc:sldMasterMk cId="943519665" sldId="2147483840"/>
+            <ac:spMk id="7" creationId="{00000000-0000-0000-0000-000000000000}"/>
+          </ac:spMkLst>
+        </pc:spChg>
+        <pc:spChg chg="add mod">
+          <ac:chgData name="N.D. Barber" userId="2439b294-b381-4911-ad1d-575a5e61005a" providerId="ADAL" clId="{155DEF3F-930A-F04A-A267-D129109962A0}" dt="2020-08-17T09:18:02.095" v="50" actId="2711"/>
+          <ac:spMkLst>
+            <pc:docMk/>
+            <pc:sldMasterMk cId="943519665" sldId="2147483840"/>
+            <ac:spMk id="8" creationId="{35412984-6C29-BB4B-9A27-5643D96A5F1E}"/>
+          </ac:spMkLst>
+        </pc:spChg>
+        <pc:spChg chg="del">
+          <ac:chgData name="N.D. Barber" userId="2439b294-b381-4911-ad1d-575a5e61005a" providerId="ADAL" clId="{155DEF3F-930A-F04A-A267-D129109962A0}" dt="2020-08-17T09:16:58.687" v="21" actId="478"/>
+          <ac:spMkLst>
+            <pc:docMk/>
+            <pc:sldMasterMk cId="943519665" sldId="2147483840"/>
+            <ac:spMk id="9" creationId="{65D8D20A-82A3-C041-8A17-67F566D62C4A}"/>
+          </ac:spMkLst>
+        </pc:spChg>
+        <pc:sldLayoutChg chg="addSp delSp modSp">
+          <pc:chgData name="N.D. Barber" userId="2439b294-b381-4911-ad1d-575a5e61005a" providerId="ADAL" clId="{155DEF3F-930A-F04A-A267-D129109962A0}" dt="2020-08-17T09:18:14.274" v="54"/>
+          <pc:sldLayoutMkLst>
+            <pc:docMk/>
+            <pc:sldMasterMk cId="943519665" sldId="2147483840"/>
+            <pc:sldLayoutMk cId="500513957" sldId="2147483841"/>
+          </pc:sldLayoutMkLst>
+          <pc:spChg chg="add del mod">
+            <ac:chgData name="N.D. Barber" userId="2439b294-b381-4911-ad1d-575a5e61005a" providerId="ADAL" clId="{155DEF3F-930A-F04A-A267-D129109962A0}" dt="2020-08-17T09:18:14.228" v="53"/>
+            <ac:spMkLst>
+              <pc:docMk/>
+              <pc:sldMasterMk cId="943519665" sldId="2147483840"/>
+              <pc:sldLayoutMk cId="500513957" sldId="2147483841"/>
+              <ac:spMk id="8" creationId="{866DE141-4FF1-5541-9B68-F9CE249C7403}"/>
+            </ac:spMkLst>
+          </pc:spChg>
+          <pc:spChg chg="add mod">
+            <ac:chgData name="N.D. Barber" userId="2439b294-b381-4911-ad1d-575a5e61005a" providerId="ADAL" clId="{155DEF3F-930A-F04A-A267-D129109962A0}" dt="2020-08-17T09:18:14.274" v="54"/>
+            <ac:spMkLst>
+              <pc:docMk/>
+              <pc:sldMasterMk cId="943519665" sldId="2147483840"/>
+              <pc:sldLayoutMk cId="500513957" sldId="2147483841"/>
+              <ac:spMk id="9" creationId="{CFB19A24-391A-D14B-BDDA-AA01554AF286}"/>
+            </ac:spMkLst>
+          </pc:spChg>
+        </pc:sldLayoutChg>
+        <pc:sldLayoutChg chg="addSp modSp">
+          <pc:chgData name="N.D. Barber" userId="2439b294-b381-4911-ad1d-575a5e61005a" providerId="ADAL" clId="{155DEF3F-930A-F04A-A267-D129109962A0}" dt="2020-08-17T09:18:17.442" v="55"/>
+          <pc:sldLayoutMkLst>
+            <pc:docMk/>
+            <pc:sldMasterMk cId="943519665" sldId="2147483840"/>
+            <pc:sldLayoutMk cId="348827697" sldId="2147483842"/>
+          </pc:sldLayoutMkLst>
+          <pc:spChg chg="add mod">
+            <ac:chgData name="N.D. Barber" userId="2439b294-b381-4911-ad1d-575a5e61005a" providerId="ADAL" clId="{155DEF3F-930A-F04A-A267-D129109962A0}" dt="2020-08-17T09:18:17.442" v="55"/>
+            <ac:spMkLst>
+              <pc:docMk/>
+              <pc:sldMasterMk cId="943519665" sldId="2147483840"/>
+              <pc:sldLayoutMk cId="348827697" sldId="2147483842"/>
+              <ac:spMk id="7" creationId="{3C645967-E09E-7D46-AFA6-2F7BA469E6E2}"/>
+            </ac:spMkLst>
+          </pc:spChg>
+        </pc:sldLayoutChg>
+        <pc:sldLayoutChg chg="addSp modSp">
+          <pc:chgData name="N.D. Barber" userId="2439b294-b381-4911-ad1d-575a5e61005a" providerId="ADAL" clId="{155DEF3F-930A-F04A-A267-D129109962A0}" dt="2020-08-17T09:18:19.868" v="56"/>
+          <pc:sldLayoutMkLst>
+            <pc:docMk/>
+            <pc:sldMasterMk cId="943519665" sldId="2147483840"/>
+            <pc:sldLayoutMk cId="1705858972" sldId="2147483843"/>
+          </pc:sldLayoutMkLst>
+          <pc:spChg chg="add mod">
+            <ac:chgData name="N.D. Barber" userId="2439b294-b381-4911-ad1d-575a5e61005a" providerId="ADAL" clId="{155DEF3F-930A-F04A-A267-D129109962A0}" dt="2020-08-17T09:18:19.868" v="56"/>
+            <ac:spMkLst>
+              <pc:docMk/>
+              <pc:sldMasterMk cId="943519665" sldId="2147483840"/>
+              <pc:sldLayoutMk cId="1705858972" sldId="2147483843"/>
+              <ac:spMk id="8" creationId="{B0DF5AF1-231C-DA4A-8BDD-FDF149D9C3E6}"/>
+            </ac:spMkLst>
+          </pc:spChg>
+        </pc:sldLayoutChg>
+        <pc:sldLayoutChg chg="addSp modSp">
+          <pc:chgData name="N.D. Barber" userId="2439b294-b381-4911-ad1d-575a5e61005a" providerId="ADAL" clId="{155DEF3F-930A-F04A-A267-D129109962A0}" dt="2020-08-17T09:18:21.856" v="57"/>
+          <pc:sldLayoutMkLst>
+            <pc:docMk/>
+            <pc:sldMasterMk cId="943519665" sldId="2147483840"/>
+            <pc:sldLayoutMk cId="760718030" sldId="2147483844"/>
+          </pc:sldLayoutMkLst>
+          <pc:spChg chg="add mod">
+            <ac:chgData name="N.D. Barber" userId="2439b294-b381-4911-ad1d-575a5e61005a" providerId="ADAL" clId="{155DEF3F-930A-F04A-A267-D129109962A0}" dt="2020-08-17T09:18:21.856" v="57"/>
+            <ac:spMkLst>
+              <pc:docMk/>
+              <pc:sldMasterMk cId="943519665" sldId="2147483840"/>
+              <pc:sldLayoutMk cId="760718030" sldId="2147483844"/>
+              <ac:spMk id="8" creationId="{7D5F2460-5101-9849-B051-01C3AFA4A858}"/>
+            </ac:spMkLst>
+          </pc:spChg>
+        </pc:sldLayoutChg>
+        <pc:sldLayoutChg chg="addSp modSp">
+          <pc:chgData name="N.D. Barber" userId="2439b294-b381-4911-ad1d-575a5e61005a" providerId="ADAL" clId="{155DEF3F-930A-F04A-A267-D129109962A0}" dt="2020-08-17T09:18:24.733" v="58"/>
+          <pc:sldLayoutMkLst>
+            <pc:docMk/>
+            <pc:sldMasterMk cId="943519665" sldId="2147483840"/>
+            <pc:sldLayoutMk cId="1227059329" sldId="2147483845"/>
+          </pc:sldLayoutMkLst>
+          <pc:spChg chg="add mod">
+            <ac:chgData name="N.D. Barber" userId="2439b294-b381-4911-ad1d-575a5e61005a" providerId="ADAL" clId="{155DEF3F-930A-F04A-A267-D129109962A0}" dt="2020-08-17T09:18:24.733" v="58"/>
+            <ac:spMkLst>
+              <pc:docMk/>
+              <pc:sldMasterMk cId="943519665" sldId="2147483840"/>
+              <pc:sldLayoutMk cId="1227059329" sldId="2147483845"/>
+              <ac:spMk id="11" creationId="{2151A285-A456-8040-88E2-177C06CED56E}"/>
+            </ac:spMkLst>
+          </pc:spChg>
+        </pc:sldLayoutChg>
+        <pc:sldLayoutChg chg="addSp modSp">
+          <pc:chgData name="N.D. Barber" userId="2439b294-b381-4911-ad1d-575a5e61005a" providerId="ADAL" clId="{155DEF3F-930A-F04A-A267-D129109962A0}" dt="2020-08-17T09:18:26.957" v="59"/>
+          <pc:sldLayoutMkLst>
+            <pc:docMk/>
+            <pc:sldMasterMk cId="943519665" sldId="2147483840"/>
+            <pc:sldLayoutMk cId="686757842" sldId="2147483846"/>
+          </pc:sldLayoutMkLst>
+          <pc:spChg chg="add mod">
+            <ac:chgData name="N.D. Barber" userId="2439b294-b381-4911-ad1d-575a5e61005a" providerId="ADAL" clId="{155DEF3F-930A-F04A-A267-D129109962A0}" dt="2020-08-17T09:18:26.957" v="59"/>
+            <ac:spMkLst>
+              <pc:docMk/>
+              <pc:sldMasterMk cId="943519665" sldId="2147483840"/>
+              <pc:sldLayoutMk cId="686757842" sldId="2147483846"/>
+              <ac:spMk id="7" creationId="{76B978CD-3680-8546-82A4-CC77D5F7B475}"/>
+            </ac:spMkLst>
+          </pc:spChg>
+        </pc:sldLayoutChg>
+        <pc:sldLayoutChg chg="addSp modSp">
+          <pc:chgData name="N.D. Barber" userId="2439b294-b381-4911-ad1d-575a5e61005a" providerId="ADAL" clId="{155DEF3F-930A-F04A-A267-D129109962A0}" dt="2020-08-17T09:18:29.474" v="60"/>
+          <pc:sldLayoutMkLst>
+            <pc:docMk/>
+            <pc:sldMasterMk cId="943519665" sldId="2147483840"/>
+            <pc:sldLayoutMk cId="315205732" sldId="2147483847"/>
+          </pc:sldLayoutMkLst>
+          <pc:spChg chg="add mod">
+            <ac:chgData name="N.D. Barber" userId="2439b294-b381-4911-ad1d-575a5e61005a" providerId="ADAL" clId="{155DEF3F-930A-F04A-A267-D129109962A0}" dt="2020-08-17T09:18:29.474" v="60"/>
+            <ac:spMkLst>
+              <pc:docMk/>
+              <pc:sldMasterMk cId="943519665" sldId="2147483840"/>
+              <pc:sldLayoutMk cId="315205732" sldId="2147483847"/>
+              <ac:spMk id="5" creationId="{4335A86B-7EDE-EB49-888B-8CF3E63C522B}"/>
+            </ac:spMkLst>
+          </pc:spChg>
+        </pc:sldLayoutChg>
+        <pc:sldLayoutChg chg="addSp modSp">
+          <pc:chgData name="N.D. Barber" userId="2439b294-b381-4911-ad1d-575a5e61005a" providerId="ADAL" clId="{155DEF3F-930A-F04A-A267-D129109962A0}" dt="2020-08-17T09:18:32.459" v="61"/>
+          <pc:sldLayoutMkLst>
+            <pc:docMk/>
+            <pc:sldMasterMk cId="943519665" sldId="2147483840"/>
+            <pc:sldLayoutMk cId="1435309201" sldId="2147483848"/>
+          </pc:sldLayoutMkLst>
+          <pc:spChg chg="add mod">
+            <ac:chgData name="N.D. Barber" userId="2439b294-b381-4911-ad1d-575a5e61005a" providerId="ADAL" clId="{155DEF3F-930A-F04A-A267-D129109962A0}" dt="2020-08-17T09:18:32.459" v="61"/>
+            <ac:spMkLst>
+              <pc:docMk/>
+              <pc:sldMasterMk cId="943519665" sldId="2147483840"/>
+              <pc:sldLayoutMk cId="1435309201" sldId="2147483848"/>
+              <ac:spMk id="8" creationId="{FD5B432D-2541-224D-B4EF-8106744FC424}"/>
+            </ac:spMkLst>
+          </pc:spChg>
+        </pc:sldLayoutChg>
+        <pc:sldLayoutChg chg="addSp modSp">
+          <pc:chgData name="N.D. Barber" userId="2439b294-b381-4911-ad1d-575a5e61005a" providerId="ADAL" clId="{155DEF3F-930A-F04A-A267-D129109962A0}" dt="2020-08-17T09:18:34.959" v="62"/>
+          <pc:sldLayoutMkLst>
+            <pc:docMk/>
+            <pc:sldMasterMk cId="943519665" sldId="2147483840"/>
+            <pc:sldLayoutMk cId="206652717" sldId="2147483849"/>
+          </pc:sldLayoutMkLst>
+          <pc:spChg chg="add mod">
+            <ac:chgData name="N.D. Barber" userId="2439b294-b381-4911-ad1d-575a5e61005a" providerId="ADAL" clId="{155DEF3F-930A-F04A-A267-D129109962A0}" dt="2020-08-17T09:18:34.959" v="62"/>
+            <ac:spMkLst>
+              <pc:docMk/>
+              <pc:sldMasterMk cId="943519665" sldId="2147483840"/>
+              <pc:sldLayoutMk cId="206652717" sldId="2147483849"/>
+              <ac:spMk id="9" creationId="{025C207C-F89D-2A42-847E-F58F9BB4F380}"/>
+            </ac:spMkLst>
+          </pc:spChg>
+        </pc:sldLayoutChg>
+        <pc:sldLayoutChg chg="addSp modSp">
+          <pc:chgData name="N.D. Barber" userId="2439b294-b381-4911-ad1d-575a5e61005a" providerId="ADAL" clId="{155DEF3F-930A-F04A-A267-D129109962A0}" dt="2020-08-17T09:18:36.540" v="63"/>
+          <pc:sldLayoutMkLst>
+            <pc:docMk/>
+            <pc:sldMasterMk cId="943519665" sldId="2147483840"/>
+            <pc:sldLayoutMk cId="251404145" sldId="2147483850"/>
+          </pc:sldLayoutMkLst>
+          <pc:spChg chg="add mod">
+            <ac:chgData name="N.D. Barber" userId="2439b294-b381-4911-ad1d-575a5e61005a" providerId="ADAL" clId="{155DEF3F-930A-F04A-A267-D129109962A0}" dt="2020-08-17T09:18:36.540" v="63"/>
+            <ac:spMkLst>
+              <pc:docMk/>
+              <pc:sldMasterMk cId="943519665" sldId="2147483840"/>
+              <pc:sldLayoutMk cId="251404145" sldId="2147483850"/>
+              <ac:spMk id="7" creationId="{34515468-5F7B-8B4B-AE04-C3DB4A242D09}"/>
+            </ac:spMkLst>
+          </pc:spChg>
+        </pc:sldLayoutChg>
+        <pc:sldLayoutChg chg="addSp modSp">
+          <pc:chgData name="N.D. Barber" userId="2439b294-b381-4911-ad1d-575a5e61005a" providerId="ADAL" clId="{155DEF3F-930A-F04A-A267-D129109962A0}" dt="2020-08-17T09:18:38.525" v="64"/>
+          <pc:sldLayoutMkLst>
+            <pc:docMk/>
+            <pc:sldMasterMk cId="943519665" sldId="2147483840"/>
+            <pc:sldLayoutMk cId="862897899" sldId="2147483851"/>
+          </pc:sldLayoutMkLst>
+          <pc:spChg chg="add mod">
+            <ac:chgData name="N.D. Barber" userId="2439b294-b381-4911-ad1d-575a5e61005a" providerId="ADAL" clId="{155DEF3F-930A-F04A-A267-D129109962A0}" dt="2020-08-17T09:18:38.525" v="64"/>
+            <ac:spMkLst>
+              <pc:docMk/>
+              <pc:sldMasterMk cId="943519665" sldId="2147483840"/>
+              <pc:sldLayoutMk cId="862897899" sldId="2147483851"/>
+              <ac:spMk id="7" creationId="{DF15F1C2-7FE6-054B-BBFC-7B0B376BB03C}"/>
+            </ac:spMkLst>
+          </pc:spChg>
+        </pc:sldLayoutChg>
+      </pc:sldMasterChg>
+    </pc:docChg>
+  </pc:docChgLst>
   <pc:docChgLst>
     <pc:chgData name="N.D. Barber" userId="2439b294-b381-4911-ad1d-575a5e61005a" providerId="ADAL" clId="{89763517-9CA7-0E4F-8ABE-79F3AC08677D}"/>
     <pc:docChg chg="modSld sldOrd">
@@ -1368,7 +1940,7 @@
           <a:p>
             <a:fld id="{A5C20BB3-3CCB-4FE5-991B-82F6BCB48AF3}" type="datetimeFigureOut">
               <a:rPr lang="en-US" smtClean="0"/>
-              <a:t>7/6/20</a:t>
+              <a:t>8/17/20</a:t>
             </a:fld>
             <a:endParaRPr lang="en-US"/>
           </a:p>
@@ -1890,7 +2462,7 @@
           <a:p>
             <a:fld id="{87645D96-3108-B545-9B42-23C24617A283}" type="datetime1">
               <a:rPr lang="en-US" smtClean="0"/>
-              <a:t>7/6/20</a:t>
+              <a:t>8/17/20</a:t>
             </a:fld>
             <a:endParaRPr lang="en-US" dirty="0"/>
           </a:p>
@@ -1968,6 +2540,214 @@
           </a:fontRef>
         </p:style>
       </p:sp>
+      <p:sp>
+        <p:nvSpPr>
+          <p:cNvPr id="9" name="Footer Placeholder 4">
+            <a:extLst>
+              <a:ext uri="{FF2B5EF4-FFF2-40B4-BE49-F238E27FC236}">
+                <a16:creationId xmlns:a16="http://schemas.microsoft.com/office/drawing/2014/main" id="{CFB19A24-391A-D14B-BDDA-AA01554AF286}"/>
+              </a:ext>
+            </a:extLst>
+          </p:cNvPr>
+          <p:cNvSpPr txBox="1">
+            <a:spLocks/>
+          </p:cNvSpPr>
+          <p:nvPr userDrawn="1"/>
+        </p:nvSpPr>
+        <p:spPr>
+          <a:xfrm rot="16200000">
+            <a:off x="9390931" y="3548149"/>
+            <a:ext cx="4718224" cy="365125"/>
+          </a:xfrm>
+          <a:prstGeom prst="rect">
+            <a:avLst/>
+          </a:prstGeom>
+        </p:spPr>
+        <p:txBody>
+          <a:bodyPr/>
+          <a:lstStyle>
+            <a:defPPr>
+              <a:defRPr lang="en-US"/>
+            </a:defPPr>
+            <a:lvl1pPr marL="0" algn="l" defTabSz="457200" rtl="0" eaLnBrk="1" latinLnBrk="0" hangingPunct="1">
+              <a:defRPr sz="1200" kern="1200">
+                <a:solidFill>
+                  <a:schemeClr val="bg1"/>
+                </a:solidFill>
+                <a:latin typeface="Candara" panose="020E0502030303020204" pitchFamily="34" charset="0"/>
+                <a:ea typeface="+mn-ea"/>
+                <a:cs typeface="+mn-cs"/>
+              </a:defRPr>
+            </a:lvl1pPr>
+            <a:lvl2pPr marL="457200" algn="l" defTabSz="457200" rtl="0" eaLnBrk="1" latinLnBrk="0" hangingPunct="1">
+              <a:defRPr sz="1800" kern="1200">
+                <a:solidFill>
+                  <a:schemeClr val="tx1"/>
+                </a:solidFill>
+                <a:latin typeface="+mn-lt"/>
+                <a:ea typeface="+mn-ea"/>
+                <a:cs typeface="+mn-cs"/>
+              </a:defRPr>
+            </a:lvl2pPr>
+            <a:lvl3pPr marL="914400" algn="l" defTabSz="457200" rtl="0" eaLnBrk="1" latinLnBrk="0" hangingPunct="1">
+              <a:defRPr sz="1800" kern="1200">
+                <a:solidFill>
+                  <a:schemeClr val="tx1"/>
+                </a:solidFill>
+                <a:latin typeface="+mn-lt"/>
+                <a:ea typeface="+mn-ea"/>
+                <a:cs typeface="+mn-cs"/>
+              </a:defRPr>
+            </a:lvl3pPr>
+            <a:lvl4pPr marL="1371600" algn="l" defTabSz="457200" rtl="0" eaLnBrk="1" latinLnBrk="0" hangingPunct="1">
+              <a:defRPr sz="1800" kern="1200">
+                <a:solidFill>
+                  <a:schemeClr val="tx1"/>
+                </a:solidFill>
+                <a:latin typeface="+mn-lt"/>
+                <a:ea typeface="+mn-ea"/>
+                <a:cs typeface="+mn-cs"/>
+              </a:defRPr>
+            </a:lvl4pPr>
+            <a:lvl5pPr marL="1828800" algn="l" defTabSz="457200" rtl="0" eaLnBrk="1" latinLnBrk="0" hangingPunct="1">
+              <a:defRPr sz="1800" kern="1200">
+                <a:solidFill>
+                  <a:schemeClr val="tx1"/>
+                </a:solidFill>
+                <a:latin typeface="+mn-lt"/>
+                <a:ea typeface="+mn-ea"/>
+                <a:cs typeface="+mn-cs"/>
+              </a:defRPr>
+            </a:lvl5pPr>
+            <a:lvl6pPr marL="2286000" algn="l" defTabSz="457200" rtl="0" eaLnBrk="1" latinLnBrk="0" hangingPunct="1">
+              <a:defRPr sz="1800" kern="1200">
+                <a:solidFill>
+                  <a:schemeClr val="tx1"/>
+                </a:solidFill>
+                <a:latin typeface="+mn-lt"/>
+                <a:ea typeface="+mn-ea"/>
+                <a:cs typeface="+mn-cs"/>
+              </a:defRPr>
+            </a:lvl6pPr>
+            <a:lvl7pPr marL="2743200" algn="l" defTabSz="457200" rtl="0" eaLnBrk="1" latinLnBrk="0" hangingPunct="1">
+              <a:defRPr sz="1800" kern="1200">
+                <a:solidFill>
+                  <a:schemeClr val="tx1"/>
+                </a:solidFill>
+                <a:latin typeface="+mn-lt"/>
+                <a:ea typeface="+mn-ea"/>
+                <a:cs typeface="+mn-cs"/>
+              </a:defRPr>
+            </a:lvl7pPr>
+            <a:lvl8pPr marL="3200400" algn="l" defTabSz="457200" rtl="0" eaLnBrk="1" latinLnBrk="0" hangingPunct="1">
+              <a:defRPr sz="1800" kern="1200">
+                <a:solidFill>
+                  <a:schemeClr val="tx1"/>
+                </a:solidFill>
+                <a:latin typeface="+mn-lt"/>
+                <a:ea typeface="+mn-ea"/>
+                <a:cs typeface="+mn-cs"/>
+              </a:defRPr>
+            </a:lvl8pPr>
+            <a:lvl9pPr marL="3657600" algn="l" defTabSz="457200" rtl="0" eaLnBrk="1" latinLnBrk="0" hangingPunct="1">
+              <a:defRPr sz="1800" kern="1200">
+                <a:solidFill>
+                  <a:schemeClr val="tx1"/>
+                </a:solidFill>
+                <a:latin typeface="+mn-lt"/>
+                <a:ea typeface="+mn-ea"/>
+                <a:cs typeface="+mn-cs"/>
+              </a:defRPr>
+            </a:lvl9pPr>
+          </a:lstStyle>
+          <a:p>
+            <a:pPr marL="0" marR="0" lvl="0" indent="0" algn="l" defTabSz="457200" rtl="0" eaLnBrk="1" fontAlgn="auto" latinLnBrk="0" hangingPunct="1">
+              <a:lnSpc>
+                <a:spcPct val="100000"/>
+              </a:lnSpc>
+              <a:spcBef>
+                <a:spcPts val="0"/>
+              </a:spcBef>
+              <a:spcAft>
+                <a:spcPts val="0"/>
+              </a:spcAft>
+              <a:buClrTx/>
+              <a:buSzTx/>
+              <a:buFontTx/>
+              <a:buNone/>
+              <a:tabLst/>
+              <a:defRPr/>
+            </a:pPr>
+            <a:r>
+              <a:rPr kumimoji="0" lang="en-US" sz="1200" b="0" i="0" u="none" strike="noStrike" kern="1200" cap="none" spc="0" normalizeH="0" baseline="0" noProof="0">
+                <a:ln>
+                  <a:noFill/>
+                </a:ln>
+                <a:solidFill>
+                  <a:srgbClr val="FFFFFF"/>
+                </a:solidFill>
+                <a:effectLst/>
+                <a:uLnTx/>
+                <a:uFillTx/>
+                <a:latin typeface="Candara" panose="020E0502030303020204" pitchFamily="34" charset="0"/>
+                <a:ea typeface="+mn-ea"/>
+                <a:cs typeface="+mn-cs"/>
+              </a:rPr>
+              <a:t>UCL GIS for Geoscientists- Session 3- Intermediate GIS</a:t>
+            </a:r>
+          </a:p>
+          <a:p>
+            <a:pPr marL="0" marR="0" lvl="0" indent="0" algn="l" defTabSz="457200" rtl="0" eaLnBrk="1" fontAlgn="auto" latinLnBrk="0" hangingPunct="1">
+              <a:lnSpc>
+                <a:spcPct val="100000"/>
+              </a:lnSpc>
+              <a:spcBef>
+                <a:spcPts val="0"/>
+              </a:spcBef>
+              <a:spcAft>
+                <a:spcPts val="0"/>
+              </a:spcAft>
+              <a:buClrTx/>
+              <a:buSzTx/>
+              <a:buFontTx/>
+              <a:buNone/>
+              <a:tabLst/>
+              <a:defRPr/>
+            </a:pPr>
+            <a:r>
+              <a:rPr kumimoji="0" lang="en-US" sz="1200" b="0" i="0" u="none" strike="noStrike" kern="1200" cap="none" spc="0" normalizeH="0" baseline="0" noProof="0">
+                <a:ln>
+                  <a:noFill/>
+                </a:ln>
+                <a:solidFill>
+                  <a:srgbClr val="FFFFFF"/>
+                </a:solidFill>
+                <a:effectLst/>
+                <a:uLnTx/>
+                <a:uFillTx/>
+                <a:latin typeface="Candara" panose="020E0502030303020204" pitchFamily="34" charset="0"/>
+                <a:ea typeface="+mn-ea"/>
+                <a:cs typeface="+mn-cs"/>
+              </a:rPr>
+              <a:t>Presented by N.D. Barber (Cambridge) ndb38@cam.ac.uk</a:t>
+            </a:r>
+            <a:endParaRPr kumimoji="0" lang="en-US" sz="1200" b="0" i="0" u="none" strike="noStrike" kern="1200" cap="none" spc="0" normalizeH="0" baseline="0" noProof="0" dirty="0">
+              <a:ln>
+                <a:noFill/>
+              </a:ln>
+              <a:solidFill>
+                <a:srgbClr val="FFFFFF"/>
+              </a:solidFill>
+              <a:effectLst/>
+              <a:uLnTx/>
+              <a:uFillTx/>
+              <a:latin typeface="Candara" panose="020E0502030303020204" pitchFamily="34" charset="0"/>
+              <a:ea typeface="+mn-ea"/>
+              <a:cs typeface="+mn-cs"/>
+            </a:endParaRPr>
+          </a:p>
+        </p:txBody>
+      </p:sp>
     </p:spTree>
     <p:extLst>
       <p:ext uri="{BB962C8B-B14F-4D97-AF65-F5344CB8AC3E}">
@@ -2090,7 +2870,7 @@
           <a:p>
             <a:fld id="{70C19497-7443-3649-BD98-86E7AA467390}" type="datetime1">
               <a:rPr lang="en-US" smtClean="0"/>
-              <a:t>7/6/20</a:t>
+              <a:t>8/17/20</a:t>
             </a:fld>
             <a:endParaRPr lang="en-US" dirty="0"/>
           </a:p>
@@ -2116,6 +2896,57 @@
               <a:t>‹#›</a:t>
             </a:fld>
             <a:endParaRPr lang="en-US" dirty="0"/>
+          </a:p>
+        </p:txBody>
+      </p:sp>
+      <p:sp>
+        <p:nvSpPr>
+          <p:cNvPr id="7" name="Footer Placeholder 4">
+            <a:extLst>
+              <a:ext uri="{FF2B5EF4-FFF2-40B4-BE49-F238E27FC236}">
+                <a16:creationId xmlns:a16="http://schemas.microsoft.com/office/drawing/2014/main" id="{34515468-5F7B-8B4B-AE04-C3DB4A242D09}"/>
+              </a:ext>
+            </a:extLst>
+          </p:cNvPr>
+          <p:cNvSpPr>
+            <a:spLocks noGrp="1"/>
+          </p:cNvSpPr>
+          <p:nvPr>
+            <p:ph type="ftr" sz="quarter" idx="3"/>
+          </p:nvPr>
+        </p:nvSpPr>
+        <p:spPr>
+          <a:xfrm rot="16200000">
+            <a:off x="9390931" y="3548149"/>
+            <a:ext cx="4718224" cy="365125"/>
+          </a:xfrm>
+          <a:prstGeom prst="rect">
+            <a:avLst/>
+          </a:prstGeom>
+        </p:spPr>
+        <p:txBody>
+          <a:bodyPr/>
+          <a:lstStyle>
+            <a:lvl1pPr>
+              <a:defRPr sz="1200">
+                <a:solidFill>
+                  <a:schemeClr val="bg1"/>
+                </a:solidFill>
+                <a:latin typeface="Candara" panose="020E0502030303020204" pitchFamily="34" charset="0"/>
+              </a:defRPr>
+            </a:lvl1pPr>
+          </a:lstStyle>
+          <a:p>
+            <a:r>
+              <a:rPr lang="en-US" dirty="0"/>
+              <a:t>UCL GIS for Geoscientists- Session 3- Intermediate GIS</a:t>
+            </a:r>
+          </a:p>
+          <a:p>
+            <a:r>
+              <a:rPr lang="en-US" dirty="0"/>
+              <a:t>Presented by N.D. Barber (Cambridge) ndb38@cam.ac.uk</a:t>
+            </a:r>
           </a:p>
         </p:txBody>
       </p:sp>
@@ -2251,7 +3082,7 @@
           <a:p>
             <a:fld id="{B1C12939-C404-CD42-9389-BDB8482DAA01}" type="datetime1">
               <a:rPr lang="en-US" smtClean="0"/>
-              <a:t>7/6/20</a:t>
+              <a:t>8/17/20</a:t>
             </a:fld>
             <a:endParaRPr lang="en-US" dirty="0"/>
           </a:p>
@@ -2277,6 +3108,57 @@
               <a:t>‹#›</a:t>
             </a:fld>
             <a:endParaRPr lang="en-US" dirty="0"/>
+          </a:p>
+        </p:txBody>
+      </p:sp>
+      <p:sp>
+        <p:nvSpPr>
+          <p:cNvPr id="7" name="Footer Placeholder 4">
+            <a:extLst>
+              <a:ext uri="{FF2B5EF4-FFF2-40B4-BE49-F238E27FC236}">
+                <a16:creationId xmlns:a16="http://schemas.microsoft.com/office/drawing/2014/main" id="{DF15F1C2-7FE6-054B-BBFC-7B0B376BB03C}"/>
+              </a:ext>
+            </a:extLst>
+          </p:cNvPr>
+          <p:cNvSpPr>
+            <a:spLocks noGrp="1"/>
+          </p:cNvSpPr>
+          <p:nvPr>
+            <p:ph type="ftr" sz="quarter" idx="3"/>
+          </p:nvPr>
+        </p:nvSpPr>
+        <p:spPr>
+          <a:xfrm rot="16200000">
+            <a:off x="9390931" y="3548149"/>
+            <a:ext cx="4718224" cy="365125"/>
+          </a:xfrm>
+          <a:prstGeom prst="rect">
+            <a:avLst/>
+          </a:prstGeom>
+        </p:spPr>
+        <p:txBody>
+          <a:bodyPr/>
+          <a:lstStyle>
+            <a:lvl1pPr>
+              <a:defRPr sz="1200">
+                <a:solidFill>
+                  <a:schemeClr val="bg1"/>
+                </a:solidFill>
+                <a:latin typeface="Candara" panose="020E0502030303020204" pitchFamily="34" charset="0"/>
+              </a:defRPr>
+            </a:lvl1pPr>
+          </a:lstStyle>
+          <a:p>
+            <a:r>
+              <a:rPr lang="en-US" dirty="0"/>
+              <a:t>UCL GIS for Geoscientists- Session 3- Intermediate GIS</a:t>
+            </a:r>
+          </a:p>
+          <a:p>
+            <a:r>
+              <a:rPr lang="en-US" dirty="0"/>
+              <a:t>Presented by N.D. Barber (Cambridge) ndb38@cam.ac.uk</a:t>
+            </a:r>
           </a:p>
         </p:txBody>
       </p:sp>
@@ -2434,7 +3316,7 @@
           <a:p>
             <a:fld id="{0C058645-6F24-9C43-8FC3-443F02031404}" type="datetime1">
               <a:rPr lang="en-US" smtClean="0"/>
-              <a:t>7/6/20</a:t>
+              <a:t>8/17/20</a:t>
             </a:fld>
             <a:endParaRPr lang="en-US" dirty="0"/>
           </a:p>
@@ -2460,6 +3342,57 @@
               <a:t>‹#›</a:t>
             </a:fld>
             <a:endParaRPr lang="en-US" dirty="0"/>
+          </a:p>
+        </p:txBody>
+      </p:sp>
+      <p:sp>
+        <p:nvSpPr>
+          <p:cNvPr id="7" name="Footer Placeholder 4">
+            <a:extLst>
+              <a:ext uri="{FF2B5EF4-FFF2-40B4-BE49-F238E27FC236}">
+                <a16:creationId xmlns:a16="http://schemas.microsoft.com/office/drawing/2014/main" id="{3C645967-E09E-7D46-AFA6-2F7BA469E6E2}"/>
+              </a:ext>
+            </a:extLst>
+          </p:cNvPr>
+          <p:cNvSpPr>
+            <a:spLocks noGrp="1"/>
+          </p:cNvSpPr>
+          <p:nvPr>
+            <p:ph type="ftr" sz="quarter" idx="3"/>
+          </p:nvPr>
+        </p:nvSpPr>
+        <p:spPr>
+          <a:xfrm rot="16200000">
+            <a:off x="9390931" y="3548149"/>
+            <a:ext cx="4718224" cy="365125"/>
+          </a:xfrm>
+          <a:prstGeom prst="rect">
+            <a:avLst/>
+          </a:prstGeom>
+        </p:spPr>
+        <p:txBody>
+          <a:bodyPr/>
+          <a:lstStyle>
+            <a:lvl1pPr>
+              <a:defRPr sz="1200">
+                <a:solidFill>
+                  <a:schemeClr val="bg1"/>
+                </a:solidFill>
+                <a:latin typeface="Candara" panose="020E0502030303020204" pitchFamily="34" charset="0"/>
+              </a:defRPr>
+            </a:lvl1pPr>
+          </a:lstStyle>
+          <a:p>
+            <a:r>
+              <a:rPr lang="en-US" dirty="0"/>
+              <a:t>UCL GIS for Geoscientists- Session 3- Intermediate GIS</a:t>
+            </a:r>
+          </a:p>
+          <a:p>
+            <a:r>
+              <a:rPr lang="en-US" dirty="0"/>
+              <a:t>Presented by N.D. Barber (Cambridge) ndb38@cam.ac.uk</a:t>
+            </a:r>
           </a:p>
         </p:txBody>
       </p:sp>
@@ -2672,7 +3605,7 @@
           <a:p>
             <a:fld id="{453754D5-8BE9-294A-B481-283E1E39E0CC}" type="datetime1">
               <a:rPr lang="en-US" smtClean="0"/>
-              <a:t>7/6/20</a:t>
+              <a:t>8/17/20</a:t>
             </a:fld>
             <a:endParaRPr lang="en-US" dirty="0"/>
           </a:p>
@@ -2738,6 +3671,57 @@
             <a:schemeClr val="lt1"/>
           </a:fontRef>
         </p:style>
+      </p:sp>
+      <p:sp>
+        <p:nvSpPr>
+          <p:cNvPr id="8" name="Footer Placeholder 4">
+            <a:extLst>
+              <a:ext uri="{FF2B5EF4-FFF2-40B4-BE49-F238E27FC236}">
+                <a16:creationId xmlns:a16="http://schemas.microsoft.com/office/drawing/2014/main" id="{B0DF5AF1-231C-DA4A-8BDD-FDF149D9C3E6}"/>
+              </a:ext>
+            </a:extLst>
+          </p:cNvPr>
+          <p:cNvSpPr>
+            <a:spLocks noGrp="1"/>
+          </p:cNvSpPr>
+          <p:nvPr>
+            <p:ph type="ftr" sz="quarter" idx="3"/>
+          </p:nvPr>
+        </p:nvSpPr>
+        <p:spPr>
+          <a:xfrm rot="16200000">
+            <a:off x="9390931" y="3548149"/>
+            <a:ext cx="4718224" cy="365125"/>
+          </a:xfrm>
+          <a:prstGeom prst="rect">
+            <a:avLst/>
+          </a:prstGeom>
+        </p:spPr>
+        <p:txBody>
+          <a:bodyPr/>
+          <a:lstStyle>
+            <a:lvl1pPr>
+              <a:defRPr sz="1200">
+                <a:solidFill>
+                  <a:schemeClr val="bg1"/>
+                </a:solidFill>
+                <a:latin typeface="Candara" panose="020E0502030303020204" pitchFamily="34" charset="0"/>
+              </a:defRPr>
+            </a:lvl1pPr>
+          </a:lstStyle>
+          <a:p>
+            <a:r>
+              <a:rPr lang="en-US" dirty="0"/>
+              <a:t>UCL GIS for Geoscientists- Session 3- Intermediate GIS</a:t>
+            </a:r>
+          </a:p>
+          <a:p>
+            <a:r>
+              <a:rPr lang="en-US" dirty="0"/>
+              <a:t>Presented by N.D. Barber (Cambridge) ndb38@cam.ac.uk</a:t>
+            </a:r>
+          </a:p>
+        </p:txBody>
       </p:sp>
     </p:spTree>
     <p:extLst>
@@ -3011,7 +3995,7 @@
           <a:p>
             <a:fld id="{CA2FF639-FC09-5F4A-B23C-8B1FDDDDEFBF}" type="datetime1">
               <a:rPr lang="en-US" smtClean="0"/>
-              <a:t>7/6/20</a:t>
+              <a:t>8/17/20</a:t>
             </a:fld>
             <a:endParaRPr lang="en-US" dirty="0"/>
           </a:p>
@@ -3037,6 +4021,57 @@
               <a:t>‹#›</a:t>
             </a:fld>
             <a:endParaRPr lang="en-US" dirty="0"/>
+          </a:p>
+        </p:txBody>
+      </p:sp>
+      <p:sp>
+        <p:nvSpPr>
+          <p:cNvPr id="8" name="Footer Placeholder 4">
+            <a:extLst>
+              <a:ext uri="{FF2B5EF4-FFF2-40B4-BE49-F238E27FC236}">
+                <a16:creationId xmlns:a16="http://schemas.microsoft.com/office/drawing/2014/main" id="{7D5F2460-5101-9849-B051-01C3AFA4A858}"/>
+              </a:ext>
+            </a:extLst>
+          </p:cNvPr>
+          <p:cNvSpPr>
+            <a:spLocks noGrp="1"/>
+          </p:cNvSpPr>
+          <p:nvPr>
+            <p:ph type="ftr" sz="quarter" idx="3"/>
+          </p:nvPr>
+        </p:nvSpPr>
+        <p:spPr>
+          <a:xfrm rot="16200000">
+            <a:off x="9390931" y="3548149"/>
+            <a:ext cx="4718224" cy="365125"/>
+          </a:xfrm>
+          <a:prstGeom prst="rect">
+            <a:avLst/>
+          </a:prstGeom>
+        </p:spPr>
+        <p:txBody>
+          <a:bodyPr/>
+          <a:lstStyle>
+            <a:lvl1pPr>
+              <a:defRPr sz="1200">
+                <a:solidFill>
+                  <a:schemeClr val="bg1"/>
+                </a:solidFill>
+                <a:latin typeface="Candara" panose="020E0502030303020204" pitchFamily="34" charset="0"/>
+              </a:defRPr>
+            </a:lvl1pPr>
+          </a:lstStyle>
+          <a:p>
+            <a:r>
+              <a:rPr lang="en-US" dirty="0"/>
+              <a:t>UCL GIS for Geoscientists- Session 3- Intermediate GIS</a:t>
+            </a:r>
+          </a:p>
+          <a:p>
+            <a:r>
+              <a:rPr lang="en-US" dirty="0"/>
+              <a:t>Presented by N.D. Barber (Cambridge) ndb38@cam.ac.uk</a:t>
+            </a:r>
           </a:p>
         </p:txBody>
       </p:sp>
@@ -3476,7 +4511,7 @@
           <a:p>
             <a:fld id="{FC355047-41C0-8641-9CD9-E597560F38B5}" type="datetime1">
               <a:rPr lang="en-US" smtClean="0"/>
-              <a:t>7/6/20</a:t>
+              <a:t>8/17/20</a:t>
             </a:fld>
             <a:endParaRPr lang="en-US" dirty="0"/>
           </a:p>
@@ -3502,6 +4537,57 @@
               <a:t>‹#›</a:t>
             </a:fld>
             <a:endParaRPr lang="en-US" dirty="0"/>
+          </a:p>
+        </p:txBody>
+      </p:sp>
+      <p:sp>
+        <p:nvSpPr>
+          <p:cNvPr id="11" name="Footer Placeholder 4">
+            <a:extLst>
+              <a:ext uri="{FF2B5EF4-FFF2-40B4-BE49-F238E27FC236}">
+                <a16:creationId xmlns:a16="http://schemas.microsoft.com/office/drawing/2014/main" id="{2151A285-A456-8040-88E2-177C06CED56E}"/>
+              </a:ext>
+            </a:extLst>
+          </p:cNvPr>
+          <p:cNvSpPr>
+            <a:spLocks noGrp="1"/>
+          </p:cNvSpPr>
+          <p:nvPr>
+            <p:ph type="ftr" sz="quarter" idx="13"/>
+          </p:nvPr>
+        </p:nvSpPr>
+        <p:spPr>
+          <a:xfrm rot="16200000">
+            <a:off x="9390931" y="3548149"/>
+            <a:ext cx="4718224" cy="365125"/>
+          </a:xfrm>
+          <a:prstGeom prst="rect">
+            <a:avLst/>
+          </a:prstGeom>
+        </p:spPr>
+        <p:txBody>
+          <a:bodyPr/>
+          <a:lstStyle>
+            <a:lvl1pPr>
+              <a:defRPr sz="1200">
+                <a:solidFill>
+                  <a:schemeClr val="bg1"/>
+                </a:solidFill>
+                <a:latin typeface="Candara" panose="020E0502030303020204" pitchFamily="34" charset="0"/>
+              </a:defRPr>
+            </a:lvl1pPr>
+          </a:lstStyle>
+          <a:p>
+            <a:r>
+              <a:rPr lang="en-US" dirty="0"/>
+              <a:t>UCL GIS for Geoscientists- Session 3- Intermediate GIS</a:t>
+            </a:r>
+          </a:p>
+          <a:p>
+            <a:r>
+              <a:rPr lang="en-US" dirty="0"/>
+              <a:t>Presented by N.D. Barber (Cambridge) ndb38@cam.ac.uk</a:t>
+            </a:r>
           </a:p>
         </p:txBody>
       </p:sp>
@@ -3587,7 +4673,7 @@
           <a:p>
             <a:fld id="{36C54D54-7A92-A645-BFCE-8BE6B8068A7A}" type="datetime1">
               <a:rPr lang="en-US" smtClean="0"/>
-              <a:t>7/6/20</a:t>
+              <a:t>8/17/20</a:t>
             </a:fld>
             <a:endParaRPr lang="en-US" dirty="0"/>
           </a:p>
@@ -3613,6 +4699,57 @@
               <a:t>‹#›</a:t>
             </a:fld>
             <a:endParaRPr lang="en-US" dirty="0"/>
+          </a:p>
+        </p:txBody>
+      </p:sp>
+      <p:sp>
+        <p:nvSpPr>
+          <p:cNvPr id="7" name="Footer Placeholder 4">
+            <a:extLst>
+              <a:ext uri="{FF2B5EF4-FFF2-40B4-BE49-F238E27FC236}">
+                <a16:creationId xmlns:a16="http://schemas.microsoft.com/office/drawing/2014/main" id="{76B978CD-3680-8546-82A4-CC77D5F7B475}"/>
+              </a:ext>
+            </a:extLst>
+          </p:cNvPr>
+          <p:cNvSpPr>
+            <a:spLocks noGrp="1"/>
+          </p:cNvSpPr>
+          <p:nvPr>
+            <p:ph type="ftr" sz="quarter" idx="3"/>
+          </p:nvPr>
+        </p:nvSpPr>
+        <p:spPr>
+          <a:xfrm rot="16200000">
+            <a:off x="9390931" y="3548149"/>
+            <a:ext cx="4718224" cy="365125"/>
+          </a:xfrm>
+          <a:prstGeom prst="rect">
+            <a:avLst/>
+          </a:prstGeom>
+        </p:spPr>
+        <p:txBody>
+          <a:bodyPr/>
+          <a:lstStyle>
+            <a:lvl1pPr>
+              <a:defRPr sz="1200">
+                <a:solidFill>
+                  <a:schemeClr val="bg1"/>
+                </a:solidFill>
+                <a:latin typeface="Candara" panose="020E0502030303020204" pitchFamily="34" charset="0"/>
+              </a:defRPr>
+            </a:lvl1pPr>
+          </a:lstStyle>
+          <a:p>
+            <a:r>
+              <a:rPr lang="en-US" dirty="0"/>
+              <a:t>UCL GIS for Geoscientists- Session 3- Intermediate GIS</a:t>
+            </a:r>
+          </a:p>
+          <a:p>
+            <a:r>
+              <a:rPr lang="en-US" dirty="0"/>
+              <a:t>Presented by N.D. Barber (Cambridge) ndb38@cam.ac.uk</a:t>
+            </a:r>
           </a:p>
         </p:txBody>
       </p:sp>
@@ -3669,7 +4806,7 @@
           <a:p>
             <a:fld id="{B6F76746-A03E-1446-B7CF-798FC3EE1D94}" type="datetime1">
               <a:rPr lang="en-US" smtClean="0"/>
-              <a:t>7/6/20</a:t>
+              <a:t>8/17/20</a:t>
             </a:fld>
             <a:endParaRPr lang="en-US" dirty="0"/>
           </a:p>
@@ -3695,6 +4832,57 @@
               <a:t>‹#›</a:t>
             </a:fld>
             <a:endParaRPr lang="en-US" dirty="0"/>
+          </a:p>
+        </p:txBody>
+      </p:sp>
+      <p:sp>
+        <p:nvSpPr>
+          <p:cNvPr id="5" name="Footer Placeholder 4">
+            <a:extLst>
+              <a:ext uri="{FF2B5EF4-FFF2-40B4-BE49-F238E27FC236}">
+                <a16:creationId xmlns:a16="http://schemas.microsoft.com/office/drawing/2014/main" id="{4335A86B-7EDE-EB49-888B-8CF3E63C522B}"/>
+              </a:ext>
+            </a:extLst>
+          </p:cNvPr>
+          <p:cNvSpPr>
+            <a:spLocks noGrp="1"/>
+          </p:cNvSpPr>
+          <p:nvPr>
+            <p:ph type="ftr" sz="quarter" idx="3"/>
+          </p:nvPr>
+        </p:nvSpPr>
+        <p:spPr>
+          <a:xfrm rot="16200000">
+            <a:off x="9390931" y="3548149"/>
+            <a:ext cx="4718224" cy="365125"/>
+          </a:xfrm>
+          <a:prstGeom prst="rect">
+            <a:avLst/>
+          </a:prstGeom>
+        </p:spPr>
+        <p:txBody>
+          <a:bodyPr/>
+          <a:lstStyle>
+            <a:lvl1pPr>
+              <a:defRPr sz="1200">
+                <a:solidFill>
+                  <a:schemeClr val="bg1"/>
+                </a:solidFill>
+                <a:latin typeface="Candara" panose="020E0502030303020204" pitchFamily="34" charset="0"/>
+              </a:defRPr>
+            </a:lvl1pPr>
+          </a:lstStyle>
+          <a:p>
+            <a:r>
+              <a:rPr lang="en-US" dirty="0"/>
+              <a:t>UCL GIS for Geoscientists- Session 3- Intermediate GIS</a:t>
+            </a:r>
+          </a:p>
+          <a:p>
+            <a:r>
+              <a:rPr lang="en-US" dirty="0"/>
+              <a:t>Presented by N.D. Barber (Cambridge) ndb38@cam.ac.uk</a:t>
+            </a:r>
           </a:p>
         </p:txBody>
       </p:sp>
@@ -3957,7 +5145,7 @@
           <a:p>
             <a:fld id="{4152640C-FBCD-2845-990D-FAE60167BFE2}" type="datetime1">
               <a:rPr lang="en-US" smtClean="0"/>
-              <a:t>7/6/20</a:t>
+              <a:t>8/17/20</a:t>
             </a:fld>
             <a:endParaRPr lang="en-US" dirty="0"/>
           </a:p>
@@ -3990,6 +5178,57 @@
               <a:t>‹#›</a:t>
             </a:fld>
             <a:endParaRPr lang="en-US" dirty="0"/>
+          </a:p>
+        </p:txBody>
+      </p:sp>
+      <p:sp>
+        <p:nvSpPr>
+          <p:cNvPr id="8" name="Footer Placeholder 4">
+            <a:extLst>
+              <a:ext uri="{FF2B5EF4-FFF2-40B4-BE49-F238E27FC236}">
+                <a16:creationId xmlns:a16="http://schemas.microsoft.com/office/drawing/2014/main" id="{FD5B432D-2541-224D-B4EF-8106744FC424}"/>
+              </a:ext>
+            </a:extLst>
+          </p:cNvPr>
+          <p:cNvSpPr>
+            <a:spLocks noGrp="1"/>
+          </p:cNvSpPr>
+          <p:nvPr>
+            <p:ph type="ftr" sz="quarter" idx="3"/>
+          </p:nvPr>
+        </p:nvSpPr>
+        <p:spPr>
+          <a:xfrm rot="16200000">
+            <a:off x="9390931" y="3548149"/>
+            <a:ext cx="4718224" cy="365125"/>
+          </a:xfrm>
+          <a:prstGeom prst="rect">
+            <a:avLst/>
+          </a:prstGeom>
+        </p:spPr>
+        <p:txBody>
+          <a:bodyPr/>
+          <a:lstStyle>
+            <a:lvl1pPr>
+              <a:defRPr sz="1200">
+                <a:solidFill>
+                  <a:schemeClr val="bg1"/>
+                </a:solidFill>
+                <a:latin typeface="Candara" panose="020E0502030303020204" pitchFamily="34" charset="0"/>
+              </a:defRPr>
+            </a:lvl1pPr>
+          </a:lstStyle>
+          <a:p>
+            <a:r>
+              <a:rPr lang="en-US" dirty="0"/>
+              <a:t>UCL GIS for Geoscientists- Session 3- Intermediate GIS</a:t>
+            </a:r>
+          </a:p>
+          <a:p>
+            <a:r>
+              <a:rPr lang="en-US" dirty="0"/>
+              <a:t>Presented by N.D. Barber (Cambridge) ndb38@cam.ac.uk</a:t>
+            </a:r>
           </a:p>
         </p:txBody>
       </p:sp>
@@ -4276,7 +5515,7 @@
           <a:p>
             <a:fld id="{57BE5EE7-EBBE-D047-A622-014412DFBC0F}" type="datetime1">
               <a:rPr lang="en-US" smtClean="0"/>
-              <a:t>7/6/20</a:t>
+              <a:t>8/17/20</a:t>
             </a:fld>
             <a:endParaRPr lang="en-US" dirty="0"/>
           </a:p>
@@ -4302,6 +5541,57 @@
               <a:t>‹#›</a:t>
             </a:fld>
             <a:endParaRPr lang="en-US" dirty="0"/>
+          </a:p>
+        </p:txBody>
+      </p:sp>
+      <p:sp>
+        <p:nvSpPr>
+          <p:cNvPr id="9" name="Footer Placeholder 4">
+            <a:extLst>
+              <a:ext uri="{FF2B5EF4-FFF2-40B4-BE49-F238E27FC236}">
+                <a16:creationId xmlns:a16="http://schemas.microsoft.com/office/drawing/2014/main" id="{025C207C-F89D-2A42-847E-F58F9BB4F380}"/>
+              </a:ext>
+            </a:extLst>
+          </p:cNvPr>
+          <p:cNvSpPr>
+            <a:spLocks noGrp="1"/>
+          </p:cNvSpPr>
+          <p:nvPr>
+            <p:ph type="ftr" sz="quarter" idx="3"/>
+          </p:nvPr>
+        </p:nvSpPr>
+        <p:spPr>
+          <a:xfrm rot="16200000">
+            <a:off x="9390931" y="3548149"/>
+            <a:ext cx="4718224" cy="365125"/>
+          </a:xfrm>
+          <a:prstGeom prst="rect">
+            <a:avLst/>
+          </a:prstGeom>
+        </p:spPr>
+        <p:txBody>
+          <a:bodyPr/>
+          <a:lstStyle>
+            <a:lvl1pPr>
+              <a:defRPr sz="1200">
+                <a:solidFill>
+                  <a:schemeClr val="bg1"/>
+                </a:solidFill>
+                <a:latin typeface="Candara" panose="020E0502030303020204" pitchFamily="34" charset="0"/>
+              </a:defRPr>
+            </a:lvl1pPr>
+          </a:lstStyle>
+          <a:p>
+            <a:r>
+              <a:rPr lang="en-US" dirty="0"/>
+              <a:t>UCL GIS for Geoscientists- Session 3- Intermediate GIS</a:t>
+            </a:r>
+          </a:p>
+          <a:p>
+            <a:r>
+              <a:rPr lang="en-US" dirty="0"/>
+              <a:t>Presented by N.D. Barber (Cambridge) ndb38@cam.ac.uk</a:t>
+            </a:r>
           </a:p>
         </p:txBody>
       </p:sp>
@@ -4348,7 +5638,7 @@
         </p:nvSpPr>
         <p:spPr>
           <a:xfrm>
-            <a:off x="11292840" y="0"/>
+            <a:off x="11277600" y="0"/>
             <a:ext cx="914400" cy="6858000"/>
           </a:xfrm>
           <a:prstGeom prst="rect">
@@ -4512,7 +5802,7 @@
           <a:p>
             <a:fld id="{70D1B046-536E-594E-9C7D-0944F6913C4A}" type="datetime1">
               <a:rPr lang="en-US" smtClean="0"/>
-              <a:t>7/6/20</a:t>
+              <a:t>8/17/20</a:t>
             </a:fld>
             <a:endParaRPr lang="en-US" dirty="0"/>
           </a:p>
@@ -4566,162 +5856,51 @@
       </p:sp>
       <p:sp>
         <p:nvSpPr>
-          <p:cNvPr id="9" name="Footer Placeholder 4">
+          <p:cNvPr id="8" name="Footer Placeholder 4">
             <a:extLst>
               <a:ext uri="{FF2B5EF4-FFF2-40B4-BE49-F238E27FC236}">
-                <a16:creationId xmlns:a16="http://schemas.microsoft.com/office/drawing/2014/main" id="{65D8D20A-82A3-C041-8A17-67F566D62C4A}"/>
+                <a16:creationId xmlns:a16="http://schemas.microsoft.com/office/drawing/2014/main" id="{35412984-6C29-BB4B-9A27-5643D96A5F1E}"/>
               </a:ext>
             </a:extLst>
           </p:cNvPr>
-          <p:cNvSpPr txBox="1">
-            <a:spLocks/>
-          </p:cNvSpPr>
-          <p:nvPr userDrawn="1"/>
+          <p:cNvSpPr>
+            <a:spLocks noGrp="1"/>
+          </p:cNvSpPr>
+          <p:nvPr>
+            <p:ph type="ftr" sz="quarter" idx="3"/>
+          </p:nvPr>
         </p:nvSpPr>
         <p:spPr>
           <a:xfrm rot="16200000">
-            <a:off x="9959341" y="4046537"/>
-            <a:ext cx="3581400" cy="365125"/>
+            <a:off x="9390931" y="3548149"/>
+            <a:ext cx="4718224" cy="365125"/>
           </a:xfrm>
           <a:prstGeom prst="rect">
             <a:avLst/>
           </a:prstGeom>
         </p:spPr>
         <p:txBody>
-          <a:bodyPr vert="horz" lIns="91440" tIns="45720" rIns="91440" bIns="45720" rtlCol="0" anchor="ctr"/>
+          <a:bodyPr/>
           <a:lstStyle>
-            <a:defPPr>
-              <a:defRPr lang="en-US"/>
-            </a:defPPr>
-            <a:lvl1pPr marL="0" algn="l" defTabSz="457200" rtl="0" eaLnBrk="1" latinLnBrk="0" hangingPunct="1">
-              <a:defRPr sz="1050" kern="1200">
+            <a:lvl1pPr>
+              <a:defRPr sz="1200">
                 <a:solidFill>
-                  <a:schemeClr val="tx1">
-                    <a:lumMod val="65000"/>
-                  </a:schemeClr>
+                  <a:schemeClr val="bg1"/>
                 </a:solidFill>
                 <a:latin typeface="Candara" panose="020E0502030303020204" pitchFamily="34" charset="0"/>
-                <a:ea typeface="+mn-ea"/>
-                <a:cs typeface="+mn-cs"/>
               </a:defRPr>
             </a:lvl1pPr>
-            <a:lvl2pPr marL="457200" algn="l" defTabSz="457200" rtl="0" eaLnBrk="1" latinLnBrk="0" hangingPunct="1">
-              <a:defRPr sz="1800" kern="1200">
-                <a:solidFill>
-                  <a:schemeClr val="tx1"/>
-                </a:solidFill>
-                <a:latin typeface="+mn-lt"/>
-                <a:ea typeface="+mn-ea"/>
-                <a:cs typeface="+mn-cs"/>
-              </a:defRPr>
-            </a:lvl2pPr>
-            <a:lvl3pPr marL="914400" algn="l" defTabSz="457200" rtl="0" eaLnBrk="1" latinLnBrk="0" hangingPunct="1">
-              <a:defRPr sz="1800" kern="1200">
-                <a:solidFill>
-                  <a:schemeClr val="tx1"/>
-                </a:solidFill>
-                <a:latin typeface="+mn-lt"/>
-                <a:ea typeface="+mn-ea"/>
-                <a:cs typeface="+mn-cs"/>
-              </a:defRPr>
-            </a:lvl3pPr>
-            <a:lvl4pPr marL="1371600" algn="l" defTabSz="457200" rtl="0" eaLnBrk="1" latinLnBrk="0" hangingPunct="1">
-              <a:defRPr sz="1800" kern="1200">
-                <a:solidFill>
-                  <a:schemeClr val="tx1"/>
-                </a:solidFill>
-                <a:latin typeface="+mn-lt"/>
-                <a:ea typeface="+mn-ea"/>
-                <a:cs typeface="+mn-cs"/>
-              </a:defRPr>
-            </a:lvl4pPr>
-            <a:lvl5pPr marL="1828800" algn="l" defTabSz="457200" rtl="0" eaLnBrk="1" latinLnBrk="0" hangingPunct="1">
-              <a:defRPr sz="1800" kern="1200">
-                <a:solidFill>
-                  <a:schemeClr val="tx1"/>
-                </a:solidFill>
-                <a:latin typeface="+mn-lt"/>
-                <a:ea typeface="+mn-ea"/>
-                <a:cs typeface="+mn-cs"/>
-              </a:defRPr>
-            </a:lvl5pPr>
-            <a:lvl6pPr marL="2286000" algn="l" defTabSz="457200" rtl="0" eaLnBrk="1" latinLnBrk="0" hangingPunct="1">
-              <a:defRPr sz="1800" kern="1200">
-                <a:solidFill>
-                  <a:schemeClr val="tx1"/>
-                </a:solidFill>
-                <a:latin typeface="+mn-lt"/>
-                <a:ea typeface="+mn-ea"/>
-                <a:cs typeface="+mn-cs"/>
-              </a:defRPr>
-            </a:lvl6pPr>
-            <a:lvl7pPr marL="2743200" algn="l" defTabSz="457200" rtl="0" eaLnBrk="1" latinLnBrk="0" hangingPunct="1">
-              <a:defRPr sz="1800" kern="1200">
-                <a:solidFill>
-                  <a:schemeClr val="tx1"/>
-                </a:solidFill>
-                <a:latin typeface="+mn-lt"/>
-                <a:ea typeface="+mn-ea"/>
-                <a:cs typeface="+mn-cs"/>
-              </a:defRPr>
-            </a:lvl7pPr>
-            <a:lvl8pPr marL="3200400" algn="l" defTabSz="457200" rtl="0" eaLnBrk="1" latinLnBrk="0" hangingPunct="1">
-              <a:defRPr sz="1800" kern="1200">
-                <a:solidFill>
-                  <a:schemeClr val="tx1"/>
-                </a:solidFill>
-                <a:latin typeface="+mn-lt"/>
-                <a:ea typeface="+mn-ea"/>
-                <a:cs typeface="+mn-cs"/>
-              </a:defRPr>
-            </a:lvl8pPr>
-            <a:lvl9pPr marL="3657600" algn="l" defTabSz="457200" rtl="0" eaLnBrk="1" latinLnBrk="0" hangingPunct="1">
-              <a:defRPr sz="1800" kern="1200">
-                <a:solidFill>
-                  <a:schemeClr val="tx1"/>
-                </a:solidFill>
-                <a:latin typeface="+mn-lt"/>
-                <a:ea typeface="+mn-ea"/>
-                <a:cs typeface="+mn-cs"/>
-              </a:defRPr>
-            </a:lvl9pPr>
           </a:lstStyle>
           <a:p>
-            <a:pPr marL="0" marR="0" lvl="0" indent="0" algn="l" defTabSz="457200" rtl="0" eaLnBrk="1" fontAlgn="auto" latinLnBrk="0" hangingPunct="1">
-              <a:lnSpc>
-                <a:spcPct val="100000"/>
-              </a:lnSpc>
-              <a:spcBef>
-                <a:spcPts val="0"/>
-              </a:spcBef>
-              <a:spcAft>
-                <a:spcPts val="0"/>
-              </a:spcAft>
-              <a:buClrTx/>
-              <a:buSzTx/>
-              <a:buFontTx/>
-              <a:buNone/>
-              <a:tabLst/>
-              <a:defRPr/>
-            </a:pPr>
-            <a:r>
-              <a:rPr kumimoji="0" lang="en-US" sz="1050" b="0" i="0" u="none" strike="noStrike" kern="1200" cap="none" spc="0" normalizeH="0" baseline="0" noProof="0" dirty="0">
-                <a:ln>
-                  <a:noFill/>
-                </a:ln>
-                <a:solidFill>
-                  <a:srgbClr val="FFFFFF">
-                    <a:lumMod val="65000"/>
-                  </a:srgbClr>
-                </a:solidFill>
-                <a:effectLst/>
-                <a:uLnTx/>
-                <a:uFillTx/>
-                <a:latin typeface="Candara" panose="020E0502030303020204" pitchFamily="34" charset="0"/>
-                <a:ea typeface="+mn-ea"/>
-                <a:cs typeface="+mn-cs"/>
-              </a:rPr>
-              <a:t>McGill GIS for Dummies - Session 3 – GIS for the Intrepid Presented by N.D. Barber (Cambridge) ndb38@cam.ac.uk</a:t>
+            <a:r>
+              <a:rPr lang="en-US" dirty="0"/>
+              <a:t>UCL GIS for Geoscientists- Session 3- Intermediate GIS</a:t>
+            </a:r>
+          </a:p>
+          <a:p>
+            <a:r>
+              <a:rPr lang="en-US" dirty="0"/>
+              <a:t>Presented by N.D. Barber (Cambridge) ndb38@cam.ac.uk</a:t>
             </a:r>
           </a:p>
         </p:txBody>
@@ -5265,12 +6444,12 @@
           <a:lstStyle/>
           <a:p>
             <a:r>
-              <a:rPr lang="en-US" sz="4800" dirty="0">
+              <a:rPr lang="en-US" sz="3600" dirty="0">
                 <a:solidFill>
                   <a:srgbClr val="FFFFFF"/>
                 </a:solidFill>
               </a:rPr>
-              <a:t>GIS For the Intrepid: Session 3</a:t>
+              <a:t>GIS for Geoscientists Session 3: Intermediate GIS</a:t>
             </a:r>
           </a:p>
         </p:txBody>
@@ -5602,7 +6781,7 @@
           <p:cNvPr id="2" name="Title 1">
             <a:extLst>
               <a:ext uri="{FF2B5EF4-FFF2-40B4-BE49-F238E27FC236}">
-                <a16:creationId xmlns:a16="http://schemas.microsoft.com/office/drawing/2014/main" id="{4892FDEF-BB20-2640-AE33-EF3C356CA4C2}"/>
+                <a16:creationId xmlns:a16="http://schemas.microsoft.com/office/drawing/2014/main" id="{E73C7915-CC85-9E40-AA7E-3F0881F6E290}"/>
               </a:ext>
             </a:extLst>
           </p:cNvPr>
@@ -5620,7 +6799,7 @@
           <a:p>
             <a:r>
               <a:rPr lang="en-US" dirty="0"/>
-              <a:t>Final Thoughts</a:t>
+              <a:t>Section 2</a:t>
             </a:r>
           </a:p>
         </p:txBody>
@@ -5630,7 +6809,7 @@
           <p:cNvPr id="3" name="Text Placeholder 2">
             <a:extLst>
               <a:ext uri="{FF2B5EF4-FFF2-40B4-BE49-F238E27FC236}">
-                <a16:creationId xmlns:a16="http://schemas.microsoft.com/office/drawing/2014/main" id="{1B0A57AD-5209-A842-9D75-5F0838EC0D81}"/>
+                <a16:creationId xmlns:a16="http://schemas.microsoft.com/office/drawing/2014/main" id="{1A3DBBD6-115A-774E-A5E1-F125CFEC5E82}"/>
               </a:ext>
             </a:extLst>
           </p:cNvPr>
@@ -5655,7 +6834,7 @@
           <p:cNvPr id="4" name="Date Placeholder 3">
             <a:extLst>
               <a:ext uri="{FF2B5EF4-FFF2-40B4-BE49-F238E27FC236}">
-                <a16:creationId xmlns:a16="http://schemas.microsoft.com/office/drawing/2014/main" id="{25DC910F-2CF2-7144-BC19-8EBF79413CA9}"/>
+                <a16:creationId xmlns:a16="http://schemas.microsoft.com/office/drawing/2014/main" id="{C1ABD5A6-4818-8E43-B2D7-487D0F12D677}"/>
               </a:ext>
             </a:extLst>
           </p:cNvPr>
@@ -5673,7 +6852,7 @@
           <a:p>
             <a:fld id="{453754D5-8BE9-294A-B481-283E1E39E0CC}" type="datetime1">
               <a:rPr lang="en-US" smtClean="0"/>
-              <a:t>7/6/20</a:t>
+              <a:t>8/17/20</a:t>
             </a:fld>
             <a:endParaRPr lang="en-US" dirty="0"/>
           </a:p>
@@ -5684,7 +6863,7 @@
           <p:cNvPr id="5" name="Slide Number Placeholder 4">
             <a:extLst>
               <a:ext uri="{FF2B5EF4-FFF2-40B4-BE49-F238E27FC236}">
-                <a16:creationId xmlns:a16="http://schemas.microsoft.com/office/drawing/2014/main" id="{8C0F5160-A52B-134F-8321-172876D7A8F3}"/>
+                <a16:creationId xmlns:a16="http://schemas.microsoft.com/office/drawing/2014/main" id="{34888928-534E-5244-99DF-F63281AE9D0B}"/>
               </a:ext>
             </a:extLst>
           </p:cNvPr>
@@ -5713,7 +6892,7 @@
     </p:spTree>
     <p:extLst>
       <p:ext uri="{BB962C8B-B14F-4D97-AF65-F5344CB8AC3E}">
-        <p14:creationId xmlns:p14="http://schemas.microsoft.com/office/powerpoint/2010/main" val="2817827341"/>
+        <p14:creationId xmlns:p14="http://schemas.microsoft.com/office/powerpoint/2010/main" val="2286077533"/>
       </p:ext>
     </p:extLst>
   </p:cSld>
@@ -5745,7 +6924,7 @@
           <p:cNvPr id="2" name="Title 1">
             <a:extLst>
               <a:ext uri="{FF2B5EF4-FFF2-40B4-BE49-F238E27FC236}">
-                <a16:creationId xmlns:a16="http://schemas.microsoft.com/office/drawing/2014/main" id="{F6DD355A-B1DE-394E-A944-0D553C6E4877}"/>
+                <a16:creationId xmlns:a16="http://schemas.microsoft.com/office/drawing/2014/main" id="{F809FD02-7E77-FB41-935A-099DF641A3BD}"/>
               </a:ext>
             </a:extLst>
           </p:cNvPr>
@@ -5761,84 +6940,45 @@
           <a:bodyPr/>
           <a:lstStyle/>
           <a:p>
-            <a:r>
-              <a:rPr lang="en-US" dirty="0"/>
-              <a:t>My goals at the start:</a:t>
-            </a:r>
-          </a:p>
-        </p:txBody>
-      </p:sp>
-      <p:sp>
-        <p:nvSpPr>
-          <p:cNvPr id="3" name="Content Placeholder 2">
+            <a:endParaRPr lang="en-US"/>
+          </a:p>
+        </p:txBody>
+      </p:sp>
+      <p:pic>
+        <p:nvPicPr>
+          <p:cNvPr id="8" name="Content Placeholder 7" descr="A picture containing text, newspaper&#10;&#10;Description automatically generated">
             <a:extLst>
               <a:ext uri="{FF2B5EF4-FFF2-40B4-BE49-F238E27FC236}">
-                <a16:creationId xmlns:a16="http://schemas.microsoft.com/office/drawing/2014/main" id="{42D5277B-D6A7-9B46-A1D7-07322D4DC192}"/>
+                <a16:creationId xmlns:a16="http://schemas.microsoft.com/office/drawing/2014/main" id="{DB9853F3-2614-3341-A43D-F2820205773A}"/>
               </a:ext>
             </a:extLst>
           </p:cNvPr>
-          <p:cNvSpPr>
-            <a:spLocks noGrp="1"/>
-          </p:cNvSpPr>
+          <p:cNvPicPr>
+            <a:picLocks noGrp="1" noChangeAspect="1"/>
+          </p:cNvPicPr>
           <p:nvPr>
             <p:ph idx="1"/>
           </p:nvPr>
-        </p:nvSpPr>
-        <p:spPr/>
-        <p:txBody>
-          <a:bodyPr/>
-          <a:lstStyle/>
-          <a:p>
-            <a:pPr marL="342900" indent="-342900">
-              <a:buFont typeface="+mj-lt"/>
-              <a:buAutoNum type="arabicPeriod"/>
-            </a:pPr>
-            <a:r>
-              <a:rPr lang="en-US" dirty="0"/>
-              <a:t>Highlight what GIS can do for geoscientists</a:t>
-            </a:r>
-          </a:p>
-          <a:p>
-            <a:pPr marL="342900" indent="-342900">
-              <a:buFont typeface="+mj-lt"/>
-              <a:buAutoNum type="arabicPeriod"/>
-            </a:pPr>
-            <a:r>
-              <a:rPr lang="en-US" dirty="0"/>
-              <a:t>Outline the key principles of a geographic information system</a:t>
-            </a:r>
-          </a:p>
-          <a:p>
-            <a:pPr marL="342900" indent="-342900">
-              <a:buFont typeface="+mj-lt"/>
-              <a:buAutoNum type="arabicPeriod"/>
-            </a:pPr>
-            <a:r>
-              <a:rPr lang="en-US" dirty="0"/>
-              <a:t>Providing a fully guided GIS workflow template</a:t>
-            </a:r>
-          </a:p>
-          <a:p>
-            <a:pPr marL="342900" indent="-342900">
-              <a:buFont typeface="+mj-lt"/>
-              <a:buAutoNum type="arabicPeriod"/>
-            </a:pPr>
-            <a:r>
-              <a:rPr lang="en-US" dirty="0"/>
-              <a:t>Identify key areas of growth for GIS in geoscience research</a:t>
-            </a:r>
-          </a:p>
-          <a:p>
-            <a:endParaRPr lang="en-US" dirty="0"/>
-          </a:p>
-        </p:txBody>
-      </p:sp>
+        </p:nvPicPr>
+        <p:blipFill>
+          <a:blip r:embed="rId2"/>
+          <a:stretch>
+            <a:fillRect/>
+          </a:stretch>
+        </p:blipFill>
+        <p:spPr>
+          <a:xfrm>
+            <a:off x="3124200" y="270581"/>
+            <a:ext cx="4876969" cy="6316838"/>
+          </a:xfrm>
+        </p:spPr>
+      </p:pic>
       <p:sp>
         <p:nvSpPr>
           <p:cNvPr id="4" name="Date Placeholder 3">
             <a:extLst>
               <a:ext uri="{FF2B5EF4-FFF2-40B4-BE49-F238E27FC236}">
-                <a16:creationId xmlns:a16="http://schemas.microsoft.com/office/drawing/2014/main" id="{3663C2EB-62D0-A24B-B39B-D1019AE7D826}"/>
+                <a16:creationId xmlns:a16="http://schemas.microsoft.com/office/drawing/2014/main" id="{F3B8E71E-42EC-CC43-B152-2271ECF4334B}"/>
               </a:ext>
             </a:extLst>
           </p:cNvPr>
@@ -5856,7 +6996,7 @@
           <a:p>
             <a:fld id="{0C058645-6F24-9C43-8FC3-443F02031404}" type="datetime1">
               <a:rPr lang="en-US" smtClean="0"/>
-              <a:t>7/6/20</a:t>
+              <a:t>8/17/20</a:t>
             </a:fld>
             <a:endParaRPr lang="en-US" dirty="0"/>
           </a:p>
@@ -5867,7 +7007,7 @@
           <p:cNvPr id="5" name="Slide Number Placeholder 4">
             <a:extLst>
               <a:ext uri="{FF2B5EF4-FFF2-40B4-BE49-F238E27FC236}">
-                <a16:creationId xmlns:a16="http://schemas.microsoft.com/office/drawing/2014/main" id="{14CB9155-EBFD-674B-B601-817944DEC749}"/>
+                <a16:creationId xmlns:a16="http://schemas.microsoft.com/office/drawing/2014/main" id="{E140BD1B-6F28-1745-80D3-4B23AD310594}"/>
               </a:ext>
             </a:extLst>
           </p:cNvPr>
@@ -5893,10 +7033,45 @@
           </a:p>
         </p:txBody>
       </p:sp>
+      <p:sp>
+        <p:nvSpPr>
+          <p:cNvPr id="6" name="Footer Placeholder 5">
+            <a:extLst>
+              <a:ext uri="{FF2B5EF4-FFF2-40B4-BE49-F238E27FC236}">
+                <a16:creationId xmlns:a16="http://schemas.microsoft.com/office/drawing/2014/main" id="{FDCAB8DE-95BF-3F4C-BCCD-6BF40B9031F3}"/>
+              </a:ext>
+            </a:extLst>
+          </p:cNvPr>
+          <p:cNvSpPr>
+            <a:spLocks noGrp="1"/>
+          </p:cNvSpPr>
+          <p:nvPr>
+            <p:ph type="ftr" sz="quarter" idx="3"/>
+          </p:nvPr>
+        </p:nvSpPr>
+        <p:spPr/>
+        <p:txBody>
+          <a:bodyPr/>
+          <a:lstStyle/>
+          <a:p>
+            <a:r>
+              <a:rPr lang="en-US"/>
+              <a:t>UCL GIS for Geoscientists- Session 3- Intermediate GIS</a:t>
+            </a:r>
+          </a:p>
+          <a:p>
+            <a:r>
+              <a:rPr lang="en-US"/>
+              <a:t>Presented by N.D. Barber (Cambridge) ndb38@cam.ac.uk</a:t>
+            </a:r>
+            <a:endParaRPr lang="en-US" dirty="0"/>
+          </a:p>
+        </p:txBody>
+      </p:sp>
     </p:spTree>
     <p:extLst>
       <p:ext uri="{BB962C8B-B14F-4D97-AF65-F5344CB8AC3E}">
-        <p14:creationId xmlns:p14="http://schemas.microsoft.com/office/powerpoint/2010/main" val="1198860467"/>
+        <p14:creationId xmlns:p14="http://schemas.microsoft.com/office/powerpoint/2010/main" val="3227073904"/>
       </p:ext>
     </p:extLst>
   </p:cSld>
@@ -5928,6 +7103,737 @@
           <p:cNvPr id="2" name="Title 1">
             <a:extLst>
               <a:ext uri="{FF2B5EF4-FFF2-40B4-BE49-F238E27FC236}">
+                <a16:creationId xmlns:a16="http://schemas.microsoft.com/office/drawing/2014/main" id="{72C44A9B-F735-B54D-B030-262342A89C97}"/>
+              </a:ext>
+            </a:extLst>
+          </p:cNvPr>
+          <p:cNvSpPr>
+            <a:spLocks noGrp="1"/>
+          </p:cNvSpPr>
+          <p:nvPr>
+            <p:ph type="title"/>
+          </p:nvPr>
+        </p:nvSpPr>
+        <p:spPr/>
+        <p:txBody>
+          <a:bodyPr/>
+          <a:lstStyle/>
+          <a:p>
+            <a:r>
+              <a:rPr lang="en-US" dirty="0"/>
+              <a:t>Section 3</a:t>
+            </a:r>
+          </a:p>
+        </p:txBody>
+      </p:sp>
+      <p:sp>
+        <p:nvSpPr>
+          <p:cNvPr id="3" name="Text Placeholder 2">
+            <a:extLst>
+              <a:ext uri="{FF2B5EF4-FFF2-40B4-BE49-F238E27FC236}">
+                <a16:creationId xmlns:a16="http://schemas.microsoft.com/office/drawing/2014/main" id="{6EDE35EF-D7C9-E34F-AC87-E32EE5EAD359}"/>
+              </a:ext>
+            </a:extLst>
+          </p:cNvPr>
+          <p:cNvSpPr>
+            <a:spLocks noGrp="1"/>
+          </p:cNvSpPr>
+          <p:nvPr>
+            <p:ph type="body" idx="1"/>
+          </p:nvPr>
+        </p:nvSpPr>
+        <p:spPr/>
+        <p:txBody>
+          <a:bodyPr/>
+          <a:lstStyle/>
+          <a:p>
+            <a:endParaRPr lang="en-US"/>
+          </a:p>
+        </p:txBody>
+      </p:sp>
+      <p:sp>
+        <p:nvSpPr>
+          <p:cNvPr id="4" name="Date Placeholder 3">
+            <a:extLst>
+              <a:ext uri="{FF2B5EF4-FFF2-40B4-BE49-F238E27FC236}">
+                <a16:creationId xmlns:a16="http://schemas.microsoft.com/office/drawing/2014/main" id="{2AFA192A-4F71-8E46-87AE-01426B7BE3D6}"/>
+              </a:ext>
+            </a:extLst>
+          </p:cNvPr>
+          <p:cNvSpPr>
+            <a:spLocks noGrp="1"/>
+          </p:cNvSpPr>
+          <p:nvPr>
+            <p:ph type="dt" sz="half" idx="10"/>
+          </p:nvPr>
+        </p:nvSpPr>
+        <p:spPr/>
+        <p:txBody>
+          <a:bodyPr/>
+          <a:lstStyle/>
+          <a:p>
+            <a:fld id="{453754D5-8BE9-294A-B481-283E1E39E0CC}" type="datetime1">
+              <a:rPr lang="en-US" smtClean="0"/>
+              <a:t>8/17/20</a:t>
+            </a:fld>
+            <a:endParaRPr lang="en-US" dirty="0"/>
+          </a:p>
+        </p:txBody>
+      </p:sp>
+      <p:sp>
+        <p:nvSpPr>
+          <p:cNvPr id="5" name="Slide Number Placeholder 4">
+            <a:extLst>
+              <a:ext uri="{FF2B5EF4-FFF2-40B4-BE49-F238E27FC236}">
+                <a16:creationId xmlns:a16="http://schemas.microsoft.com/office/drawing/2014/main" id="{34E1838B-A01F-E640-973D-877238FD50EC}"/>
+              </a:ext>
+            </a:extLst>
+          </p:cNvPr>
+          <p:cNvSpPr>
+            <a:spLocks noGrp="1"/>
+          </p:cNvSpPr>
+          <p:nvPr>
+            <p:ph type="sldNum" sz="quarter" idx="12"/>
+          </p:nvPr>
+        </p:nvSpPr>
+        <p:spPr/>
+        <p:txBody>
+          <a:bodyPr>
+            <a:normAutofit lnSpcReduction="10000"/>
+          </a:bodyPr>
+          <a:lstStyle/>
+          <a:p>
+            <a:fld id="{4FAB73BC-B049-4115-A692-8D63A059BFB8}" type="slidenum">
+              <a:rPr lang="en-US" smtClean="0"/>
+              <a:t>11</a:t>
+            </a:fld>
+            <a:endParaRPr lang="en-US" dirty="0"/>
+          </a:p>
+        </p:txBody>
+      </p:sp>
+    </p:spTree>
+    <p:extLst>
+      <p:ext uri="{BB962C8B-B14F-4D97-AF65-F5344CB8AC3E}">
+        <p14:creationId xmlns:p14="http://schemas.microsoft.com/office/powerpoint/2010/main" val="3836933792"/>
+      </p:ext>
+    </p:extLst>
+  </p:cSld>
+  <p:clrMapOvr>
+    <a:masterClrMapping/>
+  </p:clrMapOvr>
+</p:sld>
+</file>
+
+<file path=ppt/slides/slide13.xml><?xml version="1.0" encoding="utf-8"?>
+<p:sld xmlns:a="http://schemas.openxmlformats.org/drawingml/2006/main" xmlns:r="http://schemas.openxmlformats.org/officeDocument/2006/relationships" xmlns:p="http://schemas.openxmlformats.org/presentationml/2006/main">
+  <p:cSld>
+    <p:spTree>
+      <p:nvGrpSpPr>
+        <p:cNvPr id="1" name=""/>
+        <p:cNvGrpSpPr/>
+        <p:nvPr/>
+      </p:nvGrpSpPr>
+      <p:grpSpPr>
+        <a:xfrm>
+          <a:off x="0" y="0"/>
+          <a:ext cx="0" cy="0"/>
+          <a:chOff x="0" y="0"/>
+          <a:chExt cx="0" cy="0"/>
+        </a:xfrm>
+      </p:grpSpPr>
+      <p:sp>
+        <p:nvSpPr>
+          <p:cNvPr id="2" name="Title 1">
+            <a:extLst>
+              <a:ext uri="{FF2B5EF4-FFF2-40B4-BE49-F238E27FC236}">
+                <a16:creationId xmlns:a16="http://schemas.microsoft.com/office/drawing/2014/main" id="{02D5D0D7-1158-5040-B035-11B71C02D831}"/>
+              </a:ext>
+            </a:extLst>
+          </p:cNvPr>
+          <p:cNvSpPr>
+            <a:spLocks noGrp="1"/>
+          </p:cNvSpPr>
+          <p:nvPr>
+            <p:ph type="title"/>
+          </p:nvPr>
+        </p:nvSpPr>
+        <p:spPr/>
+        <p:txBody>
+          <a:bodyPr/>
+          <a:lstStyle/>
+          <a:p>
+            <a:r>
+              <a:rPr lang="en-US" dirty="0" err="1"/>
+              <a:t>PyQGIS</a:t>
+            </a:r>
+            <a:r>
+              <a:rPr lang="en-US" dirty="0"/>
+              <a:t> Resources</a:t>
+            </a:r>
+          </a:p>
+        </p:txBody>
+      </p:sp>
+      <p:sp>
+        <p:nvSpPr>
+          <p:cNvPr id="3" name="Content Placeholder 2">
+            <a:extLst>
+              <a:ext uri="{FF2B5EF4-FFF2-40B4-BE49-F238E27FC236}">
+                <a16:creationId xmlns:a16="http://schemas.microsoft.com/office/drawing/2014/main" id="{47BF72F7-AC12-C34D-9C3D-A10E48B80699}"/>
+              </a:ext>
+            </a:extLst>
+          </p:cNvPr>
+          <p:cNvSpPr>
+            <a:spLocks noGrp="1"/>
+          </p:cNvSpPr>
+          <p:nvPr>
+            <p:ph idx="1"/>
+          </p:nvPr>
+        </p:nvSpPr>
+        <p:spPr/>
+        <p:txBody>
+          <a:bodyPr/>
+          <a:lstStyle/>
+          <a:p>
+            <a:r>
+              <a:rPr lang="en-US" dirty="0"/>
+              <a:t>Beginner friendly tutorial: </a:t>
+            </a:r>
+            <a:r>
+              <a:rPr lang="en-US" dirty="0">
+                <a:solidFill>
+                  <a:srgbClr val="67AABF"/>
+                </a:solidFill>
+                <a:hlinkClick r:id="rId2"/>
+              </a:rPr>
+              <a:t>https://anitagraser.com/pyqgis-101-introduction-to-qgis-python-programming-for-non-programmers/</a:t>
+            </a:r>
+            <a:endParaRPr lang="en-US" dirty="0">
+              <a:solidFill>
+                <a:srgbClr val="67AABF"/>
+              </a:solidFill>
+            </a:endParaRPr>
+          </a:p>
+          <a:p>
+            <a:r>
+              <a:rPr lang="en-US" dirty="0" err="1"/>
+              <a:t>PyQGIS</a:t>
+            </a:r>
+            <a:r>
+              <a:rPr lang="en-US" dirty="0"/>
+              <a:t> Official Cookbook: </a:t>
+            </a:r>
+            <a:r>
+              <a:rPr lang="en-US" dirty="0">
+                <a:hlinkClick r:id="rId3"/>
+              </a:rPr>
+              <a:t>https://docs.qgis.org/testing/en/docs/pyqgis_developer_cookbook/</a:t>
+            </a:r>
+            <a:endParaRPr lang="en-US" dirty="0"/>
+          </a:p>
+          <a:p>
+            <a:r>
+              <a:rPr lang="en-US" dirty="0"/>
+              <a:t>Learn Python in QGIS in a Day: </a:t>
+            </a:r>
+            <a:r>
+              <a:rPr lang="en-US" dirty="0">
+                <a:hlinkClick r:id="rId4"/>
+              </a:rPr>
+              <a:t>https://</a:t>
+            </a:r>
+            <a:r>
+              <a:rPr lang="en-US" dirty="0" err="1">
+                <a:hlinkClick r:id="rId4"/>
+              </a:rPr>
+              <a:t>courses.spatialthoughts.com</a:t>
+            </a:r>
+            <a:r>
+              <a:rPr lang="en-US" dirty="0">
+                <a:hlinkClick r:id="rId4"/>
+              </a:rPr>
+              <a:t>/</a:t>
+            </a:r>
+            <a:r>
+              <a:rPr lang="en-US" dirty="0" err="1">
+                <a:hlinkClick r:id="rId4"/>
+              </a:rPr>
+              <a:t>pyqgis</a:t>
+            </a:r>
+            <a:r>
+              <a:rPr lang="en-US" dirty="0">
+                <a:hlinkClick r:id="rId4"/>
+              </a:rPr>
+              <a:t>-in-a-</a:t>
+            </a:r>
+            <a:r>
+              <a:rPr lang="en-US" dirty="0" err="1">
+                <a:hlinkClick r:id="rId4"/>
+              </a:rPr>
+              <a:t>day.html</a:t>
+            </a:r>
+            <a:endParaRPr lang="en-US" dirty="0"/>
+          </a:p>
+          <a:p>
+            <a:endParaRPr lang="en-US" dirty="0"/>
+          </a:p>
+        </p:txBody>
+      </p:sp>
+      <p:sp>
+        <p:nvSpPr>
+          <p:cNvPr id="4" name="Date Placeholder 3">
+            <a:extLst>
+              <a:ext uri="{FF2B5EF4-FFF2-40B4-BE49-F238E27FC236}">
+                <a16:creationId xmlns:a16="http://schemas.microsoft.com/office/drawing/2014/main" id="{025F5342-3251-0243-AFE7-1920DA878238}"/>
+              </a:ext>
+            </a:extLst>
+          </p:cNvPr>
+          <p:cNvSpPr>
+            <a:spLocks noGrp="1"/>
+          </p:cNvSpPr>
+          <p:nvPr>
+            <p:ph type="dt" sz="half" idx="10"/>
+          </p:nvPr>
+        </p:nvSpPr>
+        <p:spPr/>
+        <p:txBody>
+          <a:bodyPr/>
+          <a:lstStyle/>
+          <a:p>
+            <a:fld id="{0C058645-6F24-9C43-8FC3-443F02031404}" type="datetime1">
+              <a:rPr lang="en-US" smtClean="0"/>
+              <a:t>8/17/20</a:t>
+            </a:fld>
+            <a:endParaRPr lang="en-US" dirty="0"/>
+          </a:p>
+        </p:txBody>
+      </p:sp>
+      <p:sp>
+        <p:nvSpPr>
+          <p:cNvPr id="5" name="Slide Number Placeholder 4">
+            <a:extLst>
+              <a:ext uri="{FF2B5EF4-FFF2-40B4-BE49-F238E27FC236}">
+                <a16:creationId xmlns:a16="http://schemas.microsoft.com/office/drawing/2014/main" id="{CEBD24D7-BAC7-294E-9370-BAD2D7800611}"/>
+              </a:ext>
+            </a:extLst>
+          </p:cNvPr>
+          <p:cNvSpPr>
+            <a:spLocks noGrp="1"/>
+          </p:cNvSpPr>
+          <p:nvPr>
+            <p:ph type="sldNum" sz="quarter" idx="12"/>
+          </p:nvPr>
+        </p:nvSpPr>
+        <p:spPr/>
+        <p:txBody>
+          <a:bodyPr>
+            <a:normAutofit lnSpcReduction="10000"/>
+          </a:bodyPr>
+          <a:lstStyle/>
+          <a:p>
+            <a:fld id="{4FAB73BC-B049-4115-A692-8D63A059BFB8}" type="slidenum">
+              <a:rPr lang="en-US" smtClean="0"/>
+              <a:t>12</a:t>
+            </a:fld>
+            <a:endParaRPr lang="en-US" dirty="0"/>
+          </a:p>
+        </p:txBody>
+      </p:sp>
+      <p:sp>
+        <p:nvSpPr>
+          <p:cNvPr id="6" name="Footer Placeholder 5">
+            <a:extLst>
+              <a:ext uri="{FF2B5EF4-FFF2-40B4-BE49-F238E27FC236}">
+                <a16:creationId xmlns:a16="http://schemas.microsoft.com/office/drawing/2014/main" id="{2B7CD493-98FF-F544-936A-C9D99CE8D3FB}"/>
+              </a:ext>
+            </a:extLst>
+          </p:cNvPr>
+          <p:cNvSpPr>
+            <a:spLocks noGrp="1"/>
+          </p:cNvSpPr>
+          <p:nvPr>
+            <p:ph type="ftr" sz="quarter" idx="3"/>
+          </p:nvPr>
+        </p:nvSpPr>
+        <p:spPr/>
+        <p:txBody>
+          <a:bodyPr/>
+          <a:lstStyle/>
+          <a:p>
+            <a:r>
+              <a:rPr lang="en-US"/>
+              <a:t>UCL GIS for Geoscientists- Session 3- Intermediate GIS</a:t>
+            </a:r>
+          </a:p>
+          <a:p>
+            <a:r>
+              <a:rPr lang="en-US"/>
+              <a:t>Presented by N.D. Barber (Cambridge) ndb38@cam.ac.uk</a:t>
+            </a:r>
+            <a:endParaRPr lang="en-US" dirty="0"/>
+          </a:p>
+        </p:txBody>
+      </p:sp>
+    </p:spTree>
+    <p:extLst>
+      <p:ext uri="{BB962C8B-B14F-4D97-AF65-F5344CB8AC3E}">
+        <p14:creationId xmlns:p14="http://schemas.microsoft.com/office/powerpoint/2010/main" val="3394649118"/>
+      </p:ext>
+    </p:extLst>
+  </p:cSld>
+  <p:clrMapOvr>
+    <a:masterClrMapping/>
+  </p:clrMapOvr>
+</p:sld>
+</file>
+
+<file path=ppt/slides/slide14.xml><?xml version="1.0" encoding="utf-8"?>
+<p:sld xmlns:a="http://schemas.openxmlformats.org/drawingml/2006/main" xmlns:r="http://schemas.openxmlformats.org/officeDocument/2006/relationships" xmlns:p="http://schemas.openxmlformats.org/presentationml/2006/main">
+  <p:cSld>
+    <p:spTree>
+      <p:nvGrpSpPr>
+        <p:cNvPr id="1" name=""/>
+        <p:cNvGrpSpPr/>
+        <p:nvPr/>
+      </p:nvGrpSpPr>
+      <p:grpSpPr>
+        <a:xfrm>
+          <a:off x="0" y="0"/>
+          <a:ext cx="0" cy="0"/>
+          <a:chOff x="0" y="0"/>
+          <a:chExt cx="0" cy="0"/>
+        </a:xfrm>
+      </p:grpSpPr>
+      <p:sp>
+        <p:nvSpPr>
+          <p:cNvPr id="2" name="Title 1">
+            <a:extLst>
+              <a:ext uri="{FF2B5EF4-FFF2-40B4-BE49-F238E27FC236}">
+                <a16:creationId xmlns:a16="http://schemas.microsoft.com/office/drawing/2014/main" id="{4892FDEF-BB20-2640-AE33-EF3C356CA4C2}"/>
+              </a:ext>
+            </a:extLst>
+          </p:cNvPr>
+          <p:cNvSpPr>
+            <a:spLocks noGrp="1"/>
+          </p:cNvSpPr>
+          <p:nvPr>
+            <p:ph type="title"/>
+          </p:nvPr>
+        </p:nvSpPr>
+        <p:spPr/>
+        <p:txBody>
+          <a:bodyPr/>
+          <a:lstStyle/>
+          <a:p>
+            <a:r>
+              <a:rPr lang="en-US" dirty="0"/>
+              <a:t>Final Thoughts</a:t>
+            </a:r>
+          </a:p>
+        </p:txBody>
+      </p:sp>
+      <p:sp>
+        <p:nvSpPr>
+          <p:cNvPr id="3" name="Text Placeholder 2">
+            <a:extLst>
+              <a:ext uri="{FF2B5EF4-FFF2-40B4-BE49-F238E27FC236}">
+                <a16:creationId xmlns:a16="http://schemas.microsoft.com/office/drawing/2014/main" id="{1B0A57AD-5209-A842-9D75-5F0838EC0D81}"/>
+              </a:ext>
+            </a:extLst>
+          </p:cNvPr>
+          <p:cNvSpPr>
+            <a:spLocks noGrp="1"/>
+          </p:cNvSpPr>
+          <p:nvPr>
+            <p:ph type="body" idx="1"/>
+          </p:nvPr>
+        </p:nvSpPr>
+        <p:spPr/>
+        <p:txBody>
+          <a:bodyPr/>
+          <a:lstStyle/>
+          <a:p>
+            <a:endParaRPr lang="en-US"/>
+          </a:p>
+        </p:txBody>
+      </p:sp>
+      <p:sp>
+        <p:nvSpPr>
+          <p:cNvPr id="4" name="Date Placeholder 3">
+            <a:extLst>
+              <a:ext uri="{FF2B5EF4-FFF2-40B4-BE49-F238E27FC236}">
+                <a16:creationId xmlns:a16="http://schemas.microsoft.com/office/drawing/2014/main" id="{25DC910F-2CF2-7144-BC19-8EBF79413CA9}"/>
+              </a:ext>
+            </a:extLst>
+          </p:cNvPr>
+          <p:cNvSpPr>
+            <a:spLocks noGrp="1"/>
+          </p:cNvSpPr>
+          <p:nvPr>
+            <p:ph type="dt" sz="half" idx="10"/>
+          </p:nvPr>
+        </p:nvSpPr>
+        <p:spPr/>
+        <p:txBody>
+          <a:bodyPr/>
+          <a:lstStyle/>
+          <a:p>
+            <a:fld id="{453754D5-8BE9-294A-B481-283E1E39E0CC}" type="datetime1">
+              <a:rPr lang="en-US" smtClean="0"/>
+              <a:t>8/17/20</a:t>
+            </a:fld>
+            <a:endParaRPr lang="en-US" dirty="0"/>
+          </a:p>
+        </p:txBody>
+      </p:sp>
+      <p:sp>
+        <p:nvSpPr>
+          <p:cNvPr id="5" name="Slide Number Placeholder 4">
+            <a:extLst>
+              <a:ext uri="{FF2B5EF4-FFF2-40B4-BE49-F238E27FC236}">
+                <a16:creationId xmlns:a16="http://schemas.microsoft.com/office/drawing/2014/main" id="{8C0F5160-A52B-134F-8321-172876D7A8F3}"/>
+              </a:ext>
+            </a:extLst>
+          </p:cNvPr>
+          <p:cNvSpPr>
+            <a:spLocks noGrp="1"/>
+          </p:cNvSpPr>
+          <p:nvPr>
+            <p:ph type="sldNum" sz="quarter" idx="12"/>
+          </p:nvPr>
+        </p:nvSpPr>
+        <p:spPr/>
+        <p:txBody>
+          <a:bodyPr>
+            <a:normAutofit lnSpcReduction="10000"/>
+          </a:bodyPr>
+          <a:lstStyle/>
+          <a:p>
+            <a:fld id="{4FAB73BC-B049-4115-A692-8D63A059BFB8}" type="slidenum">
+              <a:rPr lang="en-US" smtClean="0"/>
+              <a:t>13</a:t>
+            </a:fld>
+            <a:endParaRPr lang="en-US" dirty="0"/>
+          </a:p>
+        </p:txBody>
+      </p:sp>
+    </p:spTree>
+    <p:extLst>
+      <p:ext uri="{BB962C8B-B14F-4D97-AF65-F5344CB8AC3E}">
+        <p14:creationId xmlns:p14="http://schemas.microsoft.com/office/powerpoint/2010/main" val="2817827341"/>
+      </p:ext>
+    </p:extLst>
+  </p:cSld>
+  <p:clrMapOvr>
+    <a:masterClrMapping/>
+  </p:clrMapOvr>
+</p:sld>
+</file>
+
+<file path=ppt/slides/slide15.xml><?xml version="1.0" encoding="utf-8"?>
+<p:sld xmlns:a="http://schemas.openxmlformats.org/drawingml/2006/main" xmlns:r="http://schemas.openxmlformats.org/officeDocument/2006/relationships" xmlns:p="http://schemas.openxmlformats.org/presentationml/2006/main">
+  <p:cSld>
+    <p:spTree>
+      <p:nvGrpSpPr>
+        <p:cNvPr id="1" name=""/>
+        <p:cNvGrpSpPr/>
+        <p:nvPr/>
+      </p:nvGrpSpPr>
+      <p:grpSpPr>
+        <a:xfrm>
+          <a:off x="0" y="0"/>
+          <a:ext cx="0" cy="0"/>
+          <a:chOff x="0" y="0"/>
+          <a:chExt cx="0" cy="0"/>
+        </a:xfrm>
+      </p:grpSpPr>
+      <p:sp>
+        <p:nvSpPr>
+          <p:cNvPr id="2" name="Title 1">
+            <a:extLst>
+              <a:ext uri="{FF2B5EF4-FFF2-40B4-BE49-F238E27FC236}">
+                <a16:creationId xmlns:a16="http://schemas.microsoft.com/office/drawing/2014/main" id="{F6DD355A-B1DE-394E-A944-0D553C6E4877}"/>
+              </a:ext>
+            </a:extLst>
+          </p:cNvPr>
+          <p:cNvSpPr>
+            <a:spLocks noGrp="1"/>
+          </p:cNvSpPr>
+          <p:nvPr>
+            <p:ph type="title"/>
+          </p:nvPr>
+        </p:nvSpPr>
+        <p:spPr/>
+        <p:txBody>
+          <a:bodyPr/>
+          <a:lstStyle/>
+          <a:p>
+            <a:r>
+              <a:rPr lang="en-US" dirty="0"/>
+              <a:t>My goals at the start:</a:t>
+            </a:r>
+          </a:p>
+        </p:txBody>
+      </p:sp>
+      <p:sp>
+        <p:nvSpPr>
+          <p:cNvPr id="3" name="Content Placeholder 2">
+            <a:extLst>
+              <a:ext uri="{FF2B5EF4-FFF2-40B4-BE49-F238E27FC236}">
+                <a16:creationId xmlns:a16="http://schemas.microsoft.com/office/drawing/2014/main" id="{42D5277B-D6A7-9B46-A1D7-07322D4DC192}"/>
+              </a:ext>
+            </a:extLst>
+          </p:cNvPr>
+          <p:cNvSpPr>
+            <a:spLocks noGrp="1"/>
+          </p:cNvSpPr>
+          <p:nvPr>
+            <p:ph idx="1"/>
+          </p:nvPr>
+        </p:nvSpPr>
+        <p:spPr/>
+        <p:txBody>
+          <a:bodyPr/>
+          <a:lstStyle/>
+          <a:p>
+            <a:pPr marL="342900" indent="-342900">
+              <a:buFont typeface="+mj-lt"/>
+              <a:buAutoNum type="arabicPeriod"/>
+            </a:pPr>
+            <a:r>
+              <a:rPr lang="en-US" dirty="0"/>
+              <a:t>Highlight what GIS can do for geoscientists</a:t>
+            </a:r>
+          </a:p>
+          <a:p>
+            <a:pPr marL="342900" indent="-342900">
+              <a:buFont typeface="+mj-lt"/>
+              <a:buAutoNum type="arabicPeriod"/>
+            </a:pPr>
+            <a:r>
+              <a:rPr lang="en-US" dirty="0"/>
+              <a:t>Outline the key principles of a geographic information system</a:t>
+            </a:r>
+          </a:p>
+          <a:p>
+            <a:pPr marL="342900" indent="-342900">
+              <a:buFont typeface="+mj-lt"/>
+              <a:buAutoNum type="arabicPeriod"/>
+            </a:pPr>
+            <a:r>
+              <a:rPr lang="en-US" dirty="0"/>
+              <a:t>Providing a fully guided GIS workflow template</a:t>
+            </a:r>
+          </a:p>
+          <a:p>
+            <a:pPr marL="342900" indent="-342900">
+              <a:buFont typeface="+mj-lt"/>
+              <a:buAutoNum type="arabicPeriod"/>
+            </a:pPr>
+            <a:r>
+              <a:rPr lang="en-US" dirty="0"/>
+              <a:t>Identify key areas of growth for GIS in geoscience research</a:t>
+            </a:r>
+          </a:p>
+          <a:p>
+            <a:endParaRPr lang="en-US" dirty="0"/>
+          </a:p>
+        </p:txBody>
+      </p:sp>
+      <p:sp>
+        <p:nvSpPr>
+          <p:cNvPr id="4" name="Date Placeholder 3">
+            <a:extLst>
+              <a:ext uri="{FF2B5EF4-FFF2-40B4-BE49-F238E27FC236}">
+                <a16:creationId xmlns:a16="http://schemas.microsoft.com/office/drawing/2014/main" id="{3663C2EB-62D0-A24B-B39B-D1019AE7D826}"/>
+              </a:ext>
+            </a:extLst>
+          </p:cNvPr>
+          <p:cNvSpPr>
+            <a:spLocks noGrp="1"/>
+          </p:cNvSpPr>
+          <p:nvPr>
+            <p:ph type="dt" sz="half" idx="10"/>
+          </p:nvPr>
+        </p:nvSpPr>
+        <p:spPr/>
+        <p:txBody>
+          <a:bodyPr/>
+          <a:lstStyle/>
+          <a:p>
+            <a:fld id="{0C058645-6F24-9C43-8FC3-443F02031404}" type="datetime1">
+              <a:rPr lang="en-US" smtClean="0"/>
+              <a:t>8/17/20</a:t>
+            </a:fld>
+            <a:endParaRPr lang="en-US" dirty="0"/>
+          </a:p>
+        </p:txBody>
+      </p:sp>
+      <p:sp>
+        <p:nvSpPr>
+          <p:cNvPr id="5" name="Slide Number Placeholder 4">
+            <a:extLst>
+              <a:ext uri="{FF2B5EF4-FFF2-40B4-BE49-F238E27FC236}">
+                <a16:creationId xmlns:a16="http://schemas.microsoft.com/office/drawing/2014/main" id="{14CB9155-EBFD-674B-B601-817944DEC749}"/>
+              </a:ext>
+            </a:extLst>
+          </p:cNvPr>
+          <p:cNvSpPr>
+            <a:spLocks noGrp="1"/>
+          </p:cNvSpPr>
+          <p:nvPr>
+            <p:ph type="sldNum" sz="quarter" idx="12"/>
+          </p:nvPr>
+        </p:nvSpPr>
+        <p:spPr/>
+        <p:txBody>
+          <a:bodyPr>
+            <a:normAutofit lnSpcReduction="10000"/>
+          </a:bodyPr>
+          <a:lstStyle/>
+          <a:p>
+            <a:fld id="{4FAB73BC-B049-4115-A692-8D63A059BFB8}" type="slidenum">
+              <a:rPr lang="en-US" smtClean="0"/>
+              <a:t>14</a:t>
+            </a:fld>
+            <a:endParaRPr lang="en-US" dirty="0"/>
+          </a:p>
+        </p:txBody>
+      </p:sp>
+    </p:spTree>
+    <p:extLst>
+      <p:ext uri="{BB962C8B-B14F-4D97-AF65-F5344CB8AC3E}">
+        <p14:creationId xmlns:p14="http://schemas.microsoft.com/office/powerpoint/2010/main" val="1198860467"/>
+      </p:ext>
+    </p:extLst>
+  </p:cSld>
+  <p:clrMapOvr>
+    <a:masterClrMapping/>
+  </p:clrMapOvr>
+</p:sld>
+</file>
+
+<file path=ppt/slides/slide16.xml><?xml version="1.0" encoding="utf-8"?>
+<p:sld xmlns:a="http://schemas.openxmlformats.org/drawingml/2006/main" xmlns:r="http://schemas.openxmlformats.org/officeDocument/2006/relationships" xmlns:p="http://schemas.openxmlformats.org/presentationml/2006/main">
+  <p:cSld>
+    <p:spTree>
+      <p:nvGrpSpPr>
+        <p:cNvPr id="1" name=""/>
+        <p:cNvGrpSpPr/>
+        <p:nvPr/>
+      </p:nvGrpSpPr>
+      <p:grpSpPr>
+        <a:xfrm>
+          <a:off x="0" y="0"/>
+          <a:ext cx="0" cy="0"/>
+          <a:chOff x="0" y="0"/>
+          <a:chExt cx="0" cy="0"/>
+        </a:xfrm>
+      </p:grpSpPr>
+      <p:sp>
+        <p:nvSpPr>
+          <p:cNvPr id="2" name="Title 1">
+            <a:extLst>
+              <a:ext uri="{FF2B5EF4-FFF2-40B4-BE49-F238E27FC236}">
                 <a16:creationId xmlns:a16="http://schemas.microsoft.com/office/drawing/2014/main" id="{E3F3BBB5-7E9F-D04C-A949-3F643F7AED5A}"/>
               </a:ext>
             </a:extLst>
@@ -6032,7 +7938,7 @@
           <a:p>
             <a:fld id="{0C058645-6F24-9C43-8FC3-443F02031404}" type="datetime1">
               <a:rPr lang="en-US" smtClean="0"/>
-              <a:t>7/6/20</a:t>
+              <a:t>8/17/20</a:t>
             </a:fld>
             <a:endParaRPr lang="en-US" dirty="0"/>
           </a:p>
@@ -6063,7 +7969,7 @@
           <a:p>
             <a:fld id="{4FAB73BC-B049-4115-A692-8D63A059BFB8}" type="slidenum">
               <a:rPr lang="en-US" smtClean="0"/>
-              <a:t>11</a:t>
+              <a:t>15</a:t>
             </a:fld>
             <a:endParaRPr lang="en-US" dirty="0"/>
           </a:p>
@@ -6129,149 +8035,6 @@
       </p:sp>
       <p:sp>
         <p:nvSpPr>
-          <p:cNvPr id="3" name="Content Placeholder 2">
-            <a:extLst>
-              <a:ext uri="{FF2B5EF4-FFF2-40B4-BE49-F238E27FC236}">
-                <a16:creationId xmlns:a16="http://schemas.microsoft.com/office/drawing/2014/main" id="{5077F4FB-9D15-3840-9E2B-97EDC56F0F0E}"/>
-              </a:ext>
-            </a:extLst>
-          </p:cNvPr>
-          <p:cNvSpPr>
-            <a:spLocks noGrp="1"/>
-          </p:cNvSpPr>
-          <p:nvPr>
-            <p:ph idx="1"/>
-          </p:nvPr>
-        </p:nvSpPr>
-        <p:spPr/>
-        <p:txBody>
-          <a:bodyPr>
-            <a:normAutofit lnSpcReduction="10000"/>
-          </a:bodyPr>
-          <a:lstStyle/>
-          <a:p>
-            <a:r>
-              <a:rPr lang="en-US" dirty="0"/>
-              <a:t>Today: Session 1 – Principles and Motivation for GIS in the Geosciences</a:t>
-            </a:r>
-          </a:p>
-          <a:p>
-            <a:pPr lvl="1"/>
-            <a:r>
-              <a:rPr lang="en-US" dirty="0"/>
-              <a:t>Why GIS?</a:t>
-            </a:r>
-          </a:p>
-          <a:p>
-            <a:pPr lvl="1"/>
-            <a:r>
-              <a:rPr lang="en-US" dirty="0"/>
-              <a:t>Principles of GIS</a:t>
-            </a:r>
-          </a:p>
-          <a:p>
-            <a:pPr lvl="1"/>
-            <a:r>
-              <a:rPr lang="en-US" dirty="0"/>
-              <a:t>Getting acquainted with Quantum GIS?</a:t>
-            </a:r>
-          </a:p>
-          <a:p>
-            <a:r>
-              <a:rPr lang="en-US" dirty="0"/>
-              <a:t>Wednesday June 17</a:t>
-            </a:r>
-            <a:r>
-              <a:rPr lang="en-US" baseline="30000" dirty="0"/>
-              <a:t>th</a:t>
-            </a:r>
-            <a:r>
-              <a:rPr lang="en-US" dirty="0"/>
-              <a:t>: Session 2 – Tutorial + Guagua Pichincha Exercise</a:t>
-            </a:r>
-          </a:p>
-          <a:p>
-            <a:pPr lvl="1"/>
-            <a:r>
-              <a:rPr lang="en-US" dirty="0"/>
-              <a:t>Tour of Interface</a:t>
-            </a:r>
-          </a:p>
-          <a:p>
-            <a:pPr lvl="1"/>
-            <a:r>
-              <a:rPr lang="en-US" dirty="0"/>
-              <a:t>Tutorial</a:t>
-            </a:r>
-          </a:p>
-          <a:p>
-            <a:r>
-              <a:rPr lang="en-US" b="1" dirty="0"/>
-              <a:t>Monday July 6</a:t>
-            </a:r>
-            <a:r>
-              <a:rPr lang="en-US" b="1" baseline="30000" dirty="0"/>
-              <a:t>th</a:t>
-            </a:r>
-            <a:r>
-              <a:rPr lang="en-US" b="1" dirty="0"/>
-              <a:t>: Session 3 (GIS for the Intrepid) - Advanced GIS </a:t>
-            </a:r>
-          </a:p>
-          <a:p>
-            <a:pPr lvl="1"/>
-            <a:r>
-              <a:rPr lang="en-US" dirty="0"/>
-              <a:t>Frontiers of GIS</a:t>
-            </a:r>
-          </a:p>
-          <a:p>
-            <a:pPr lvl="2"/>
-            <a:r>
-              <a:rPr lang="en-US" dirty="0" err="1"/>
-              <a:t>Geostatistics</a:t>
-            </a:r>
-            <a:endParaRPr lang="en-US" dirty="0"/>
-          </a:p>
-          <a:p>
-            <a:pPr lvl="2"/>
-            <a:r>
-              <a:rPr lang="en-US" dirty="0"/>
-              <a:t>Python</a:t>
-            </a:r>
-          </a:p>
-          <a:p>
-            <a:pPr lvl="2"/>
-            <a:r>
-              <a:rPr lang="en-US" dirty="0"/>
-              <a:t>Data Management</a:t>
-            </a:r>
-          </a:p>
-          <a:p>
-            <a:pPr lvl="2"/>
-            <a:r>
-              <a:rPr lang="en-US" dirty="0"/>
-              <a:t>Advanced formatting</a:t>
-            </a:r>
-          </a:p>
-          <a:p>
-            <a:r>
-              <a:rPr lang="en-US" dirty="0"/>
-              <a:t>Wednesday July 8</a:t>
-            </a:r>
-            <a:r>
-              <a:rPr lang="en-US" baseline="30000" dirty="0"/>
-              <a:t>th</a:t>
-            </a:r>
-            <a:r>
-              <a:rPr lang="en-US" dirty="0"/>
-              <a:t>: Scheduled “TA Hours” for 1-on-1 project advice</a:t>
-            </a:r>
-          </a:p>
-        </p:txBody>
-      </p:sp>
-      <p:sp>
-        <p:nvSpPr>
           <p:cNvPr id="4" name="Date Placeholder 3">
             <a:extLst>
               <a:ext uri="{FF2B5EF4-FFF2-40B4-BE49-F238E27FC236}">
@@ -6293,7 +8056,7 @@
           <a:p>
             <a:fld id="{0C058645-6F24-9C43-8FC3-443F02031404}" type="datetime1">
               <a:rPr lang="en-US" smtClean="0"/>
-              <a:t>7/6/20</a:t>
+              <a:t>8/17/20</a:t>
             </a:fld>
             <a:endParaRPr lang="en-US" dirty="0"/>
           </a:p>
@@ -6330,876 +8093,12 @@
           </a:p>
         </p:txBody>
       </p:sp>
-    </p:spTree>
-    <p:extLst>
-      <p:ext uri="{BB962C8B-B14F-4D97-AF65-F5344CB8AC3E}">
-        <p14:creationId xmlns:p14="http://schemas.microsoft.com/office/powerpoint/2010/main" val="1875994291"/>
-      </p:ext>
-    </p:extLst>
-  </p:cSld>
-  <p:clrMapOvr>
-    <a:masterClrMapping/>
-  </p:clrMapOvr>
-</p:sld>
-</file>
-
-<file path=ppt/slides/slide3.xml><?xml version="1.0" encoding="utf-8"?>
-<p:sld xmlns:a="http://schemas.openxmlformats.org/drawingml/2006/main" xmlns:r="http://schemas.openxmlformats.org/officeDocument/2006/relationships" xmlns:p="http://schemas.openxmlformats.org/presentationml/2006/main">
-  <p:cSld>
-    <p:spTree>
-      <p:nvGrpSpPr>
-        <p:cNvPr id="1" name=""/>
-        <p:cNvGrpSpPr/>
-        <p:nvPr/>
-      </p:nvGrpSpPr>
-      <p:grpSpPr>
-        <a:xfrm>
-          <a:off x="0" y="0"/>
-          <a:ext cx="0" cy="0"/>
-          <a:chOff x="0" y="0"/>
-          <a:chExt cx="0" cy="0"/>
-        </a:xfrm>
-      </p:grpSpPr>
-      <p:sp>
-        <p:nvSpPr>
-          <p:cNvPr id="2" name="Title 1">
+      <p:sp>
+        <p:nvSpPr>
+          <p:cNvPr id="9" name="Content Placeholder 2">
             <a:extLst>
               <a:ext uri="{FF2B5EF4-FFF2-40B4-BE49-F238E27FC236}">
-                <a16:creationId xmlns:a16="http://schemas.microsoft.com/office/drawing/2014/main" id="{796FB70C-4F2A-E648-A8B8-801C7B0D9DC7}"/>
-              </a:ext>
-            </a:extLst>
-          </p:cNvPr>
-          <p:cNvSpPr>
-            <a:spLocks noGrp="1"/>
-          </p:cNvSpPr>
-          <p:nvPr>
-            <p:ph type="title"/>
-          </p:nvPr>
-        </p:nvSpPr>
-        <p:spPr/>
-        <p:txBody>
-          <a:bodyPr/>
-          <a:lstStyle/>
-          <a:p>
-            <a:r>
-              <a:rPr lang="en-US" dirty="0"/>
-              <a:t>Previous Sessions Demonstration:</a:t>
-            </a:r>
-          </a:p>
-        </p:txBody>
-      </p:sp>
-      <p:sp>
-        <p:nvSpPr>
-          <p:cNvPr id="3" name="Content Placeholder 2">
-            <a:extLst>
-              <a:ext uri="{FF2B5EF4-FFF2-40B4-BE49-F238E27FC236}">
-                <a16:creationId xmlns:a16="http://schemas.microsoft.com/office/drawing/2014/main" id="{BB985F6C-414B-6C46-AC13-CE425348F9CE}"/>
-              </a:ext>
-            </a:extLst>
-          </p:cNvPr>
-          <p:cNvSpPr>
-            <a:spLocks noGrp="1"/>
-          </p:cNvSpPr>
-          <p:nvPr>
-            <p:ph idx="1"/>
-          </p:nvPr>
-        </p:nvSpPr>
-        <p:spPr/>
-        <p:txBody>
-          <a:bodyPr/>
-          <a:lstStyle/>
-          <a:p>
-            <a:r>
-              <a:rPr lang="en-US" dirty="0"/>
-              <a:t>Planning a project</a:t>
-            </a:r>
-          </a:p>
-          <a:p>
-            <a:r>
-              <a:rPr lang="en-US" dirty="0"/>
-              <a:t>Finding Data</a:t>
-            </a:r>
-          </a:p>
-          <a:p>
-            <a:r>
-              <a:rPr lang="en-US" dirty="0"/>
-              <a:t>Defining CRS/PCS</a:t>
-            </a:r>
-          </a:p>
-          <a:p>
-            <a:r>
-              <a:rPr lang="en-US" dirty="0"/>
-              <a:t>Initial Import + Projection </a:t>
-            </a:r>
-          </a:p>
-          <a:p>
-            <a:r>
-              <a:rPr lang="en-US" dirty="0"/>
-              <a:t>Georeferencing Images</a:t>
-            </a:r>
-          </a:p>
-          <a:p>
-            <a:r>
-              <a:rPr lang="en-US" dirty="0"/>
-              <a:t>Tracing </a:t>
-            </a:r>
-            <a:r>
-              <a:rPr lang="en-US" dirty="0" err="1"/>
-              <a:t>Basemaps</a:t>
-            </a:r>
-            <a:endParaRPr lang="en-US" dirty="0"/>
-          </a:p>
-          <a:p>
-            <a:r>
-              <a:rPr lang="en-US" dirty="0"/>
-              <a:t>Analysis: Geoprocessing, Statistics, Attributes</a:t>
-            </a:r>
-          </a:p>
-          <a:p>
-            <a:r>
-              <a:rPr lang="en-US" dirty="0"/>
-              <a:t>Visualization and Symbology</a:t>
-            </a:r>
-          </a:p>
-          <a:p>
-            <a:r>
-              <a:rPr lang="en-US" dirty="0"/>
-              <a:t>Layout Design</a:t>
-            </a:r>
-          </a:p>
-        </p:txBody>
-      </p:sp>
-      <p:sp>
-        <p:nvSpPr>
-          <p:cNvPr id="4" name="Date Placeholder 3">
-            <a:extLst>
-              <a:ext uri="{FF2B5EF4-FFF2-40B4-BE49-F238E27FC236}">
-                <a16:creationId xmlns:a16="http://schemas.microsoft.com/office/drawing/2014/main" id="{FA219F90-D68F-234F-B195-0CAA751C48C1}"/>
-              </a:ext>
-            </a:extLst>
-          </p:cNvPr>
-          <p:cNvSpPr>
-            <a:spLocks noGrp="1"/>
-          </p:cNvSpPr>
-          <p:nvPr>
-            <p:ph type="dt" sz="half" idx="10"/>
-          </p:nvPr>
-        </p:nvSpPr>
-        <p:spPr/>
-        <p:txBody>
-          <a:bodyPr/>
-          <a:lstStyle/>
-          <a:p>
-            <a:fld id="{0C058645-6F24-9C43-8FC3-443F02031404}" type="datetime1">
-              <a:rPr lang="en-US" smtClean="0"/>
-              <a:t>7/6/20</a:t>
-            </a:fld>
-            <a:endParaRPr lang="en-US" dirty="0"/>
-          </a:p>
-        </p:txBody>
-      </p:sp>
-      <p:sp>
-        <p:nvSpPr>
-          <p:cNvPr id="6" name="Slide Number Placeholder 5">
-            <a:extLst>
-              <a:ext uri="{FF2B5EF4-FFF2-40B4-BE49-F238E27FC236}">
-                <a16:creationId xmlns:a16="http://schemas.microsoft.com/office/drawing/2014/main" id="{224DD8CA-8D81-0941-9989-FF65858E75D3}"/>
-              </a:ext>
-            </a:extLst>
-          </p:cNvPr>
-          <p:cNvSpPr>
-            <a:spLocks noGrp="1"/>
-          </p:cNvSpPr>
-          <p:nvPr>
-            <p:ph type="sldNum" sz="quarter" idx="12"/>
-          </p:nvPr>
-        </p:nvSpPr>
-        <p:spPr/>
-        <p:txBody>
-          <a:bodyPr>
-            <a:normAutofit lnSpcReduction="10000"/>
-          </a:bodyPr>
-          <a:lstStyle/>
-          <a:p>
-            <a:fld id="{4FAB73BC-B049-4115-A692-8D63A059BFB8}" type="slidenum">
-              <a:rPr lang="en-US" smtClean="0"/>
-              <a:t>2</a:t>
-            </a:fld>
-            <a:endParaRPr lang="en-US" dirty="0"/>
-          </a:p>
-        </p:txBody>
-      </p:sp>
-    </p:spTree>
-    <p:extLst>
-      <p:ext uri="{BB962C8B-B14F-4D97-AF65-F5344CB8AC3E}">
-        <p14:creationId xmlns:p14="http://schemas.microsoft.com/office/powerpoint/2010/main" val="1534045868"/>
-      </p:ext>
-    </p:extLst>
-  </p:cSld>
-  <p:clrMapOvr>
-    <a:masterClrMapping/>
-  </p:clrMapOvr>
-</p:sld>
-</file>
-
-<file path=ppt/slides/slide4.xml><?xml version="1.0" encoding="utf-8"?>
-<p:sld xmlns:a="http://schemas.openxmlformats.org/drawingml/2006/main" xmlns:r="http://schemas.openxmlformats.org/officeDocument/2006/relationships" xmlns:p="http://schemas.openxmlformats.org/presentationml/2006/main">
-  <p:cSld>
-    <p:spTree>
-      <p:nvGrpSpPr>
-        <p:cNvPr id="1" name=""/>
-        <p:cNvGrpSpPr/>
-        <p:nvPr/>
-      </p:nvGrpSpPr>
-      <p:grpSpPr>
-        <a:xfrm>
-          <a:off x="0" y="0"/>
-          <a:ext cx="0" cy="0"/>
-          <a:chOff x="0" y="0"/>
-          <a:chExt cx="0" cy="0"/>
-        </a:xfrm>
-      </p:grpSpPr>
-      <p:sp>
-        <p:nvSpPr>
-          <p:cNvPr id="2" name="Title 1">
-            <a:extLst>
-              <a:ext uri="{FF2B5EF4-FFF2-40B4-BE49-F238E27FC236}">
-                <a16:creationId xmlns:a16="http://schemas.microsoft.com/office/drawing/2014/main" id="{B6924150-A855-644E-93DD-B1A5C2E76B9B}"/>
-              </a:ext>
-            </a:extLst>
-          </p:cNvPr>
-          <p:cNvSpPr>
-            <a:spLocks noGrp="1"/>
-          </p:cNvSpPr>
-          <p:nvPr>
-            <p:ph type="title"/>
-          </p:nvPr>
-        </p:nvSpPr>
-        <p:spPr/>
-        <p:txBody>
-          <a:bodyPr/>
-          <a:lstStyle/>
-          <a:p>
-            <a:r>
-              <a:rPr lang="en-US" dirty="0"/>
-              <a:t>Today’s Demonstration</a:t>
-            </a:r>
-          </a:p>
-        </p:txBody>
-      </p:sp>
-      <p:sp>
-        <p:nvSpPr>
-          <p:cNvPr id="3" name="Content Placeholder 2">
-            <a:extLst>
-              <a:ext uri="{FF2B5EF4-FFF2-40B4-BE49-F238E27FC236}">
-                <a16:creationId xmlns:a16="http://schemas.microsoft.com/office/drawing/2014/main" id="{DAB305CE-FF84-504E-A791-57A99FB1C5BB}"/>
-              </a:ext>
-            </a:extLst>
-          </p:cNvPr>
-          <p:cNvSpPr>
-            <a:spLocks noGrp="1"/>
-          </p:cNvSpPr>
-          <p:nvPr>
-            <p:ph idx="1"/>
-          </p:nvPr>
-        </p:nvSpPr>
-        <p:spPr/>
-        <p:txBody>
-          <a:bodyPr/>
-          <a:lstStyle/>
-          <a:p>
-            <a:r>
-              <a:rPr lang="en-US" dirty="0"/>
-              <a:t>What It Won’t Cover</a:t>
-            </a:r>
-          </a:p>
-          <a:p>
-            <a:pPr lvl="1"/>
-            <a:r>
-              <a:rPr lang="en-US" dirty="0"/>
-              <a:t>Advanced Cartography (layout Manager)</a:t>
-            </a:r>
-          </a:p>
-          <a:p>
-            <a:pPr lvl="1"/>
-            <a:r>
-              <a:rPr lang="en-US" dirty="0"/>
-              <a:t>LANDSAT Mineral Exploration</a:t>
-            </a:r>
-          </a:p>
-          <a:p>
-            <a:pPr lvl="2"/>
-            <a:r>
-              <a:rPr lang="en-US" dirty="0"/>
-              <a:t>Too big a topic to cover in a 2-hour course </a:t>
-            </a:r>
-            <a:r>
-              <a:rPr lang="en-US" dirty="0">
-                <a:sym typeface="Wingdings" pitchFamily="2" charset="2"/>
-              </a:rPr>
-              <a:t> </a:t>
-            </a:r>
-            <a:endParaRPr lang="en-US" dirty="0"/>
-          </a:p>
-          <a:p>
-            <a:pPr lvl="1"/>
-            <a:r>
-              <a:rPr lang="en-US" dirty="0"/>
-              <a:t>Python in QGIS **in great detail**</a:t>
-            </a:r>
-          </a:p>
-          <a:p>
-            <a:pPr lvl="2"/>
-            <a:r>
-              <a:rPr lang="en-US" dirty="0"/>
-              <a:t>I will show functionality, but once you know the basics, the details are self-explanatory</a:t>
-            </a:r>
-          </a:p>
-        </p:txBody>
-      </p:sp>
-      <p:sp>
-        <p:nvSpPr>
-          <p:cNvPr id="4" name="Date Placeholder 3">
-            <a:extLst>
-              <a:ext uri="{FF2B5EF4-FFF2-40B4-BE49-F238E27FC236}">
-                <a16:creationId xmlns:a16="http://schemas.microsoft.com/office/drawing/2014/main" id="{9832673E-13E5-EB44-B5EE-749A920CDFC9}"/>
-              </a:ext>
-            </a:extLst>
-          </p:cNvPr>
-          <p:cNvSpPr>
-            <a:spLocks noGrp="1"/>
-          </p:cNvSpPr>
-          <p:nvPr>
-            <p:ph type="dt" sz="half" idx="10"/>
-          </p:nvPr>
-        </p:nvSpPr>
-        <p:spPr/>
-        <p:txBody>
-          <a:bodyPr/>
-          <a:lstStyle/>
-          <a:p>
-            <a:fld id="{0C058645-6F24-9C43-8FC3-443F02031404}" type="datetime1">
-              <a:rPr lang="en-US" smtClean="0"/>
-              <a:t>7/6/20</a:t>
-            </a:fld>
-            <a:endParaRPr lang="en-US" dirty="0"/>
-          </a:p>
-        </p:txBody>
-      </p:sp>
-      <p:sp>
-        <p:nvSpPr>
-          <p:cNvPr id="6" name="Slide Number Placeholder 5">
-            <a:extLst>
-              <a:ext uri="{FF2B5EF4-FFF2-40B4-BE49-F238E27FC236}">
-                <a16:creationId xmlns:a16="http://schemas.microsoft.com/office/drawing/2014/main" id="{3A4F7F12-B06E-6549-B7D9-357DB5A064CB}"/>
-              </a:ext>
-            </a:extLst>
-          </p:cNvPr>
-          <p:cNvSpPr>
-            <a:spLocks noGrp="1"/>
-          </p:cNvSpPr>
-          <p:nvPr>
-            <p:ph type="sldNum" sz="quarter" idx="12"/>
-          </p:nvPr>
-        </p:nvSpPr>
-        <p:spPr/>
-        <p:txBody>
-          <a:bodyPr>
-            <a:normAutofit lnSpcReduction="10000"/>
-          </a:bodyPr>
-          <a:lstStyle/>
-          <a:p>
-            <a:fld id="{4FAB73BC-B049-4115-A692-8D63A059BFB8}" type="slidenum">
-              <a:rPr lang="en-US" smtClean="0"/>
-              <a:t>3</a:t>
-            </a:fld>
-            <a:endParaRPr lang="en-US" dirty="0"/>
-          </a:p>
-        </p:txBody>
-      </p:sp>
-    </p:spTree>
-    <p:extLst>
-      <p:ext uri="{BB962C8B-B14F-4D97-AF65-F5344CB8AC3E}">
-        <p14:creationId xmlns:p14="http://schemas.microsoft.com/office/powerpoint/2010/main" val="3982107366"/>
-      </p:ext>
-    </p:extLst>
-  </p:cSld>
-  <p:clrMapOvr>
-    <a:masterClrMapping/>
-  </p:clrMapOvr>
-</p:sld>
-</file>
-
-<file path=ppt/slides/slide5.xml><?xml version="1.0" encoding="utf-8"?>
-<p:sld xmlns:a="http://schemas.openxmlformats.org/drawingml/2006/main" xmlns:r="http://schemas.openxmlformats.org/officeDocument/2006/relationships" xmlns:p="http://schemas.openxmlformats.org/presentationml/2006/main">
-  <p:cSld>
-    <p:spTree>
-      <p:nvGrpSpPr>
-        <p:cNvPr id="1" name=""/>
-        <p:cNvGrpSpPr/>
-        <p:nvPr/>
-      </p:nvGrpSpPr>
-      <p:grpSpPr>
-        <a:xfrm>
-          <a:off x="0" y="0"/>
-          <a:ext cx="0" cy="0"/>
-          <a:chOff x="0" y="0"/>
-          <a:chExt cx="0" cy="0"/>
-        </a:xfrm>
-      </p:grpSpPr>
-      <p:sp>
-        <p:nvSpPr>
-          <p:cNvPr id="2" name="Title 1">
-            <a:extLst>
-              <a:ext uri="{FF2B5EF4-FFF2-40B4-BE49-F238E27FC236}">
-                <a16:creationId xmlns:a16="http://schemas.microsoft.com/office/drawing/2014/main" id="{B6924150-A855-644E-93DD-B1A5C2E76B9B}"/>
-              </a:ext>
-            </a:extLst>
-          </p:cNvPr>
-          <p:cNvSpPr>
-            <a:spLocks noGrp="1"/>
-          </p:cNvSpPr>
-          <p:nvPr>
-            <p:ph type="title"/>
-          </p:nvPr>
-        </p:nvSpPr>
-        <p:spPr/>
-        <p:txBody>
-          <a:bodyPr/>
-          <a:lstStyle/>
-          <a:p>
-            <a:r>
-              <a:rPr lang="en-US" dirty="0"/>
-              <a:t>Today’s Demonstration</a:t>
-            </a:r>
-          </a:p>
-        </p:txBody>
-      </p:sp>
-      <p:sp>
-        <p:nvSpPr>
-          <p:cNvPr id="3" name="Content Placeholder 2">
-            <a:extLst>
-              <a:ext uri="{FF2B5EF4-FFF2-40B4-BE49-F238E27FC236}">
-                <a16:creationId xmlns:a16="http://schemas.microsoft.com/office/drawing/2014/main" id="{DAB305CE-FF84-504E-A791-57A99FB1C5BB}"/>
-              </a:ext>
-            </a:extLst>
-          </p:cNvPr>
-          <p:cNvSpPr>
-            <a:spLocks noGrp="1"/>
-          </p:cNvSpPr>
-          <p:nvPr>
-            <p:ph idx="1"/>
-          </p:nvPr>
-        </p:nvSpPr>
-        <p:spPr/>
-        <p:txBody>
-          <a:bodyPr>
-            <a:normAutofit lnSpcReduction="10000"/>
-          </a:bodyPr>
-          <a:lstStyle/>
-          <a:p>
-            <a:r>
-              <a:rPr lang="en-US" dirty="0"/>
-              <a:t>What It Won’t Cover</a:t>
-            </a:r>
-          </a:p>
-          <a:p>
-            <a:pPr lvl="1"/>
-            <a:r>
-              <a:rPr lang="en-US" dirty="0"/>
-              <a:t>Advanced Cartography (layout Manager)</a:t>
-            </a:r>
-          </a:p>
-          <a:p>
-            <a:pPr lvl="1"/>
-            <a:r>
-              <a:rPr lang="en-US" dirty="0"/>
-              <a:t>LANDSAT Mineral </a:t>
-            </a:r>
-            <a:r>
-              <a:rPr lang="en-US" dirty="0" err="1"/>
-              <a:t>Epxloration</a:t>
-            </a:r>
-            <a:endParaRPr lang="en-US" dirty="0"/>
-          </a:p>
-          <a:p>
-            <a:pPr lvl="2"/>
-            <a:r>
-              <a:rPr lang="en-US" dirty="0"/>
-              <a:t>Too big a topic to cover in a 2 hour course</a:t>
-            </a:r>
-          </a:p>
-          <a:p>
-            <a:pPr lvl="1"/>
-            <a:r>
-              <a:rPr lang="en-US" dirty="0"/>
-              <a:t>Python in QGIS **in great detail**</a:t>
-            </a:r>
-          </a:p>
-          <a:p>
-            <a:pPr lvl="2"/>
-            <a:r>
-              <a:rPr lang="en-US" dirty="0"/>
-              <a:t>I will show functionality, but once you know the basics, the details are self-explanatory</a:t>
-            </a:r>
-          </a:p>
-          <a:p>
-            <a:r>
-              <a:rPr lang="en-US" dirty="0"/>
-              <a:t>What It Will Cover</a:t>
-            </a:r>
-          </a:p>
-          <a:p>
-            <a:pPr lvl="1"/>
-            <a:r>
-              <a:rPr lang="en-US" dirty="0"/>
-              <a:t>Multiple Data Types Handling/Conversion</a:t>
-            </a:r>
-          </a:p>
-          <a:p>
-            <a:pPr lvl="1"/>
-            <a:r>
-              <a:rPr lang="en-US" dirty="0"/>
-              <a:t>CSV + Raster Manipulation</a:t>
-            </a:r>
-          </a:p>
-          <a:p>
-            <a:pPr lvl="1"/>
-            <a:r>
-              <a:rPr lang="en-US" dirty="0" err="1"/>
-              <a:t>Geostatistics</a:t>
-            </a:r>
-            <a:endParaRPr lang="en-US" dirty="0"/>
-          </a:p>
-          <a:p>
-            <a:pPr lvl="1"/>
-            <a:r>
-              <a:rPr lang="en-US" dirty="0"/>
-              <a:t>Raster Statistics + Zonal Statistics</a:t>
-            </a:r>
-          </a:p>
-          <a:p>
-            <a:pPr lvl="1"/>
-            <a:r>
-              <a:rPr lang="en-US" dirty="0"/>
-              <a:t>Advanced Formatting + Symbology</a:t>
-            </a:r>
-          </a:p>
-          <a:p>
-            <a:pPr lvl="1"/>
-            <a:r>
-              <a:rPr lang="en-US" dirty="0"/>
-              <a:t>DEM Visualization</a:t>
-            </a:r>
-          </a:p>
-          <a:p>
-            <a:pPr lvl="1"/>
-            <a:r>
-              <a:rPr lang="en-US" dirty="0"/>
-              <a:t>Web Database Connections</a:t>
-            </a:r>
-          </a:p>
-          <a:p>
-            <a:pPr lvl="1"/>
-            <a:r>
-              <a:rPr lang="en-US" dirty="0"/>
-              <a:t>Basics of Python in QGIS</a:t>
-            </a:r>
-          </a:p>
-          <a:p>
-            <a:pPr lvl="2"/>
-            <a:endParaRPr lang="en-US" dirty="0"/>
-          </a:p>
-          <a:p>
-            <a:pPr marL="548640" lvl="2" indent="0">
-              <a:buNone/>
-            </a:pPr>
-            <a:endParaRPr lang="en-US" dirty="0"/>
-          </a:p>
-        </p:txBody>
-      </p:sp>
-      <p:sp>
-        <p:nvSpPr>
-          <p:cNvPr id="4" name="Date Placeholder 3">
-            <a:extLst>
-              <a:ext uri="{FF2B5EF4-FFF2-40B4-BE49-F238E27FC236}">
-                <a16:creationId xmlns:a16="http://schemas.microsoft.com/office/drawing/2014/main" id="{9832673E-13E5-EB44-B5EE-749A920CDFC9}"/>
-              </a:ext>
-            </a:extLst>
-          </p:cNvPr>
-          <p:cNvSpPr>
-            <a:spLocks noGrp="1"/>
-          </p:cNvSpPr>
-          <p:nvPr>
-            <p:ph type="dt" sz="half" idx="10"/>
-          </p:nvPr>
-        </p:nvSpPr>
-        <p:spPr/>
-        <p:txBody>
-          <a:bodyPr/>
-          <a:lstStyle/>
-          <a:p>
-            <a:fld id="{0C058645-6F24-9C43-8FC3-443F02031404}" type="datetime1">
-              <a:rPr lang="en-US" smtClean="0"/>
-              <a:t>7/6/20</a:t>
-            </a:fld>
-            <a:endParaRPr lang="en-US" dirty="0"/>
-          </a:p>
-        </p:txBody>
-      </p:sp>
-      <p:sp>
-        <p:nvSpPr>
-          <p:cNvPr id="6" name="Slide Number Placeholder 5">
-            <a:extLst>
-              <a:ext uri="{FF2B5EF4-FFF2-40B4-BE49-F238E27FC236}">
-                <a16:creationId xmlns:a16="http://schemas.microsoft.com/office/drawing/2014/main" id="{3A4F7F12-B06E-6549-B7D9-357DB5A064CB}"/>
-              </a:ext>
-            </a:extLst>
-          </p:cNvPr>
-          <p:cNvSpPr>
-            <a:spLocks noGrp="1"/>
-          </p:cNvSpPr>
-          <p:nvPr>
-            <p:ph type="sldNum" sz="quarter" idx="12"/>
-          </p:nvPr>
-        </p:nvSpPr>
-        <p:spPr/>
-        <p:txBody>
-          <a:bodyPr>
-            <a:normAutofit lnSpcReduction="10000"/>
-          </a:bodyPr>
-          <a:lstStyle/>
-          <a:p>
-            <a:fld id="{4FAB73BC-B049-4115-A692-8D63A059BFB8}" type="slidenum">
-              <a:rPr lang="en-US" smtClean="0"/>
-              <a:t>4</a:t>
-            </a:fld>
-            <a:endParaRPr lang="en-US" dirty="0"/>
-          </a:p>
-        </p:txBody>
-      </p:sp>
-    </p:spTree>
-    <p:extLst>
-      <p:ext uri="{BB962C8B-B14F-4D97-AF65-F5344CB8AC3E}">
-        <p14:creationId xmlns:p14="http://schemas.microsoft.com/office/powerpoint/2010/main" val="1109333282"/>
-      </p:ext>
-    </p:extLst>
-  </p:cSld>
-  <p:clrMapOvr>
-    <a:masterClrMapping/>
-  </p:clrMapOvr>
-</p:sld>
-</file>
-
-<file path=ppt/slides/slide6.xml><?xml version="1.0" encoding="utf-8"?>
-<p:sld xmlns:a="http://schemas.openxmlformats.org/drawingml/2006/main" xmlns:r="http://schemas.openxmlformats.org/officeDocument/2006/relationships" xmlns:p="http://schemas.openxmlformats.org/presentationml/2006/main">
-  <p:cSld>
-    <p:spTree>
-      <p:nvGrpSpPr>
-        <p:cNvPr id="1" name=""/>
-        <p:cNvGrpSpPr/>
-        <p:nvPr/>
-      </p:nvGrpSpPr>
-      <p:grpSpPr>
-        <a:xfrm>
-          <a:off x="0" y="0"/>
-          <a:ext cx="0" cy="0"/>
-          <a:chOff x="0" y="0"/>
-          <a:chExt cx="0" cy="0"/>
-        </a:xfrm>
-      </p:grpSpPr>
-      <p:sp>
-        <p:nvSpPr>
-          <p:cNvPr id="2" name="Title 1">
-            <a:extLst>
-              <a:ext uri="{FF2B5EF4-FFF2-40B4-BE49-F238E27FC236}">
-                <a16:creationId xmlns:a16="http://schemas.microsoft.com/office/drawing/2014/main" id="{8CD2B2F7-7C36-004D-917B-D978CFAA84D3}"/>
-              </a:ext>
-            </a:extLst>
-          </p:cNvPr>
-          <p:cNvSpPr>
-            <a:spLocks noGrp="1"/>
-          </p:cNvSpPr>
-          <p:nvPr>
-            <p:ph type="title"/>
-          </p:nvPr>
-        </p:nvSpPr>
-        <p:spPr/>
-        <p:txBody>
-          <a:bodyPr/>
-          <a:lstStyle/>
-          <a:p>
-            <a:r>
-              <a:rPr lang="en-US" dirty="0"/>
-              <a:t>Let’s Get to It!</a:t>
-            </a:r>
-          </a:p>
-        </p:txBody>
-      </p:sp>
-      <p:sp>
-        <p:nvSpPr>
-          <p:cNvPr id="3" name="Content Placeholder 2">
-            <a:extLst>
-              <a:ext uri="{FF2B5EF4-FFF2-40B4-BE49-F238E27FC236}">
-                <a16:creationId xmlns:a16="http://schemas.microsoft.com/office/drawing/2014/main" id="{6F69D046-0F02-CE4B-BCEF-330237B3E970}"/>
-              </a:ext>
-            </a:extLst>
-          </p:cNvPr>
-          <p:cNvSpPr>
-            <a:spLocks noGrp="1"/>
-          </p:cNvSpPr>
-          <p:nvPr>
-            <p:ph idx="1"/>
-          </p:nvPr>
-        </p:nvSpPr>
-        <p:spPr>
-          <a:xfrm>
-            <a:off x="1261872" y="1820863"/>
-            <a:ext cx="8932452" cy="4351337"/>
-          </a:xfrm>
-        </p:spPr>
-        <p:txBody>
-          <a:bodyPr>
-            <a:normAutofit/>
-          </a:bodyPr>
-          <a:lstStyle/>
-          <a:p>
-            <a:r>
-              <a:rPr lang="en-US" b="1" dirty="0"/>
-              <a:t>Section 1: Advanced Analysis</a:t>
-            </a:r>
-          </a:p>
-          <a:p>
-            <a:pPr lvl="1"/>
-            <a:r>
-              <a:rPr lang="en-US" dirty="0"/>
-              <a:t>Exercise 2: Fluid Geochemistry of G.P.</a:t>
-            </a:r>
-          </a:p>
-          <a:p>
-            <a:pPr lvl="2"/>
-            <a:r>
-              <a:rPr lang="en-US" dirty="0"/>
-              <a:t>Importing CSVs</a:t>
-            </a:r>
-          </a:p>
-          <a:p>
-            <a:pPr lvl="2"/>
-            <a:r>
-              <a:rPr lang="en-US" dirty="0"/>
-              <a:t>Spatial Joins</a:t>
-            </a:r>
-          </a:p>
-          <a:p>
-            <a:pPr lvl="2"/>
-            <a:r>
-              <a:rPr lang="en-US" dirty="0"/>
-              <a:t>Interpolating Point Shapefiles</a:t>
-            </a:r>
-          </a:p>
-          <a:p>
-            <a:pPr lvl="1"/>
-            <a:r>
-              <a:rPr lang="en-US" dirty="0"/>
-              <a:t>Exercise 3: Landslide Risk near Quito</a:t>
-            </a:r>
-          </a:p>
-          <a:p>
-            <a:pPr lvl="2"/>
-            <a:r>
-              <a:rPr lang="en-US" dirty="0"/>
-              <a:t>Raster Statistics</a:t>
-            </a:r>
-          </a:p>
-          <a:p>
-            <a:pPr lvl="2"/>
-            <a:r>
-              <a:rPr lang="en-US" dirty="0"/>
-              <a:t>Rasterizing a Shapefile</a:t>
-            </a:r>
-          </a:p>
-          <a:p>
-            <a:pPr lvl="2"/>
-            <a:r>
-              <a:rPr lang="en-US" dirty="0"/>
-              <a:t>Raster Calculator</a:t>
-            </a:r>
-          </a:p>
-          <a:p>
-            <a:pPr lvl="2"/>
-            <a:r>
-              <a:rPr lang="en-US" dirty="0"/>
-              <a:t>Zonal Statistics</a:t>
-            </a:r>
-          </a:p>
-        </p:txBody>
-      </p:sp>
-      <p:sp>
-        <p:nvSpPr>
-          <p:cNvPr id="4" name="Date Placeholder 3">
-            <a:extLst>
-              <a:ext uri="{FF2B5EF4-FFF2-40B4-BE49-F238E27FC236}">
-                <a16:creationId xmlns:a16="http://schemas.microsoft.com/office/drawing/2014/main" id="{6E290827-2326-D643-8A9C-74680968F71C}"/>
-              </a:ext>
-            </a:extLst>
-          </p:cNvPr>
-          <p:cNvSpPr>
-            <a:spLocks noGrp="1"/>
-          </p:cNvSpPr>
-          <p:nvPr>
-            <p:ph type="dt" sz="half" idx="10"/>
-          </p:nvPr>
-        </p:nvSpPr>
-        <p:spPr/>
-        <p:txBody>
-          <a:bodyPr/>
-          <a:lstStyle/>
-          <a:p>
-            <a:fld id="{0C058645-6F24-9C43-8FC3-443F02031404}" type="datetime1">
-              <a:rPr lang="en-US" smtClean="0"/>
-              <a:t>7/6/20</a:t>
-            </a:fld>
-            <a:endParaRPr lang="en-US" dirty="0"/>
-          </a:p>
-        </p:txBody>
-      </p:sp>
-      <p:sp>
-        <p:nvSpPr>
-          <p:cNvPr id="5" name="Slide Number Placeholder 4">
-            <a:extLst>
-              <a:ext uri="{FF2B5EF4-FFF2-40B4-BE49-F238E27FC236}">
-                <a16:creationId xmlns:a16="http://schemas.microsoft.com/office/drawing/2014/main" id="{C8F82A5C-F4BD-FC4E-BDA7-9E86DC022D3F}"/>
-              </a:ext>
-            </a:extLst>
-          </p:cNvPr>
-          <p:cNvSpPr>
-            <a:spLocks noGrp="1"/>
-          </p:cNvSpPr>
-          <p:nvPr>
-            <p:ph type="sldNum" sz="quarter" idx="12"/>
-          </p:nvPr>
-        </p:nvSpPr>
-        <p:spPr/>
-        <p:txBody>
-          <a:bodyPr>
-            <a:normAutofit lnSpcReduction="10000"/>
-          </a:bodyPr>
-          <a:lstStyle/>
-          <a:p>
-            <a:fld id="{4FAB73BC-B049-4115-A692-8D63A059BFB8}" type="slidenum">
-              <a:rPr lang="en-US" smtClean="0"/>
-              <a:t>5</a:t>
-            </a:fld>
-            <a:endParaRPr lang="en-US" dirty="0"/>
-          </a:p>
-        </p:txBody>
-      </p:sp>
-      <p:sp>
-        <p:nvSpPr>
-          <p:cNvPr id="8" name="Content Placeholder 2">
-            <a:extLst>
-              <a:ext uri="{FF2B5EF4-FFF2-40B4-BE49-F238E27FC236}">
-                <a16:creationId xmlns:a16="http://schemas.microsoft.com/office/drawing/2014/main" id="{1952B431-84ED-EA48-99FA-614D3EE146A8}"/>
+                <a16:creationId xmlns:a16="http://schemas.microsoft.com/office/drawing/2014/main" id="{E2FF03D0-BDCA-014E-ABE9-5AA81A1B1E2B}"/>
               </a:ext>
             </a:extLst>
           </p:cNvPr>
@@ -7210,8 +8109,8 @@
         </p:nvSpPr>
         <p:spPr>
           <a:xfrm>
-            <a:off x="5405503" y="1820862"/>
-            <a:ext cx="8932452" cy="4351337"/>
+            <a:off x="1261872" y="1820863"/>
+            <a:ext cx="8595360" cy="4351337"/>
           </a:xfrm>
           <a:prstGeom prst="rect">
             <a:avLst/>
@@ -7466,100 +8365,128 @@
           </a:lstStyle>
           <a:p>
             <a:r>
+              <a:rPr lang="en-US" dirty="0"/>
+              <a:t>Monday August 10th: Session 1 – Principles and Motivation for GIS in the Geosciences</a:t>
+            </a:r>
+          </a:p>
+          <a:p>
+            <a:pPr lvl="1"/>
+            <a:r>
+              <a:rPr lang="en-US" dirty="0"/>
+              <a:t>Why GIS?</a:t>
+            </a:r>
+          </a:p>
+          <a:p>
+            <a:pPr lvl="1"/>
+            <a:r>
+              <a:rPr lang="en-US" dirty="0"/>
+              <a:t>Principles of GIS</a:t>
+            </a:r>
+          </a:p>
+          <a:p>
+            <a:pPr lvl="1"/>
+            <a:r>
+              <a:rPr lang="en-US" dirty="0"/>
+              <a:t>Getting acquainted with Quantum GIS?</a:t>
+            </a:r>
+          </a:p>
+          <a:p>
+            <a:r>
+              <a:rPr lang="en-US" dirty="0"/>
+              <a:t>Today: Session 2 – Beginner GIS Exercise</a:t>
+            </a:r>
+          </a:p>
+          <a:p>
+            <a:pPr lvl="1"/>
+            <a:r>
+              <a:rPr lang="en-US" dirty="0"/>
+              <a:t>Exercise 1</a:t>
+            </a:r>
+          </a:p>
+          <a:p>
+            <a:r>
               <a:rPr lang="en-US" b="1" dirty="0"/>
-              <a:t>Section 2: Advanced Formatting</a:t>
+              <a:t>Monday August 17</a:t>
+            </a:r>
+            <a:r>
+              <a:rPr lang="en-US" b="1" baseline="30000" dirty="0"/>
+              <a:t>th</a:t>
+            </a:r>
+            <a:r>
+              <a:rPr lang="en-US" b="1" dirty="0"/>
+              <a:t>: Session 3 – Intermediate GIS Exercise</a:t>
             </a:r>
           </a:p>
           <a:p>
             <a:pPr lvl="1"/>
             <a:r>
               <a:rPr lang="en-US" dirty="0"/>
-              <a:t>Line Symbology</a:t>
-            </a:r>
-          </a:p>
-          <a:p>
-            <a:pPr lvl="1"/>
-            <a:r>
-              <a:rPr lang="en-US" dirty="0"/>
-              <a:t>Draw Effects</a:t>
-            </a:r>
-          </a:p>
-          <a:p>
-            <a:pPr lvl="1"/>
-            <a:r>
-              <a:rPr lang="en-US" dirty="0"/>
-              <a:t>Heatmaps</a:t>
-            </a:r>
-          </a:p>
-          <a:p>
-            <a:pPr lvl="1"/>
-            <a:r>
-              <a:rPr lang="en-US" dirty="0"/>
-              <a:t>Raster Viz.</a:t>
-            </a:r>
-          </a:p>
-          <a:p>
-            <a:pPr lvl="1"/>
-            <a:r>
-              <a:rPr lang="en-US" dirty="0"/>
-              <a:t>3D Viewer</a:t>
-            </a:r>
-          </a:p>
-          <a:p>
-            <a:r>
-              <a:rPr lang="en-US" b="1" dirty="0"/>
-              <a:t>Section 3: Final Topics</a:t>
-            </a:r>
-          </a:p>
-          <a:p>
-            <a:pPr lvl="1"/>
-            <a:r>
-              <a:rPr lang="en-US" dirty="0"/>
-              <a:t>Spatial Database Connections</a:t>
-            </a:r>
-          </a:p>
-          <a:p>
-            <a:pPr lvl="1"/>
-            <a:r>
-              <a:rPr lang="en-US" dirty="0"/>
-              <a:t>Basics of Python</a:t>
-            </a:r>
-          </a:p>
-        </p:txBody>
-      </p:sp>
-      <p:sp>
-        <p:nvSpPr>
-          <p:cNvPr id="6" name="TextBox 5">
+              <a:t>Exercise 2, Parts 1,2,3</a:t>
+            </a:r>
+          </a:p>
+          <a:p>
+            <a:r>
+              <a:rPr lang="en-US" dirty="0"/>
+              <a:t>Wednesday August 19</a:t>
+            </a:r>
+            <a:r>
+              <a:rPr lang="en-US" baseline="30000" dirty="0"/>
+              <a:t>th</a:t>
+            </a:r>
+            <a:r>
+              <a:rPr lang="en-US" dirty="0"/>
+              <a:t>: Scheduled “TA Hours” for 1-on-1 project advice</a:t>
+            </a:r>
+          </a:p>
+        </p:txBody>
+      </p:sp>
+      <p:sp>
+        <p:nvSpPr>
+          <p:cNvPr id="10" name="Footer Placeholder 4">
             <a:extLst>
               <a:ext uri="{FF2B5EF4-FFF2-40B4-BE49-F238E27FC236}">
-                <a16:creationId xmlns:a16="http://schemas.microsoft.com/office/drawing/2014/main" id="{F2681EE8-D2F1-2047-B4F4-BFABE2017A0E}"/>
+                <a16:creationId xmlns:a16="http://schemas.microsoft.com/office/drawing/2014/main" id="{CA82BD2B-71CC-5542-9321-E3A7081505BF}"/>
               </a:ext>
             </a:extLst>
           </p:cNvPr>
-          <p:cNvSpPr txBox="1"/>
-          <p:nvPr/>
+          <p:cNvSpPr>
+            <a:spLocks noGrp="1"/>
+          </p:cNvSpPr>
+          <p:nvPr>
+            <p:ph type="ftr" sz="quarter" idx="3"/>
+          </p:nvPr>
         </p:nvSpPr>
         <p:spPr>
-          <a:xfrm>
-            <a:off x="1806223" y="4718756"/>
-            <a:ext cx="3273778" cy="369332"/>
+          <a:xfrm rot="16200000">
+            <a:off x="9390931" y="3548149"/>
+            <a:ext cx="4718224" cy="365125"/>
           </a:xfrm>
           <a:prstGeom prst="rect">
             <a:avLst/>
           </a:prstGeom>
-          <a:noFill/>
         </p:spPr>
         <p:txBody>
-          <a:bodyPr wrap="square" rtlCol="0">
-            <a:spAutoFit/>
-          </a:bodyPr>
-          <a:lstStyle/>
-          <a:p>
-            <a:r>
-              <a:rPr lang="en-US" b="1" dirty="0">
+          <a:bodyPr/>
+          <a:lstStyle>
+            <a:lvl1pPr>
+              <a:defRPr sz="1200">
+                <a:solidFill>
+                  <a:schemeClr val="bg1"/>
+                </a:solidFill>
                 <a:latin typeface="Candara" panose="020E0502030303020204" pitchFamily="34" charset="0"/>
-              </a:rPr>
-              <a:t>5 Minute break?</a:t>
+              </a:defRPr>
+            </a:lvl1pPr>
+          </a:lstStyle>
+          <a:p>
+            <a:r>
+              <a:rPr lang="en-US" dirty="0"/>
+              <a:t>UCL GIS for Geoscientists- Session 3- Intermediate GIS</a:t>
+            </a:r>
+          </a:p>
+          <a:p>
+            <a:r>
+              <a:rPr lang="en-US" dirty="0"/>
+              <a:t>Presented by N.D. Barber (Cambridge) ndb38@cam.ac.uk</a:t>
             </a:r>
           </a:p>
         </p:txBody>
@@ -7567,7 +8494,1098 @@
     </p:spTree>
     <p:extLst>
       <p:ext uri="{BB962C8B-B14F-4D97-AF65-F5344CB8AC3E}">
-        <p14:creationId xmlns:p14="http://schemas.microsoft.com/office/powerpoint/2010/main" val="1338931758"/>
+        <p14:creationId xmlns:p14="http://schemas.microsoft.com/office/powerpoint/2010/main" val="1875994291"/>
+      </p:ext>
+    </p:extLst>
+  </p:cSld>
+  <p:clrMapOvr>
+    <a:masterClrMapping/>
+  </p:clrMapOvr>
+</p:sld>
+</file>
+
+<file path=ppt/slides/slide3.xml><?xml version="1.0" encoding="utf-8"?>
+<p:sld xmlns:a="http://schemas.openxmlformats.org/drawingml/2006/main" xmlns:r="http://schemas.openxmlformats.org/officeDocument/2006/relationships" xmlns:p="http://schemas.openxmlformats.org/presentationml/2006/main">
+  <p:cSld>
+    <p:spTree>
+      <p:nvGrpSpPr>
+        <p:cNvPr id="1" name=""/>
+        <p:cNvGrpSpPr/>
+        <p:nvPr/>
+      </p:nvGrpSpPr>
+      <p:grpSpPr>
+        <a:xfrm>
+          <a:off x="0" y="0"/>
+          <a:ext cx="0" cy="0"/>
+          <a:chOff x="0" y="0"/>
+          <a:chExt cx="0" cy="0"/>
+        </a:xfrm>
+      </p:grpSpPr>
+      <p:sp>
+        <p:nvSpPr>
+          <p:cNvPr id="2" name="Title 1">
+            <a:extLst>
+              <a:ext uri="{FF2B5EF4-FFF2-40B4-BE49-F238E27FC236}">
+                <a16:creationId xmlns:a16="http://schemas.microsoft.com/office/drawing/2014/main" id="{796FB70C-4F2A-E648-A8B8-801C7B0D9DC7}"/>
+              </a:ext>
+            </a:extLst>
+          </p:cNvPr>
+          <p:cNvSpPr>
+            <a:spLocks noGrp="1"/>
+          </p:cNvSpPr>
+          <p:nvPr>
+            <p:ph type="title"/>
+          </p:nvPr>
+        </p:nvSpPr>
+        <p:spPr/>
+        <p:txBody>
+          <a:bodyPr/>
+          <a:lstStyle/>
+          <a:p>
+            <a:r>
+              <a:rPr lang="en-US" dirty="0"/>
+              <a:t>Previous Sessions Demonstration:</a:t>
+            </a:r>
+          </a:p>
+        </p:txBody>
+      </p:sp>
+      <p:sp>
+        <p:nvSpPr>
+          <p:cNvPr id="3" name="Content Placeholder 2">
+            <a:extLst>
+              <a:ext uri="{FF2B5EF4-FFF2-40B4-BE49-F238E27FC236}">
+                <a16:creationId xmlns:a16="http://schemas.microsoft.com/office/drawing/2014/main" id="{BB985F6C-414B-6C46-AC13-CE425348F9CE}"/>
+              </a:ext>
+            </a:extLst>
+          </p:cNvPr>
+          <p:cNvSpPr>
+            <a:spLocks noGrp="1"/>
+          </p:cNvSpPr>
+          <p:nvPr>
+            <p:ph idx="1"/>
+          </p:nvPr>
+        </p:nvSpPr>
+        <p:spPr/>
+        <p:txBody>
+          <a:bodyPr/>
+          <a:lstStyle/>
+          <a:p>
+            <a:r>
+              <a:rPr lang="en-US" dirty="0"/>
+              <a:t>Planning a project</a:t>
+            </a:r>
+          </a:p>
+          <a:p>
+            <a:r>
+              <a:rPr lang="en-US" dirty="0"/>
+              <a:t>Finding Data</a:t>
+            </a:r>
+          </a:p>
+          <a:p>
+            <a:r>
+              <a:rPr lang="en-US" dirty="0"/>
+              <a:t>Defining CRS/PCS</a:t>
+            </a:r>
+          </a:p>
+          <a:p>
+            <a:r>
+              <a:rPr lang="en-US" dirty="0"/>
+              <a:t>Initial Import + Projection </a:t>
+            </a:r>
+          </a:p>
+          <a:p>
+            <a:r>
+              <a:rPr lang="en-US" dirty="0"/>
+              <a:t>Georeferencing Images</a:t>
+            </a:r>
+          </a:p>
+          <a:p>
+            <a:r>
+              <a:rPr lang="en-US" dirty="0"/>
+              <a:t>Tracing </a:t>
+            </a:r>
+            <a:r>
+              <a:rPr lang="en-US" dirty="0" err="1"/>
+              <a:t>Basemaps</a:t>
+            </a:r>
+            <a:endParaRPr lang="en-US" dirty="0"/>
+          </a:p>
+          <a:p>
+            <a:r>
+              <a:rPr lang="en-US" dirty="0"/>
+              <a:t>Analysis: Geoprocessing, Statistics, Attributes</a:t>
+            </a:r>
+          </a:p>
+          <a:p>
+            <a:r>
+              <a:rPr lang="en-US" dirty="0"/>
+              <a:t>Visualization and Symbology</a:t>
+            </a:r>
+          </a:p>
+          <a:p>
+            <a:r>
+              <a:rPr lang="en-US" strike="sngStrike" dirty="0"/>
+              <a:t>Layout Design</a:t>
+            </a:r>
+          </a:p>
+        </p:txBody>
+      </p:sp>
+      <p:sp>
+        <p:nvSpPr>
+          <p:cNvPr id="4" name="Date Placeholder 3">
+            <a:extLst>
+              <a:ext uri="{FF2B5EF4-FFF2-40B4-BE49-F238E27FC236}">
+                <a16:creationId xmlns:a16="http://schemas.microsoft.com/office/drawing/2014/main" id="{FA219F90-D68F-234F-B195-0CAA751C48C1}"/>
+              </a:ext>
+            </a:extLst>
+          </p:cNvPr>
+          <p:cNvSpPr>
+            <a:spLocks noGrp="1"/>
+          </p:cNvSpPr>
+          <p:nvPr>
+            <p:ph type="dt" sz="half" idx="10"/>
+          </p:nvPr>
+        </p:nvSpPr>
+        <p:spPr/>
+        <p:txBody>
+          <a:bodyPr/>
+          <a:lstStyle/>
+          <a:p>
+            <a:fld id="{0C058645-6F24-9C43-8FC3-443F02031404}" type="datetime1">
+              <a:rPr lang="en-US" smtClean="0"/>
+              <a:t>8/17/20</a:t>
+            </a:fld>
+            <a:endParaRPr lang="en-US" dirty="0"/>
+          </a:p>
+        </p:txBody>
+      </p:sp>
+      <p:sp>
+        <p:nvSpPr>
+          <p:cNvPr id="6" name="Slide Number Placeholder 5">
+            <a:extLst>
+              <a:ext uri="{FF2B5EF4-FFF2-40B4-BE49-F238E27FC236}">
+                <a16:creationId xmlns:a16="http://schemas.microsoft.com/office/drawing/2014/main" id="{224DD8CA-8D81-0941-9989-FF65858E75D3}"/>
+              </a:ext>
+            </a:extLst>
+          </p:cNvPr>
+          <p:cNvSpPr>
+            <a:spLocks noGrp="1"/>
+          </p:cNvSpPr>
+          <p:nvPr>
+            <p:ph type="sldNum" sz="quarter" idx="12"/>
+          </p:nvPr>
+        </p:nvSpPr>
+        <p:spPr/>
+        <p:txBody>
+          <a:bodyPr>
+            <a:normAutofit lnSpcReduction="10000"/>
+          </a:bodyPr>
+          <a:lstStyle/>
+          <a:p>
+            <a:fld id="{4FAB73BC-B049-4115-A692-8D63A059BFB8}" type="slidenum">
+              <a:rPr lang="en-US" smtClean="0"/>
+              <a:t>2</a:t>
+            </a:fld>
+            <a:endParaRPr lang="en-US" dirty="0"/>
+          </a:p>
+        </p:txBody>
+      </p:sp>
+      <p:sp>
+        <p:nvSpPr>
+          <p:cNvPr id="7" name="Footer Placeholder 4">
+            <a:extLst>
+              <a:ext uri="{FF2B5EF4-FFF2-40B4-BE49-F238E27FC236}">
+                <a16:creationId xmlns:a16="http://schemas.microsoft.com/office/drawing/2014/main" id="{4806680E-D792-E643-9AAD-FCA4F88B3655}"/>
+              </a:ext>
+            </a:extLst>
+          </p:cNvPr>
+          <p:cNvSpPr>
+            <a:spLocks noGrp="1"/>
+          </p:cNvSpPr>
+          <p:nvPr>
+            <p:ph type="ftr" sz="quarter" idx="3"/>
+          </p:nvPr>
+        </p:nvSpPr>
+        <p:spPr>
+          <a:xfrm rot="16200000">
+            <a:off x="9390931" y="3548149"/>
+            <a:ext cx="4718224" cy="365125"/>
+          </a:xfrm>
+          <a:prstGeom prst="rect">
+            <a:avLst/>
+          </a:prstGeom>
+        </p:spPr>
+        <p:txBody>
+          <a:bodyPr/>
+          <a:lstStyle>
+            <a:lvl1pPr>
+              <a:defRPr sz="1200">
+                <a:solidFill>
+                  <a:schemeClr val="bg1"/>
+                </a:solidFill>
+                <a:latin typeface="Candara" panose="020E0502030303020204" pitchFamily="34" charset="0"/>
+              </a:defRPr>
+            </a:lvl1pPr>
+          </a:lstStyle>
+          <a:p>
+            <a:r>
+              <a:rPr lang="en-US" dirty="0"/>
+              <a:t>UCL GIS for Geoscientists- Session 3- Intermediate GIS</a:t>
+            </a:r>
+          </a:p>
+          <a:p>
+            <a:r>
+              <a:rPr lang="en-US" dirty="0"/>
+              <a:t>Presented by N.D. Barber (Cambridge) ndb38@cam.ac.uk</a:t>
+            </a:r>
+          </a:p>
+        </p:txBody>
+      </p:sp>
+    </p:spTree>
+    <p:extLst>
+      <p:ext uri="{BB962C8B-B14F-4D97-AF65-F5344CB8AC3E}">
+        <p14:creationId xmlns:p14="http://schemas.microsoft.com/office/powerpoint/2010/main" val="1534045868"/>
+      </p:ext>
+    </p:extLst>
+  </p:cSld>
+  <p:clrMapOvr>
+    <a:masterClrMapping/>
+  </p:clrMapOvr>
+</p:sld>
+</file>
+
+<file path=ppt/slides/slide4.xml><?xml version="1.0" encoding="utf-8"?>
+<p:sld xmlns:a="http://schemas.openxmlformats.org/drawingml/2006/main" xmlns:r="http://schemas.openxmlformats.org/officeDocument/2006/relationships" xmlns:p="http://schemas.openxmlformats.org/presentationml/2006/main">
+  <p:cSld>
+    <p:spTree>
+      <p:nvGrpSpPr>
+        <p:cNvPr id="1" name=""/>
+        <p:cNvGrpSpPr/>
+        <p:nvPr/>
+      </p:nvGrpSpPr>
+      <p:grpSpPr>
+        <a:xfrm>
+          <a:off x="0" y="0"/>
+          <a:ext cx="0" cy="0"/>
+          <a:chOff x="0" y="0"/>
+          <a:chExt cx="0" cy="0"/>
+        </a:xfrm>
+      </p:grpSpPr>
+      <p:sp>
+        <p:nvSpPr>
+          <p:cNvPr id="2" name="Title 1">
+            <a:extLst>
+              <a:ext uri="{FF2B5EF4-FFF2-40B4-BE49-F238E27FC236}">
+                <a16:creationId xmlns:a16="http://schemas.microsoft.com/office/drawing/2014/main" id="{B6924150-A855-644E-93DD-B1A5C2E76B9B}"/>
+              </a:ext>
+            </a:extLst>
+          </p:cNvPr>
+          <p:cNvSpPr>
+            <a:spLocks noGrp="1"/>
+          </p:cNvSpPr>
+          <p:nvPr>
+            <p:ph type="title"/>
+          </p:nvPr>
+        </p:nvSpPr>
+        <p:spPr/>
+        <p:txBody>
+          <a:bodyPr/>
+          <a:lstStyle/>
+          <a:p>
+            <a:r>
+              <a:rPr lang="en-US" dirty="0"/>
+              <a:t>Today’s Demonstration</a:t>
+            </a:r>
+          </a:p>
+        </p:txBody>
+      </p:sp>
+      <p:sp>
+        <p:nvSpPr>
+          <p:cNvPr id="3" name="Content Placeholder 2">
+            <a:extLst>
+              <a:ext uri="{FF2B5EF4-FFF2-40B4-BE49-F238E27FC236}">
+                <a16:creationId xmlns:a16="http://schemas.microsoft.com/office/drawing/2014/main" id="{DAB305CE-FF84-504E-A791-57A99FB1C5BB}"/>
+              </a:ext>
+            </a:extLst>
+          </p:cNvPr>
+          <p:cNvSpPr>
+            <a:spLocks noGrp="1"/>
+          </p:cNvSpPr>
+          <p:nvPr>
+            <p:ph idx="1"/>
+          </p:nvPr>
+        </p:nvSpPr>
+        <p:spPr/>
+        <p:txBody>
+          <a:bodyPr/>
+          <a:lstStyle/>
+          <a:p>
+            <a:r>
+              <a:rPr lang="en-US" dirty="0"/>
+              <a:t>What It Won’t Cover</a:t>
+            </a:r>
+          </a:p>
+          <a:p>
+            <a:pPr lvl="1"/>
+            <a:r>
+              <a:rPr lang="en-US" dirty="0"/>
+              <a:t>Advanced Cartography (layout Manager)</a:t>
+            </a:r>
+          </a:p>
+          <a:p>
+            <a:pPr lvl="1"/>
+            <a:r>
+              <a:rPr lang="en-US" dirty="0"/>
+              <a:t>LANDSAT Mineral Exploration</a:t>
+            </a:r>
+          </a:p>
+          <a:p>
+            <a:pPr lvl="2"/>
+            <a:r>
+              <a:rPr lang="en-US" dirty="0"/>
+              <a:t>Too big a topic to cover in a 2-hour course </a:t>
+            </a:r>
+            <a:r>
+              <a:rPr lang="en-US" dirty="0">
+                <a:sym typeface="Wingdings" pitchFamily="2" charset="2"/>
+              </a:rPr>
+              <a:t> </a:t>
+            </a:r>
+            <a:endParaRPr lang="en-US" dirty="0"/>
+          </a:p>
+          <a:p>
+            <a:pPr lvl="1"/>
+            <a:r>
+              <a:rPr lang="en-US" dirty="0"/>
+              <a:t>Python in QGIS **in great detail**</a:t>
+            </a:r>
+          </a:p>
+          <a:p>
+            <a:pPr lvl="2"/>
+            <a:r>
+              <a:rPr lang="en-US" dirty="0"/>
+              <a:t>I will show functionality, but once you know the basics, the details are self-explanatory</a:t>
+            </a:r>
+          </a:p>
+        </p:txBody>
+      </p:sp>
+      <p:sp>
+        <p:nvSpPr>
+          <p:cNvPr id="4" name="Date Placeholder 3">
+            <a:extLst>
+              <a:ext uri="{FF2B5EF4-FFF2-40B4-BE49-F238E27FC236}">
+                <a16:creationId xmlns:a16="http://schemas.microsoft.com/office/drawing/2014/main" id="{9832673E-13E5-EB44-B5EE-749A920CDFC9}"/>
+              </a:ext>
+            </a:extLst>
+          </p:cNvPr>
+          <p:cNvSpPr>
+            <a:spLocks noGrp="1"/>
+          </p:cNvSpPr>
+          <p:nvPr>
+            <p:ph type="dt" sz="half" idx="10"/>
+          </p:nvPr>
+        </p:nvSpPr>
+        <p:spPr/>
+        <p:txBody>
+          <a:bodyPr/>
+          <a:lstStyle/>
+          <a:p>
+            <a:fld id="{0C058645-6F24-9C43-8FC3-443F02031404}" type="datetime1">
+              <a:rPr lang="en-US" smtClean="0"/>
+              <a:t>8/17/20</a:t>
+            </a:fld>
+            <a:endParaRPr lang="en-US" dirty="0"/>
+          </a:p>
+        </p:txBody>
+      </p:sp>
+      <p:sp>
+        <p:nvSpPr>
+          <p:cNvPr id="6" name="Slide Number Placeholder 5">
+            <a:extLst>
+              <a:ext uri="{FF2B5EF4-FFF2-40B4-BE49-F238E27FC236}">
+                <a16:creationId xmlns:a16="http://schemas.microsoft.com/office/drawing/2014/main" id="{3A4F7F12-B06E-6549-B7D9-357DB5A064CB}"/>
+              </a:ext>
+            </a:extLst>
+          </p:cNvPr>
+          <p:cNvSpPr>
+            <a:spLocks noGrp="1"/>
+          </p:cNvSpPr>
+          <p:nvPr>
+            <p:ph type="sldNum" sz="quarter" idx="12"/>
+          </p:nvPr>
+        </p:nvSpPr>
+        <p:spPr/>
+        <p:txBody>
+          <a:bodyPr>
+            <a:normAutofit lnSpcReduction="10000"/>
+          </a:bodyPr>
+          <a:lstStyle/>
+          <a:p>
+            <a:fld id="{4FAB73BC-B049-4115-A692-8D63A059BFB8}" type="slidenum">
+              <a:rPr lang="en-US" smtClean="0"/>
+              <a:t>3</a:t>
+            </a:fld>
+            <a:endParaRPr lang="en-US" dirty="0"/>
+          </a:p>
+        </p:txBody>
+      </p:sp>
+      <p:sp>
+        <p:nvSpPr>
+          <p:cNvPr id="7" name="Footer Placeholder 4">
+            <a:extLst>
+              <a:ext uri="{FF2B5EF4-FFF2-40B4-BE49-F238E27FC236}">
+                <a16:creationId xmlns:a16="http://schemas.microsoft.com/office/drawing/2014/main" id="{E1C3E264-5FCA-4648-94F5-032D2AC9D90B}"/>
+              </a:ext>
+            </a:extLst>
+          </p:cNvPr>
+          <p:cNvSpPr>
+            <a:spLocks noGrp="1"/>
+          </p:cNvSpPr>
+          <p:nvPr>
+            <p:ph type="ftr" sz="quarter" idx="3"/>
+          </p:nvPr>
+        </p:nvSpPr>
+        <p:spPr>
+          <a:xfrm rot="16200000">
+            <a:off x="9390931" y="3548149"/>
+            <a:ext cx="4718224" cy="365125"/>
+          </a:xfrm>
+          <a:prstGeom prst="rect">
+            <a:avLst/>
+          </a:prstGeom>
+        </p:spPr>
+        <p:txBody>
+          <a:bodyPr/>
+          <a:lstStyle>
+            <a:lvl1pPr>
+              <a:defRPr sz="1200">
+                <a:solidFill>
+                  <a:schemeClr val="bg1"/>
+                </a:solidFill>
+                <a:latin typeface="Candara" panose="020E0502030303020204" pitchFamily="34" charset="0"/>
+              </a:defRPr>
+            </a:lvl1pPr>
+          </a:lstStyle>
+          <a:p>
+            <a:r>
+              <a:rPr lang="en-US" dirty="0"/>
+              <a:t>UCL GIS for Geoscientists- Session 3- Intermediate GIS</a:t>
+            </a:r>
+          </a:p>
+          <a:p>
+            <a:r>
+              <a:rPr lang="en-US" dirty="0"/>
+              <a:t>Presented by N.D. Barber (Cambridge) ndb38@cam.ac.uk</a:t>
+            </a:r>
+          </a:p>
+        </p:txBody>
+      </p:sp>
+    </p:spTree>
+    <p:extLst>
+      <p:ext uri="{BB962C8B-B14F-4D97-AF65-F5344CB8AC3E}">
+        <p14:creationId xmlns:p14="http://schemas.microsoft.com/office/powerpoint/2010/main" val="3982107366"/>
+      </p:ext>
+    </p:extLst>
+  </p:cSld>
+  <p:clrMapOvr>
+    <a:masterClrMapping/>
+  </p:clrMapOvr>
+</p:sld>
+</file>
+
+<file path=ppt/slides/slide5.xml><?xml version="1.0" encoding="utf-8"?>
+<p:sld xmlns:a="http://schemas.openxmlformats.org/drawingml/2006/main" xmlns:r="http://schemas.openxmlformats.org/officeDocument/2006/relationships" xmlns:p="http://schemas.openxmlformats.org/presentationml/2006/main">
+  <p:cSld>
+    <p:spTree>
+      <p:nvGrpSpPr>
+        <p:cNvPr id="1" name=""/>
+        <p:cNvGrpSpPr/>
+        <p:nvPr/>
+      </p:nvGrpSpPr>
+      <p:grpSpPr>
+        <a:xfrm>
+          <a:off x="0" y="0"/>
+          <a:ext cx="0" cy="0"/>
+          <a:chOff x="0" y="0"/>
+          <a:chExt cx="0" cy="0"/>
+        </a:xfrm>
+      </p:grpSpPr>
+      <p:sp>
+        <p:nvSpPr>
+          <p:cNvPr id="2" name="Title 1">
+            <a:extLst>
+              <a:ext uri="{FF2B5EF4-FFF2-40B4-BE49-F238E27FC236}">
+                <a16:creationId xmlns:a16="http://schemas.microsoft.com/office/drawing/2014/main" id="{B6924150-A855-644E-93DD-B1A5C2E76B9B}"/>
+              </a:ext>
+            </a:extLst>
+          </p:cNvPr>
+          <p:cNvSpPr>
+            <a:spLocks noGrp="1"/>
+          </p:cNvSpPr>
+          <p:nvPr>
+            <p:ph type="title"/>
+          </p:nvPr>
+        </p:nvSpPr>
+        <p:spPr/>
+        <p:txBody>
+          <a:bodyPr/>
+          <a:lstStyle/>
+          <a:p>
+            <a:r>
+              <a:rPr lang="en-US" dirty="0"/>
+              <a:t>Today’s Demonstration</a:t>
+            </a:r>
+          </a:p>
+        </p:txBody>
+      </p:sp>
+      <p:sp>
+        <p:nvSpPr>
+          <p:cNvPr id="3" name="Content Placeholder 2">
+            <a:extLst>
+              <a:ext uri="{FF2B5EF4-FFF2-40B4-BE49-F238E27FC236}">
+                <a16:creationId xmlns:a16="http://schemas.microsoft.com/office/drawing/2014/main" id="{DAB305CE-FF84-504E-A791-57A99FB1C5BB}"/>
+              </a:ext>
+            </a:extLst>
+          </p:cNvPr>
+          <p:cNvSpPr>
+            <a:spLocks noGrp="1"/>
+          </p:cNvSpPr>
+          <p:nvPr>
+            <p:ph idx="1"/>
+          </p:nvPr>
+        </p:nvSpPr>
+        <p:spPr/>
+        <p:txBody>
+          <a:bodyPr>
+            <a:normAutofit fontScale="92500" lnSpcReduction="10000"/>
+          </a:bodyPr>
+          <a:lstStyle/>
+          <a:p>
+            <a:r>
+              <a:rPr lang="en-US" dirty="0"/>
+              <a:t>What It Won’t Cover</a:t>
+            </a:r>
+          </a:p>
+          <a:p>
+            <a:pPr lvl="1"/>
+            <a:r>
+              <a:rPr lang="en-US" dirty="0"/>
+              <a:t>Advanced Cartography (layout Manager)</a:t>
+            </a:r>
+          </a:p>
+          <a:p>
+            <a:pPr lvl="1"/>
+            <a:r>
+              <a:rPr lang="en-US" dirty="0"/>
+              <a:t>LANDSAT Mineral </a:t>
+            </a:r>
+            <a:r>
+              <a:rPr lang="en-US" dirty="0" err="1"/>
+              <a:t>Epxloration</a:t>
+            </a:r>
+            <a:endParaRPr lang="en-US" dirty="0"/>
+          </a:p>
+          <a:p>
+            <a:pPr lvl="2"/>
+            <a:r>
+              <a:rPr lang="en-US" dirty="0"/>
+              <a:t>Too big a topic to cover in a 2 hour course</a:t>
+            </a:r>
+          </a:p>
+          <a:p>
+            <a:pPr lvl="1"/>
+            <a:r>
+              <a:rPr lang="en-US" dirty="0"/>
+              <a:t>Python in QGIS **in great detail**</a:t>
+            </a:r>
+          </a:p>
+          <a:p>
+            <a:pPr lvl="2"/>
+            <a:r>
+              <a:rPr lang="en-US" dirty="0"/>
+              <a:t>I will show functionality, but once you know the basics, the details are self-explanatory</a:t>
+            </a:r>
+          </a:p>
+          <a:p>
+            <a:r>
+              <a:rPr lang="en-US" dirty="0"/>
+              <a:t>What It Will Cover</a:t>
+            </a:r>
+          </a:p>
+          <a:p>
+            <a:pPr lvl="1"/>
+            <a:r>
+              <a:rPr lang="en-US" i="1" dirty="0"/>
+              <a:t>**Layout Management and Map Creation**</a:t>
+            </a:r>
+          </a:p>
+          <a:p>
+            <a:pPr lvl="1"/>
+            <a:r>
+              <a:rPr lang="en-US" dirty="0"/>
+              <a:t>Multiple Data Types Handling/Conversion</a:t>
+            </a:r>
+          </a:p>
+          <a:p>
+            <a:pPr lvl="1"/>
+            <a:r>
+              <a:rPr lang="en-US" dirty="0"/>
+              <a:t>CSV + Raster Manipulation</a:t>
+            </a:r>
+          </a:p>
+          <a:p>
+            <a:pPr lvl="1"/>
+            <a:r>
+              <a:rPr lang="en-US" dirty="0" err="1"/>
+              <a:t>Geostatistics</a:t>
+            </a:r>
+            <a:endParaRPr lang="en-US" dirty="0"/>
+          </a:p>
+          <a:p>
+            <a:pPr lvl="1"/>
+            <a:r>
+              <a:rPr lang="en-US" dirty="0"/>
+              <a:t>Raster Statistics + Zonal Statistics</a:t>
+            </a:r>
+          </a:p>
+          <a:p>
+            <a:pPr lvl="1"/>
+            <a:r>
+              <a:rPr lang="en-US" dirty="0"/>
+              <a:t>Advanced Formatting + Symbology</a:t>
+            </a:r>
+          </a:p>
+          <a:p>
+            <a:pPr lvl="1"/>
+            <a:r>
+              <a:rPr lang="en-US" dirty="0"/>
+              <a:t>DEM Visualization</a:t>
+            </a:r>
+          </a:p>
+          <a:p>
+            <a:pPr lvl="1"/>
+            <a:r>
+              <a:rPr lang="en-US" dirty="0"/>
+              <a:t>Web Database Connections</a:t>
+            </a:r>
+          </a:p>
+          <a:p>
+            <a:pPr lvl="1"/>
+            <a:r>
+              <a:rPr lang="en-US" dirty="0"/>
+              <a:t>Basics of Python in QGIS</a:t>
+            </a:r>
+          </a:p>
+          <a:p>
+            <a:pPr lvl="2"/>
+            <a:endParaRPr lang="en-US" dirty="0"/>
+          </a:p>
+          <a:p>
+            <a:pPr marL="548640" lvl="2" indent="0">
+              <a:buNone/>
+            </a:pPr>
+            <a:endParaRPr lang="en-US" dirty="0"/>
+          </a:p>
+        </p:txBody>
+      </p:sp>
+      <p:sp>
+        <p:nvSpPr>
+          <p:cNvPr id="4" name="Date Placeholder 3">
+            <a:extLst>
+              <a:ext uri="{FF2B5EF4-FFF2-40B4-BE49-F238E27FC236}">
+                <a16:creationId xmlns:a16="http://schemas.microsoft.com/office/drawing/2014/main" id="{9832673E-13E5-EB44-B5EE-749A920CDFC9}"/>
+              </a:ext>
+            </a:extLst>
+          </p:cNvPr>
+          <p:cNvSpPr>
+            <a:spLocks noGrp="1"/>
+          </p:cNvSpPr>
+          <p:nvPr>
+            <p:ph type="dt" sz="half" idx="10"/>
+          </p:nvPr>
+        </p:nvSpPr>
+        <p:spPr/>
+        <p:txBody>
+          <a:bodyPr/>
+          <a:lstStyle/>
+          <a:p>
+            <a:fld id="{0C058645-6F24-9C43-8FC3-443F02031404}" type="datetime1">
+              <a:rPr lang="en-US" smtClean="0"/>
+              <a:t>8/17/20</a:t>
+            </a:fld>
+            <a:endParaRPr lang="en-US" dirty="0"/>
+          </a:p>
+        </p:txBody>
+      </p:sp>
+      <p:sp>
+        <p:nvSpPr>
+          <p:cNvPr id="6" name="Slide Number Placeholder 5">
+            <a:extLst>
+              <a:ext uri="{FF2B5EF4-FFF2-40B4-BE49-F238E27FC236}">
+                <a16:creationId xmlns:a16="http://schemas.microsoft.com/office/drawing/2014/main" id="{3A4F7F12-B06E-6549-B7D9-357DB5A064CB}"/>
+              </a:ext>
+            </a:extLst>
+          </p:cNvPr>
+          <p:cNvSpPr>
+            <a:spLocks noGrp="1"/>
+          </p:cNvSpPr>
+          <p:nvPr>
+            <p:ph type="sldNum" sz="quarter" idx="12"/>
+          </p:nvPr>
+        </p:nvSpPr>
+        <p:spPr/>
+        <p:txBody>
+          <a:bodyPr>
+            <a:normAutofit lnSpcReduction="10000"/>
+          </a:bodyPr>
+          <a:lstStyle/>
+          <a:p>
+            <a:fld id="{4FAB73BC-B049-4115-A692-8D63A059BFB8}" type="slidenum">
+              <a:rPr lang="en-US" smtClean="0"/>
+              <a:t>4</a:t>
+            </a:fld>
+            <a:endParaRPr lang="en-US" dirty="0"/>
+          </a:p>
+        </p:txBody>
+      </p:sp>
+      <p:sp>
+        <p:nvSpPr>
+          <p:cNvPr id="7" name="Footer Placeholder 4">
+            <a:extLst>
+              <a:ext uri="{FF2B5EF4-FFF2-40B4-BE49-F238E27FC236}">
+                <a16:creationId xmlns:a16="http://schemas.microsoft.com/office/drawing/2014/main" id="{02C3649A-5040-F04B-A726-FEA28F3C30FF}"/>
+              </a:ext>
+            </a:extLst>
+          </p:cNvPr>
+          <p:cNvSpPr>
+            <a:spLocks noGrp="1"/>
+          </p:cNvSpPr>
+          <p:nvPr>
+            <p:ph type="ftr" sz="quarter" idx="3"/>
+          </p:nvPr>
+        </p:nvSpPr>
+        <p:spPr>
+          <a:xfrm rot="16200000">
+            <a:off x="9390931" y="3548149"/>
+            <a:ext cx="4718224" cy="365125"/>
+          </a:xfrm>
+          <a:prstGeom prst="rect">
+            <a:avLst/>
+          </a:prstGeom>
+        </p:spPr>
+        <p:txBody>
+          <a:bodyPr/>
+          <a:lstStyle>
+            <a:lvl1pPr>
+              <a:defRPr sz="1200">
+                <a:solidFill>
+                  <a:schemeClr val="bg1"/>
+                </a:solidFill>
+                <a:latin typeface="Candara" panose="020E0502030303020204" pitchFamily="34" charset="0"/>
+              </a:defRPr>
+            </a:lvl1pPr>
+          </a:lstStyle>
+          <a:p>
+            <a:r>
+              <a:rPr lang="en-US" dirty="0"/>
+              <a:t>UCL GIS for Geoscientists- Session 3- Intermediate GIS</a:t>
+            </a:r>
+          </a:p>
+          <a:p>
+            <a:r>
+              <a:rPr lang="en-US" dirty="0"/>
+              <a:t>Presented by N.D. Barber (Cambridge) ndb38@cam.ac.uk</a:t>
+            </a:r>
+          </a:p>
+        </p:txBody>
+      </p:sp>
+    </p:spTree>
+    <p:extLst>
+      <p:ext uri="{BB962C8B-B14F-4D97-AF65-F5344CB8AC3E}">
+        <p14:creationId xmlns:p14="http://schemas.microsoft.com/office/powerpoint/2010/main" val="1109333282"/>
+      </p:ext>
+    </p:extLst>
+  </p:cSld>
+  <p:clrMapOvr>
+    <a:masterClrMapping/>
+  </p:clrMapOvr>
+</p:sld>
+</file>
+
+<file path=ppt/slides/slide6.xml><?xml version="1.0" encoding="utf-8"?>
+<p:sld xmlns:a="http://schemas.openxmlformats.org/drawingml/2006/main" xmlns:r="http://schemas.openxmlformats.org/officeDocument/2006/relationships" xmlns:p="http://schemas.openxmlformats.org/presentationml/2006/main">
+  <p:cSld>
+    <p:spTree>
+      <p:nvGrpSpPr>
+        <p:cNvPr id="1" name=""/>
+        <p:cNvGrpSpPr/>
+        <p:nvPr/>
+      </p:nvGrpSpPr>
+      <p:grpSpPr>
+        <a:xfrm>
+          <a:off x="0" y="0"/>
+          <a:ext cx="0" cy="0"/>
+          <a:chOff x="0" y="0"/>
+          <a:chExt cx="0" cy="0"/>
+        </a:xfrm>
+      </p:grpSpPr>
+      <p:sp>
+        <p:nvSpPr>
+          <p:cNvPr id="2" name="Title 1">
+            <a:extLst>
+              <a:ext uri="{FF2B5EF4-FFF2-40B4-BE49-F238E27FC236}">
+                <a16:creationId xmlns:a16="http://schemas.microsoft.com/office/drawing/2014/main" id="{59A8B2AC-352B-8F4A-9D7A-6C546DE1107B}"/>
+              </a:ext>
+            </a:extLst>
+          </p:cNvPr>
+          <p:cNvSpPr>
+            <a:spLocks noGrp="1"/>
+          </p:cNvSpPr>
+          <p:nvPr>
+            <p:ph type="title"/>
+          </p:nvPr>
+        </p:nvSpPr>
+        <p:spPr/>
+        <p:txBody>
+          <a:bodyPr/>
+          <a:lstStyle/>
+          <a:p>
+            <a:r>
+              <a:rPr lang="en-US" dirty="0"/>
+              <a:t>Finishing Up From Session 2: </a:t>
+            </a:r>
+            <a:br>
+              <a:rPr lang="en-US" dirty="0"/>
+            </a:br>
+            <a:r>
+              <a:rPr lang="en-US" dirty="0"/>
+              <a:t>Layout</a:t>
+            </a:r>
+          </a:p>
+        </p:txBody>
+      </p:sp>
+      <p:sp>
+        <p:nvSpPr>
+          <p:cNvPr id="4" name="Date Placeholder 3">
+            <a:extLst>
+              <a:ext uri="{FF2B5EF4-FFF2-40B4-BE49-F238E27FC236}">
+                <a16:creationId xmlns:a16="http://schemas.microsoft.com/office/drawing/2014/main" id="{7DA4649F-889A-6546-8E0B-F5FD3539BC5C}"/>
+              </a:ext>
+            </a:extLst>
+          </p:cNvPr>
+          <p:cNvSpPr>
+            <a:spLocks noGrp="1"/>
+          </p:cNvSpPr>
+          <p:nvPr>
+            <p:ph type="dt" sz="half" idx="10"/>
+          </p:nvPr>
+        </p:nvSpPr>
+        <p:spPr/>
+        <p:txBody>
+          <a:bodyPr/>
+          <a:lstStyle/>
+          <a:p>
+            <a:fld id="{0C058645-6F24-9C43-8FC3-443F02031404}" type="datetime1">
+              <a:rPr lang="en-US" smtClean="0"/>
+              <a:t>8/17/20</a:t>
+            </a:fld>
+            <a:endParaRPr lang="en-US" dirty="0"/>
+          </a:p>
+        </p:txBody>
+      </p:sp>
+      <p:sp>
+        <p:nvSpPr>
+          <p:cNvPr id="5" name="Slide Number Placeholder 4">
+            <a:extLst>
+              <a:ext uri="{FF2B5EF4-FFF2-40B4-BE49-F238E27FC236}">
+                <a16:creationId xmlns:a16="http://schemas.microsoft.com/office/drawing/2014/main" id="{F9504AF3-27B4-6B4E-83B8-B4BC988C5459}"/>
+              </a:ext>
+            </a:extLst>
+          </p:cNvPr>
+          <p:cNvSpPr>
+            <a:spLocks noGrp="1"/>
+          </p:cNvSpPr>
+          <p:nvPr>
+            <p:ph type="sldNum" sz="quarter" idx="12"/>
+          </p:nvPr>
+        </p:nvSpPr>
+        <p:spPr/>
+        <p:txBody>
+          <a:bodyPr>
+            <a:normAutofit lnSpcReduction="10000"/>
+          </a:bodyPr>
+          <a:lstStyle/>
+          <a:p>
+            <a:fld id="{4FAB73BC-B049-4115-A692-8D63A059BFB8}" type="slidenum">
+              <a:rPr lang="en-US" smtClean="0"/>
+              <a:t>5</a:t>
+            </a:fld>
+            <a:endParaRPr lang="en-US" dirty="0"/>
+          </a:p>
+        </p:txBody>
+      </p:sp>
+      <p:sp>
+        <p:nvSpPr>
+          <p:cNvPr id="6" name="Footer Placeholder 5">
+            <a:extLst>
+              <a:ext uri="{FF2B5EF4-FFF2-40B4-BE49-F238E27FC236}">
+                <a16:creationId xmlns:a16="http://schemas.microsoft.com/office/drawing/2014/main" id="{55D0A802-D94A-6140-A981-75D69F6B41BB}"/>
+              </a:ext>
+            </a:extLst>
+          </p:cNvPr>
+          <p:cNvSpPr>
+            <a:spLocks noGrp="1"/>
+          </p:cNvSpPr>
+          <p:nvPr>
+            <p:ph type="ftr" sz="quarter" idx="3"/>
+          </p:nvPr>
+        </p:nvSpPr>
+        <p:spPr/>
+        <p:txBody>
+          <a:bodyPr/>
+          <a:lstStyle/>
+          <a:p>
+            <a:r>
+              <a:rPr lang="en-US"/>
+              <a:t>UCL GIS for Geoscientists- Session 3- Intermediate GIS</a:t>
+            </a:r>
+          </a:p>
+          <a:p>
+            <a:r>
+              <a:rPr lang="en-US"/>
+              <a:t>Presented by N.D. Barber (Cambridge) ndb38@cam.ac.uk</a:t>
+            </a:r>
+            <a:endParaRPr lang="en-US" dirty="0"/>
+          </a:p>
+        </p:txBody>
+      </p:sp>
+      <p:sp>
+        <p:nvSpPr>
+          <p:cNvPr id="7" name="Content Placeholder 2">
+            <a:extLst>
+              <a:ext uri="{FF2B5EF4-FFF2-40B4-BE49-F238E27FC236}">
+                <a16:creationId xmlns:a16="http://schemas.microsoft.com/office/drawing/2014/main" id="{C5D51057-382C-7D44-8954-98B01AFB2D75}"/>
+              </a:ext>
+            </a:extLst>
+          </p:cNvPr>
+          <p:cNvSpPr>
+            <a:spLocks noGrp="1"/>
+          </p:cNvSpPr>
+          <p:nvPr>
+            <p:ph idx="1"/>
+          </p:nvPr>
+        </p:nvSpPr>
+        <p:spPr>
+          <a:xfrm>
+            <a:off x="1261872" y="1828800"/>
+            <a:ext cx="8595360" cy="4351337"/>
+          </a:xfrm>
+        </p:spPr>
+        <p:txBody>
+          <a:bodyPr/>
+          <a:lstStyle/>
+          <a:p>
+            <a:r>
+              <a:rPr lang="en-US" dirty="0"/>
+              <a:t>Elements we want:</a:t>
+            </a:r>
+          </a:p>
+          <a:p>
+            <a:pPr lvl="1"/>
+            <a:r>
+              <a:rPr lang="en-US" dirty="0"/>
+              <a:t>Main Map</a:t>
+            </a:r>
+          </a:p>
+          <a:p>
+            <a:pPr lvl="1"/>
+            <a:r>
+              <a:rPr lang="en-US" dirty="0"/>
+              <a:t>Regional Inset Map</a:t>
+            </a:r>
+          </a:p>
+          <a:p>
+            <a:pPr lvl="1"/>
+            <a:r>
+              <a:rPr lang="en-US" dirty="0"/>
+              <a:t>Legend</a:t>
+            </a:r>
+          </a:p>
+          <a:p>
+            <a:pPr lvl="1"/>
+            <a:r>
+              <a:rPr lang="en-US" dirty="0"/>
+              <a:t>North Arrow</a:t>
+            </a:r>
+          </a:p>
+          <a:p>
+            <a:pPr lvl="1"/>
+            <a:r>
+              <a:rPr lang="en-US" dirty="0"/>
+              <a:t>Scale bar</a:t>
+            </a:r>
+          </a:p>
+          <a:p>
+            <a:pPr lvl="1"/>
+            <a:r>
+              <a:rPr lang="en-US" dirty="0"/>
+              <a:t>Grid</a:t>
+            </a:r>
+          </a:p>
+          <a:p>
+            <a:pPr lvl="1"/>
+            <a:r>
+              <a:rPr lang="en-US" dirty="0"/>
+              <a:t>Labels for important features</a:t>
+            </a:r>
+          </a:p>
+          <a:p>
+            <a:pPr lvl="1"/>
+            <a:r>
+              <a:rPr lang="en-US" dirty="0"/>
+              <a:t>Text box summarizing findings</a:t>
+            </a:r>
+          </a:p>
+          <a:p>
+            <a:r>
+              <a:rPr lang="en-US" dirty="0"/>
+              <a:t>Thigs to keep in mind:</a:t>
+            </a:r>
+          </a:p>
+          <a:p>
+            <a:pPr lvl="1"/>
+            <a:r>
+              <a:rPr lang="en-US" dirty="0"/>
+              <a:t>Map Scale</a:t>
+            </a:r>
+          </a:p>
+          <a:p>
+            <a:pPr lvl="1"/>
+            <a:r>
+              <a:rPr lang="en-US" dirty="0"/>
+              <a:t>Locking of display</a:t>
+            </a:r>
+          </a:p>
+          <a:p>
+            <a:pPr lvl="1"/>
+            <a:r>
+              <a:rPr lang="en-US" dirty="0"/>
+              <a:t>Legend items</a:t>
+            </a:r>
+          </a:p>
+          <a:p>
+            <a:pPr lvl="1"/>
+            <a:r>
+              <a:rPr lang="en-US" dirty="0"/>
+              <a:t>Aesthetic value</a:t>
+            </a:r>
+          </a:p>
+        </p:txBody>
+      </p:sp>
+    </p:spTree>
+    <p:extLst>
+      <p:ext uri="{BB962C8B-B14F-4D97-AF65-F5344CB8AC3E}">
+        <p14:creationId xmlns:p14="http://schemas.microsoft.com/office/powerpoint/2010/main" val="2959314020"/>
       </p:ext>
     </p:extLst>
   </p:cSld>
@@ -7599,7 +9617,7 @@
           <p:cNvPr id="2" name="Title 1">
             <a:extLst>
               <a:ext uri="{FF2B5EF4-FFF2-40B4-BE49-F238E27FC236}">
-                <a16:creationId xmlns:a16="http://schemas.microsoft.com/office/drawing/2014/main" id="{6885F1C6-366C-E241-A164-6D3AE2E3CCDB}"/>
+                <a16:creationId xmlns:a16="http://schemas.microsoft.com/office/drawing/2014/main" id="{8CD2B2F7-7C36-004D-917B-D978CFAA84D3}"/>
               </a:ext>
             </a:extLst>
           </p:cNvPr>
@@ -7617,17 +9635,17 @@
           <a:p>
             <a:r>
               <a:rPr lang="en-US" dirty="0"/>
-              <a:t>Section 1</a:t>
-            </a:r>
-          </a:p>
-        </p:txBody>
-      </p:sp>
-      <p:sp>
-        <p:nvSpPr>
-          <p:cNvPr id="3" name="Text Placeholder 2">
+              <a:t>Let’s Get to It!</a:t>
+            </a:r>
+          </a:p>
+        </p:txBody>
+      </p:sp>
+      <p:sp>
+        <p:nvSpPr>
+          <p:cNvPr id="3" name="Content Placeholder 2">
             <a:extLst>
               <a:ext uri="{FF2B5EF4-FFF2-40B4-BE49-F238E27FC236}">
-                <a16:creationId xmlns:a16="http://schemas.microsoft.com/office/drawing/2014/main" id="{0E47BC1A-8F83-1544-9036-E4F7D93B9603}"/>
+                <a16:creationId xmlns:a16="http://schemas.microsoft.com/office/drawing/2014/main" id="{6F69D046-0F02-CE4B-BCEF-330237B3E970}"/>
               </a:ext>
             </a:extLst>
           </p:cNvPr>
@@ -7635,15 +9653,88 @@
             <a:spLocks noGrp="1"/>
           </p:cNvSpPr>
           <p:nvPr>
-            <p:ph type="body" idx="1"/>
-          </p:nvPr>
-        </p:nvSpPr>
-        <p:spPr/>
-        <p:txBody>
-          <a:bodyPr/>
+            <p:ph idx="1"/>
+          </p:nvPr>
+        </p:nvSpPr>
+        <p:spPr>
+          <a:xfrm>
+            <a:off x="1261872" y="1820863"/>
+            <a:ext cx="8932452" cy="4351337"/>
+          </a:xfrm>
+        </p:spPr>
+        <p:txBody>
+          <a:bodyPr>
+            <a:normAutofit/>
+          </a:bodyPr>
           <a:lstStyle/>
           <a:p>
-            <a:endParaRPr lang="en-US" dirty="0"/>
+            <a:r>
+              <a:rPr lang="en-US" b="1" dirty="0"/>
+              <a:t>Section 1: Advanced Analysis</a:t>
+            </a:r>
+          </a:p>
+          <a:p>
+            <a:pPr lvl="1"/>
+            <a:r>
+              <a:rPr lang="en-US" dirty="0"/>
+              <a:t>Exercise 2: Fluid Geochemistry of G.P.</a:t>
+            </a:r>
+          </a:p>
+          <a:p>
+            <a:pPr lvl="2"/>
+            <a:r>
+              <a:rPr lang="en-US" dirty="0"/>
+              <a:t>Importing CSVs</a:t>
+            </a:r>
+          </a:p>
+          <a:p>
+            <a:pPr lvl="2"/>
+            <a:r>
+              <a:rPr lang="en-US" dirty="0"/>
+              <a:t>Spatial Joins</a:t>
+            </a:r>
+          </a:p>
+          <a:p>
+            <a:pPr lvl="2"/>
+            <a:r>
+              <a:rPr lang="en-US" dirty="0"/>
+              <a:t>Interpolating Point Shapefiles</a:t>
+            </a:r>
+          </a:p>
+          <a:p>
+            <a:pPr lvl="1"/>
+            <a:r>
+              <a:rPr lang="en-US" dirty="0"/>
+              <a:t>Exercise 3: Landslide Risk near Quito</a:t>
+            </a:r>
+          </a:p>
+          <a:p>
+            <a:pPr lvl="2"/>
+            <a:r>
+              <a:rPr lang="en-US" dirty="0"/>
+              <a:t>Raster Statistics</a:t>
+            </a:r>
+          </a:p>
+          <a:p>
+            <a:pPr lvl="2"/>
+            <a:r>
+              <a:rPr lang="en-US" dirty="0"/>
+              <a:t>Rasterizing a Shapefile</a:t>
+            </a:r>
+          </a:p>
+          <a:p>
+            <a:pPr lvl="2"/>
+            <a:r>
+              <a:rPr lang="en-US" dirty="0"/>
+              <a:t>Raster Calculator</a:t>
+            </a:r>
+          </a:p>
+          <a:p>
+            <a:pPr lvl="2"/>
+            <a:r>
+              <a:rPr lang="en-US" dirty="0"/>
+              <a:t>Zonal Statistics</a:t>
+            </a:r>
           </a:p>
         </p:txBody>
       </p:sp>
@@ -7652,7 +9743,7 @@
           <p:cNvPr id="4" name="Date Placeholder 3">
             <a:extLst>
               <a:ext uri="{FF2B5EF4-FFF2-40B4-BE49-F238E27FC236}">
-                <a16:creationId xmlns:a16="http://schemas.microsoft.com/office/drawing/2014/main" id="{C4A35221-BD0E-8542-998C-09AD6324709F}"/>
+                <a16:creationId xmlns:a16="http://schemas.microsoft.com/office/drawing/2014/main" id="{6E290827-2326-D643-8A9C-74680968F71C}"/>
               </a:ext>
             </a:extLst>
           </p:cNvPr>
@@ -7668,9 +9759,9 @@
           <a:bodyPr/>
           <a:lstStyle/>
           <a:p>
-            <a:fld id="{453754D5-8BE9-294A-B481-283E1E39E0CC}" type="datetime1">
+            <a:fld id="{0C058645-6F24-9C43-8FC3-443F02031404}" type="datetime1">
               <a:rPr lang="en-US" smtClean="0"/>
-              <a:t>7/6/20</a:t>
+              <a:t>8/17/20</a:t>
             </a:fld>
             <a:endParaRPr lang="en-US" dirty="0"/>
           </a:p>
@@ -7681,7 +9772,7 @@
           <p:cNvPr id="5" name="Slide Number Placeholder 4">
             <a:extLst>
               <a:ext uri="{FF2B5EF4-FFF2-40B4-BE49-F238E27FC236}">
-                <a16:creationId xmlns:a16="http://schemas.microsoft.com/office/drawing/2014/main" id="{5CD22ED2-F181-FC41-A3F5-24594041E412}"/>
+                <a16:creationId xmlns:a16="http://schemas.microsoft.com/office/drawing/2014/main" id="{C8F82A5C-F4BD-FC4E-BDA7-9E86DC022D3F}"/>
               </a:ext>
             </a:extLst>
           </p:cNvPr>
@@ -7707,10 +9798,431 @@
           </a:p>
         </p:txBody>
       </p:sp>
+      <p:sp>
+        <p:nvSpPr>
+          <p:cNvPr id="8" name="Content Placeholder 2">
+            <a:extLst>
+              <a:ext uri="{FF2B5EF4-FFF2-40B4-BE49-F238E27FC236}">
+                <a16:creationId xmlns:a16="http://schemas.microsoft.com/office/drawing/2014/main" id="{1952B431-84ED-EA48-99FA-614D3EE146A8}"/>
+              </a:ext>
+            </a:extLst>
+          </p:cNvPr>
+          <p:cNvSpPr txBox="1">
+            <a:spLocks/>
+          </p:cNvSpPr>
+          <p:nvPr/>
+        </p:nvSpPr>
+        <p:spPr>
+          <a:xfrm>
+            <a:off x="5405503" y="1820862"/>
+            <a:ext cx="8932452" cy="4351337"/>
+          </a:xfrm>
+          <a:prstGeom prst="rect">
+            <a:avLst/>
+          </a:prstGeom>
+        </p:spPr>
+        <p:txBody>
+          <a:bodyPr vert="horz" lIns="91440" tIns="45720" rIns="91440" bIns="45720" rtlCol="0">
+            <a:normAutofit/>
+          </a:bodyPr>
+          <a:lstStyle>
+            <a:lvl1pPr marL="182880" indent="-182880" algn="l" defTabSz="914400" rtl="0" eaLnBrk="1" latinLnBrk="0" hangingPunct="1">
+              <a:lnSpc>
+                <a:spcPct val="95000"/>
+              </a:lnSpc>
+              <a:spcBef>
+                <a:spcPts val="1400"/>
+              </a:spcBef>
+              <a:spcAft>
+                <a:spcPts val="200"/>
+              </a:spcAft>
+              <a:buClr>
+                <a:schemeClr val="accent1"/>
+              </a:buClr>
+              <a:buSzPct val="80000"/>
+              <a:buFont typeface="Arial" pitchFamily="34" charset="0"/>
+              <a:buChar char="•"/>
+              <a:defRPr sz="1800" kern="1200" spc="10" baseline="0">
+                <a:solidFill>
+                  <a:schemeClr val="tx1"/>
+                </a:solidFill>
+                <a:latin typeface="Candara" panose="020E0502030303020204" pitchFamily="34" charset="0"/>
+                <a:ea typeface="+mn-ea"/>
+                <a:cs typeface="+mn-cs"/>
+              </a:defRPr>
+            </a:lvl1pPr>
+            <a:lvl2pPr marL="457200" indent="-182880" algn="l" defTabSz="914400" rtl="0" eaLnBrk="1" latinLnBrk="0" hangingPunct="1">
+              <a:lnSpc>
+                <a:spcPct val="90000"/>
+              </a:lnSpc>
+              <a:spcBef>
+                <a:spcPts val="300"/>
+              </a:spcBef>
+              <a:spcAft>
+                <a:spcPts val="300"/>
+              </a:spcAft>
+              <a:buClr>
+                <a:schemeClr val="accent1"/>
+              </a:buClr>
+              <a:buFont typeface="Wingdings 2" pitchFamily="18" charset="2"/>
+              <a:buChar char=""/>
+              <a:defRPr sz="1600" kern="1200">
+                <a:solidFill>
+                  <a:schemeClr val="tx1">
+                    <a:lumMod val="85000"/>
+                    <a:lumOff val="15000"/>
+                  </a:schemeClr>
+                </a:solidFill>
+                <a:latin typeface="Candara" panose="020E0502030303020204" pitchFamily="34" charset="0"/>
+                <a:ea typeface="+mn-ea"/>
+                <a:cs typeface="+mn-cs"/>
+              </a:defRPr>
+            </a:lvl2pPr>
+            <a:lvl3pPr marL="731520" indent="-182880" algn="l" defTabSz="914400" rtl="0" eaLnBrk="1" latinLnBrk="0" hangingPunct="1">
+              <a:lnSpc>
+                <a:spcPct val="90000"/>
+              </a:lnSpc>
+              <a:spcBef>
+                <a:spcPts val="300"/>
+              </a:spcBef>
+              <a:spcAft>
+                <a:spcPts val="300"/>
+              </a:spcAft>
+              <a:buClr>
+                <a:schemeClr val="accent1"/>
+              </a:buClr>
+              <a:buFont typeface="Wingdings 2" pitchFamily="18" charset="2"/>
+              <a:buChar char=""/>
+              <a:defRPr sz="1400" kern="1200">
+                <a:solidFill>
+                  <a:schemeClr val="tx1">
+                    <a:lumMod val="85000"/>
+                    <a:lumOff val="15000"/>
+                  </a:schemeClr>
+                </a:solidFill>
+                <a:latin typeface="Candara" panose="020E0502030303020204" pitchFamily="34" charset="0"/>
+                <a:ea typeface="+mn-ea"/>
+                <a:cs typeface="+mn-cs"/>
+              </a:defRPr>
+            </a:lvl3pPr>
+            <a:lvl4pPr marL="1005840" indent="-182880" algn="l" defTabSz="914400" rtl="0" eaLnBrk="1" latinLnBrk="0" hangingPunct="1">
+              <a:lnSpc>
+                <a:spcPct val="90000"/>
+              </a:lnSpc>
+              <a:spcBef>
+                <a:spcPts val="300"/>
+              </a:spcBef>
+              <a:spcAft>
+                <a:spcPts val="300"/>
+              </a:spcAft>
+              <a:buClr>
+                <a:schemeClr val="accent1"/>
+              </a:buClr>
+              <a:buFont typeface="Wingdings 2" pitchFamily="18" charset="2"/>
+              <a:buChar char=""/>
+              <a:defRPr sz="1400" kern="1200">
+                <a:solidFill>
+                  <a:schemeClr val="tx1">
+                    <a:lumMod val="85000"/>
+                    <a:lumOff val="15000"/>
+                  </a:schemeClr>
+                </a:solidFill>
+                <a:latin typeface="Candara" panose="020E0502030303020204" pitchFamily="34" charset="0"/>
+                <a:ea typeface="+mn-ea"/>
+                <a:cs typeface="+mn-cs"/>
+              </a:defRPr>
+            </a:lvl4pPr>
+            <a:lvl5pPr marL="1280160" indent="-182880" algn="l" defTabSz="914400" rtl="0" eaLnBrk="1" latinLnBrk="0" hangingPunct="1">
+              <a:lnSpc>
+                <a:spcPct val="90000"/>
+              </a:lnSpc>
+              <a:spcBef>
+                <a:spcPts val="300"/>
+              </a:spcBef>
+              <a:spcAft>
+                <a:spcPts val="300"/>
+              </a:spcAft>
+              <a:buClr>
+                <a:schemeClr val="accent1"/>
+              </a:buClr>
+              <a:buFont typeface="Wingdings 2" pitchFamily="18" charset="2"/>
+              <a:buChar char=""/>
+              <a:defRPr sz="1400" kern="1200">
+                <a:solidFill>
+                  <a:schemeClr val="tx1">
+                    <a:lumMod val="85000"/>
+                    <a:lumOff val="15000"/>
+                  </a:schemeClr>
+                </a:solidFill>
+                <a:latin typeface="Candara" panose="020E0502030303020204" pitchFamily="34" charset="0"/>
+                <a:ea typeface="+mn-ea"/>
+                <a:cs typeface="+mn-cs"/>
+              </a:defRPr>
+            </a:lvl5pPr>
+            <a:lvl6pPr marL="1600000" indent="-228600" algn="l" defTabSz="914400" rtl="0" eaLnBrk="1" latinLnBrk="0" hangingPunct="1">
+              <a:lnSpc>
+                <a:spcPct val="90000"/>
+              </a:lnSpc>
+              <a:spcBef>
+                <a:spcPts val="300"/>
+              </a:spcBef>
+              <a:spcAft>
+                <a:spcPts val="300"/>
+              </a:spcAft>
+              <a:buClr>
+                <a:schemeClr val="accent1"/>
+              </a:buClr>
+              <a:buFont typeface="Wingdings 2" pitchFamily="18" charset="2"/>
+              <a:buChar char=""/>
+              <a:defRPr sz="1400" kern="1200">
+                <a:solidFill>
+                  <a:schemeClr val="tx1">
+                    <a:lumMod val="85000"/>
+                    <a:lumOff val="15000"/>
+                  </a:schemeClr>
+                </a:solidFill>
+                <a:latin typeface="+mn-lt"/>
+                <a:ea typeface="+mn-ea"/>
+                <a:cs typeface="+mn-cs"/>
+              </a:defRPr>
+            </a:lvl6pPr>
+            <a:lvl7pPr marL="1900000" indent="-228600" algn="l" defTabSz="914400" rtl="0" eaLnBrk="1" latinLnBrk="0" hangingPunct="1">
+              <a:lnSpc>
+                <a:spcPct val="90000"/>
+              </a:lnSpc>
+              <a:spcBef>
+                <a:spcPts val="300"/>
+              </a:spcBef>
+              <a:spcAft>
+                <a:spcPts val="300"/>
+              </a:spcAft>
+              <a:buClr>
+                <a:schemeClr val="accent1"/>
+              </a:buClr>
+              <a:buFont typeface="Wingdings 2" pitchFamily="18" charset="2"/>
+              <a:buChar char=""/>
+              <a:defRPr sz="1400" kern="1200">
+                <a:solidFill>
+                  <a:schemeClr val="tx1">
+                    <a:lumMod val="85000"/>
+                    <a:lumOff val="15000"/>
+                  </a:schemeClr>
+                </a:solidFill>
+                <a:latin typeface="+mn-lt"/>
+                <a:ea typeface="+mn-ea"/>
+                <a:cs typeface="+mn-cs"/>
+              </a:defRPr>
+            </a:lvl7pPr>
+            <a:lvl8pPr marL="2200000" indent="-228600" algn="l" defTabSz="914400" rtl="0" eaLnBrk="1" latinLnBrk="0" hangingPunct="1">
+              <a:lnSpc>
+                <a:spcPct val="90000"/>
+              </a:lnSpc>
+              <a:spcBef>
+                <a:spcPts val="300"/>
+              </a:spcBef>
+              <a:spcAft>
+                <a:spcPts val="300"/>
+              </a:spcAft>
+              <a:buClr>
+                <a:schemeClr val="accent1"/>
+              </a:buClr>
+              <a:buFont typeface="Wingdings 2" pitchFamily="18" charset="2"/>
+              <a:buChar char=""/>
+              <a:defRPr sz="1400" kern="1200">
+                <a:solidFill>
+                  <a:schemeClr val="tx1">
+                    <a:lumMod val="85000"/>
+                    <a:lumOff val="15000"/>
+                  </a:schemeClr>
+                </a:solidFill>
+                <a:latin typeface="+mn-lt"/>
+                <a:ea typeface="+mn-ea"/>
+                <a:cs typeface="+mn-cs"/>
+              </a:defRPr>
+            </a:lvl8pPr>
+            <a:lvl9pPr marL="2500000" indent="-228600" algn="l" defTabSz="914400" rtl="0" eaLnBrk="1" latinLnBrk="0" hangingPunct="1">
+              <a:lnSpc>
+                <a:spcPct val="90000"/>
+              </a:lnSpc>
+              <a:spcBef>
+                <a:spcPts val="300"/>
+              </a:spcBef>
+              <a:spcAft>
+                <a:spcPts val="300"/>
+              </a:spcAft>
+              <a:buClr>
+                <a:schemeClr val="accent1"/>
+              </a:buClr>
+              <a:buFont typeface="Wingdings 2" pitchFamily="18" charset="2"/>
+              <a:buChar char=""/>
+              <a:defRPr sz="1400" kern="1200">
+                <a:solidFill>
+                  <a:schemeClr val="tx1">
+                    <a:lumMod val="85000"/>
+                    <a:lumOff val="15000"/>
+                  </a:schemeClr>
+                </a:solidFill>
+                <a:latin typeface="+mn-lt"/>
+                <a:ea typeface="+mn-ea"/>
+                <a:cs typeface="+mn-cs"/>
+              </a:defRPr>
+            </a:lvl9pPr>
+          </a:lstStyle>
+          <a:p>
+            <a:r>
+              <a:rPr lang="en-US" b="1" dirty="0"/>
+              <a:t>Section 2: Advanced Formatting</a:t>
+            </a:r>
+          </a:p>
+          <a:p>
+            <a:pPr lvl="1"/>
+            <a:r>
+              <a:rPr lang="en-US" dirty="0"/>
+              <a:t>Line Symbology</a:t>
+            </a:r>
+          </a:p>
+          <a:p>
+            <a:pPr lvl="1"/>
+            <a:r>
+              <a:rPr lang="en-US" dirty="0"/>
+              <a:t>Draw Effects</a:t>
+            </a:r>
+          </a:p>
+          <a:p>
+            <a:pPr lvl="1"/>
+            <a:r>
+              <a:rPr lang="en-US" dirty="0"/>
+              <a:t>Heatmaps</a:t>
+            </a:r>
+          </a:p>
+          <a:p>
+            <a:pPr lvl="1"/>
+            <a:r>
+              <a:rPr lang="en-US" dirty="0"/>
+              <a:t>Raster Viz.</a:t>
+            </a:r>
+          </a:p>
+          <a:p>
+            <a:pPr lvl="1"/>
+            <a:r>
+              <a:rPr lang="en-US" dirty="0"/>
+              <a:t>3D Viewer</a:t>
+            </a:r>
+          </a:p>
+          <a:p>
+            <a:r>
+              <a:rPr lang="en-US" b="1" dirty="0"/>
+              <a:t>Section 3: Final Topics</a:t>
+            </a:r>
+          </a:p>
+          <a:p>
+            <a:pPr lvl="1"/>
+            <a:r>
+              <a:rPr lang="en-US" dirty="0"/>
+              <a:t>Spatial Database Connections</a:t>
+            </a:r>
+          </a:p>
+          <a:p>
+            <a:pPr lvl="1"/>
+            <a:r>
+              <a:rPr lang="en-US" dirty="0"/>
+              <a:t>Basics of Python</a:t>
+            </a:r>
+          </a:p>
+        </p:txBody>
+      </p:sp>
+      <p:sp>
+        <p:nvSpPr>
+          <p:cNvPr id="6" name="TextBox 5">
+            <a:extLst>
+              <a:ext uri="{FF2B5EF4-FFF2-40B4-BE49-F238E27FC236}">
+                <a16:creationId xmlns:a16="http://schemas.microsoft.com/office/drawing/2014/main" id="{F2681EE8-D2F1-2047-B4F4-BFABE2017A0E}"/>
+              </a:ext>
+            </a:extLst>
+          </p:cNvPr>
+          <p:cNvSpPr txBox="1"/>
+          <p:nvPr/>
+        </p:nvSpPr>
+        <p:spPr>
+          <a:xfrm>
+            <a:off x="1806223" y="4718756"/>
+            <a:ext cx="3273778" cy="369332"/>
+          </a:xfrm>
+          <a:prstGeom prst="rect">
+            <a:avLst/>
+          </a:prstGeom>
+          <a:noFill/>
+        </p:spPr>
+        <p:txBody>
+          <a:bodyPr wrap="square" rtlCol="0">
+            <a:spAutoFit/>
+          </a:bodyPr>
+          <a:lstStyle/>
+          <a:p>
+            <a:r>
+              <a:rPr lang="en-US" b="1" dirty="0">
+                <a:latin typeface="Candara" panose="020E0502030303020204" pitchFamily="34" charset="0"/>
+              </a:rPr>
+              <a:t>5 Minute break?</a:t>
+            </a:r>
+          </a:p>
+        </p:txBody>
+      </p:sp>
+      <p:sp>
+        <p:nvSpPr>
+          <p:cNvPr id="9" name="Footer Placeholder 4">
+            <a:extLst>
+              <a:ext uri="{FF2B5EF4-FFF2-40B4-BE49-F238E27FC236}">
+                <a16:creationId xmlns:a16="http://schemas.microsoft.com/office/drawing/2014/main" id="{9455670E-E5B8-7344-9AAB-D7F1444B9E6F}"/>
+              </a:ext>
+            </a:extLst>
+          </p:cNvPr>
+          <p:cNvSpPr>
+            <a:spLocks noGrp="1"/>
+          </p:cNvSpPr>
+          <p:nvPr>
+            <p:ph type="ftr" sz="quarter" idx="3"/>
+          </p:nvPr>
+        </p:nvSpPr>
+        <p:spPr>
+          <a:xfrm rot="16200000">
+            <a:off x="9390931" y="3548149"/>
+            <a:ext cx="4718224" cy="365125"/>
+          </a:xfrm>
+          <a:prstGeom prst="rect">
+            <a:avLst/>
+          </a:prstGeom>
+        </p:spPr>
+        <p:txBody>
+          <a:bodyPr/>
+          <a:lstStyle>
+            <a:lvl1pPr>
+              <a:defRPr sz="1200">
+                <a:solidFill>
+                  <a:schemeClr val="bg1"/>
+                </a:solidFill>
+                <a:latin typeface="Candara" panose="020E0502030303020204" pitchFamily="34" charset="0"/>
+              </a:defRPr>
+            </a:lvl1pPr>
+          </a:lstStyle>
+          <a:p>
+            <a:r>
+              <a:rPr lang="en-US" dirty="0"/>
+              <a:t>UCL GIS for Geoscientists- Session 3- Intermediate GIS</a:t>
+            </a:r>
+          </a:p>
+          <a:p>
+            <a:r>
+              <a:rPr lang="en-US" dirty="0"/>
+              <a:t>Presented by N.D. Barber (Cambridge) ndb38@cam.ac.uk</a:t>
+            </a:r>
+          </a:p>
+        </p:txBody>
+      </p:sp>
     </p:spTree>
     <p:extLst>
       <p:ext uri="{BB962C8B-B14F-4D97-AF65-F5344CB8AC3E}">
-        <p14:creationId xmlns:p14="http://schemas.microsoft.com/office/powerpoint/2010/main" val="366334908"/>
+        <p14:creationId xmlns:p14="http://schemas.microsoft.com/office/powerpoint/2010/main" val="1338931758"/>
       </p:ext>
     </p:extLst>
   </p:cSld>
@@ -7742,7 +10254,7 @@
           <p:cNvPr id="2" name="Title 1">
             <a:extLst>
               <a:ext uri="{FF2B5EF4-FFF2-40B4-BE49-F238E27FC236}">
-                <a16:creationId xmlns:a16="http://schemas.microsoft.com/office/drawing/2014/main" id="{E73C7915-CC85-9E40-AA7E-3F0881F6E290}"/>
+                <a16:creationId xmlns:a16="http://schemas.microsoft.com/office/drawing/2014/main" id="{6885F1C6-366C-E241-A164-6D3AE2E3CCDB}"/>
               </a:ext>
             </a:extLst>
           </p:cNvPr>
@@ -7760,7 +10272,7 @@
           <a:p>
             <a:r>
               <a:rPr lang="en-US" dirty="0"/>
-              <a:t>Section 2</a:t>
+              <a:t>Session 3, Section 1</a:t>
             </a:r>
           </a:p>
         </p:txBody>
@@ -7770,7 +10282,7 @@
           <p:cNvPr id="3" name="Text Placeholder 2">
             <a:extLst>
               <a:ext uri="{FF2B5EF4-FFF2-40B4-BE49-F238E27FC236}">
-                <a16:creationId xmlns:a16="http://schemas.microsoft.com/office/drawing/2014/main" id="{1A3DBBD6-115A-774E-A5E1-F125CFEC5E82}"/>
+                <a16:creationId xmlns:a16="http://schemas.microsoft.com/office/drawing/2014/main" id="{0E47BC1A-8F83-1544-9036-E4F7D93B9603}"/>
               </a:ext>
             </a:extLst>
           </p:cNvPr>
@@ -7786,7 +10298,10 @@
           <a:bodyPr/>
           <a:lstStyle/>
           <a:p>
-            <a:endParaRPr lang="en-US"/>
+            <a:r>
+              <a:rPr lang="en-US" dirty="0"/>
+              <a:t>Handling Difficult Data Imports, Spatial Joins, Interpolating between Points, Raster Calculator, Spatial Statistics</a:t>
+            </a:r>
           </a:p>
         </p:txBody>
       </p:sp>
@@ -7795,7 +10310,7 @@
           <p:cNvPr id="4" name="Date Placeholder 3">
             <a:extLst>
               <a:ext uri="{FF2B5EF4-FFF2-40B4-BE49-F238E27FC236}">
-                <a16:creationId xmlns:a16="http://schemas.microsoft.com/office/drawing/2014/main" id="{C1ABD5A6-4818-8E43-B2D7-487D0F12D677}"/>
+                <a16:creationId xmlns:a16="http://schemas.microsoft.com/office/drawing/2014/main" id="{C4A35221-BD0E-8542-998C-09AD6324709F}"/>
               </a:ext>
             </a:extLst>
           </p:cNvPr>
@@ -7813,7 +10328,7 @@
           <a:p>
             <a:fld id="{453754D5-8BE9-294A-B481-283E1E39E0CC}" type="datetime1">
               <a:rPr lang="en-US" smtClean="0"/>
-              <a:t>7/6/20</a:t>
+              <a:t>8/17/20</a:t>
             </a:fld>
             <a:endParaRPr lang="en-US" dirty="0"/>
           </a:p>
@@ -7824,7 +10339,7 @@
           <p:cNvPr id="5" name="Slide Number Placeholder 4">
             <a:extLst>
               <a:ext uri="{FF2B5EF4-FFF2-40B4-BE49-F238E27FC236}">
-                <a16:creationId xmlns:a16="http://schemas.microsoft.com/office/drawing/2014/main" id="{34888928-534E-5244-99DF-F63281AE9D0B}"/>
+                <a16:creationId xmlns:a16="http://schemas.microsoft.com/office/drawing/2014/main" id="{5CD22ED2-F181-FC41-A3F5-24594041E412}"/>
               </a:ext>
             </a:extLst>
           </p:cNvPr>
@@ -7850,10 +10365,61 @@
           </a:p>
         </p:txBody>
       </p:sp>
+      <p:sp>
+        <p:nvSpPr>
+          <p:cNvPr id="6" name="Footer Placeholder 4">
+            <a:extLst>
+              <a:ext uri="{FF2B5EF4-FFF2-40B4-BE49-F238E27FC236}">
+                <a16:creationId xmlns:a16="http://schemas.microsoft.com/office/drawing/2014/main" id="{3B38966E-3A08-584B-A0F8-2F6BB46E163E}"/>
+              </a:ext>
+            </a:extLst>
+          </p:cNvPr>
+          <p:cNvSpPr>
+            <a:spLocks noGrp="1"/>
+          </p:cNvSpPr>
+          <p:nvPr>
+            <p:ph type="ftr" sz="quarter" idx="3"/>
+          </p:nvPr>
+        </p:nvSpPr>
+        <p:spPr>
+          <a:xfrm rot="16200000">
+            <a:off x="9390931" y="3548149"/>
+            <a:ext cx="4718224" cy="365125"/>
+          </a:xfrm>
+          <a:prstGeom prst="rect">
+            <a:avLst/>
+          </a:prstGeom>
+        </p:spPr>
+        <p:txBody>
+          <a:bodyPr/>
+          <a:lstStyle>
+            <a:lvl1pPr>
+              <a:defRPr sz="1200">
+                <a:solidFill>
+                  <a:schemeClr val="bg1"/>
+                </a:solidFill>
+                <a:latin typeface="Candara" panose="020E0502030303020204" pitchFamily="34" charset="0"/>
+              </a:defRPr>
+            </a:lvl1pPr>
+          </a:lstStyle>
+          <a:p>
+            <a:r>
+              <a:rPr lang="en-US" dirty="0"/>
+              <a:t>UCL GIS for Geoscientists- Session 3- Intermediate GIS</a:t>
+            </a:r>
+          </a:p>
+          <a:p>
+            <a:r>
+              <a:rPr lang="en-US" dirty="0"/>
+              <a:t>Presented by N.D. Barber (Cambridge) ndb38@cam.ac.uk</a:t>
+            </a:r>
+          </a:p>
+        </p:txBody>
+      </p:sp>
     </p:spTree>
     <p:extLst>
       <p:ext uri="{BB962C8B-B14F-4D97-AF65-F5344CB8AC3E}">
-        <p14:creationId xmlns:p14="http://schemas.microsoft.com/office/powerpoint/2010/main" val="2286077533"/>
+        <p14:creationId xmlns:p14="http://schemas.microsoft.com/office/powerpoint/2010/main" val="366334908"/>
       </p:ext>
     </p:extLst>
   </p:cSld>
@@ -7885,7 +10451,7 @@
           <p:cNvPr id="2" name="Title 1">
             <a:extLst>
               <a:ext uri="{FF2B5EF4-FFF2-40B4-BE49-F238E27FC236}">
-                <a16:creationId xmlns:a16="http://schemas.microsoft.com/office/drawing/2014/main" id="{72C44A9B-F735-B54D-B030-262342A89C97}"/>
+                <a16:creationId xmlns:a16="http://schemas.microsoft.com/office/drawing/2014/main" id="{FD6C7A8A-0B0E-BC40-BBB3-A2EBA505A425}"/>
               </a:ext>
             </a:extLst>
           </p:cNvPr>
@@ -7902,18 +10468,19 @@
           <a:lstStyle/>
           <a:p>
             <a:r>
-              <a:rPr lang="en-US" dirty="0"/>
-              <a:t>Section 3</a:t>
-            </a:r>
-          </a:p>
-        </p:txBody>
-      </p:sp>
-      <p:sp>
-        <p:nvSpPr>
-          <p:cNvPr id="3" name="Text Placeholder 2">
+              <a:rPr lang="en-US" dirty="0" err="1"/>
+              <a:t>Geostatistics</a:t>
+            </a:r>
+            <a:endParaRPr lang="en-US" dirty="0"/>
+          </a:p>
+        </p:txBody>
+      </p:sp>
+      <p:sp>
+        <p:nvSpPr>
+          <p:cNvPr id="3" name="Content Placeholder 2">
             <a:extLst>
               <a:ext uri="{FF2B5EF4-FFF2-40B4-BE49-F238E27FC236}">
-                <a16:creationId xmlns:a16="http://schemas.microsoft.com/office/drawing/2014/main" id="{6EDE35EF-D7C9-E34F-AC87-E32EE5EAD359}"/>
+                <a16:creationId xmlns:a16="http://schemas.microsoft.com/office/drawing/2014/main" id="{A427FE3F-49D5-C247-8E68-29AF7BBD2494}"/>
               </a:ext>
             </a:extLst>
           </p:cNvPr>
@@ -7921,15 +10488,77 @@
             <a:spLocks noGrp="1"/>
           </p:cNvSpPr>
           <p:nvPr>
-            <p:ph type="body" idx="1"/>
-          </p:nvPr>
-        </p:nvSpPr>
-        <p:spPr/>
+            <p:ph idx="1"/>
+          </p:nvPr>
+        </p:nvSpPr>
+        <p:spPr>
+          <a:xfrm>
+            <a:off x="1261872" y="1828800"/>
+            <a:ext cx="4636008" cy="4351337"/>
+          </a:xfrm>
+        </p:spPr>
         <p:txBody>
           <a:bodyPr/>
           <a:lstStyle/>
           <a:p>
-            <a:endParaRPr lang="en-US"/>
+            <a:r>
+              <a:rPr lang="en-US" dirty="0"/>
+              <a:t>Free AMAZING resource: </a:t>
+            </a:r>
+            <a:r>
+              <a:rPr lang="en-US" dirty="0">
+                <a:hlinkClick r:id="rId2"/>
+              </a:rPr>
+              <a:t>https://www.spatialanalysisonline.com/HTML/index.html</a:t>
+            </a:r>
+            <a:endParaRPr lang="en-US" dirty="0"/>
+          </a:p>
+          <a:p>
+            <a:r>
+              <a:rPr lang="en-US" dirty="0"/>
+              <a:t>One key feature of spatial statistics: because of </a:t>
+            </a:r>
+            <a:r>
+              <a:rPr lang="en-US" i="1" dirty="0"/>
+              <a:t>spatial autocorrelation</a:t>
+            </a:r>
+            <a:r>
+              <a:rPr lang="en-US" dirty="0"/>
+              <a:t>, </a:t>
+            </a:r>
+            <a:r>
+              <a:rPr lang="en-US" u="sng" dirty="0"/>
+              <a:t>data with a spatial dimension violate classical statistical assumption of independence</a:t>
+            </a:r>
+          </a:p>
+          <a:p>
+            <a:pPr lvl="1"/>
+            <a:r>
+              <a:rPr lang="en-US" dirty="0"/>
+              <a:t>Requires different approach to statistics and analysis</a:t>
+            </a:r>
+          </a:p>
+          <a:p>
+            <a:r>
+              <a:rPr lang="en-US" dirty="0"/>
+              <a:t>Special geostatistical operations: Inverse Distance Weighting (IDW), Kriging, Moran’s I coefficient </a:t>
+            </a:r>
+          </a:p>
+          <a:p>
+            <a:r>
+              <a:rPr lang="en-US" dirty="0"/>
+              <a:t>My Deccan work: </a:t>
+            </a:r>
+            <a:r>
+              <a:rPr lang="en-US" dirty="0">
+                <a:hlinkClick r:id="rId3"/>
+              </a:rPr>
+              <a:t>Empirical Bayesian Kriging</a:t>
+            </a:r>
+            <a:r>
+              <a:rPr lang="en-US" dirty="0"/>
+              <a:t> (EBK) &gt;&gt;&gt;&gt;</a:t>
+            </a:r>
           </a:p>
         </p:txBody>
       </p:sp>
@@ -7938,7 +10567,7 @@
           <p:cNvPr id="4" name="Date Placeholder 3">
             <a:extLst>
               <a:ext uri="{FF2B5EF4-FFF2-40B4-BE49-F238E27FC236}">
-                <a16:creationId xmlns:a16="http://schemas.microsoft.com/office/drawing/2014/main" id="{2AFA192A-4F71-8E46-87AE-01426B7BE3D6}"/>
+                <a16:creationId xmlns:a16="http://schemas.microsoft.com/office/drawing/2014/main" id="{1F076563-1615-8340-8162-97DB4650B039}"/>
               </a:ext>
             </a:extLst>
           </p:cNvPr>
@@ -7954,9 +10583,9 @@
           <a:bodyPr/>
           <a:lstStyle/>
           <a:p>
-            <a:fld id="{453754D5-8BE9-294A-B481-283E1E39E0CC}" type="datetime1">
+            <a:fld id="{0C058645-6F24-9C43-8FC3-443F02031404}" type="datetime1">
               <a:rPr lang="en-US" smtClean="0"/>
-              <a:t>7/6/20</a:t>
+              <a:t>8/17/20</a:t>
             </a:fld>
             <a:endParaRPr lang="en-US" dirty="0"/>
           </a:p>
@@ -7967,7 +10596,7 @@
           <p:cNvPr id="5" name="Slide Number Placeholder 4">
             <a:extLst>
               <a:ext uri="{FF2B5EF4-FFF2-40B4-BE49-F238E27FC236}">
-                <a16:creationId xmlns:a16="http://schemas.microsoft.com/office/drawing/2014/main" id="{34E1838B-A01F-E640-973D-877238FD50EC}"/>
+                <a16:creationId xmlns:a16="http://schemas.microsoft.com/office/drawing/2014/main" id="{12047D6E-3B9E-9E45-918B-52E3DB61B3F1}"/>
               </a:ext>
             </a:extLst>
           </p:cNvPr>
@@ -7993,10 +10622,105 @@
           </a:p>
         </p:txBody>
       </p:sp>
+      <p:sp>
+        <p:nvSpPr>
+          <p:cNvPr id="6" name="Footer Placeholder 5">
+            <a:extLst>
+              <a:ext uri="{FF2B5EF4-FFF2-40B4-BE49-F238E27FC236}">
+                <a16:creationId xmlns:a16="http://schemas.microsoft.com/office/drawing/2014/main" id="{991F8F88-5852-5C46-AD49-A5AE62269B22}"/>
+              </a:ext>
+            </a:extLst>
+          </p:cNvPr>
+          <p:cNvSpPr>
+            <a:spLocks noGrp="1"/>
+          </p:cNvSpPr>
+          <p:nvPr>
+            <p:ph type="ftr" sz="quarter" idx="3"/>
+          </p:nvPr>
+        </p:nvSpPr>
+        <p:spPr/>
+        <p:txBody>
+          <a:bodyPr/>
+          <a:lstStyle/>
+          <a:p>
+            <a:r>
+              <a:rPr lang="en-US"/>
+              <a:t>UCL GIS for Geoscientists- Session 3- Intermediate GIS</a:t>
+            </a:r>
+          </a:p>
+          <a:p>
+            <a:r>
+              <a:rPr lang="en-US"/>
+              <a:t>Presented by N.D. Barber (Cambridge) ndb38@cam.ac.uk</a:t>
+            </a:r>
+            <a:endParaRPr lang="en-US" dirty="0"/>
+          </a:p>
+        </p:txBody>
+      </p:sp>
+      <p:pic>
+        <p:nvPicPr>
+          <p:cNvPr id="8" name="Picture 7" descr="A screenshot of a cell phone&#10;&#10;Description automatically generated">
+            <a:extLst>
+              <a:ext uri="{FF2B5EF4-FFF2-40B4-BE49-F238E27FC236}">
+                <a16:creationId xmlns:a16="http://schemas.microsoft.com/office/drawing/2014/main" id="{744C8758-BCAA-1046-AB6D-9E6CBB14EF1E}"/>
+              </a:ext>
+            </a:extLst>
+          </p:cNvPr>
+          <p:cNvPicPr>
+            <a:picLocks noChangeAspect="1"/>
+          </p:cNvPicPr>
+          <p:nvPr/>
+        </p:nvPicPr>
+        <p:blipFill>
+          <a:blip r:embed="rId4"/>
+          <a:stretch>
+            <a:fillRect/>
+          </a:stretch>
+        </p:blipFill>
+        <p:spPr>
+          <a:xfrm>
+            <a:off x="6376527" y="445567"/>
+            <a:ext cx="4276504" cy="3154496"/>
+          </a:xfrm>
+          <a:prstGeom prst="rect">
+            <a:avLst/>
+          </a:prstGeom>
+        </p:spPr>
+      </p:pic>
+      <p:pic>
+        <p:nvPicPr>
+          <p:cNvPr id="9" name="Content Placeholder 7" descr="A close up of a map&#10;&#10;Description automatically generated">
+            <a:extLst>
+              <a:ext uri="{FF2B5EF4-FFF2-40B4-BE49-F238E27FC236}">
+                <a16:creationId xmlns:a16="http://schemas.microsoft.com/office/drawing/2014/main" id="{B33D23CE-246B-A345-85DF-3E495F0D4D49}"/>
+              </a:ext>
+            </a:extLst>
+          </p:cNvPr>
+          <p:cNvPicPr>
+            <a:picLocks noChangeAspect="1"/>
+          </p:cNvPicPr>
+          <p:nvPr/>
+        </p:nvPicPr>
+        <p:blipFill>
+          <a:blip r:embed="rId5"/>
+          <a:stretch>
+            <a:fillRect/>
+          </a:stretch>
+        </p:blipFill>
+        <p:spPr>
+          <a:xfrm>
+            <a:off x="6294122" y="3901438"/>
+            <a:ext cx="4441314" cy="2506875"/>
+          </a:xfrm>
+          <a:prstGeom prst="rect">
+            <a:avLst/>
+          </a:prstGeom>
+        </p:spPr>
+      </p:pic>
     </p:spTree>
     <p:extLst>
       <p:ext uri="{BB962C8B-B14F-4D97-AF65-F5344CB8AC3E}">
-        <p14:creationId xmlns:p14="http://schemas.microsoft.com/office/powerpoint/2010/main" val="3836933792"/>
+        <p14:creationId xmlns:p14="http://schemas.microsoft.com/office/powerpoint/2010/main" val="3548231802"/>
       </p:ext>
     </p:extLst>
   </p:cSld>

--- a/lectures/Session 3/Session3_Lecture.pptx
+++ b/lectures/Session 3/Session3_Lecture.pptx
@@ -5,25 +5,26 @@
     <p:sldMasterId id="2147483840" r:id="rId1"/>
   </p:sldMasterIdLst>
   <p:notesMasterIdLst>
-    <p:notesMasterId r:id="rId18"/>
+    <p:notesMasterId r:id="rId19"/>
   </p:notesMasterIdLst>
   <p:sldIdLst>
     <p:sldId id="258" r:id="rId2"/>
     <p:sldId id="275" r:id="rId3"/>
-    <p:sldId id="270" r:id="rId4"/>
-    <p:sldId id="276" r:id="rId5"/>
-    <p:sldId id="278" r:id="rId6"/>
-    <p:sldId id="287" r:id="rId7"/>
-    <p:sldId id="277" r:id="rId8"/>
-    <p:sldId id="279" r:id="rId9"/>
-    <p:sldId id="286" r:id="rId10"/>
-    <p:sldId id="280" r:id="rId11"/>
-    <p:sldId id="289" r:id="rId12"/>
-    <p:sldId id="281" r:id="rId13"/>
-    <p:sldId id="290" r:id="rId14"/>
-    <p:sldId id="282" r:id="rId15"/>
-    <p:sldId id="285" r:id="rId16"/>
-    <p:sldId id="284" r:id="rId17"/>
+    <p:sldId id="291" r:id="rId4"/>
+    <p:sldId id="270" r:id="rId5"/>
+    <p:sldId id="276" r:id="rId6"/>
+    <p:sldId id="278" r:id="rId7"/>
+    <p:sldId id="287" r:id="rId8"/>
+    <p:sldId id="277" r:id="rId9"/>
+    <p:sldId id="279" r:id="rId10"/>
+    <p:sldId id="286" r:id="rId11"/>
+    <p:sldId id="280" r:id="rId12"/>
+    <p:sldId id="289" r:id="rId13"/>
+    <p:sldId id="281" r:id="rId14"/>
+    <p:sldId id="290" r:id="rId15"/>
+    <p:sldId id="282" r:id="rId16"/>
+    <p:sldId id="285" r:id="rId17"/>
+    <p:sldId id="284" r:id="rId18"/>
   </p:sldIdLst>
   <p:sldSz cx="12192000" cy="6858000"/>
   <p:notesSz cx="6858000" cy="9144000"/>
@@ -135,7 +136,7 @@
   <pc:docChgLst>
     <pc:chgData name="N.D. Barber" userId="2439b294-b381-4911-ad1d-575a5e61005a" providerId="ADAL" clId="{155DEF3F-930A-F04A-A267-D129109962A0}"/>
     <pc:docChg chg="undo custSel addSld delSld modSld sldOrd modMainMaster">
-      <pc:chgData name="N.D. Barber" userId="2439b294-b381-4911-ad1d-575a5e61005a" providerId="ADAL" clId="{155DEF3F-930A-F04A-A267-D129109962A0}" dt="2020-08-17T10:58:25.015" v="1026"/>
+      <pc:chgData name="N.D. Barber" userId="2439b294-b381-4911-ad1d-575a5e61005a" providerId="ADAL" clId="{155DEF3F-930A-F04A-A267-D129109962A0}" dt="2020-08-17T14:49:14.597" v="1540" actId="14100"/>
       <pc:docMkLst>
         <pc:docMk/>
       </pc:docMkLst>
@@ -155,13 +156,13 @@
         </pc:spChg>
       </pc:sldChg>
       <pc:sldChg chg="addSp modSp mod">
-        <pc:chgData name="N.D. Barber" userId="2439b294-b381-4911-ad1d-575a5e61005a" providerId="ADAL" clId="{155DEF3F-930A-F04A-A267-D129109962A0}" dt="2020-08-17T09:20:13.249" v="136"/>
+        <pc:chgData name="N.D. Barber" userId="2439b294-b381-4911-ad1d-575a5e61005a" providerId="ADAL" clId="{155DEF3F-930A-F04A-A267-D129109962A0}" dt="2020-08-17T11:44:09.362" v="1042" actId="20577"/>
         <pc:sldMkLst>
           <pc:docMk/>
           <pc:sldMk cId="1534045868" sldId="270"/>
         </pc:sldMkLst>
         <pc:spChg chg="mod">
-          <ac:chgData name="N.D. Barber" userId="2439b294-b381-4911-ad1d-575a5e61005a" providerId="ADAL" clId="{155DEF3F-930A-F04A-A267-D129109962A0}" dt="2020-08-17T09:19:23.796" v="91" actId="400"/>
+          <ac:chgData name="N.D. Barber" userId="2439b294-b381-4911-ad1d-575a5e61005a" providerId="ADAL" clId="{155DEF3F-930A-F04A-A267-D129109962A0}" dt="2020-08-17T11:44:09.362" v="1042" actId="20577"/>
           <ac:spMkLst>
             <pc:docMk/>
             <pc:sldMk cId="1534045868" sldId="270"/>
@@ -255,13 +256,13 @@
         </pc:spChg>
       </pc:sldChg>
       <pc:sldChg chg="addSp modSp mod">
-        <pc:chgData name="N.D. Barber" userId="2439b294-b381-4911-ad1d-575a5e61005a" providerId="ADAL" clId="{155DEF3F-930A-F04A-A267-D129109962A0}" dt="2020-08-17T09:20:16.527" v="138"/>
+        <pc:chgData name="N.D. Barber" userId="2439b294-b381-4911-ad1d-575a5e61005a" providerId="ADAL" clId="{155DEF3F-930A-F04A-A267-D129109962A0}" dt="2020-08-17T13:13:35.540" v="1536" actId="20578"/>
         <pc:sldMkLst>
           <pc:docMk/>
           <pc:sldMk cId="1109333282" sldId="278"/>
         </pc:sldMkLst>
         <pc:spChg chg="mod">
-          <ac:chgData name="N.D. Barber" userId="2439b294-b381-4911-ad1d-575a5e61005a" providerId="ADAL" clId="{155DEF3F-930A-F04A-A267-D129109962A0}" dt="2020-08-17T09:19:49.320" v="134" actId="114"/>
+          <ac:chgData name="N.D. Barber" userId="2439b294-b381-4911-ad1d-575a5e61005a" providerId="ADAL" clId="{155DEF3F-930A-F04A-A267-D129109962A0}" dt="2020-08-17T13:13:35.540" v="1536" actId="20578"/>
           <ac:spMkLst>
             <pc:docMk/>
             <pc:sldMk cId="1109333282" sldId="278"/>
@@ -309,7 +310,7 @@
         </pc:spChg>
       </pc:sldChg>
       <pc:sldChg chg="addSp modSp add mod">
-        <pc:chgData name="N.D. Barber" userId="2439b294-b381-4911-ad1d-575a5e61005a" providerId="ADAL" clId="{155DEF3F-930A-F04A-A267-D129109962A0}" dt="2020-08-17T10:53:58.229" v="883" actId="1076"/>
+        <pc:chgData name="N.D. Barber" userId="2439b294-b381-4911-ad1d-575a5e61005a" providerId="ADAL" clId="{155DEF3F-930A-F04A-A267-D129109962A0}" dt="2020-08-17T14:14:42.603" v="1538" actId="14100"/>
         <pc:sldMkLst>
           <pc:docMk/>
           <pc:sldMk cId="3548231802" sldId="286"/>
@@ -323,7 +324,7 @@
           </ac:spMkLst>
         </pc:spChg>
         <pc:spChg chg="mod">
-          <ac:chgData name="N.D. Barber" userId="2439b294-b381-4911-ad1d-575a5e61005a" providerId="ADAL" clId="{155DEF3F-930A-F04A-A267-D129109962A0}" dt="2020-08-17T10:53:31.910" v="858" actId="20577"/>
+          <ac:chgData name="N.D. Barber" userId="2439b294-b381-4911-ad1d-575a5e61005a" providerId="ADAL" clId="{155DEF3F-930A-F04A-A267-D129109962A0}" dt="2020-08-17T12:17:50.195" v="1535" actId="20577"/>
           <ac:spMkLst>
             <pc:docMk/>
             <pc:sldMk cId="3548231802" sldId="286"/>
@@ -347,7 +348,7 @@
           </ac:picMkLst>
         </pc:picChg>
         <pc:picChg chg="add mod">
-          <ac:chgData name="N.D. Barber" userId="2439b294-b381-4911-ad1d-575a5e61005a" providerId="ADAL" clId="{155DEF3F-930A-F04A-A267-D129109962A0}" dt="2020-08-17T10:52:38.500" v="796" actId="1076"/>
+          <ac:chgData name="N.D. Barber" userId="2439b294-b381-4911-ad1d-575a5e61005a" providerId="ADAL" clId="{155DEF3F-930A-F04A-A267-D129109962A0}" dt="2020-08-17T14:14:42.603" v="1538" actId="14100"/>
           <ac:picMkLst>
             <pc:docMk/>
             <pc:sldMk cId="3548231802" sldId="286"/>
@@ -410,7 +411,7 @@
         </pc:spChg>
       </pc:sldChg>
       <pc:sldChg chg="addSp delSp modSp add mod">
-        <pc:chgData name="N.D. Barber" userId="2439b294-b381-4911-ad1d-575a5e61005a" providerId="ADAL" clId="{155DEF3F-930A-F04A-A267-D129109962A0}" dt="2020-08-17T10:54:36.210" v="895" actId="1076"/>
+        <pc:chgData name="N.D. Barber" userId="2439b294-b381-4911-ad1d-575a5e61005a" providerId="ADAL" clId="{155DEF3F-930A-F04A-A267-D129109962A0}" dt="2020-08-17T14:49:14.597" v="1540" actId="14100"/>
         <pc:sldMkLst>
           <pc:docMk/>
           <pc:sldMk cId="3227073904" sldId="289"/>
@@ -432,7 +433,7 @@
           </ac:spMkLst>
         </pc:spChg>
         <pc:picChg chg="add mod">
-          <ac:chgData name="N.D. Barber" userId="2439b294-b381-4911-ad1d-575a5e61005a" providerId="ADAL" clId="{155DEF3F-930A-F04A-A267-D129109962A0}" dt="2020-08-17T10:54:36.210" v="895" actId="1076"/>
+          <ac:chgData name="N.D. Barber" userId="2439b294-b381-4911-ad1d-575a5e61005a" providerId="ADAL" clId="{155DEF3F-930A-F04A-A267-D129109962A0}" dt="2020-08-17T14:49:14.597" v="1540" actId="14100"/>
           <ac:picMkLst>
             <pc:docMk/>
             <pc:sldMk cId="3227073904" sldId="289"/>
@@ -470,6 +471,45 @@
             <ac:spMk id="5" creationId="{CEBD24D7-BAC7-294E-9370-BAD2D7800611}"/>
           </ac:spMkLst>
         </pc:spChg>
+      </pc:sldChg>
+      <pc:sldChg chg="addSp modSp add mod ord">
+        <pc:chgData name="N.D. Barber" userId="2439b294-b381-4911-ad1d-575a5e61005a" providerId="ADAL" clId="{155DEF3F-930A-F04A-A267-D129109962A0}" dt="2020-08-17T11:51:20.620" v="1411"/>
+        <pc:sldMkLst>
+          <pc:docMk/>
+          <pc:sldMk cId="528329236" sldId="291"/>
+        </pc:sldMkLst>
+        <pc:spChg chg="mod">
+          <ac:chgData name="N.D. Barber" userId="2439b294-b381-4911-ad1d-575a5e61005a" providerId="ADAL" clId="{155DEF3F-930A-F04A-A267-D129109962A0}" dt="2020-08-17T11:44:25.319" v="1058" actId="20577"/>
+          <ac:spMkLst>
+            <pc:docMk/>
+            <pc:sldMk cId="528329236" sldId="291"/>
+            <ac:spMk id="2" creationId="{D702DAE0-CE78-6D4F-B83E-1CE269CCDA44}"/>
+          </ac:spMkLst>
+        </pc:spChg>
+        <pc:spChg chg="mod">
+          <ac:chgData name="N.D. Barber" userId="2439b294-b381-4911-ad1d-575a5e61005a" providerId="ADAL" clId="{155DEF3F-930A-F04A-A267-D129109962A0}" dt="2020-08-17T11:50:41.027" v="1410" actId="20577"/>
+          <ac:spMkLst>
+            <pc:docMk/>
+            <pc:sldMk cId="528329236" sldId="291"/>
+            <ac:spMk id="3" creationId="{CE97C9BC-88BC-914F-A032-AFBB2AB8A102}"/>
+          </ac:spMkLst>
+        </pc:spChg>
+        <pc:spChg chg="mod">
+          <ac:chgData name="N.D. Barber" userId="2439b294-b381-4911-ad1d-575a5e61005a" providerId="ADAL" clId="{155DEF3F-930A-F04A-A267-D129109962A0}" dt="2020-08-17T11:43:49.046" v="1028" actId="27636"/>
+          <ac:spMkLst>
+            <pc:docMk/>
+            <pc:sldMk cId="528329236" sldId="291"/>
+            <ac:spMk id="5" creationId="{40B24145-4A2B-4D41-87BF-19ADD96E0560}"/>
+          </ac:spMkLst>
+        </pc:spChg>
+        <pc:picChg chg="add mod">
+          <ac:chgData name="N.D. Barber" userId="2439b294-b381-4911-ad1d-575a5e61005a" providerId="ADAL" clId="{155DEF3F-930A-F04A-A267-D129109962A0}" dt="2020-08-17T11:46:35.609" v="1151" actId="1076"/>
+          <ac:picMkLst>
+            <pc:docMk/>
+            <pc:sldMk cId="528329236" sldId="291"/>
+            <ac:picMk id="8" creationId="{5B9FEA42-1711-BB40-923D-F2F6C7CC5D4C}"/>
+          </ac:picMkLst>
+        </pc:picChg>
       </pc:sldChg>
       <pc:sldMasterChg chg="addSp delSp modSp mod modSldLayout">
         <pc:chgData name="N.D. Barber" userId="2439b294-b381-4911-ad1d-575a5e61005a" providerId="ADAL" clId="{155DEF3F-930A-F04A-A267-D129109962A0}" dt="2020-08-17T09:18:38.525" v="64"/>
@@ -6781,7 +6821,7 @@
           <p:cNvPr id="2" name="Title 1">
             <a:extLst>
               <a:ext uri="{FF2B5EF4-FFF2-40B4-BE49-F238E27FC236}">
-                <a16:creationId xmlns:a16="http://schemas.microsoft.com/office/drawing/2014/main" id="{E73C7915-CC85-9E40-AA7E-3F0881F6E290}"/>
+                <a16:creationId xmlns:a16="http://schemas.microsoft.com/office/drawing/2014/main" id="{FD6C7A8A-0B0E-BC40-BBB3-A2EBA505A425}"/>
               </a:ext>
             </a:extLst>
           </p:cNvPr>
@@ -6798,18 +6838,19 @@
           <a:lstStyle/>
           <a:p>
             <a:r>
-              <a:rPr lang="en-US" dirty="0"/>
-              <a:t>Section 2</a:t>
-            </a:r>
-          </a:p>
-        </p:txBody>
-      </p:sp>
-      <p:sp>
-        <p:nvSpPr>
-          <p:cNvPr id="3" name="Text Placeholder 2">
+              <a:rPr lang="en-US" dirty="0" err="1"/>
+              <a:t>Geostatistics</a:t>
+            </a:r>
+            <a:endParaRPr lang="en-US" dirty="0"/>
+          </a:p>
+        </p:txBody>
+      </p:sp>
+      <p:sp>
+        <p:nvSpPr>
+          <p:cNvPr id="3" name="Content Placeholder 2">
             <a:extLst>
               <a:ext uri="{FF2B5EF4-FFF2-40B4-BE49-F238E27FC236}">
-                <a16:creationId xmlns:a16="http://schemas.microsoft.com/office/drawing/2014/main" id="{1A3DBBD6-115A-774E-A5E1-F125CFEC5E82}"/>
+                <a16:creationId xmlns:a16="http://schemas.microsoft.com/office/drawing/2014/main" id="{A427FE3F-49D5-C247-8E68-29AF7BBD2494}"/>
               </a:ext>
             </a:extLst>
           </p:cNvPr>
@@ -6817,15 +6858,86 @@
             <a:spLocks noGrp="1"/>
           </p:cNvSpPr>
           <p:nvPr>
-            <p:ph type="body" idx="1"/>
-          </p:nvPr>
-        </p:nvSpPr>
-        <p:spPr/>
-        <p:txBody>
-          <a:bodyPr/>
+            <p:ph idx="1"/>
+          </p:nvPr>
+        </p:nvSpPr>
+        <p:spPr>
+          <a:xfrm>
+            <a:off x="1261872" y="1828800"/>
+            <a:ext cx="4636008" cy="4351337"/>
+          </a:xfrm>
+        </p:spPr>
+        <p:txBody>
+          <a:bodyPr>
+            <a:normAutofit fontScale="92500" lnSpcReduction="20000"/>
+          </a:bodyPr>
           <a:lstStyle/>
           <a:p>
-            <a:endParaRPr lang="en-US"/>
+            <a:r>
+              <a:rPr lang="en-US" dirty="0"/>
+              <a:t>Free AMAZING resource: </a:t>
+            </a:r>
+            <a:r>
+              <a:rPr lang="en-US" dirty="0">
+                <a:hlinkClick r:id="rId2"/>
+              </a:rPr>
+              <a:t>https://www.spatialanalysisonline.com/HTML/index.html</a:t>
+            </a:r>
+            <a:endParaRPr lang="en-US" dirty="0"/>
+          </a:p>
+          <a:p>
+            <a:r>
+              <a:rPr lang="en-US" dirty="0"/>
+              <a:t>One key feature of spatial statistics: because of </a:t>
+            </a:r>
+            <a:r>
+              <a:rPr lang="en-US" i="1" dirty="0"/>
+              <a:t>spatial autocorrelation</a:t>
+            </a:r>
+            <a:r>
+              <a:rPr lang="en-US" dirty="0"/>
+              <a:t>, </a:t>
+            </a:r>
+            <a:r>
+              <a:rPr lang="en-US" u="sng" dirty="0"/>
+              <a:t>data with a spatial dimension violate classical statistical assumption of independence</a:t>
+            </a:r>
+          </a:p>
+          <a:p>
+            <a:pPr lvl="1"/>
+            <a:r>
+              <a:rPr lang="en-US" dirty="0"/>
+              <a:t>Independence – in probability theory, occurrence of event does not affect the probability of occurrence of another</a:t>
+            </a:r>
+          </a:p>
+          <a:p>
+            <a:pPr lvl="1"/>
+            <a:r>
+              <a:rPr lang="en-US" dirty="0"/>
+              <a:t>Requires different approach to statistics and analysis</a:t>
+            </a:r>
+          </a:p>
+          <a:p>
+            <a:r>
+              <a:rPr lang="en-US" dirty="0"/>
+              <a:t>Special geostatistical operations: Inverse Distance Weighting (IDW), Kriging, Moran’s I coefficient </a:t>
+            </a:r>
+          </a:p>
+          <a:p>
+            <a:r>
+              <a:rPr lang="en-US" dirty="0"/>
+              <a:t>My Deccan work: </a:t>
+            </a:r>
+            <a:r>
+              <a:rPr lang="en-US" dirty="0">
+                <a:hlinkClick r:id="rId3"/>
+              </a:rPr>
+              <a:t>Empirical Bayesian Kriging</a:t>
+            </a:r>
+            <a:r>
+              <a:rPr lang="en-US" dirty="0"/>
+              <a:t> (EBK) &gt;&gt;&gt;&gt;</a:t>
+            </a:r>
           </a:p>
         </p:txBody>
       </p:sp>
@@ -6834,7 +6946,7 @@
           <p:cNvPr id="4" name="Date Placeholder 3">
             <a:extLst>
               <a:ext uri="{FF2B5EF4-FFF2-40B4-BE49-F238E27FC236}">
-                <a16:creationId xmlns:a16="http://schemas.microsoft.com/office/drawing/2014/main" id="{C1ABD5A6-4818-8E43-B2D7-487D0F12D677}"/>
+                <a16:creationId xmlns:a16="http://schemas.microsoft.com/office/drawing/2014/main" id="{1F076563-1615-8340-8162-97DB4650B039}"/>
               </a:ext>
             </a:extLst>
           </p:cNvPr>
@@ -6850,7 +6962,7 @@
           <a:bodyPr/>
           <a:lstStyle/>
           <a:p>
-            <a:fld id="{453754D5-8BE9-294A-B481-283E1E39E0CC}" type="datetime1">
+            <a:fld id="{0C058645-6F24-9C43-8FC3-443F02031404}" type="datetime1">
               <a:rPr lang="en-US" smtClean="0"/>
               <a:t>8/17/20</a:t>
             </a:fld>
@@ -6863,7 +6975,7 @@
           <p:cNvPr id="5" name="Slide Number Placeholder 4">
             <a:extLst>
               <a:ext uri="{FF2B5EF4-FFF2-40B4-BE49-F238E27FC236}">
-                <a16:creationId xmlns:a16="http://schemas.microsoft.com/office/drawing/2014/main" id="{34888928-534E-5244-99DF-F63281AE9D0B}"/>
+                <a16:creationId xmlns:a16="http://schemas.microsoft.com/office/drawing/2014/main" id="{12047D6E-3B9E-9E45-918B-52E3DB61B3F1}"/>
               </a:ext>
             </a:extLst>
           </p:cNvPr>
@@ -6889,10 +7001,105 @@
           </a:p>
         </p:txBody>
       </p:sp>
+      <p:sp>
+        <p:nvSpPr>
+          <p:cNvPr id="6" name="Footer Placeholder 5">
+            <a:extLst>
+              <a:ext uri="{FF2B5EF4-FFF2-40B4-BE49-F238E27FC236}">
+                <a16:creationId xmlns:a16="http://schemas.microsoft.com/office/drawing/2014/main" id="{991F8F88-5852-5C46-AD49-A5AE62269B22}"/>
+              </a:ext>
+            </a:extLst>
+          </p:cNvPr>
+          <p:cNvSpPr>
+            <a:spLocks noGrp="1"/>
+          </p:cNvSpPr>
+          <p:nvPr>
+            <p:ph type="ftr" sz="quarter" idx="3"/>
+          </p:nvPr>
+        </p:nvSpPr>
+        <p:spPr/>
+        <p:txBody>
+          <a:bodyPr/>
+          <a:lstStyle/>
+          <a:p>
+            <a:r>
+              <a:rPr lang="en-US"/>
+              <a:t>UCL GIS for Geoscientists- Session 3- Intermediate GIS</a:t>
+            </a:r>
+          </a:p>
+          <a:p>
+            <a:r>
+              <a:rPr lang="en-US"/>
+              <a:t>Presented by N.D. Barber (Cambridge) ndb38@cam.ac.uk</a:t>
+            </a:r>
+            <a:endParaRPr lang="en-US" dirty="0"/>
+          </a:p>
+        </p:txBody>
+      </p:sp>
+      <p:pic>
+        <p:nvPicPr>
+          <p:cNvPr id="8" name="Picture 7" descr="A screenshot of a cell phone&#10;&#10;Description automatically generated">
+            <a:extLst>
+              <a:ext uri="{FF2B5EF4-FFF2-40B4-BE49-F238E27FC236}">
+                <a16:creationId xmlns:a16="http://schemas.microsoft.com/office/drawing/2014/main" id="{744C8758-BCAA-1046-AB6D-9E6CBB14EF1E}"/>
+              </a:ext>
+            </a:extLst>
+          </p:cNvPr>
+          <p:cNvPicPr>
+            <a:picLocks noChangeAspect="1"/>
+          </p:cNvPicPr>
+          <p:nvPr/>
+        </p:nvPicPr>
+        <p:blipFill>
+          <a:blip r:embed="rId4"/>
+          <a:stretch>
+            <a:fillRect/>
+          </a:stretch>
+        </p:blipFill>
+        <p:spPr>
+          <a:xfrm>
+            <a:off x="6376527" y="445567"/>
+            <a:ext cx="4276504" cy="3154496"/>
+          </a:xfrm>
+          <a:prstGeom prst="rect">
+            <a:avLst/>
+          </a:prstGeom>
+        </p:spPr>
+      </p:pic>
+      <p:pic>
+        <p:nvPicPr>
+          <p:cNvPr id="9" name="Content Placeholder 7" descr="A close up of a map&#10;&#10;Description automatically generated">
+            <a:extLst>
+              <a:ext uri="{FF2B5EF4-FFF2-40B4-BE49-F238E27FC236}">
+                <a16:creationId xmlns:a16="http://schemas.microsoft.com/office/drawing/2014/main" id="{B33D23CE-246B-A345-85DF-3E495F0D4D49}"/>
+              </a:ext>
+            </a:extLst>
+          </p:cNvPr>
+          <p:cNvPicPr>
+            <a:picLocks noChangeAspect="1"/>
+          </p:cNvPicPr>
+          <p:nvPr/>
+        </p:nvPicPr>
+        <p:blipFill>
+          <a:blip r:embed="rId5"/>
+          <a:stretch>
+            <a:fillRect/>
+          </a:stretch>
+        </p:blipFill>
+        <p:spPr>
+          <a:xfrm>
+            <a:off x="6102934" y="3793524"/>
+            <a:ext cx="4632502" cy="2614790"/>
+          </a:xfrm>
+          <a:prstGeom prst="rect">
+            <a:avLst/>
+          </a:prstGeom>
+        </p:spPr>
+      </p:pic>
     </p:spTree>
     <p:extLst>
       <p:ext uri="{BB962C8B-B14F-4D97-AF65-F5344CB8AC3E}">
-        <p14:creationId xmlns:p14="http://schemas.microsoft.com/office/powerpoint/2010/main" val="2286077533"/>
+        <p14:creationId xmlns:p14="http://schemas.microsoft.com/office/powerpoint/2010/main" val="3548231802"/>
       </p:ext>
     </p:extLst>
   </p:cSld>
@@ -6924,7 +7131,7 @@
           <p:cNvPr id="2" name="Title 1">
             <a:extLst>
               <a:ext uri="{FF2B5EF4-FFF2-40B4-BE49-F238E27FC236}">
-                <a16:creationId xmlns:a16="http://schemas.microsoft.com/office/drawing/2014/main" id="{F809FD02-7E77-FB41-935A-099DF641A3BD}"/>
+                <a16:creationId xmlns:a16="http://schemas.microsoft.com/office/drawing/2014/main" id="{E73C7915-CC85-9E40-AA7E-3F0881F6E290}"/>
               </a:ext>
             </a:extLst>
           </p:cNvPr>
@@ -6940,45 +7147,44 @@
           <a:bodyPr/>
           <a:lstStyle/>
           <a:p>
-            <a:endParaRPr lang="en-US"/>
-          </a:p>
-        </p:txBody>
-      </p:sp>
-      <p:pic>
-        <p:nvPicPr>
-          <p:cNvPr id="8" name="Content Placeholder 7" descr="A picture containing text, newspaper&#10;&#10;Description automatically generated">
+            <a:r>
+              <a:rPr lang="en-US" dirty="0"/>
+              <a:t>Section 2</a:t>
+            </a:r>
+          </a:p>
+        </p:txBody>
+      </p:sp>
+      <p:sp>
+        <p:nvSpPr>
+          <p:cNvPr id="3" name="Text Placeholder 2">
             <a:extLst>
               <a:ext uri="{FF2B5EF4-FFF2-40B4-BE49-F238E27FC236}">
-                <a16:creationId xmlns:a16="http://schemas.microsoft.com/office/drawing/2014/main" id="{DB9853F3-2614-3341-A43D-F2820205773A}"/>
+                <a16:creationId xmlns:a16="http://schemas.microsoft.com/office/drawing/2014/main" id="{1A3DBBD6-115A-774E-A5E1-F125CFEC5E82}"/>
               </a:ext>
             </a:extLst>
           </p:cNvPr>
-          <p:cNvPicPr>
-            <a:picLocks noGrp="1" noChangeAspect="1"/>
-          </p:cNvPicPr>
-          <p:nvPr>
-            <p:ph idx="1"/>
-          </p:nvPr>
-        </p:nvPicPr>
-        <p:blipFill>
-          <a:blip r:embed="rId2"/>
-          <a:stretch>
-            <a:fillRect/>
-          </a:stretch>
-        </p:blipFill>
-        <p:spPr>
-          <a:xfrm>
-            <a:off x="3124200" y="270581"/>
-            <a:ext cx="4876969" cy="6316838"/>
-          </a:xfrm>
-        </p:spPr>
-      </p:pic>
+          <p:cNvSpPr>
+            <a:spLocks noGrp="1"/>
+          </p:cNvSpPr>
+          <p:nvPr>
+            <p:ph type="body" idx="1"/>
+          </p:nvPr>
+        </p:nvSpPr>
+        <p:spPr/>
+        <p:txBody>
+          <a:bodyPr/>
+          <a:lstStyle/>
+          <a:p>
+            <a:endParaRPr lang="en-US"/>
+          </a:p>
+        </p:txBody>
+      </p:sp>
       <p:sp>
         <p:nvSpPr>
           <p:cNvPr id="4" name="Date Placeholder 3">
             <a:extLst>
               <a:ext uri="{FF2B5EF4-FFF2-40B4-BE49-F238E27FC236}">
-                <a16:creationId xmlns:a16="http://schemas.microsoft.com/office/drawing/2014/main" id="{F3B8E71E-42EC-CC43-B152-2271ECF4334B}"/>
+                <a16:creationId xmlns:a16="http://schemas.microsoft.com/office/drawing/2014/main" id="{C1ABD5A6-4818-8E43-B2D7-487D0F12D677}"/>
               </a:ext>
             </a:extLst>
           </p:cNvPr>
@@ -6994,7 +7200,7 @@
           <a:bodyPr/>
           <a:lstStyle/>
           <a:p>
-            <a:fld id="{0C058645-6F24-9C43-8FC3-443F02031404}" type="datetime1">
+            <a:fld id="{453754D5-8BE9-294A-B481-283E1E39E0CC}" type="datetime1">
               <a:rPr lang="en-US" smtClean="0"/>
               <a:t>8/17/20</a:t>
             </a:fld>
@@ -7007,7 +7213,7 @@
           <p:cNvPr id="5" name="Slide Number Placeholder 4">
             <a:extLst>
               <a:ext uri="{FF2B5EF4-FFF2-40B4-BE49-F238E27FC236}">
-                <a16:creationId xmlns:a16="http://schemas.microsoft.com/office/drawing/2014/main" id="{E140BD1B-6F28-1745-80D3-4B23AD310594}"/>
+                <a16:creationId xmlns:a16="http://schemas.microsoft.com/office/drawing/2014/main" id="{34888928-534E-5244-99DF-F63281AE9D0B}"/>
               </a:ext>
             </a:extLst>
           </p:cNvPr>
@@ -7033,45 +7239,10 @@
           </a:p>
         </p:txBody>
       </p:sp>
-      <p:sp>
-        <p:nvSpPr>
-          <p:cNvPr id="6" name="Footer Placeholder 5">
-            <a:extLst>
-              <a:ext uri="{FF2B5EF4-FFF2-40B4-BE49-F238E27FC236}">
-                <a16:creationId xmlns:a16="http://schemas.microsoft.com/office/drawing/2014/main" id="{FDCAB8DE-95BF-3F4C-BCCD-6BF40B9031F3}"/>
-              </a:ext>
-            </a:extLst>
-          </p:cNvPr>
-          <p:cNvSpPr>
-            <a:spLocks noGrp="1"/>
-          </p:cNvSpPr>
-          <p:nvPr>
-            <p:ph type="ftr" sz="quarter" idx="3"/>
-          </p:nvPr>
-        </p:nvSpPr>
-        <p:spPr/>
-        <p:txBody>
-          <a:bodyPr/>
-          <a:lstStyle/>
-          <a:p>
-            <a:r>
-              <a:rPr lang="en-US"/>
-              <a:t>UCL GIS for Geoscientists- Session 3- Intermediate GIS</a:t>
-            </a:r>
-          </a:p>
-          <a:p>
-            <a:r>
-              <a:rPr lang="en-US"/>
-              <a:t>Presented by N.D. Barber (Cambridge) ndb38@cam.ac.uk</a:t>
-            </a:r>
-            <a:endParaRPr lang="en-US" dirty="0"/>
-          </a:p>
-        </p:txBody>
-      </p:sp>
     </p:spTree>
     <p:extLst>
       <p:ext uri="{BB962C8B-B14F-4D97-AF65-F5344CB8AC3E}">
-        <p14:creationId xmlns:p14="http://schemas.microsoft.com/office/powerpoint/2010/main" val="3227073904"/>
+        <p14:creationId xmlns:p14="http://schemas.microsoft.com/office/powerpoint/2010/main" val="2286077533"/>
       </p:ext>
     </p:extLst>
   </p:cSld>
@@ -7103,7 +7274,7 @@
           <p:cNvPr id="2" name="Title 1">
             <a:extLst>
               <a:ext uri="{FF2B5EF4-FFF2-40B4-BE49-F238E27FC236}">
-                <a16:creationId xmlns:a16="http://schemas.microsoft.com/office/drawing/2014/main" id="{72C44A9B-F735-B54D-B030-262342A89C97}"/>
+                <a16:creationId xmlns:a16="http://schemas.microsoft.com/office/drawing/2014/main" id="{F809FD02-7E77-FB41-935A-099DF641A3BD}"/>
               </a:ext>
             </a:extLst>
           </p:cNvPr>
@@ -7119,44 +7290,45 @@
           <a:bodyPr/>
           <a:lstStyle/>
           <a:p>
-            <a:r>
-              <a:rPr lang="en-US" dirty="0"/>
-              <a:t>Section 3</a:t>
-            </a:r>
-          </a:p>
-        </p:txBody>
-      </p:sp>
-      <p:sp>
-        <p:nvSpPr>
-          <p:cNvPr id="3" name="Text Placeholder 2">
+            <a:endParaRPr lang="en-US"/>
+          </a:p>
+        </p:txBody>
+      </p:sp>
+      <p:pic>
+        <p:nvPicPr>
+          <p:cNvPr id="8" name="Content Placeholder 7" descr="A picture containing text, newspaper&#10;&#10;Description automatically generated">
             <a:extLst>
               <a:ext uri="{FF2B5EF4-FFF2-40B4-BE49-F238E27FC236}">
-                <a16:creationId xmlns:a16="http://schemas.microsoft.com/office/drawing/2014/main" id="{6EDE35EF-D7C9-E34F-AC87-E32EE5EAD359}"/>
+                <a16:creationId xmlns:a16="http://schemas.microsoft.com/office/drawing/2014/main" id="{DB9853F3-2614-3341-A43D-F2820205773A}"/>
               </a:ext>
             </a:extLst>
           </p:cNvPr>
-          <p:cNvSpPr>
-            <a:spLocks noGrp="1"/>
-          </p:cNvSpPr>
-          <p:nvPr>
-            <p:ph type="body" idx="1"/>
-          </p:nvPr>
-        </p:nvSpPr>
-        <p:spPr/>
-        <p:txBody>
-          <a:bodyPr/>
-          <a:lstStyle/>
-          <a:p>
-            <a:endParaRPr lang="en-US"/>
-          </a:p>
-        </p:txBody>
-      </p:sp>
+          <p:cNvPicPr>
+            <a:picLocks noGrp="1" noChangeAspect="1"/>
+          </p:cNvPicPr>
+          <p:nvPr>
+            <p:ph idx="1"/>
+          </p:nvPr>
+        </p:nvPicPr>
+        <p:blipFill>
+          <a:blip r:embed="rId2"/>
+          <a:stretch>
+            <a:fillRect/>
+          </a:stretch>
+        </p:blipFill>
+        <p:spPr>
+          <a:xfrm>
+            <a:off x="2940908" y="33174"/>
+            <a:ext cx="5239265" cy="6786098"/>
+          </a:xfrm>
+        </p:spPr>
+      </p:pic>
       <p:sp>
         <p:nvSpPr>
           <p:cNvPr id="4" name="Date Placeholder 3">
             <a:extLst>
               <a:ext uri="{FF2B5EF4-FFF2-40B4-BE49-F238E27FC236}">
-                <a16:creationId xmlns:a16="http://schemas.microsoft.com/office/drawing/2014/main" id="{2AFA192A-4F71-8E46-87AE-01426B7BE3D6}"/>
+                <a16:creationId xmlns:a16="http://schemas.microsoft.com/office/drawing/2014/main" id="{F3B8E71E-42EC-CC43-B152-2271ECF4334B}"/>
               </a:ext>
             </a:extLst>
           </p:cNvPr>
@@ -7172,7 +7344,7 @@
           <a:bodyPr/>
           <a:lstStyle/>
           <a:p>
-            <a:fld id="{453754D5-8BE9-294A-B481-283E1E39E0CC}" type="datetime1">
+            <a:fld id="{0C058645-6F24-9C43-8FC3-443F02031404}" type="datetime1">
               <a:rPr lang="en-US" smtClean="0"/>
               <a:t>8/17/20</a:t>
             </a:fld>
@@ -7185,7 +7357,7 @@
           <p:cNvPr id="5" name="Slide Number Placeholder 4">
             <a:extLst>
               <a:ext uri="{FF2B5EF4-FFF2-40B4-BE49-F238E27FC236}">
-                <a16:creationId xmlns:a16="http://schemas.microsoft.com/office/drawing/2014/main" id="{34E1838B-A01F-E640-973D-877238FD50EC}"/>
+                <a16:creationId xmlns:a16="http://schemas.microsoft.com/office/drawing/2014/main" id="{E140BD1B-6F28-1745-80D3-4B23AD310594}"/>
               </a:ext>
             </a:extLst>
           </p:cNvPr>
@@ -7211,10 +7383,45 @@
           </a:p>
         </p:txBody>
       </p:sp>
+      <p:sp>
+        <p:nvSpPr>
+          <p:cNvPr id="6" name="Footer Placeholder 5">
+            <a:extLst>
+              <a:ext uri="{FF2B5EF4-FFF2-40B4-BE49-F238E27FC236}">
+                <a16:creationId xmlns:a16="http://schemas.microsoft.com/office/drawing/2014/main" id="{FDCAB8DE-95BF-3F4C-BCCD-6BF40B9031F3}"/>
+              </a:ext>
+            </a:extLst>
+          </p:cNvPr>
+          <p:cNvSpPr>
+            <a:spLocks noGrp="1"/>
+          </p:cNvSpPr>
+          <p:nvPr>
+            <p:ph type="ftr" sz="quarter" idx="3"/>
+          </p:nvPr>
+        </p:nvSpPr>
+        <p:spPr/>
+        <p:txBody>
+          <a:bodyPr/>
+          <a:lstStyle/>
+          <a:p>
+            <a:r>
+              <a:rPr lang="en-US"/>
+              <a:t>UCL GIS for Geoscientists- Session 3- Intermediate GIS</a:t>
+            </a:r>
+          </a:p>
+          <a:p>
+            <a:r>
+              <a:rPr lang="en-US"/>
+              <a:t>Presented by N.D. Barber (Cambridge) ndb38@cam.ac.uk</a:t>
+            </a:r>
+            <a:endParaRPr lang="en-US" dirty="0"/>
+          </a:p>
+        </p:txBody>
+      </p:sp>
     </p:spTree>
     <p:extLst>
       <p:ext uri="{BB962C8B-B14F-4D97-AF65-F5344CB8AC3E}">
-        <p14:creationId xmlns:p14="http://schemas.microsoft.com/office/powerpoint/2010/main" val="3836933792"/>
+        <p14:creationId xmlns:p14="http://schemas.microsoft.com/office/powerpoint/2010/main" val="3227073904"/>
       </p:ext>
     </p:extLst>
   </p:cSld>
@@ -7246,7 +7453,7 @@
           <p:cNvPr id="2" name="Title 1">
             <a:extLst>
               <a:ext uri="{FF2B5EF4-FFF2-40B4-BE49-F238E27FC236}">
-                <a16:creationId xmlns:a16="http://schemas.microsoft.com/office/drawing/2014/main" id="{02D5D0D7-1158-5040-B035-11B71C02D831}"/>
+                <a16:creationId xmlns:a16="http://schemas.microsoft.com/office/drawing/2014/main" id="{72C44A9B-F735-B54D-B030-262342A89C97}"/>
               </a:ext>
             </a:extLst>
           </p:cNvPr>
@@ -7263,22 +7470,18 @@
           <a:lstStyle/>
           <a:p>
             <a:r>
-              <a:rPr lang="en-US" dirty="0" err="1"/>
-              <a:t>PyQGIS</a:t>
-            </a:r>
-            <a:r>
-              <a:rPr lang="en-US" dirty="0"/>
-              <a:t> Resources</a:t>
-            </a:r>
-          </a:p>
-        </p:txBody>
-      </p:sp>
-      <p:sp>
-        <p:nvSpPr>
-          <p:cNvPr id="3" name="Content Placeholder 2">
+              <a:rPr lang="en-US" dirty="0"/>
+              <a:t>Section 3</a:t>
+            </a:r>
+          </a:p>
+        </p:txBody>
+      </p:sp>
+      <p:sp>
+        <p:nvSpPr>
+          <p:cNvPr id="3" name="Text Placeholder 2">
             <a:extLst>
               <a:ext uri="{FF2B5EF4-FFF2-40B4-BE49-F238E27FC236}">
-                <a16:creationId xmlns:a16="http://schemas.microsoft.com/office/drawing/2014/main" id="{47BF72F7-AC12-C34D-9C3D-A10E48B80699}"/>
+                <a16:creationId xmlns:a16="http://schemas.microsoft.com/office/drawing/2014/main" id="{6EDE35EF-D7C9-E34F-AC87-E32EE5EAD359}"/>
               </a:ext>
             </a:extLst>
           </p:cNvPr>
@@ -7286,7 +7489,7 @@
             <a:spLocks noGrp="1"/>
           </p:cNvSpPr>
           <p:nvPr>
-            <p:ph idx="1"/>
+            <p:ph type="body" idx="1"/>
           </p:nvPr>
         </p:nvSpPr>
         <p:spPr/>
@@ -7294,87 +7497,7 @@
           <a:bodyPr/>
           <a:lstStyle/>
           <a:p>
-            <a:r>
-              <a:rPr lang="en-US" dirty="0"/>
-              <a:t>Beginner friendly tutorial: </a:t>
-            </a:r>
-            <a:r>
-              <a:rPr lang="en-US" dirty="0">
-                <a:solidFill>
-                  <a:srgbClr val="67AABF"/>
-                </a:solidFill>
-                <a:hlinkClick r:id="rId2"/>
-              </a:rPr>
-              <a:t>https://anitagraser.com/pyqgis-101-introduction-to-qgis-python-programming-for-non-programmers/</a:t>
-            </a:r>
-            <a:endParaRPr lang="en-US" dirty="0">
-              <a:solidFill>
-                <a:srgbClr val="67AABF"/>
-              </a:solidFill>
-            </a:endParaRPr>
-          </a:p>
-          <a:p>
-            <a:r>
-              <a:rPr lang="en-US" dirty="0" err="1"/>
-              <a:t>PyQGIS</a:t>
-            </a:r>
-            <a:r>
-              <a:rPr lang="en-US" dirty="0"/>
-              <a:t> Official Cookbook: </a:t>
-            </a:r>
-            <a:r>
-              <a:rPr lang="en-US" dirty="0">
-                <a:hlinkClick r:id="rId3"/>
-              </a:rPr>
-              <a:t>https://docs.qgis.org/testing/en/docs/pyqgis_developer_cookbook/</a:t>
-            </a:r>
-            <a:endParaRPr lang="en-US" dirty="0"/>
-          </a:p>
-          <a:p>
-            <a:r>
-              <a:rPr lang="en-US" dirty="0"/>
-              <a:t>Learn Python in QGIS in a Day: </a:t>
-            </a:r>
-            <a:r>
-              <a:rPr lang="en-US" dirty="0">
-                <a:hlinkClick r:id="rId4"/>
-              </a:rPr>
-              <a:t>https://</a:t>
-            </a:r>
-            <a:r>
-              <a:rPr lang="en-US" dirty="0" err="1">
-                <a:hlinkClick r:id="rId4"/>
-              </a:rPr>
-              <a:t>courses.spatialthoughts.com</a:t>
-            </a:r>
-            <a:r>
-              <a:rPr lang="en-US" dirty="0">
-                <a:hlinkClick r:id="rId4"/>
-              </a:rPr>
-              <a:t>/</a:t>
-            </a:r>
-            <a:r>
-              <a:rPr lang="en-US" dirty="0" err="1">
-                <a:hlinkClick r:id="rId4"/>
-              </a:rPr>
-              <a:t>pyqgis</a:t>
-            </a:r>
-            <a:r>
-              <a:rPr lang="en-US" dirty="0">
-                <a:hlinkClick r:id="rId4"/>
-              </a:rPr>
-              <a:t>-in-a-</a:t>
-            </a:r>
-            <a:r>
-              <a:rPr lang="en-US" dirty="0" err="1">
-                <a:hlinkClick r:id="rId4"/>
-              </a:rPr>
-              <a:t>day.html</a:t>
-            </a:r>
-            <a:endParaRPr lang="en-US" dirty="0"/>
-          </a:p>
-          <a:p>
-            <a:endParaRPr lang="en-US" dirty="0"/>
+            <a:endParaRPr lang="en-US"/>
           </a:p>
         </p:txBody>
       </p:sp>
@@ -7383,7 +7506,7 @@
           <p:cNvPr id="4" name="Date Placeholder 3">
             <a:extLst>
               <a:ext uri="{FF2B5EF4-FFF2-40B4-BE49-F238E27FC236}">
-                <a16:creationId xmlns:a16="http://schemas.microsoft.com/office/drawing/2014/main" id="{025F5342-3251-0243-AFE7-1920DA878238}"/>
+                <a16:creationId xmlns:a16="http://schemas.microsoft.com/office/drawing/2014/main" id="{2AFA192A-4F71-8E46-87AE-01426B7BE3D6}"/>
               </a:ext>
             </a:extLst>
           </p:cNvPr>
@@ -7399,7 +7522,7 @@
           <a:bodyPr/>
           <a:lstStyle/>
           <a:p>
-            <a:fld id="{0C058645-6F24-9C43-8FC3-443F02031404}" type="datetime1">
+            <a:fld id="{453754D5-8BE9-294A-B481-283E1E39E0CC}" type="datetime1">
               <a:rPr lang="en-US" smtClean="0"/>
               <a:t>8/17/20</a:t>
             </a:fld>
@@ -7412,7 +7535,7 @@
           <p:cNvPr id="5" name="Slide Number Placeholder 4">
             <a:extLst>
               <a:ext uri="{FF2B5EF4-FFF2-40B4-BE49-F238E27FC236}">
-                <a16:creationId xmlns:a16="http://schemas.microsoft.com/office/drawing/2014/main" id="{CEBD24D7-BAC7-294E-9370-BAD2D7800611}"/>
+                <a16:creationId xmlns:a16="http://schemas.microsoft.com/office/drawing/2014/main" id="{34E1838B-A01F-E640-973D-877238FD50EC}"/>
               </a:ext>
             </a:extLst>
           </p:cNvPr>
@@ -7438,45 +7561,10 @@
           </a:p>
         </p:txBody>
       </p:sp>
-      <p:sp>
-        <p:nvSpPr>
-          <p:cNvPr id="6" name="Footer Placeholder 5">
-            <a:extLst>
-              <a:ext uri="{FF2B5EF4-FFF2-40B4-BE49-F238E27FC236}">
-                <a16:creationId xmlns:a16="http://schemas.microsoft.com/office/drawing/2014/main" id="{2B7CD493-98FF-F544-936A-C9D99CE8D3FB}"/>
-              </a:ext>
-            </a:extLst>
-          </p:cNvPr>
-          <p:cNvSpPr>
-            <a:spLocks noGrp="1"/>
-          </p:cNvSpPr>
-          <p:nvPr>
-            <p:ph type="ftr" sz="quarter" idx="3"/>
-          </p:nvPr>
-        </p:nvSpPr>
-        <p:spPr/>
-        <p:txBody>
-          <a:bodyPr/>
-          <a:lstStyle/>
-          <a:p>
-            <a:r>
-              <a:rPr lang="en-US"/>
-              <a:t>UCL GIS for Geoscientists- Session 3- Intermediate GIS</a:t>
-            </a:r>
-          </a:p>
-          <a:p>
-            <a:r>
-              <a:rPr lang="en-US"/>
-              <a:t>Presented by N.D. Barber (Cambridge) ndb38@cam.ac.uk</a:t>
-            </a:r>
-            <a:endParaRPr lang="en-US" dirty="0"/>
-          </a:p>
-        </p:txBody>
-      </p:sp>
     </p:spTree>
     <p:extLst>
       <p:ext uri="{BB962C8B-B14F-4D97-AF65-F5344CB8AC3E}">
-        <p14:creationId xmlns:p14="http://schemas.microsoft.com/office/powerpoint/2010/main" val="3394649118"/>
+        <p14:creationId xmlns:p14="http://schemas.microsoft.com/office/powerpoint/2010/main" val="3836933792"/>
       </p:ext>
     </p:extLst>
   </p:cSld>
@@ -7508,7 +7596,7 @@
           <p:cNvPr id="2" name="Title 1">
             <a:extLst>
               <a:ext uri="{FF2B5EF4-FFF2-40B4-BE49-F238E27FC236}">
-                <a16:creationId xmlns:a16="http://schemas.microsoft.com/office/drawing/2014/main" id="{4892FDEF-BB20-2640-AE33-EF3C356CA4C2}"/>
+                <a16:creationId xmlns:a16="http://schemas.microsoft.com/office/drawing/2014/main" id="{02D5D0D7-1158-5040-B035-11B71C02D831}"/>
               </a:ext>
             </a:extLst>
           </p:cNvPr>
@@ -7525,18 +7613,22 @@
           <a:lstStyle/>
           <a:p>
             <a:r>
-              <a:rPr lang="en-US" dirty="0"/>
-              <a:t>Final Thoughts</a:t>
-            </a:r>
-          </a:p>
-        </p:txBody>
-      </p:sp>
-      <p:sp>
-        <p:nvSpPr>
-          <p:cNvPr id="3" name="Text Placeholder 2">
+              <a:rPr lang="en-US" dirty="0" err="1"/>
+              <a:t>PyQGIS</a:t>
+            </a:r>
+            <a:r>
+              <a:rPr lang="en-US" dirty="0"/>
+              <a:t> Resources</a:t>
+            </a:r>
+          </a:p>
+        </p:txBody>
+      </p:sp>
+      <p:sp>
+        <p:nvSpPr>
+          <p:cNvPr id="3" name="Content Placeholder 2">
             <a:extLst>
               <a:ext uri="{FF2B5EF4-FFF2-40B4-BE49-F238E27FC236}">
-                <a16:creationId xmlns:a16="http://schemas.microsoft.com/office/drawing/2014/main" id="{1B0A57AD-5209-A842-9D75-5F0838EC0D81}"/>
+                <a16:creationId xmlns:a16="http://schemas.microsoft.com/office/drawing/2014/main" id="{47BF72F7-AC12-C34D-9C3D-A10E48B80699}"/>
               </a:ext>
             </a:extLst>
           </p:cNvPr>
@@ -7544,7 +7636,7 @@
             <a:spLocks noGrp="1"/>
           </p:cNvSpPr>
           <p:nvPr>
-            <p:ph type="body" idx="1"/>
+            <p:ph idx="1"/>
           </p:nvPr>
         </p:nvSpPr>
         <p:spPr/>
@@ -7552,7 +7644,87 @@
           <a:bodyPr/>
           <a:lstStyle/>
           <a:p>
-            <a:endParaRPr lang="en-US"/>
+            <a:r>
+              <a:rPr lang="en-US" dirty="0"/>
+              <a:t>Beginner friendly tutorial: </a:t>
+            </a:r>
+            <a:r>
+              <a:rPr lang="en-US" dirty="0">
+                <a:solidFill>
+                  <a:srgbClr val="67AABF"/>
+                </a:solidFill>
+                <a:hlinkClick r:id="rId2"/>
+              </a:rPr>
+              <a:t>https://anitagraser.com/pyqgis-101-introduction-to-qgis-python-programming-for-non-programmers/</a:t>
+            </a:r>
+            <a:endParaRPr lang="en-US" dirty="0">
+              <a:solidFill>
+                <a:srgbClr val="67AABF"/>
+              </a:solidFill>
+            </a:endParaRPr>
+          </a:p>
+          <a:p>
+            <a:r>
+              <a:rPr lang="en-US" dirty="0" err="1"/>
+              <a:t>PyQGIS</a:t>
+            </a:r>
+            <a:r>
+              <a:rPr lang="en-US" dirty="0"/>
+              <a:t> Official Cookbook: </a:t>
+            </a:r>
+            <a:r>
+              <a:rPr lang="en-US" dirty="0">
+                <a:hlinkClick r:id="rId3"/>
+              </a:rPr>
+              <a:t>https://docs.qgis.org/testing/en/docs/pyqgis_developer_cookbook/</a:t>
+            </a:r>
+            <a:endParaRPr lang="en-US" dirty="0"/>
+          </a:p>
+          <a:p>
+            <a:r>
+              <a:rPr lang="en-US" dirty="0"/>
+              <a:t>Learn Python in QGIS in a Day: </a:t>
+            </a:r>
+            <a:r>
+              <a:rPr lang="en-US" dirty="0">
+                <a:hlinkClick r:id="rId4"/>
+              </a:rPr>
+              <a:t>https://</a:t>
+            </a:r>
+            <a:r>
+              <a:rPr lang="en-US" dirty="0" err="1">
+                <a:hlinkClick r:id="rId4"/>
+              </a:rPr>
+              <a:t>courses.spatialthoughts.com</a:t>
+            </a:r>
+            <a:r>
+              <a:rPr lang="en-US" dirty="0">
+                <a:hlinkClick r:id="rId4"/>
+              </a:rPr>
+              <a:t>/</a:t>
+            </a:r>
+            <a:r>
+              <a:rPr lang="en-US" dirty="0" err="1">
+                <a:hlinkClick r:id="rId4"/>
+              </a:rPr>
+              <a:t>pyqgis</a:t>
+            </a:r>
+            <a:r>
+              <a:rPr lang="en-US" dirty="0">
+                <a:hlinkClick r:id="rId4"/>
+              </a:rPr>
+              <a:t>-in-a-</a:t>
+            </a:r>
+            <a:r>
+              <a:rPr lang="en-US" dirty="0" err="1">
+                <a:hlinkClick r:id="rId4"/>
+              </a:rPr>
+              <a:t>day.html</a:t>
+            </a:r>
+            <a:endParaRPr lang="en-US" dirty="0"/>
+          </a:p>
+          <a:p>
+            <a:endParaRPr lang="en-US" dirty="0"/>
           </a:p>
         </p:txBody>
       </p:sp>
@@ -7561,7 +7733,7 @@
           <p:cNvPr id="4" name="Date Placeholder 3">
             <a:extLst>
               <a:ext uri="{FF2B5EF4-FFF2-40B4-BE49-F238E27FC236}">
-                <a16:creationId xmlns:a16="http://schemas.microsoft.com/office/drawing/2014/main" id="{25DC910F-2CF2-7144-BC19-8EBF79413CA9}"/>
+                <a16:creationId xmlns:a16="http://schemas.microsoft.com/office/drawing/2014/main" id="{025F5342-3251-0243-AFE7-1920DA878238}"/>
               </a:ext>
             </a:extLst>
           </p:cNvPr>
@@ -7577,7 +7749,7 @@
           <a:bodyPr/>
           <a:lstStyle/>
           <a:p>
-            <a:fld id="{453754D5-8BE9-294A-B481-283E1E39E0CC}" type="datetime1">
+            <a:fld id="{0C058645-6F24-9C43-8FC3-443F02031404}" type="datetime1">
               <a:rPr lang="en-US" smtClean="0"/>
               <a:t>8/17/20</a:t>
             </a:fld>
@@ -7590,7 +7762,7 @@
           <p:cNvPr id="5" name="Slide Number Placeholder 4">
             <a:extLst>
               <a:ext uri="{FF2B5EF4-FFF2-40B4-BE49-F238E27FC236}">
-                <a16:creationId xmlns:a16="http://schemas.microsoft.com/office/drawing/2014/main" id="{8C0F5160-A52B-134F-8321-172876D7A8F3}"/>
+                <a16:creationId xmlns:a16="http://schemas.microsoft.com/office/drawing/2014/main" id="{CEBD24D7-BAC7-294E-9370-BAD2D7800611}"/>
               </a:ext>
             </a:extLst>
           </p:cNvPr>
@@ -7616,10 +7788,45 @@
           </a:p>
         </p:txBody>
       </p:sp>
+      <p:sp>
+        <p:nvSpPr>
+          <p:cNvPr id="6" name="Footer Placeholder 5">
+            <a:extLst>
+              <a:ext uri="{FF2B5EF4-FFF2-40B4-BE49-F238E27FC236}">
+                <a16:creationId xmlns:a16="http://schemas.microsoft.com/office/drawing/2014/main" id="{2B7CD493-98FF-F544-936A-C9D99CE8D3FB}"/>
+              </a:ext>
+            </a:extLst>
+          </p:cNvPr>
+          <p:cNvSpPr>
+            <a:spLocks noGrp="1"/>
+          </p:cNvSpPr>
+          <p:nvPr>
+            <p:ph type="ftr" sz="quarter" idx="3"/>
+          </p:nvPr>
+        </p:nvSpPr>
+        <p:spPr/>
+        <p:txBody>
+          <a:bodyPr/>
+          <a:lstStyle/>
+          <a:p>
+            <a:r>
+              <a:rPr lang="en-US"/>
+              <a:t>UCL GIS for Geoscientists- Session 3- Intermediate GIS</a:t>
+            </a:r>
+          </a:p>
+          <a:p>
+            <a:r>
+              <a:rPr lang="en-US"/>
+              <a:t>Presented by N.D. Barber (Cambridge) ndb38@cam.ac.uk</a:t>
+            </a:r>
+            <a:endParaRPr lang="en-US" dirty="0"/>
+          </a:p>
+        </p:txBody>
+      </p:sp>
     </p:spTree>
     <p:extLst>
       <p:ext uri="{BB962C8B-B14F-4D97-AF65-F5344CB8AC3E}">
-        <p14:creationId xmlns:p14="http://schemas.microsoft.com/office/powerpoint/2010/main" val="2817827341"/>
+        <p14:creationId xmlns:p14="http://schemas.microsoft.com/office/powerpoint/2010/main" val="3394649118"/>
       </p:ext>
     </p:extLst>
   </p:cSld>
@@ -7651,7 +7858,7 @@
           <p:cNvPr id="2" name="Title 1">
             <a:extLst>
               <a:ext uri="{FF2B5EF4-FFF2-40B4-BE49-F238E27FC236}">
-                <a16:creationId xmlns:a16="http://schemas.microsoft.com/office/drawing/2014/main" id="{F6DD355A-B1DE-394E-A944-0D553C6E4877}"/>
+                <a16:creationId xmlns:a16="http://schemas.microsoft.com/office/drawing/2014/main" id="{4892FDEF-BB20-2640-AE33-EF3C356CA4C2}"/>
               </a:ext>
             </a:extLst>
           </p:cNvPr>
@@ -7669,17 +7876,17 @@
           <a:p>
             <a:r>
               <a:rPr lang="en-US" dirty="0"/>
-              <a:t>My goals at the start:</a:t>
-            </a:r>
-          </a:p>
-        </p:txBody>
-      </p:sp>
-      <p:sp>
-        <p:nvSpPr>
-          <p:cNvPr id="3" name="Content Placeholder 2">
+              <a:t>Final Thoughts</a:t>
+            </a:r>
+          </a:p>
+        </p:txBody>
+      </p:sp>
+      <p:sp>
+        <p:nvSpPr>
+          <p:cNvPr id="3" name="Text Placeholder 2">
             <a:extLst>
               <a:ext uri="{FF2B5EF4-FFF2-40B4-BE49-F238E27FC236}">
-                <a16:creationId xmlns:a16="http://schemas.microsoft.com/office/drawing/2014/main" id="{42D5277B-D6A7-9B46-A1D7-07322D4DC192}"/>
+                <a16:creationId xmlns:a16="http://schemas.microsoft.com/office/drawing/2014/main" id="{1B0A57AD-5209-A842-9D75-5F0838EC0D81}"/>
               </a:ext>
             </a:extLst>
           </p:cNvPr>
@@ -7687,7 +7894,7 @@
             <a:spLocks noGrp="1"/>
           </p:cNvSpPr>
           <p:nvPr>
-            <p:ph idx="1"/>
+            <p:ph type="body" idx="1"/>
           </p:nvPr>
         </p:nvSpPr>
         <p:spPr/>
@@ -7695,47 +7902,7 @@
           <a:bodyPr/>
           <a:lstStyle/>
           <a:p>
-            <a:pPr marL="342900" indent="-342900">
-              <a:buFont typeface="+mj-lt"/>
-              <a:buAutoNum type="arabicPeriod"/>
-            </a:pPr>
-            <a:r>
-              <a:rPr lang="en-US" dirty="0"/>
-              <a:t>Highlight what GIS can do for geoscientists</a:t>
-            </a:r>
-          </a:p>
-          <a:p>
-            <a:pPr marL="342900" indent="-342900">
-              <a:buFont typeface="+mj-lt"/>
-              <a:buAutoNum type="arabicPeriod"/>
-            </a:pPr>
-            <a:r>
-              <a:rPr lang="en-US" dirty="0"/>
-              <a:t>Outline the key principles of a geographic information system</a:t>
-            </a:r>
-          </a:p>
-          <a:p>
-            <a:pPr marL="342900" indent="-342900">
-              <a:buFont typeface="+mj-lt"/>
-              <a:buAutoNum type="arabicPeriod"/>
-            </a:pPr>
-            <a:r>
-              <a:rPr lang="en-US" dirty="0"/>
-              <a:t>Providing a fully guided GIS workflow template</a:t>
-            </a:r>
-          </a:p>
-          <a:p>
-            <a:pPr marL="342900" indent="-342900">
-              <a:buFont typeface="+mj-lt"/>
-              <a:buAutoNum type="arabicPeriod"/>
-            </a:pPr>
-            <a:r>
-              <a:rPr lang="en-US" dirty="0"/>
-              <a:t>Identify key areas of growth for GIS in geoscience research</a:t>
-            </a:r>
-          </a:p>
-          <a:p>
-            <a:endParaRPr lang="en-US" dirty="0"/>
+            <a:endParaRPr lang="en-US"/>
           </a:p>
         </p:txBody>
       </p:sp>
@@ -7744,7 +7911,7 @@
           <p:cNvPr id="4" name="Date Placeholder 3">
             <a:extLst>
               <a:ext uri="{FF2B5EF4-FFF2-40B4-BE49-F238E27FC236}">
-                <a16:creationId xmlns:a16="http://schemas.microsoft.com/office/drawing/2014/main" id="{3663C2EB-62D0-A24B-B39B-D1019AE7D826}"/>
+                <a16:creationId xmlns:a16="http://schemas.microsoft.com/office/drawing/2014/main" id="{25DC910F-2CF2-7144-BC19-8EBF79413CA9}"/>
               </a:ext>
             </a:extLst>
           </p:cNvPr>
@@ -7760,7 +7927,7 @@
           <a:bodyPr/>
           <a:lstStyle/>
           <a:p>
-            <a:fld id="{0C058645-6F24-9C43-8FC3-443F02031404}" type="datetime1">
+            <a:fld id="{453754D5-8BE9-294A-B481-283E1E39E0CC}" type="datetime1">
               <a:rPr lang="en-US" smtClean="0"/>
               <a:t>8/17/20</a:t>
             </a:fld>
@@ -7773,7 +7940,7 @@
           <p:cNvPr id="5" name="Slide Number Placeholder 4">
             <a:extLst>
               <a:ext uri="{FF2B5EF4-FFF2-40B4-BE49-F238E27FC236}">
-                <a16:creationId xmlns:a16="http://schemas.microsoft.com/office/drawing/2014/main" id="{14CB9155-EBFD-674B-B601-817944DEC749}"/>
+                <a16:creationId xmlns:a16="http://schemas.microsoft.com/office/drawing/2014/main" id="{8C0F5160-A52B-134F-8321-172876D7A8F3}"/>
               </a:ext>
             </a:extLst>
           </p:cNvPr>
@@ -7802,7 +7969,7 @@
     </p:spTree>
     <p:extLst>
       <p:ext uri="{BB962C8B-B14F-4D97-AF65-F5344CB8AC3E}">
-        <p14:creationId xmlns:p14="http://schemas.microsoft.com/office/powerpoint/2010/main" val="1198860467"/>
+        <p14:creationId xmlns:p14="http://schemas.microsoft.com/office/powerpoint/2010/main" val="2817827341"/>
       </p:ext>
     </p:extLst>
   </p:cSld>
@@ -7834,6 +8001,189 @@
           <p:cNvPr id="2" name="Title 1">
             <a:extLst>
               <a:ext uri="{FF2B5EF4-FFF2-40B4-BE49-F238E27FC236}">
+                <a16:creationId xmlns:a16="http://schemas.microsoft.com/office/drawing/2014/main" id="{F6DD355A-B1DE-394E-A944-0D553C6E4877}"/>
+              </a:ext>
+            </a:extLst>
+          </p:cNvPr>
+          <p:cNvSpPr>
+            <a:spLocks noGrp="1"/>
+          </p:cNvSpPr>
+          <p:nvPr>
+            <p:ph type="title"/>
+          </p:nvPr>
+        </p:nvSpPr>
+        <p:spPr/>
+        <p:txBody>
+          <a:bodyPr/>
+          <a:lstStyle/>
+          <a:p>
+            <a:r>
+              <a:rPr lang="en-US" dirty="0"/>
+              <a:t>My goals at the start:</a:t>
+            </a:r>
+          </a:p>
+        </p:txBody>
+      </p:sp>
+      <p:sp>
+        <p:nvSpPr>
+          <p:cNvPr id="3" name="Content Placeholder 2">
+            <a:extLst>
+              <a:ext uri="{FF2B5EF4-FFF2-40B4-BE49-F238E27FC236}">
+                <a16:creationId xmlns:a16="http://schemas.microsoft.com/office/drawing/2014/main" id="{42D5277B-D6A7-9B46-A1D7-07322D4DC192}"/>
+              </a:ext>
+            </a:extLst>
+          </p:cNvPr>
+          <p:cNvSpPr>
+            <a:spLocks noGrp="1"/>
+          </p:cNvSpPr>
+          <p:nvPr>
+            <p:ph idx="1"/>
+          </p:nvPr>
+        </p:nvSpPr>
+        <p:spPr/>
+        <p:txBody>
+          <a:bodyPr/>
+          <a:lstStyle/>
+          <a:p>
+            <a:pPr marL="342900" indent="-342900">
+              <a:buFont typeface="+mj-lt"/>
+              <a:buAutoNum type="arabicPeriod"/>
+            </a:pPr>
+            <a:r>
+              <a:rPr lang="en-US" dirty="0"/>
+              <a:t>Highlight what GIS can do for geoscientists</a:t>
+            </a:r>
+          </a:p>
+          <a:p>
+            <a:pPr marL="342900" indent="-342900">
+              <a:buFont typeface="+mj-lt"/>
+              <a:buAutoNum type="arabicPeriod"/>
+            </a:pPr>
+            <a:r>
+              <a:rPr lang="en-US" dirty="0"/>
+              <a:t>Outline the key principles of a geographic information system</a:t>
+            </a:r>
+          </a:p>
+          <a:p>
+            <a:pPr marL="342900" indent="-342900">
+              <a:buFont typeface="+mj-lt"/>
+              <a:buAutoNum type="arabicPeriod"/>
+            </a:pPr>
+            <a:r>
+              <a:rPr lang="en-US" dirty="0"/>
+              <a:t>Providing a fully guided GIS workflow template</a:t>
+            </a:r>
+          </a:p>
+          <a:p>
+            <a:pPr marL="342900" indent="-342900">
+              <a:buFont typeface="+mj-lt"/>
+              <a:buAutoNum type="arabicPeriod"/>
+            </a:pPr>
+            <a:r>
+              <a:rPr lang="en-US" dirty="0"/>
+              <a:t>Identify key areas of growth for GIS in geoscience research</a:t>
+            </a:r>
+          </a:p>
+          <a:p>
+            <a:endParaRPr lang="en-US" dirty="0"/>
+          </a:p>
+        </p:txBody>
+      </p:sp>
+      <p:sp>
+        <p:nvSpPr>
+          <p:cNvPr id="4" name="Date Placeholder 3">
+            <a:extLst>
+              <a:ext uri="{FF2B5EF4-FFF2-40B4-BE49-F238E27FC236}">
+                <a16:creationId xmlns:a16="http://schemas.microsoft.com/office/drawing/2014/main" id="{3663C2EB-62D0-A24B-B39B-D1019AE7D826}"/>
+              </a:ext>
+            </a:extLst>
+          </p:cNvPr>
+          <p:cNvSpPr>
+            <a:spLocks noGrp="1"/>
+          </p:cNvSpPr>
+          <p:nvPr>
+            <p:ph type="dt" sz="half" idx="10"/>
+          </p:nvPr>
+        </p:nvSpPr>
+        <p:spPr/>
+        <p:txBody>
+          <a:bodyPr/>
+          <a:lstStyle/>
+          <a:p>
+            <a:fld id="{0C058645-6F24-9C43-8FC3-443F02031404}" type="datetime1">
+              <a:rPr lang="en-US" smtClean="0"/>
+              <a:t>8/17/20</a:t>
+            </a:fld>
+            <a:endParaRPr lang="en-US" dirty="0"/>
+          </a:p>
+        </p:txBody>
+      </p:sp>
+      <p:sp>
+        <p:nvSpPr>
+          <p:cNvPr id="5" name="Slide Number Placeholder 4">
+            <a:extLst>
+              <a:ext uri="{FF2B5EF4-FFF2-40B4-BE49-F238E27FC236}">
+                <a16:creationId xmlns:a16="http://schemas.microsoft.com/office/drawing/2014/main" id="{14CB9155-EBFD-674B-B601-817944DEC749}"/>
+              </a:ext>
+            </a:extLst>
+          </p:cNvPr>
+          <p:cNvSpPr>
+            <a:spLocks noGrp="1"/>
+          </p:cNvSpPr>
+          <p:nvPr>
+            <p:ph type="sldNum" sz="quarter" idx="12"/>
+          </p:nvPr>
+        </p:nvSpPr>
+        <p:spPr/>
+        <p:txBody>
+          <a:bodyPr>
+            <a:normAutofit lnSpcReduction="10000"/>
+          </a:bodyPr>
+          <a:lstStyle/>
+          <a:p>
+            <a:fld id="{4FAB73BC-B049-4115-A692-8D63A059BFB8}" type="slidenum">
+              <a:rPr lang="en-US" smtClean="0"/>
+              <a:t>15</a:t>
+            </a:fld>
+            <a:endParaRPr lang="en-US" dirty="0"/>
+          </a:p>
+        </p:txBody>
+      </p:sp>
+    </p:spTree>
+    <p:extLst>
+      <p:ext uri="{BB962C8B-B14F-4D97-AF65-F5344CB8AC3E}">
+        <p14:creationId xmlns:p14="http://schemas.microsoft.com/office/powerpoint/2010/main" val="1198860467"/>
+      </p:ext>
+    </p:extLst>
+  </p:cSld>
+  <p:clrMapOvr>
+    <a:masterClrMapping/>
+  </p:clrMapOvr>
+</p:sld>
+</file>
+
+<file path=ppt/slides/slide17.xml><?xml version="1.0" encoding="utf-8"?>
+<p:sld xmlns:a="http://schemas.openxmlformats.org/drawingml/2006/main" xmlns:r="http://schemas.openxmlformats.org/officeDocument/2006/relationships" xmlns:p="http://schemas.openxmlformats.org/presentationml/2006/main">
+  <p:cSld>
+    <p:spTree>
+      <p:nvGrpSpPr>
+        <p:cNvPr id="1" name=""/>
+        <p:cNvGrpSpPr/>
+        <p:nvPr/>
+      </p:nvGrpSpPr>
+      <p:grpSpPr>
+        <a:xfrm>
+          <a:off x="0" y="0"/>
+          <a:ext cx="0" cy="0"/>
+          <a:chOff x="0" y="0"/>
+          <a:chExt cx="0" cy="0"/>
+        </a:xfrm>
+      </p:grpSpPr>
+      <p:sp>
+        <p:nvSpPr>
+          <p:cNvPr id="2" name="Title 1">
+            <a:extLst>
+              <a:ext uri="{FF2B5EF4-FFF2-40B4-BE49-F238E27FC236}">
                 <a16:creationId xmlns:a16="http://schemas.microsoft.com/office/drawing/2014/main" id="{E3F3BBB5-7E9F-D04C-A949-3F643F7AED5A}"/>
               </a:ext>
             </a:extLst>
@@ -7969,7 +8319,7 @@
           <a:p>
             <a:fld id="{4FAB73BC-B049-4115-A692-8D63A059BFB8}" type="slidenum">
               <a:rPr lang="en-US" smtClean="0"/>
-              <a:t>15</a:t>
+              <a:t>16</a:t>
             </a:fld>
             <a:endParaRPr lang="en-US" dirty="0"/>
           </a:p>
@@ -8526,7 +8876,7 @@
           <p:cNvPr id="2" name="Title 1">
             <a:extLst>
               <a:ext uri="{FF2B5EF4-FFF2-40B4-BE49-F238E27FC236}">
-                <a16:creationId xmlns:a16="http://schemas.microsoft.com/office/drawing/2014/main" id="{796FB70C-4F2A-E648-A8B8-801C7B0D9DC7}"/>
+                <a16:creationId xmlns:a16="http://schemas.microsoft.com/office/drawing/2014/main" id="{D702DAE0-CE78-6D4F-B83E-1CE269CCDA44}"/>
               </a:ext>
             </a:extLst>
           </p:cNvPr>
@@ -8544,7 +8894,7 @@
           <a:p>
             <a:r>
               <a:rPr lang="en-US" dirty="0"/>
-              <a:t>Previous Sessions Demonstration:</a:t>
+              <a:t>Notes for Today</a:t>
             </a:r>
           </a:p>
         </p:txBody>
@@ -8554,7 +8904,7 @@
           <p:cNvPr id="3" name="Content Placeholder 2">
             <a:extLst>
               <a:ext uri="{FF2B5EF4-FFF2-40B4-BE49-F238E27FC236}">
-                <a16:creationId xmlns:a16="http://schemas.microsoft.com/office/drawing/2014/main" id="{BB985F6C-414B-6C46-AC13-CE425348F9CE}"/>
+                <a16:creationId xmlns:a16="http://schemas.microsoft.com/office/drawing/2014/main" id="{CE97C9BC-88BC-914F-A032-AFBB2AB8A102}"/>
               </a:ext>
             </a:extLst>
           </p:cNvPr>
@@ -8565,68 +8915,82 @@
             <p:ph idx="1"/>
           </p:nvPr>
         </p:nvSpPr>
-        <p:spPr/>
+        <p:spPr>
+          <a:xfrm>
+            <a:off x="1261872" y="1828800"/>
+            <a:ext cx="4945698" cy="4351337"/>
+          </a:xfrm>
+        </p:spPr>
         <p:txBody>
           <a:bodyPr/>
           <a:lstStyle/>
           <a:p>
             <a:r>
               <a:rPr lang="en-US" dirty="0"/>
-              <a:t>Planning a project</a:t>
-            </a:r>
-          </a:p>
-          <a:p>
-            <a:r>
-              <a:rPr lang="en-US" dirty="0"/>
-              <a:t>Finding Data</a:t>
-            </a:r>
-          </a:p>
-          <a:p>
-            <a:r>
-              <a:rPr lang="en-US" dirty="0"/>
-              <a:t>Defining CRS/PCS</a:t>
-            </a:r>
-          </a:p>
-          <a:p>
-            <a:r>
-              <a:rPr lang="en-US" dirty="0"/>
-              <a:t>Initial Import + Projection </a:t>
-            </a:r>
-          </a:p>
-          <a:p>
-            <a:r>
-              <a:rPr lang="en-US" dirty="0"/>
-              <a:t>Georeferencing Images</a:t>
-            </a:r>
-          </a:p>
-          <a:p>
-            <a:r>
-              <a:rPr lang="en-US" dirty="0"/>
-              <a:t>Tracing </a:t>
+              <a:t>NEWLY FOUND PLUGIN: </a:t>
+            </a:r>
+            <a:r>
+              <a:rPr lang="en-US" dirty="0">
+                <a:hlinkClick r:id="rId2"/>
+              </a:rPr>
+              <a:t>SRTM Downloader</a:t>
+            </a:r>
+            <a:endParaRPr lang="en-US" dirty="0"/>
+          </a:p>
+          <a:p>
+            <a:pPr lvl="1"/>
+            <a:r>
+              <a:rPr lang="en-US" dirty="0"/>
+              <a:t>Need NASA </a:t>
             </a:r>
             <a:r>
               <a:rPr lang="en-US" dirty="0" err="1"/>
-              <a:t>Basemaps</a:t>
-            </a:r>
+              <a:t>EarthData</a:t>
+            </a:r>
+            <a:r>
+              <a:rPr lang="en-US" dirty="0"/>
+              <a:t> Account</a:t>
+            </a:r>
+          </a:p>
+          <a:p>
+            <a:pPr lvl="1"/>
+            <a:r>
+              <a:rPr lang="en-US" dirty="0"/>
+              <a:t>Doesn’t replace USGS Earth Explorer</a:t>
+            </a:r>
+          </a:p>
+          <a:p>
+            <a:pPr marL="0" indent="0">
+              <a:buNone/>
+            </a:pPr>
             <a:endParaRPr lang="en-US" dirty="0"/>
           </a:p>
           <a:p>
             <a:r>
               <a:rPr lang="en-US" dirty="0"/>
-              <a:t>Analysis: Geoprocessing, Statistics, Attributes</a:t>
-            </a:r>
-          </a:p>
-          <a:p>
-            <a:r>
-              <a:rPr lang="en-US" dirty="0"/>
-              <a:t>Visualization and Symbology</a:t>
-            </a:r>
-          </a:p>
-          <a:p>
-            <a:r>
-              <a:rPr lang="en-US" strike="sngStrike" dirty="0"/>
-              <a:t>Layout Design</a:t>
-            </a:r>
+              <a:t>Wednesday 1-1 Tutorial Sessions: Sign Up Open!!</a:t>
+            </a:r>
+          </a:p>
+          <a:p>
+            <a:pPr lvl="1"/>
+            <a:r>
+              <a:rPr lang="en-US" dirty="0"/>
+              <a:t>This course has mainly been me talking – this is the chance for us to interact and for me to help you with any GIS topic that crosses your mind!</a:t>
+            </a:r>
+          </a:p>
+          <a:p>
+            <a:pPr lvl="1"/>
+            <a:r>
+              <a:rPr lang="en-US" dirty="0"/>
+              <a:t>Sign Up Link: </a:t>
+            </a:r>
+            <a:r>
+              <a:rPr lang="en-US" dirty="0">
+                <a:hlinkClick r:id="rId3"/>
+              </a:rPr>
+              <a:t>https://doodle.com/meetme/qc/iFKktdhLst</a:t>
+            </a:r>
+            <a:endParaRPr lang="en-US" dirty="0"/>
           </a:p>
         </p:txBody>
       </p:sp>
@@ -8635,7 +8999,7 @@
           <p:cNvPr id="4" name="Date Placeholder 3">
             <a:extLst>
               <a:ext uri="{FF2B5EF4-FFF2-40B4-BE49-F238E27FC236}">
-                <a16:creationId xmlns:a16="http://schemas.microsoft.com/office/drawing/2014/main" id="{FA219F90-D68F-234F-B195-0CAA751C48C1}"/>
+                <a16:creationId xmlns:a16="http://schemas.microsoft.com/office/drawing/2014/main" id="{5961E080-3C63-3C41-8DC8-53D90BD2A120}"/>
               </a:ext>
             </a:extLst>
           </p:cNvPr>
@@ -8661,10 +9025,10 @@
       </p:sp>
       <p:sp>
         <p:nvSpPr>
-          <p:cNvPr id="6" name="Slide Number Placeholder 5">
+          <p:cNvPr id="5" name="Slide Number Placeholder 4">
             <a:extLst>
               <a:ext uri="{FF2B5EF4-FFF2-40B4-BE49-F238E27FC236}">
-                <a16:creationId xmlns:a16="http://schemas.microsoft.com/office/drawing/2014/main" id="{224DD8CA-8D81-0941-9989-FF65858E75D3}"/>
+                <a16:creationId xmlns:a16="http://schemas.microsoft.com/office/drawing/2014/main" id="{40B24145-4A2B-4D41-87BF-19ADD96E0560}"/>
               </a:ext>
             </a:extLst>
           </p:cNvPr>
@@ -8692,10 +9056,10 @@
       </p:sp>
       <p:sp>
         <p:nvSpPr>
-          <p:cNvPr id="7" name="Footer Placeholder 4">
+          <p:cNvPr id="6" name="Footer Placeholder 5">
             <a:extLst>
               <a:ext uri="{FF2B5EF4-FFF2-40B4-BE49-F238E27FC236}">
-                <a16:creationId xmlns:a16="http://schemas.microsoft.com/office/drawing/2014/main" id="{4806680E-D792-E643-9AAD-FCA4F88B3655}"/>
+                <a16:creationId xmlns:a16="http://schemas.microsoft.com/office/drawing/2014/main" id="{16484A0D-8274-3842-BAAF-9051D816CCC9}"/>
               </a:ext>
             </a:extLst>
           </p:cNvPr>
@@ -8706,45 +9070,59 @@
             <p:ph type="ftr" sz="quarter" idx="3"/>
           </p:nvPr>
         </p:nvSpPr>
+        <p:spPr/>
+        <p:txBody>
+          <a:bodyPr/>
+          <a:lstStyle/>
+          <a:p>
+            <a:r>
+              <a:rPr lang="en-US"/>
+              <a:t>UCL GIS for Geoscientists- Session 3- Intermediate GIS</a:t>
+            </a:r>
+          </a:p>
+          <a:p>
+            <a:r>
+              <a:rPr lang="en-US"/>
+              <a:t>Presented by N.D. Barber (Cambridge) ndb38@cam.ac.uk</a:t>
+            </a:r>
+            <a:endParaRPr lang="en-US" dirty="0"/>
+          </a:p>
+        </p:txBody>
+      </p:sp>
+      <p:pic>
+        <p:nvPicPr>
+          <p:cNvPr id="8" name="Picture 7" descr="A screenshot of a video game&#10;&#10;Description automatically generated">
+            <a:extLst>
+              <a:ext uri="{FF2B5EF4-FFF2-40B4-BE49-F238E27FC236}">
+                <a16:creationId xmlns:a16="http://schemas.microsoft.com/office/drawing/2014/main" id="{5B9FEA42-1711-BB40-923D-F2F6C7CC5D4C}"/>
+              </a:ext>
+            </a:extLst>
+          </p:cNvPr>
+          <p:cNvPicPr>
+            <a:picLocks noChangeAspect="1"/>
+          </p:cNvPicPr>
+          <p:nvPr/>
+        </p:nvPicPr>
+        <p:blipFill>
+          <a:blip r:embed="rId4"/>
+          <a:stretch>
+            <a:fillRect/>
+          </a:stretch>
+        </p:blipFill>
         <p:spPr>
-          <a:xfrm rot="16200000">
-            <a:off x="9390931" y="3548149"/>
-            <a:ext cx="4718224" cy="365125"/>
+          <a:xfrm>
+            <a:off x="6788055" y="1057361"/>
+            <a:ext cx="3924300" cy="5346700"/>
           </a:xfrm>
           <a:prstGeom prst="rect">
             <a:avLst/>
           </a:prstGeom>
         </p:spPr>
-        <p:txBody>
-          <a:bodyPr/>
-          <a:lstStyle>
-            <a:lvl1pPr>
-              <a:defRPr sz="1200">
-                <a:solidFill>
-                  <a:schemeClr val="bg1"/>
-                </a:solidFill>
-                <a:latin typeface="Candara" panose="020E0502030303020204" pitchFamily="34" charset="0"/>
-              </a:defRPr>
-            </a:lvl1pPr>
-          </a:lstStyle>
-          <a:p>
-            <a:r>
-              <a:rPr lang="en-US" dirty="0"/>
-              <a:t>UCL GIS for Geoscientists- Session 3- Intermediate GIS</a:t>
-            </a:r>
-          </a:p>
-          <a:p>
-            <a:r>
-              <a:rPr lang="en-US" dirty="0"/>
-              <a:t>Presented by N.D. Barber (Cambridge) ndb38@cam.ac.uk</a:t>
-            </a:r>
-          </a:p>
-        </p:txBody>
-      </p:sp>
+      </p:pic>
     </p:spTree>
     <p:extLst>
       <p:ext uri="{BB962C8B-B14F-4D97-AF65-F5344CB8AC3E}">
-        <p14:creationId xmlns:p14="http://schemas.microsoft.com/office/powerpoint/2010/main" val="1534045868"/>
+        <p14:creationId xmlns:p14="http://schemas.microsoft.com/office/powerpoint/2010/main" val="528329236"/>
       </p:ext>
     </p:extLst>
   </p:cSld>
@@ -8776,7 +9154,7 @@
           <p:cNvPr id="2" name="Title 1">
             <a:extLst>
               <a:ext uri="{FF2B5EF4-FFF2-40B4-BE49-F238E27FC236}">
-                <a16:creationId xmlns:a16="http://schemas.microsoft.com/office/drawing/2014/main" id="{B6924150-A855-644E-93DD-B1A5C2E76B9B}"/>
+                <a16:creationId xmlns:a16="http://schemas.microsoft.com/office/drawing/2014/main" id="{796FB70C-4F2A-E648-A8B8-801C7B0D9DC7}"/>
               </a:ext>
             </a:extLst>
           </p:cNvPr>
@@ -8794,7 +9172,7 @@
           <a:p>
             <a:r>
               <a:rPr lang="en-US" dirty="0"/>
-              <a:t>Today’s Demonstration</a:t>
+              <a:t>Previous Sessions Demonstration:</a:t>
             </a:r>
           </a:p>
         </p:txBody>
@@ -8804,7 +9182,7 @@
           <p:cNvPr id="3" name="Content Placeholder 2">
             <a:extLst>
               <a:ext uri="{FF2B5EF4-FFF2-40B4-BE49-F238E27FC236}">
-                <a16:creationId xmlns:a16="http://schemas.microsoft.com/office/drawing/2014/main" id="{DAB305CE-FF84-504E-A791-57A99FB1C5BB}"/>
+                <a16:creationId xmlns:a16="http://schemas.microsoft.com/office/drawing/2014/main" id="{BB985F6C-414B-6C46-AC13-CE425348F9CE}"/>
               </a:ext>
             </a:extLst>
           </p:cNvPr>
@@ -8822,49 +9200,60 @@
           <a:p>
             <a:r>
               <a:rPr lang="en-US" dirty="0"/>
-              <a:t>What It Won’t Cover</a:t>
-            </a:r>
-          </a:p>
-          <a:p>
-            <a:pPr lvl="1"/>
-            <a:r>
-              <a:rPr lang="en-US" dirty="0"/>
-              <a:t>Advanced Cartography (layout Manager)</a:t>
-            </a:r>
-          </a:p>
-          <a:p>
-            <a:pPr lvl="1"/>
-            <a:r>
-              <a:rPr lang="en-US" dirty="0"/>
-              <a:t>LANDSAT Mineral Exploration</a:t>
-            </a:r>
-          </a:p>
-          <a:p>
-            <a:pPr lvl="2"/>
-            <a:r>
-              <a:rPr lang="en-US" dirty="0"/>
-              <a:t>Too big a topic to cover in a 2-hour course </a:t>
-            </a:r>
-            <a:r>
-              <a:rPr lang="en-US" dirty="0">
-                <a:sym typeface="Wingdings" pitchFamily="2" charset="2"/>
-              </a:rPr>
-              <a:t> </a:t>
+              <a:t>Planning a project</a:t>
+            </a:r>
+          </a:p>
+          <a:p>
+            <a:r>
+              <a:rPr lang="en-US" dirty="0"/>
+              <a:t>Finding Data</a:t>
+            </a:r>
+          </a:p>
+          <a:p>
+            <a:r>
+              <a:rPr lang="en-US" dirty="0"/>
+              <a:t>Defining CRS/PCS</a:t>
+            </a:r>
+          </a:p>
+          <a:p>
+            <a:r>
+              <a:rPr lang="en-US" dirty="0"/>
+              <a:t>Initial Import + Projection </a:t>
+            </a:r>
+          </a:p>
+          <a:p>
+            <a:r>
+              <a:rPr lang="en-US" dirty="0"/>
+              <a:t>Georeferencing Images</a:t>
+            </a:r>
+          </a:p>
+          <a:p>
+            <a:r>
+              <a:rPr lang="en-US" dirty="0"/>
+              <a:t>Tracing </a:t>
+            </a:r>
+            <a:r>
+              <a:rPr lang="en-US" dirty="0" err="1"/>
+              <a:t>Basemaps</a:t>
             </a:r>
             <a:endParaRPr lang="en-US" dirty="0"/>
           </a:p>
           <a:p>
-            <a:pPr lvl="1"/>
-            <a:r>
-              <a:rPr lang="en-US" dirty="0"/>
-              <a:t>Python in QGIS **in great detail**</a:t>
-            </a:r>
-          </a:p>
-          <a:p>
-            <a:pPr lvl="2"/>
-            <a:r>
-              <a:rPr lang="en-US" dirty="0"/>
-              <a:t>I will show functionality, but once you know the basics, the details are self-explanatory</a:t>
+            <a:r>
+              <a:rPr lang="en-US" dirty="0"/>
+              <a:t>Analysis: Geoprocessing, Statistics, Attributes</a:t>
+            </a:r>
+          </a:p>
+          <a:p>
+            <a:r>
+              <a:rPr lang="en-US" dirty="0"/>
+              <a:t>Visualization and Symbology</a:t>
+            </a:r>
+          </a:p>
+          <a:p>
+            <a:r>
+              <a:rPr lang="en-US" dirty="0"/>
+              <a:t>Layout Design &lt;&lt;&lt;&lt; TODAY</a:t>
             </a:r>
           </a:p>
         </p:txBody>
@@ -8874,7 +9263,7 @@
           <p:cNvPr id="4" name="Date Placeholder 3">
             <a:extLst>
               <a:ext uri="{FF2B5EF4-FFF2-40B4-BE49-F238E27FC236}">
-                <a16:creationId xmlns:a16="http://schemas.microsoft.com/office/drawing/2014/main" id="{9832673E-13E5-EB44-B5EE-749A920CDFC9}"/>
+                <a16:creationId xmlns:a16="http://schemas.microsoft.com/office/drawing/2014/main" id="{FA219F90-D68F-234F-B195-0CAA751C48C1}"/>
               </a:ext>
             </a:extLst>
           </p:cNvPr>
@@ -8903,7 +9292,7 @@
           <p:cNvPr id="6" name="Slide Number Placeholder 5">
             <a:extLst>
               <a:ext uri="{FF2B5EF4-FFF2-40B4-BE49-F238E27FC236}">
-                <a16:creationId xmlns:a16="http://schemas.microsoft.com/office/drawing/2014/main" id="{3A4F7F12-B06E-6549-B7D9-357DB5A064CB}"/>
+                <a16:creationId xmlns:a16="http://schemas.microsoft.com/office/drawing/2014/main" id="{224DD8CA-8D81-0941-9989-FF65858E75D3}"/>
               </a:ext>
             </a:extLst>
           </p:cNvPr>
@@ -8934,7 +9323,7 @@
           <p:cNvPr id="7" name="Footer Placeholder 4">
             <a:extLst>
               <a:ext uri="{FF2B5EF4-FFF2-40B4-BE49-F238E27FC236}">
-                <a16:creationId xmlns:a16="http://schemas.microsoft.com/office/drawing/2014/main" id="{E1C3E264-5FCA-4648-94F5-032D2AC9D90B}"/>
+                <a16:creationId xmlns:a16="http://schemas.microsoft.com/office/drawing/2014/main" id="{4806680E-D792-E643-9AAD-FCA4F88B3655}"/>
               </a:ext>
             </a:extLst>
           </p:cNvPr>
@@ -8983,7 +9372,7 @@
     </p:spTree>
     <p:extLst>
       <p:ext uri="{BB962C8B-B14F-4D97-AF65-F5344CB8AC3E}">
-        <p14:creationId xmlns:p14="http://schemas.microsoft.com/office/powerpoint/2010/main" val="3982107366"/>
+        <p14:creationId xmlns:p14="http://schemas.microsoft.com/office/powerpoint/2010/main" val="1534045868"/>
       </p:ext>
     </p:extLst>
   </p:cSld>
@@ -9056,9 +9445,7 @@
         </p:nvSpPr>
         <p:spPr/>
         <p:txBody>
-          <a:bodyPr>
-            <a:normAutofit fontScale="92500" lnSpcReduction="10000"/>
-          </a:bodyPr>
+          <a:bodyPr/>
           <a:lstStyle/>
           <a:p>
             <a:r>
@@ -9077,114 +9464,36 @@
             <a:pPr lvl="1"/>
             <a:r>
               <a:rPr lang="en-US" dirty="0"/>
-              <a:t>LANDSAT Mineral </a:t>
-            </a:r>
-            <a:r>
-              <a:rPr lang="en-US" dirty="0" err="1"/>
-              <a:t>Epxloration</a:t>
+              <a:t>LANDSAT Mineral Exploration</a:t>
+            </a:r>
+          </a:p>
+          <a:p>
+            <a:pPr lvl="2"/>
+            <a:r>
+              <a:rPr lang="en-US" dirty="0"/>
+              <a:t>Too big a topic to cover in a 2-hour course </a:t>
+            </a:r>
+            <a:r>
+              <a:rPr lang="en-US" dirty="0">
+                <a:sym typeface="Wingdings" pitchFamily="2" charset="2"/>
+              </a:rPr>
+              <a:t> </a:t>
             </a:r>
             <a:endParaRPr lang="en-US" dirty="0"/>
           </a:p>
           <a:p>
+            <a:pPr lvl="1"/>
+            <a:r>
+              <a:rPr lang="en-US" dirty="0"/>
+              <a:t>Python in QGIS **in great detail**</a:t>
+            </a:r>
+          </a:p>
+          <a:p>
             <a:pPr lvl="2"/>
             <a:r>
               <a:rPr lang="en-US" dirty="0"/>
-              <a:t>Too big a topic to cover in a 2 hour course</a:t>
-            </a:r>
-          </a:p>
-          <a:p>
-            <a:pPr lvl="1"/>
-            <a:r>
-              <a:rPr lang="en-US" dirty="0"/>
-              <a:t>Python in QGIS **in great detail**</a:t>
-            </a:r>
-          </a:p>
-          <a:p>
-            <a:pPr lvl="2"/>
-            <a:r>
-              <a:rPr lang="en-US" dirty="0"/>
               <a:t>I will show functionality, but once you know the basics, the details are self-explanatory</a:t>
             </a:r>
-          </a:p>
-          <a:p>
-            <a:r>
-              <a:rPr lang="en-US" dirty="0"/>
-              <a:t>What It Will Cover</a:t>
-            </a:r>
-          </a:p>
-          <a:p>
-            <a:pPr lvl="1"/>
-            <a:r>
-              <a:rPr lang="en-US" i="1" dirty="0"/>
-              <a:t>**Layout Management and Map Creation**</a:t>
-            </a:r>
-          </a:p>
-          <a:p>
-            <a:pPr lvl="1"/>
-            <a:r>
-              <a:rPr lang="en-US" dirty="0"/>
-              <a:t>Multiple Data Types Handling/Conversion</a:t>
-            </a:r>
-          </a:p>
-          <a:p>
-            <a:pPr lvl="1"/>
-            <a:r>
-              <a:rPr lang="en-US" dirty="0"/>
-              <a:t>CSV + Raster Manipulation</a:t>
-            </a:r>
-          </a:p>
-          <a:p>
-            <a:pPr lvl="1"/>
-            <a:r>
-              <a:rPr lang="en-US" dirty="0" err="1"/>
-              <a:t>Geostatistics</a:t>
-            </a:r>
-            <a:endParaRPr lang="en-US" dirty="0"/>
-          </a:p>
-          <a:p>
-            <a:pPr lvl="1"/>
-            <a:r>
-              <a:rPr lang="en-US" dirty="0"/>
-              <a:t>Raster Statistics + Zonal Statistics</a:t>
-            </a:r>
-          </a:p>
-          <a:p>
-            <a:pPr lvl="1"/>
-            <a:r>
-              <a:rPr lang="en-US" dirty="0"/>
-              <a:t>Advanced Formatting + Symbology</a:t>
-            </a:r>
-          </a:p>
-          <a:p>
-            <a:pPr lvl="1"/>
-            <a:r>
-              <a:rPr lang="en-US" dirty="0"/>
-              <a:t>DEM Visualization</a:t>
-            </a:r>
-          </a:p>
-          <a:p>
-            <a:pPr lvl="1"/>
-            <a:r>
-              <a:rPr lang="en-US" dirty="0"/>
-              <a:t>Web Database Connections</a:t>
-            </a:r>
-          </a:p>
-          <a:p>
-            <a:pPr lvl="1"/>
-            <a:r>
-              <a:rPr lang="en-US" dirty="0"/>
-              <a:t>Basics of Python in QGIS</a:t>
-            </a:r>
-          </a:p>
-          <a:p>
-            <a:pPr lvl="2"/>
-            <a:endParaRPr lang="en-US" dirty="0"/>
-          </a:p>
-          <a:p>
-            <a:pPr marL="548640" lvl="2" indent="0">
-              <a:buNone/>
-            </a:pPr>
-            <a:endParaRPr lang="en-US" dirty="0"/>
           </a:p>
         </p:txBody>
       </p:sp>
@@ -9253,7 +9562,7 @@
           <p:cNvPr id="7" name="Footer Placeholder 4">
             <a:extLst>
               <a:ext uri="{FF2B5EF4-FFF2-40B4-BE49-F238E27FC236}">
-                <a16:creationId xmlns:a16="http://schemas.microsoft.com/office/drawing/2014/main" id="{02C3649A-5040-F04B-A726-FEA28F3C30FF}"/>
+                <a16:creationId xmlns:a16="http://schemas.microsoft.com/office/drawing/2014/main" id="{E1C3E264-5FCA-4648-94F5-032D2AC9D90B}"/>
               </a:ext>
             </a:extLst>
           </p:cNvPr>
@@ -9302,7 +9611,7 @@
     </p:spTree>
     <p:extLst>
       <p:ext uri="{BB962C8B-B14F-4D97-AF65-F5344CB8AC3E}">
-        <p14:creationId xmlns:p14="http://schemas.microsoft.com/office/powerpoint/2010/main" val="1109333282"/>
+        <p14:creationId xmlns:p14="http://schemas.microsoft.com/office/powerpoint/2010/main" val="3982107366"/>
       </p:ext>
     </p:extLst>
   </p:cSld>
@@ -9334,7 +9643,7 @@
           <p:cNvPr id="2" name="Title 1">
             <a:extLst>
               <a:ext uri="{FF2B5EF4-FFF2-40B4-BE49-F238E27FC236}">
-                <a16:creationId xmlns:a16="http://schemas.microsoft.com/office/drawing/2014/main" id="{59A8B2AC-352B-8F4A-9D7A-6C546DE1107B}"/>
+                <a16:creationId xmlns:a16="http://schemas.microsoft.com/office/drawing/2014/main" id="{B6924150-A855-644E-93DD-B1A5C2E76B9B}"/>
               </a:ext>
             </a:extLst>
           </p:cNvPr>
@@ -9352,15 +9661,158 @@
           <a:p>
             <a:r>
               <a:rPr lang="en-US" dirty="0"/>
-              <a:t>Finishing Up From Session 2: </a:t>
-            </a:r>
-            <a:br>
-              <a:rPr lang="en-US" dirty="0"/>
-            </a:br>
-            <a:r>
-              <a:rPr lang="en-US" dirty="0"/>
-              <a:t>Layout</a:t>
-            </a:r>
+              <a:t>Today’s Demonstration</a:t>
+            </a:r>
+          </a:p>
+        </p:txBody>
+      </p:sp>
+      <p:sp>
+        <p:nvSpPr>
+          <p:cNvPr id="3" name="Content Placeholder 2">
+            <a:extLst>
+              <a:ext uri="{FF2B5EF4-FFF2-40B4-BE49-F238E27FC236}">
+                <a16:creationId xmlns:a16="http://schemas.microsoft.com/office/drawing/2014/main" id="{DAB305CE-FF84-504E-A791-57A99FB1C5BB}"/>
+              </a:ext>
+            </a:extLst>
+          </p:cNvPr>
+          <p:cNvSpPr>
+            <a:spLocks noGrp="1"/>
+          </p:cNvSpPr>
+          <p:nvPr>
+            <p:ph idx="1"/>
+          </p:nvPr>
+        </p:nvSpPr>
+        <p:spPr/>
+        <p:txBody>
+          <a:bodyPr>
+            <a:normAutofit fontScale="92500" lnSpcReduction="10000"/>
+          </a:bodyPr>
+          <a:lstStyle/>
+          <a:p>
+            <a:r>
+              <a:rPr lang="en-US" dirty="0"/>
+              <a:t>What It Won’t Cover</a:t>
+            </a:r>
+          </a:p>
+          <a:p>
+            <a:pPr lvl="1"/>
+            <a:r>
+              <a:rPr lang="en-US" dirty="0"/>
+              <a:t>Advanced Cartography (layout Manager)</a:t>
+            </a:r>
+          </a:p>
+          <a:p>
+            <a:pPr lvl="1"/>
+            <a:r>
+              <a:rPr lang="en-US" dirty="0"/>
+              <a:t>LANDSAT Mineral </a:t>
+            </a:r>
+            <a:r>
+              <a:rPr lang="en-US" dirty="0" err="1"/>
+              <a:t>Epxloration</a:t>
+            </a:r>
+            <a:endParaRPr lang="en-US" dirty="0"/>
+          </a:p>
+          <a:p>
+            <a:pPr lvl="2"/>
+            <a:r>
+              <a:rPr lang="en-US" dirty="0"/>
+              <a:t>Too big a topic to cover in a 2 hour course</a:t>
+            </a:r>
+          </a:p>
+          <a:p>
+            <a:pPr lvl="1"/>
+            <a:r>
+              <a:rPr lang="en-US" dirty="0"/>
+              <a:t>Python in QGIS **in great detail**</a:t>
+            </a:r>
+          </a:p>
+          <a:p>
+            <a:pPr lvl="2"/>
+            <a:r>
+              <a:rPr lang="en-US" dirty="0"/>
+              <a:t>I will show functionality, but once you know the basics, the details are self-explanatory</a:t>
+            </a:r>
+          </a:p>
+          <a:p>
+            <a:r>
+              <a:rPr lang="en-US" dirty="0"/>
+              <a:t>What It Will Cover</a:t>
+            </a:r>
+          </a:p>
+          <a:p>
+            <a:pPr lvl="1"/>
+            <a:r>
+              <a:rPr lang="en-US" i="1" dirty="0"/>
+              <a:t>**Layout Management and Map Creation**</a:t>
+            </a:r>
+          </a:p>
+          <a:p>
+            <a:pPr lvl="1"/>
+            <a:r>
+              <a:rPr lang="en-US" dirty="0"/>
+              <a:t>Multiple Data Types Handling/Conversion</a:t>
+            </a:r>
+          </a:p>
+          <a:p>
+            <a:pPr lvl="1"/>
+            <a:r>
+              <a:rPr lang="en-US" dirty="0"/>
+              <a:t>CSV + Raster Manipulation</a:t>
+            </a:r>
+          </a:p>
+          <a:p>
+            <a:pPr lvl="1"/>
+            <a:r>
+              <a:rPr lang="en-US" dirty="0" err="1"/>
+              <a:t>Geostatistics</a:t>
+            </a:r>
+            <a:endParaRPr lang="en-US" dirty="0"/>
+          </a:p>
+          <a:p>
+            <a:pPr lvl="1"/>
+            <a:r>
+              <a:rPr lang="en-US" dirty="0"/>
+              <a:t>Raster Statistics + Zonal Statistics</a:t>
+            </a:r>
+          </a:p>
+          <a:p>
+            <a:pPr lvl="1"/>
+            <a:r>
+              <a:rPr lang="en-US" dirty="0"/>
+              <a:t>Advanced Formatting + Symbology</a:t>
+            </a:r>
+          </a:p>
+          <a:p>
+            <a:pPr lvl="1"/>
+            <a:r>
+              <a:rPr lang="en-US" dirty="0"/>
+              <a:t>DEM Visualization</a:t>
+            </a:r>
+          </a:p>
+          <a:p>
+            <a:pPr lvl="1"/>
+            <a:r>
+              <a:rPr lang="en-US" dirty="0"/>
+              <a:t>Web Database Connections</a:t>
+            </a:r>
+          </a:p>
+          <a:p>
+            <a:pPr lvl="1"/>
+            <a:r>
+              <a:rPr lang="en-US" dirty="0"/>
+              <a:t>Basics of Python in QGIS</a:t>
+            </a:r>
+          </a:p>
+          <a:p>
+            <a:pPr lvl="2"/>
+            <a:endParaRPr lang="en-US" dirty="0"/>
+          </a:p>
+          <a:p>
+            <a:pPr marL="548640" lvl="2" indent="0">
+              <a:buNone/>
+            </a:pPr>
+            <a:endParaRPr lang="en-US" dirty="0"/>
           </a:p>
         </p:txBody>
       </p:sp>
@@ -9369,7 +9821,7 @@
           <p:cNvPr id="4" name="Date Placeholder 3">
             <a:extLst>
               <a:ext uri="{FF2B5EF4-FFF2-40B4-BE49-F238E27FC236}">
-                <a16:creationId xmlns:a16="http://schemas.microsoft.com/office/drawing/2014/main" id="{7DA4649F-889A-6546-8E0B-F5FD3539BC5C}"/>
+                <a16:creationId xmlns:a16="http://schemas.microsoft.com/office/drawing/2014/main" id="{9832673E-13E5-EB44-B5EE-749A920CDFC9}"/>
               </a:ext>
             </a:extLst>
           </p:cNvPr>
@@ -9395,10 +9847,10 @@
       </p:sp>
       <p:sp>
         <p:nvSpPr>
-          <p:cNvPr id="5" name="Slide Number Placeholder 4">
+          <p:cNvPr id="6" name="Slide Number Placeholder 5">
             <a:extLst>
               <a:ext uri="{FF2B5EF4-FFF2-40B4-BE49-F238E27FC236}">
-                <a16:creationId xmlns:a16="http://schemas.microsoft.com/office/drawing/2014/main" id="{F9504AF3-27B4-6B4E-83B8-B4BC988C5459}"/>
+                <a16:creationId xmlns:a16="http://schemas.microsoft.com/office/drawing/2014/main" id="{3A4F7F12-B06E-6549-B7D9-357DB5A064CB}"/>
               </a:ext>
             </a:extLst>
           </p:cNvPr>
@@ -9426,10 +9878,10 @@
       </p:sp>
       <p:sp>
         <p:nvSpPr>
-          <p:cNvPr id="6" name="Footer Placeholder 5">
+          <p:cNvPr id="7" name="Footer Placeholder 4">
             <a:extLst>
               <a:ext uri="{FF2B5EF4-FFF2-40B4-BE49-F238E27FC236}">
-                <a16:creationId xmlns:a16="http://schemas.microsoft.com/office/drawing/2014/main" id="{55D0A802-D94A-6140-A981-75D69F6B41BB}"/>
+                <a16:creationId xmlns:a16="http://schemas.microsoft.com/office/drawing/2014/main" id="{02C3649A-5040-F04B-A726-FEA28F3C30FF}"/>
               </a:ext>
             </a:extLst>
           </p:cNvPr>
@@ -9440,144 +9892,37 @@
             <p:ph type="ftr" sz="quarter" idx="3"/>
           </p:nvPr>
         </p:nvSpPr>
-        <p:spPr/>
+        <p:spPr>
+          <a:xfrm rot="16200000">
+            <a:off x="9390931" y="3548149"/>
+            <a:ext cx="4718224" cy="365125"/>
+          </a:xfrm>
+          <a:prstGeom prst="rect">
+            <a:avLst/>
+          </a:prstGeom>
+        </p:spPr>
         <p:txBody>
           <a:bodyPr/>
-          <a:lstStyle/>
-          <a:p>
-            <a:r>
-              <a:rPr lang="en-US"/>
+          <a:lstStyle>
+            <a:lvl1pPr>
+              <a:defRPr sz="1200">
+                <a:solidFill>
+                  <a:schemeClr val="bg1"/>
+                </a:solidFill>
+                <a:latin typeface="Candara" panose="020E0502030303020204" pitchFamily="34" charset="0"/>
+              </a:defRPr>
+            </a:lvl1pPr>
+          </a:lstStyle>
+          <a:p>
+            <a:r>
+              <a:rPr lang="en-US" dirty="0"/>
               <a:t>UCL GIS for Geoscientists- Session 3- Intermediate GIS</a:t>
             </a:r>
           </a:p>
           <a:p>
             <a:r>
-              <a:rPr lang="en-US"/>
+              <a:rPr lang="en-US" dirty="0"/>
               <a:t>Presented by N.D. Barber (Cambridge) ndb38@cam.ac.uk</a:t>
-            </a:r>
-            <a:endParaRPr lang="en-US" dirty="0"/>
-          </a:p>
-        </p:txBody>
-      </p:sp>
-      <p:sp>
-        <p:nvSpPr>
-          <p:cNvPr id="7" name="Content Placeholder 2">
-            <a:extLst>
-              <a:ext uri="{FF2B5EF4-FFF2-40B4-BE49-F238E27FC236}">
-                <a16:creationId xmlns:a16="http://schemas.microsoft.com/office/drawing/2014/main" id="{C5D51057-382C-7D44-8954-98B01AFB2D75}"/>
-              </a:ext>
-            </a:extLst>
-          </p:cNvPr>
-          <p:cNvSpPr>
-            <a:spLocks noGrp="1"/>
-          </p:cNvSpPr>
-          <p:nvPr>
-            <p:ph idx="1"/>
-          </p:nvPr>
-        </p:nvSpPr>
-        <p:spPr>
-          <a:xfrm>
-            <a:off x="1261872" y="1828800"/>
-            <a:ext cx="8595360" cy="4351337"/>
-          </a:xfrm>
-        </p:spPr>
-        <p:txBody>
-          <a:bodyPr/>
-          <a:lstStyle/>
-          <a:p>
-            <a:r>
-              <a:rPr lang="en-US" dirty="0"/>
-              <a:t>Elements we want:</a:t>
-            </a:r>
-          </a:p>
-          <a:p>
-            <a:pPr lvl="1"/>
-            <a:r>
-              <a:rPr lang="en-US" dirty="0"/>
-              <a:t>Main Map</a:t>
-            </a:r>
-          </a:p>
-          <a:p>
-            <a:pPr lvl="1"/>
-            <a:r>
-              <a:rPr lang="en-US" dirty="0"/>
-              <a:t>Regional Inset Map</a:t>
-            </a:r>
-          </a:p>
-          <a:p>
-            <a:pPr lvl="1"/>
-            <a:r>
-              <a:rPr lang="en-US" dirty="0"/>
-              <a:t>Legend</a:t>
-            </a:r>
-          </a:p>
-          <a:p>
-            <a:pPr lvl="1"/>
-            <a:r>
-              <a:rPr lang="en-US" dirty="0"/>
-              <a:t>North Arrow</a:t>
-            </a:r>
-          </a:p>
-          <a:p>
-            <a:pPr lvl="1"/>
-            <a:r>
-              <a:rPr lang="en-US" dirty="0"/>
-              <a:t>Scale bar</a:t>
-            </a:r>
-          </a:p>
-          <a:p>
-            <a:pPr lvl="1"/>
-            <a:r>
-              <a:rPr lang="en-US" dirty="0"/>
-              <a:t>Grid</a:t>
-            </a:r>
-          </a:p>
-          <a:p>
-            <a:pPr lvl="1"/>
-            <a:r>
-              <a:rPr lang="en-US" dirty="0"/>
-              <a:t>Labels for important features</a:t>
-            </a:r>
-          </a:p>
-          <a:p>
-            <a:pPr lvl="1"/>
-            <a:r>
-              <a:rPr lang="en-US" dirty="0"/>
-              <a:t>Text box summarizing findings</a:t>
-            </a:r>
-          </a:p>
-          <a:p>
-            <a:r>
-              <a:rPr lang="en-US" dirty="0"/>
-              <a:t>Thigs to keep in mind:</a:t>
-            </a:r>
-          </a:p>
-          <a:p>
-            <a:pPr lvl="1"/>
-            <a:r>
-              <a:rPr lang="en-US" dirty="0"/>
-              <a:t>Map Scale</a:t>
-            </a:r>
-          </a:p>
-          <a:p>
-            <a:pPr lvl="1"/>
-            <a:r>
-              <a:rPr lang="en-US" dirty="0"/>
-              <a:t>Locking of display</a:t>
-            </a:r>
-          </a:p>
-          <a:p>
-            <a:pPr lvl="1"/>
-            <a:r>
-              <a:rPr lang="en-US" dirty="0"/>
-              <a:t>Legend items</a:t>
-            </a:r>
-          </a:p>
-          <a:p>
-            <a:pPr lvl="1"/>
-            <a:r>
-              <a:rPr lang="en-US" dirty="0"/>
-              <a:t>Aesthetic value</a:t>
             </a:r>
           </a:p>
         </p:txBody>
@@ -9585,7 +9930,7 @@
     </p:spTree>
     <p:extLst>
       <p:ext uri="{BB962C8B-B14F-4D97-AF65-F5344CB8AC3E}">
-        <p14:creationId xmlns:p14="http://schemas.microsoft.com/office/powerpoint/2010/main" val="2959314020"/>
+        <p14:creationId xmlns:p14="http://schemas.microsoft.com/office/powerpoint/2010/main" val="1109333282"/>
       </p:ext>
     </p:extLst>
   </p:cSld>
@@ -9617,6 +9962,289 @@
           <p:cNvPr id="2" name="Title 1">
             <a:extLst>
               <a:ext uri="{FF2B5EF4-FFF2-40B4-BE49-F238E27FC236}">
+                <a16:creationId xmlns:a16="http://schemas.microsoft.com/office/drawing/2014/main" id="{59A8B2AC-352B-8F4A-9D7A-6C546DE1107B}"/>
+              </a:ext>
+            </a:extLst>
+          </p:cNvPr>
+          <p:cNvSpPr>
+            <a:spLocks noGrp="1"/>
+          </p:cNvSpPr>
+          <p:nvPr>
+            <p:ph type="title"/>
+          </p:nvPr>
+        </p:nvSpPr>
+        <p:spPr/>
+        <p:txBody>
+          <a:bodyPr/>
+          <a:lstStyle/>
+          <a:p>
+            <a:r>
+              <a:rPr lang="en-US" dirty="0"/>
+              <a:t>Finishing Up From Session 2: </a:t>
+            </a:r>
+            <a:br>
+              <a:rPr lang="en-US" dirty="0"/>
+            </a:br>
+            <a:r>
+              <a:rPr lang="en-US" dirty="0"/>
+              <a:t>Layout</a:t>
+            </a:r>
+          </a:p>
+        </p:txBody>
+      </p:sp>
+      <p:sp>
+        <p:nvSpPr>
+          <p:cNvPr id="4" name="Date Placeholder 3">
+            <a:extLst>
+              <a:ext uri="{FF2B5EF4-FFF2-40B4-BE49-F238E27FC236}">
+                <a16:creationId xmlns:a16="http://schemas.microsoft.com/office/drawing/2014/main" id="{7DA4649F-889A-6546-8E0B-F5FD3539BC5C}"/>
+              </a:ext>
+            </a:extLst>
+          </p:cNvPr>
+          <p:cNvSpPr>
+            <a:spLocks noGrp="1"/>
+          </p:cNvSpPr>
+          <p:nvPr>
+            <p:ph type="dt" sz="half" idx="10"/>
+          </p:nvPr>
+        </p:nvSpPr>
+        <p:spPr/>
+        <p:txBody>
+          <a:bodyPr/>
+          <a:lstStyle/>
+          <a:p>
+            <a:fld id="{0C058645-6F24-9C43-8FC3-443F02031404}" type="datetime1">
+              <a:rPr lang="en-US" smtClean="0"/>
+              <a:t>8/17/20</a:t>
+            </a:fld>
+            <a:endParaRPr lang="en-US" dirty="0"/>
+          </a:p>
+        </p:txBody>
+      </p:sp>
+      <p:sp>
+        <p:nvSpPr>
+          <p:cNvPr id="5" name="Slide Number Placeholder 4">
+            <a:extLst>
+              <a:ext uri="{FF2B5EF4-FFF2-40B4-BE49-F238E27FC236}">
+                <a16:creationId xmlns:a16="http://schemas.microsoft.com/office/drawing/2014/main" id="{F9504AF3-27B4-6B4E-83B8-B4BC988C5459}"/>
+              </a:ext>
+            </a:extLst>
+          </p:cNvPr>
+          <p:cNvSpPr>
+            <a:spLocks noGrp="1"/>
+          </p:cNvSpPr>
+          <p:nvPr>
+            <p:ph type="sldNum" sz="quarter" idx="12"/>
+          </p:nvPr>
+        </p:nvSpPr>
+        <p:spPr/>
+        <p:txBody>
+          <a:bodyPr>
+            <a:normAutofit lnSpcReduction="10000"/>
+          </a:bodyPr>
+          <a:lstStyle/>
+          <a:p>
+            <a:fld id="{4FAB73BC-B049-4115-A692-8D63A059BFB8}" type="slidenum">
+              <a:rPr lang="en-US" smtClean="0"/>
+              <a:t>6</a:t>
+            </a:fld>
+            <a:endParaRPr lang="en-US" dirty="0"/>
+          </a:p>
+        </p:txBody>
+      </p:sp>
+      <p:sp>
+        <p:nvSpPr>
+          <p:cNvPr id="6" name="Footer Placeholder 5">
+            <a:extLst>
+              <a:ext uri="{FF2B5EF4-FFF2-40B4-BE49-F238E27FC236}">
+                <a16:creationId xmlns:a16="http://schemas.microsoft.com/office/drawing/2014/main" id="{55D0A802-D94A-6140-A981-75D69F6B41BB}"/>
+              </a:ext>
+            </a:extLst>
+          </p:cNvPr>
+          <p:cNvSpPr>
+            <a:spLocks noGrp="1"/>
+          </p:cNvSpPr>
+          <p:nvPr>
+            <p:ph type="ftr" sz="quarter" idx="3"/>
+          </p:nvPr>
+        </p:nvSpPr>
+        <p:spPr/>
+        <p:txBody>
+          <a:bodyPr/>
+          <a:lstStyle/>
+          <a:p>
+            <a:r>
+              <a:rPr lang="en-US"/>
+              <a:t>UCL GIS for Geoscientists- Session 3- Intermediate GIS</a:t>
+            </a:r>
+          </a:p>
+          <a:p>
+            <a:r>
+              <a:rPr lang="en-US"/>
+              <a:t>Presented by N.D. Barber (Cambridge) ndb38@cam.ac.uk</a:t>
+            </a:r>
+            <a:endParaRPr lang="en-US" dirty="0"/>
+          </a:p>
+        </p:txBody>
+      </p:sp>
+      <p:sp>
+        <p:nvSpPr>
+          <p:cNvPr id="7" name="Content Placeholder 2">
+            <a:extLst>
+              <a:ext uri="{FF2B5EF4-FFF2-40B4-BE49-F238E27FC236}">
+                <a16:creationId xmlns:a16="http://schemas.microsoft.com/office/drawing/2014/main" id="{C5D51057-382C-7D44-8954-98B01AFB2D75}"/>
+              </a:ext>
+            </a:extLst>
+          </p:cNvPr>
+          <p:cNvSpPr>
+            <a:spLocks noGrp="1"/>
+          </p:cNvSpPr>
+          <p:nvPr>
+            <p:ph idx="1"/>
+          </p:nvPr>
+        </p:nvSpPr>
+        <p:spPr>
+          <a:xfrm>
+            <a:off x="1261872" y="1828800"/>
+            <a:ext cx="8595360" cy="4351337"/>
+          </a:xfrm>
+        </p:spPr>
+        <p:txBody>
+          <a:bodyPr/>
+          <a:lstStyle/>
+          <a:p>
+            <a:r>
+              <a:rPr lang="en-US" dirty="0"/>
+              <a:t>Elements we want:</a:t>
+            </a:r>
+          </a:p>
+          <a:p>
+            <a:pPr lvl="1"/>
+            <a:r>
+              <a:rPr lang="en-US" dirty="0"/>
+              <a:t>Main Map</a:t>
+            </a:r>
+          </a:p>
+          <a:p>
+            <a:pPr lvl="1"/>
+            <a:r>
+              <a:rPr lang="en-US" dirty="0"/>
+              <a:t>Regional Inset Map</a:t>
+            </a:r>
+          </a:p>
+          <a:p>
+            <a:pPr lvl="1"/>
+            <a:r>
+              <a:rPr lang="en-US" dirty="0"/>
+              <a:t>Legend</a:t>
+            </a:r>
+          </a:p>
+          <a:p>
+            <a:pPr lvl="1"/>
+            <a:r>
+              <a:rPr lang="en-US" dirty="0"/>
+              <a:t>North Arrow</a:t>
+            </a:r>
+          </a:p>
+          <a:p>
+            <a:pPr lvl="1"/>
+            <a:r>
+              <a:rPr lang="en-US" dirty="0"/>
+              <a:t>Scale bar</a:t>
+            </a:r>
+          </a:p>
+          <a:p>
+            <a:pPr lvl="1"/>
+            <a:r>
+              <a:rPr lang="en-US" dirty="0"/>
+              <a:t>Grid</a:t>
+            </a:r>
+          </a:p>
+          <a:p>
+            <a:pPr lvl="1"/>
+            <a:r>
+              <a:rPr lang="en-US" dirty="0"/>
+              <a:t>Labels for important features</a:t>
+            </a:r>
+          </a:p>
+          <a:p>
+            <a:pPr lvl="1"/>
+            <a:r>
+              <a:rPr lang="en-US" dirty="0"/>
+              <a:t>Text box summarizing findings</a:t>
+            </a:r>
+          </a:p>
+          <a:p>
+            <a:r>
+              <a:rPr lang="en-US" dirty="0"/>
+              <a:t>Thigs to keep in mind:</a:t>
+            </a:r>
+          </a:p>
+          <a:p>
+            <a:pPr lvl="1"/>
+            <a:r>
+              <a:rPr lang="en-US" dirty="0"/>
+              <a:t>Map Scale</a:t>
+            </a:r>
+          </a:p>
+          <a:p>
+            <a:pPr lvl="1"/>
+            <a:r>
+              <a:rPr lang="en-US" dirty="0"/>
+              <a:t>Locking of display</a:t>
+            </a:r>
+          </a:p>
+          <a:p>
+            <a:pPr lvl="1"/>
+            <a:r>
+              <a:rPr lang="en-US" dirty="0"/>
+              <a:t>Legend items</a:t>
+            </a:r>
+          </a:p>
+          <a:p>
+            <a:pPr lvl="1"/>
+            <a:r>
+              <a:rPr lang="en-US" dirty="0"/>
+              <a:t>Aesthetic value</a:t>
+            </a:r>
+          </a:p>
+        </p:txBody>
+      </p:sp>
+    </p:spTree>
+    <p:extLst>
+      <p:ext uri="{BB962C8B-B14F-4D97-AF65-F5344CB8AC3E}">
+        <p14:creationId xmlns:p14="http://schemas.microsoft.com/office/powerpoint/2010/main" val="2959314020"/>
+      </p:ext>
+    </p:extLst>
+  </p:cSld>
+  <p:clrMapOvr>
+    <a:masterClrMapping/>
+  </p:clrMapOvr>
+</p:sld>
+</file>
+
+<file path=ppt/slides/slide8.xml><?xml version="1.0" encoding="utf-8"?>
+<p:sld xmlns:a="http://schemas.openxmlformats.org/drawingml/2006/main" xmlns:r="http://schemas.openxmlformats.org/officeDocument/2006/relationships" xmlns:p="http://schemas.openxmlformats.org/presentationml/2006/main">
+  <p:cSld>
+    <p:spTree>
+      <p:nvGrpSpPr>
+        <p:cNvPr id="1" name=""/>
+        <p:cNvGrpSpPr/>
+        <p:nvPr/>
+      </p:nvGrpSpPr>
+      <p:grpSpPr>
+        <a:xfrm>
+          <a:off x="0" y="0"/>
+          <a:ext cx="0" cy="0"/>
+          <a:chOff x="0" y="0"/>
+          <a:chExt cx="0" cy="0"/>
+        </a:xfrm>
+      </p:grpSpPr>
+      <p:sp>
+        <p:nvSpPr>
+          <p:cNvPr id="2" name="Title 1">
+            <a:extLst>
+              <a:ext uri="{FF2B5EF4-FFF2-40B4-BE49-F238E27FC236}">
                 <a16:creationId xmlns:a16="http://schemas.microsoft.com/office/drawing/2014/main" id="{8CD2B2F7-7C36-004D-917B-D978CFAA84D3}"/>
               </a:ext>
             </a:extLst>
@@ -9792,7 +10420,7 @@
           <a:p>
             <a:fld id="{4FAB73BC-B049-4115-A692-8D63A059BFB8}" type="slidenum">
               <a:rPr lang="en-US" smtClean="0"/>
-              <a:t>6</a:t>
+              <a:t>7</a:t>
             </a:fld>
             <a:endParaRPr lang="en-US" dirty="0"/>
           </a:p>
@@ -10232,203 +10860,6 @@
 </p:sld>
 </file>
 
-<file path=ppt/slides/slide8.xml><?xml version="1.0" encoding="utf-8"?>
-<p:sld xmlns:a="http://schemas.openxmlformats.org/drawingml/2006/main" xmlns:r="http://schemas.openxmlformats.org/officeDocument/2006/relationships" xmlns:p="http://schemas.openxmlformats.org/presentationml/2006/main">
-  <p:cSld>
-    <p:spTree>
-      <p:nvGrpSpPr>
-        <p:cNvPr id="1" name=""/>
-        <p:cNvGrpSpPr/>
-        <p:nvPr/>
-      </p:nvGrpSpPr>
-      <p:grpSpPr>
-        <a:xfrm>
-          <a:off x="0" y="0"/>
-          <a:ext cx="0" cy="0"/>
-          <a:chOff x="0" y="0"/>
-          <a:chExt cx="0" cy="0"/>
-        </a:xfrm>
-      </p:grpSpPr>
-      <p:sp>
-        <p:nvSpPr>
-          <p:cNvPr id="2" name="Title 1">
-            <a:extLst>
-              <a:ext uri="{FF2B5EF4-FFF2-40B4-BE49-F238E27FC236}">
-                <a16:creationId xmlns:a16="http://schemas.microsoft.com/office/drawing/2014/main" id="{6885F1C6-366C-E241-A164-6D3AE2E3CCDB}"/>
-              </a:ext>
-            </a:extLst>
-          </p:cNvPr>
-          <p:cNvSpPr>
-            <a:spLocks noGrp="1"/>
-          </p:cNvSpPr>
-          <p:nvPr>
-            <p:ph type="title"/>
-          </p:nvPr>
-        </p:nvSpPr>
-        <p:spPr/>
-        <p:txBody>
-          <a:bodyPr/>
-          <a:lstStyle/>
-          <a:p>
-            <a:r>
-              <a:rPr lang="en-US" dirty="0"/>
-              <a:t>Session 3, Section 1</a:t>
-            </a:r>
-          </a:p>
-        </p:txBody>
-      </p:sp>
-      <p:sp>
-        <p:nvSpPr>
-          <p:cNvPr id="3" name="Text Placeholder 2">
-            <a:extLst>
-              <a:ext uri="{FF2B5EF4-FFF2-40B4-BE49-F238E27FC236}">
-                <a16:creationId xmlns:a16="http://schemas.microsoft.com/office/drawing/2014/main" id="{0E47BC1A-8F83-1544-9036-E4F7D93B9603}"/>
-              </a:ext>
-            </a:extLst>
-          </p:cNvPr>
-          <p:cNvSpPr>
-            <a:spLocks noGrp="1"/>
-          </p:cNvSpPr>
-          <p:nvPr>
-            <p:ph type="body" idx="1"/>
-          </p:nvPr>
-        </p:nvSpPr>
-        <p:spPr/>
-        <p:txBody>
-          <a:bodyPr/>
-          <a:lstStyle/>
-          <a:p>
-            <a:r>
-              <a:rPr lang="en-US" dirty="0"/>
-              <a:t>Handling Difficult Data Imports, Spatial Joins, Interpolating between Points, Raster Calculator, Spatial Statistics</a:t>
-            </a:r>
-          </a:p>
-        </p:txBody>
-      </p:sp>
-      <p:sp>
-        <p:nvSpPr>
-          <p:cNvPr id="4" name="Date Placeholder 3">
-            <a:extLst>
-              <a:ext uri="{FF2B5EF4-FFF2-40B4-BE49-F238E27FC236}">
-                <a16:creationId xmlns:a16="http://schemas.microsoft.com/office/drawing/2014/main" id="{C4A35221-BD0E-8542-998C-09AD6324709F}"/>
-              </a:ext>
-            </a:extLst>
-          </p:cNvPr>
-          <p:cNvSpPr>
-            <a:spLocks noGrp="1"/>
-          </p:cNvSpPr>
-          <p:nvPr>
-            <p:ph type="dt" sz="half" idx="10"/>
-          </p:nvPr>
-        </p:nvSpPr>
-        <p:spPr/>
-        <p:txBody>
-          <a:bodyPr/>
-          <a:lstStyle/>
-          <a:p>
-            <a:fld id="{453754D5-8BE9-294A-B481-283E1E39E0CC}" type="datetime1">
-              <a:rPr lang="en-US" smtClean="0"/>
-              <a:t>8/17/20</a:t>
-            </a:fld>
-            <a:endParaRPr lang="en-US" dirty="0"/>
-          </a:p>
-        </p:txBody>
-      </p:sp>
-      <p:sp>
-        <p:nvSpPr>
-          <p:cNvPr id="5" name="Slide Number Placeholder 4">
-            <a:extLst>
-              <a:ext uri="{FF2B5EF4-FFF2-40B4-BE49-F238E27FC236}">
-                <a16:creationId xmlns:a16="http://schemas.microsoft.com/office/drawing/2014/main" id="{5CD22ED2-F181-FC41-A3F5-24594041E412}"/>
-              </a:ext>
-            </a:extLst>
-          </p:cNvPr>
-          <p:cNvSpPr>
-            <a:spLocks noGrp="1"/>
-          </p:cNvSpPr>
-          <p:nvPr>
-            <p:ph type="sldNum" sz="quarter" idx="12"/>
-          </p:nvPr>
-        </p:nvSpPr>
-        <p:spPr/>
-        <p:txBody>
-          <a:bodyPr>
-            <a:normAutofit lnSpcReduction="10000"/>
-          </a:bodyPr>
-          <a:lstStyle/>
-          <a:p>
-            <a:fld id="{4FAB73BC-B049-4115-A692-8D63A059BFB8}" type="slidenum">
-              <a:rPr lang="en-US" smtClean="0"/>
-              <a:t>7</a:t>
-            </a:fld>
-            <a:endParaRPr lang="en-US" dirty="0"/>
-          </a:p>
-        </p:txBody>
-      </p:sp>
-      <p:sp>
-        <p:nvSpPr>
-          <p:cNvPr id="6" name="Footer Placeholder 4">
-            <a:extLst>
-              <a:ext uri="{FF2B5EF4-FFF2-40B4-BE49-F238E27FC236}">
-                <a16:creationId xmlns:a16="http://schemas.microsoft.com/office/drawing/2014/main" id="{3B38966E-3A08-584B-A0F8-2F6BB46E163E}"/>
-              </a:ext>
-            </a:extLst>
-          </p:cNvPr>
-          <p:cNvSpPr>
-            <a:spLocks noGrp="1"/>
-          </p:cNvSpPr>
-          <p:nvPr>
-            <p:ph type="ftr" sz="quarter" idx="3"/>
-          </p:nvPr>
-        </p:nvSpPr>
-        <p:spPr>
-          <a:xfrm rot="16200000">
-            <a:off x="9390931" y="3548149"/>
-            <a:ext cx="4718224" cy="365125"/>
-          </a:xfrm>
-          <a:prstGeom prst="rect">
-            <a:avLst/>
-          </a:prstGeom>
-        </p:spPr>
-        <p:txBody>
-          <a:bodyPr/>
-          <a:lstStyle>
-            <a:lvl1pPr>
-              <a:defRPr sz="1200">
-                <a:solidFill>
-                  <a:schemeClr val="bg1"/>
-                </a:solidFill>
-                <a:latin typeface="Candara" panose="020E0502030303020204" pitchFamily="34" charset="0"/>
-              </a:defRPr>
-            </a:lvl1pPr>
-          </a:lstStyle>
-          <a:p>
-            <a:r>
-              <a:rPr lang="en-US" dirty="0"/>
-              <a:t>UCL GIS for Geoscientists- Session 3- Intermediate GIS</a:t>
-            </a:r>
-          </a:p>
-          <a:p>
-            <a:r>
-              <a:rPr lang="en-US" dirty="0"/>
-              <a:t>Presented by N.D. Barber (Cambridge) ndb38@cam.ac.uk</a:t>
-            </a:r>
-          </a:p>
-        </p:txBody>
-      </p:sp>
-    </p:spTree>
-    <p:extLst>
-      <p:ext uri="{BB962C8B-B14F-4D97-AF65-F5344CB8AC3E}">
-        <p14:creationId xmlns:p14="http://schemas.microsoft.com/office/powerpoint/2010/main" val="366334908"/>
-      </p:ext>
-    </p:extLst>
-  </p:cSld>
-  <p:clrMapOvr>
-    <a:masterClrMapping/>
-  </p:clrMapOvr>
-</p:sld>
-</file>
-
 <file path=ppt/slides/slide9.xml><?xml version="1.0" encoding="utf-8"?>
 <p:sld xmlns:a="http://schemas.openxmlformats.org/drawingml/2006/main" xmlns:r="http://schemas.openxmlformats.org/officeDocument/2006/relationships" xmlns:p="http://schemas.openxmlformats.org/presentationml/2006/main">
   <p:cSld>
@@ -10451,7 +10882,7 @@
           <p:cNvPr id="2" name="Title 1">
             <a:extLst>
               <a:ext uri="{FF2B5EF4-FFF2-40B4-BE49-F238E27FC236}">
-                <a16:creationId xmlns:a16="http://schemas.microsoft.com/office/drawing/2014/main" id="{FD6C7A8A-0B0E-BC40-BBB3-A2EBA505A425}"/>
+                <a16:creationId xmlns:a16="http://schemas.microsoft.com/office/drawing/2014/main" id="{6885F1C6-366C-E241-A164-6D3AE2E3CCDB}"/>
               </a:ext>
             </a:extLst>
           </p:cNvPr>
@@ -10468,19 +10899,18 @@
           <a:lstStyle/>
           <a:p>
             <a:r>
-              <a:rPr lang="en-US" dirty="0" err="1"/>
-              <a:t>Geostatistics</a:t>
-            </a:r>
-            <a:endParaRPr lang="en-US" dirty="0"/>
-          </a:p>
-        </p:txBody>
-      </p:sp>
-      <p:sp>
-        <p:nvSpPr>
-          <p:cNvPr id="3" name="Content Placeholder 2">
+              <a:rPr lang="en-US" dirty="0"/>
+              <a:t>Session 3, Section 1</a:t>
+            </a:r>
+          </a:p>
+        </p:txBody>
+      </p:sp>
+      <p:sp>
+        <p:nvSpPr>
+          <p:cNvPr id="3" name="Text Placeholder 2">
             <a:extLst>
               <a:ext uri="{FF2B5EF4-FFF2-40B4-BE49-F238E27FC236}">
-                <a16:creationId xmlns:a16="http://schemas.microsoft.com/office/drawing/2014/main" id="{A427FE3F-49D5-C247-8E68-29AF7BBD2494}"/>
+                <a16:creationId xmlns:a16="http://schemas.microsoft.com/office/drawing/2014/main" id="{0E47BC1A-8F83-1544-9036-E4F7D93B9603}"/>
               </a:ext>
             </a:extLst>
           </p:cNvPr>
@@ -10488,76 +10918,17 @@
             <a:spLocks noGrp="1"/>
           </p:cNvSpPr>
           <p:nvPr>
-            <p:ph idx="1"/>
-          </p:nvPr>
-        </p:nvSpPr>
-        <p:spPr>
-          <a:xfrm>
-            <a:off x="1261872" y="1828800"/>
-            <a:ext cx="4636008" cy="4351337"/>
-          </a:xfrm>
-        </p:spPr>
+            <p:ph type="body" idx="1"/>
+          </p:nvPr>
+        </p:nvSpPr>
+        <p:spPr/>
         <p:txBody>
           <a:bodyPr/>
           <a:lstStyle/>
           <a:p>
             <a:r>
               <a:rPr lang="en-US" dirty="0"/>
-              <a:t>Free AMAZING resource: </a:t>
-            </a:r>
-            <a:r>
-              <a:rPr lang="en-US" dirty="0">
-                <a:hlinkClick r:id="rId2"/>
-              </a:rPr>
-              <a:t>https://www.spatialanalysisonline.com/HTML/index.html</a:t>
-            </a:r>
-            <a:endParaRPr lang="en-US" dirty="0"/>
-          </a:p>
-          <a:p>
-            <a:r>
-              <a:rPr lang="en-US" dirty="0"/>
-              <a:t>One key feature of spatial statistics: because of </a:t>
-            </a:r>
-            <a:r>
-              <a:rPr lang="en-US" i="1" dirty="0"/>
-              <a:t>spatial autocorrelation</a:t>
-            </a:r>
-            <a:r>
-              <a:rPr lang="en-US" dirty="0"/>
-              <a:t>, </a:t>
-            </a:r>
-            <a:r>
-              <a:rPr lang="en-US" u="sng" dirty="0"/>
-              <a:t>data with a spatial dimension violate classical statistical assumption of independence</a:t>
-            </a:r>
-          </a:p>
-          <a:p>
-            <a:pPr lvl="1"/>
-            <a:r>
-              <a:rPr lang="en-US" dirty="0"/>
-              <a:t>Requires different approach to statistics and analysis</a:t>
-            </a:r>
-          </a:p>
-          <a:p>
-            <a:r>
-              <a:rPr lang="en-US" dirty="0"/>
-              <a:t>Special geostatistical operations: Inverse Distance Weighting (IDW), Kriging, Moran’s I coefficient </a:t>
-            </a:r>
-          </a:p>
-          <a:p>
-            <a:r>
-              <a:rPr lang="en-US" dirty="0"/>
-              <a:t>My Deccan work: </a:t>
-            </a:r>
-            <a:r>
-              <a:rPr lang="en-US" dirty="0">
-                <a:hlinkClick r:id="rId3"/>
-              </a:rPr>
-              <a:t>Empirical Bayesian Kriging</a:t>
-            </a:r>
-            <a:r>
-              <a:rPr lang="en-US" dirty="0"/>
-              <a:t> (EBK) &gt;&gt;&gt;&gt;</a:t>
+              <a:t>Handling Difficult Data Imports, Spatial Joins, Interpolating between Points, Raster Calculator, Spatial Statistics</a:t>
             </a:r>
           </a:p>
         </p:txBody>
@@ -10567,7 +10938,7 @@
           <p:cNvPr id="4" name="Date Placeholder 3">
             <a:extLst>
               <a:ext uri="{FF2B5EF4-FFF2-40B4-BE49-F238E27FC236}">
-                <a16:creationId xmlns:a16="http://schemas.microsoft.com/office/drawing/2014/main" id="{1F076563-1615-8340-8162-97DB4650B039}"/>
+                <a16:creationId xmlns:a16="http://schemas.microsoft.com/office/drawing/2014/main" id="{C4A35221-BD0E-8542-998C-09AD6324709F}"/>
               </a:ext>
             </a:extLst>
           </p:cNvPr>
@@ -10583,7 +10954,7 @@
           <a:bodyPr/>
           <a:lstStyle/>
           <a:p>
-            <a:fld id="{0C058645-6F24-9C43-8FC3-443F02031404}" type="datetime1">
+            <a:fld id="{453754D5-8BE9-294A-B481-283E1E39E0CC}" type="datetime1">
               <a:rPr lang="en-US" smtClean="0"/>
               <a:t>8/17/20</a:t>
             </a:fld>
@@ -10596,7 +10967,7 @@
           <p:cNvPr id="5" name="Slide Number Placeholder 4">
             <a:extLst>
               <a:ext uri="{FF2B5EF4-FFF2-40B4-BE49-F238E27FC236}">
-                <a16:creationId xmlns:a16="http://schemas.microsoft.com/office/drawing/2014/main" id="{12047D6E-3B9E-9E45-918B-52E3DB61B3F1}"/>
+                <a16:creationId xmlns:a16="http://schemas.microsoft.com/office/drawing/2014/main" id="{5CD22ED2-F181-FC41-A3F5-24594041E412}"/>
               </a:ext>
             </a:extLst>
           </p:cNvPr>
@@ -10624,10 +10995,10 @@
       </p:sp>
       <p:sp>
         <p:nvSpPr>
-          <p:cNvPr id="6" name="Footer Placeholder 5">
+          <p:cNvPr id="6" name="Footer Placeholder 4">
             <a:extLst>
               <a:ext uri="{FF2B5EF4-FFF2-40B4-BE49-F238E27FC236}">
-                <a16:creationId xmlns:a16="http://schemas.microsoft.com/office/drawing/2014/main" id="{991F8F88-5852-5C46-AD49-A5AE62269B22}"/>
+                <a16:creationId xmlns:a16="http://schemas.microsoft.com/office/drawing/2014/main" id="{3B38966E-3A08-584B-A0F8-2F6BB46E163E}"/>
               </a:ext>
             </a:extLst>
           </p:cNvPr>
@@ -10638,89 +11009,45 @@
             <p:ph type="ftr" sz="quarter" idx="3"/>
           </p:nvPr>
         </p:nvSpPr>
-        <p:spPr/>
-        <p:txBody>
-          <a:bodyPr/>
-          <a:lstStyle/>
-          <a:p>
-            <a:r>
-              <a:rPr lang="en-US"/>
-              <a:t>UCL GIS for Geoscientists- Session 3- Intermediate GIS</a:t>
-            </a:r>
-          </a:p>
-          <a:p>
-            <a:r>
-              <a:rPr lang="en-US"/>
-              <a:t>Presented by N.D. Barber (Cambridge) ndb38@cam.ac.uk</a:t>
-            </a:r>
-            <a:endParaRPr lang="en-US" dirty="0"/>
-          </a:p>
-        </p:txBody>
-      </p:sp>
-      <p:pic>
-        <p:nvPicPr>
-          <p:cNvPr id="8" name="Picture 7" descr="A screenshot of a cell phone&#10;&#10;Description automatically generated">
-            <a:extLst>
-              <a:ext uri="{FF2B5EF4-FFF2-40B4-BE49-F238E27FC236}">
-                <a16:creationId xmlns:a16="http://schemas.microsoft.com/office/drawing/2014/main" id="{744C8758-BCAA-1046-AB6D-9E6CBB14EF1E}"/>
-              </a:ext>
-            </a:extLst>
-          </p:cNvPr>
-          <p:cNvPicPr>
-            <a:picLocks noChangeAspect="1"/>
-          </p:cNvPicPr>
-          <p:nvPr/>
-        </p:nvPicPr>
-        <p:blipFill>
-          <a:blip r:embed="rId4"/>
-          <a:stretch>
-            <a:fillRect/>
-          </a:stretch>
-        </p:blipFill>
         <p:spPr>
-          <a:xfrm>
-            <a:off x="6376527" y="445567"/>
-            <a:ext cx="4276504" cy="3154496"/>
+          <a:xfrm rot="16200000">
+            <a:off x="9390931" y="3548149"/>
+            <a:ext cx="4718224" cy="365125"/>
           </a:xfrm>
           <a:prstGeom prst="rect">
             <a:avLst/>
           </a:prstGeom>
         </p:spPr>
-      </p:pic>
-      <p:pic>
-        <p:nvPicPr>
-          <p:cNvPr id="9" name="Content Placeholder 7" descr="A close up of a map&#10;&#10;Description automatically generated">
-            <a:extLst>
-              <a:ext uri="{FF2B5EF4-FFF2-40B4-BE49-F238E27FC236}">
-                <a16:creationId xmlns:a16="http://schemas.microsoft.com/office/drawing/2014/main" id="{B33D23CE-246B-A345-85DF-3E495F0D4D49}"/>
-              </a:ext>
-            </a:extLst>
-          </p:cNvPr>
-          <p:cNvPicPr>
-            <a:picLocks noChangeAspect="1"/>
-          </p:cNvPicPr>
-          <p:nvPr/>
-        </p:nvPicPr>
-        <p:blipFill>
-          <a:blip r:embed="rId5"/>
-          <a:stretch>
-            <a:fillRect/>
-          </a:stretch>
-        </p:blipFill>
-        <p:spPr>
-          <a:xfrm>
-            <a:off x="6294122" y="3901438"/>
-            <a:ext cx="4441314" cy="2506875"/>
-          </a:xfrm>
-          <a:prstGeom prst="rect">
-            <a:avLst/>
-          </a:prstGeom>
-        </p:spPr>
-      </p:pic>
+        <p:txBody>
+          <a:bodyPr/>
+          <a:lstStyle>
+            <a:lvl1pPr>
+              <a:defRPr sz="1200">
+                <a:solidFill>
+                  <a:schemeClr val="bg1"/>
+                </a:solidFill>
+                <a:latin typeface="Candara" panose="020E0502030303020204" pitchFamily="34" charset="0"/>
+              </a:defRPr>
+            </a:lvl1pPr>
+          </a:lstStyle>
+          <a:p>
+            <a:r>
+              <a:rPr lang="en-US" dirty="0"/>
+              <a:t>UCL GIS for Geoscientists- Session 3- Intermediate GIS</a:t>
+            </a:r>
+          </a:p>
+          <a:p>
+            <a:r>
+              <a:rPr lang="en-US" dirty="0"/>
+              <a:t>Presented by N.D. Barber (Cambridge) ndb38@cam.ac.uk</a:t>
+            </a:r>
+          </a:p>
+        </p:txBody>
+      </p:sp>
     </p:spTree>
     <p:extLst>
       <p:ext uri="{BB962C8B-B14F-4D97-AF65-F5344CB8AC3E}">
-        <p14:creationId xmlns:p14="http://schemas.microsoft.com/office/powerpoint/2010/main" val="3548231802"/>
+        <p14:creationId xmlns:p14="http://schemas.microsoft.com/office/powerpoint/2010/main" val="366334908"/>
       </p:ext>
     </p:extLst>
   </p:cSld>

--- a/lectures/Session 3/Session3_Lecture.pptx
+++ b/lectures/Session 3/Session3_Lecture.pptx
@@ -5,11 +5,11 @@
     <p:sldMasterId id="2147483840" r:id="rId1"/>
   </p:sldMasterIdLst>
   <p:notesMasterIdLst>
-    <p:notesMasterId r:id="rId19"/>
+    <p:notesMasterId r:id="rId20"/>
   </p:notesMasterIdLst>
   <p:sldIdLst>
     <p:sldId id="258" r:id="rId2"/>
-    <p:sldId id="275" r:id="rId3"/>
+    <p:sldId id="300" r:id="rId3"/>
     <p:sldId id="291" r:id="rId4"/>
     <p:sldId id="270" r:id="rId5"/>
     <p:sldId id="276" r:id="rId6"/>
@@ -17,14 +17,15 @@
     <p:sldId id="287" r:id="rId8"/>
     <p:sldId id="277" r:id="rId9"/>
     <p:sldId id="279" r:id="rId10"/>
-    <p:sldId id="286" r:id="rId11"/>
-    <p:sldId id="280" r:id="rId12"/>
-    <p:sldId id="289" r:id="rId13"/>
-    <p:sldId id="281" r:id="rId14"/>
-    <p:sldId id="290" r:id="rId15"/>
-    <p:sldId id="282" r:id="rId16"/>
-    <p:sldId id="285" r:id="rId17"/>
-    <p:sldId id="284" r:id="rId18"/>
+    <p:sldId id="302" r:id="rId11"/>
+    <p:sldId id="286" r:id="rId12"/>
+    <p:sldId id="280" r:id="rId13"/>
+    <p:sldId id="289" r:id="rId14"/>
+    <p:sldId id="281" r:id="rId15"/>
+    <p:sldId id="290" r:id="rId16"/>
+    <p:sldId id="282" r:id="rId17"/>
+    <p:sldId id="285" r:id="rId18"/>
+    <p:sldId id="284" r:id="rId19"/>
   </p:sldIdLst>
   <p:sldSz cx="12192000" cy="6858000"/>
   <p:notesSz cx="6858000" cy="9144000"/>
@@ -1895,6 +1896,90 @@
       </pc:sldChg>
     </pc:docChg>
   </pc:docChgLst>
+  <pc:docChgLst>
+    <pc:chgData name="N.D. Barber" userId="2439b294-b381-4911-ad1d-575a5e61005a" providerId="ADAL" clId="{DF3213F6-EFFA-3B45-8D12-2F0BAD035C32}"/>
+    <pc:docChg chg="custSel addSld delSld modSld">
+      <pc:chgData name="N.D. Barber" userId="2439b294-b381-4911-ad1d-575a5e61005a" providerId="ADAL" clId="{DF3213F6-EFFA-3B45-8D12-2F0BAD035C32}" dt="2020-11-13T11:57:13.516" v="548" actId="20577"/>
+      <pc:docMkLst>
+        <pc:docMk/>
+      </pc:docMkLst>
+      <pc:sldChg chg="del">
+        <pc:chgData name="N.D. Barber" userId="2439b294-b381-4911-ad1d-575a5e61005a" providerId="ADAL" clId="{DF3213F6-EFFA-3B45-8D12-2F0BAD035C32}" dt="2020-11-13T11:37:46.966" v="0" actId="2696"/>
+        <pc:sldMkLst>
+          <pc:docMk/>
+          <pc:sldMk cId="1875994291" sldId="275"/>
+        </pc:sldMkLst>
+      </pc:sldChg>
+      <pc:sldChg chg="modSp new del mod">
+        <pc:chgData name="N.D. Barber" userId="2439b294-b381-4911-ad1d-575a5e61005a" providerId="ADAL" clId="{DF3213F6-EFFA-3B45-8D12-2F0BAD035C32}" dt="2020-11-13T11:37:52.955" v="4" actId="2696"/>
+        <pc:sldMkLst>
+          <pc:docMk/>
+          <pc:sldMk cId="1039571386" sldId="292"/>
+        </pc:sldMkLst>
+        <pc:spChg chg="mod">
+          <ac:chgData name="N.D. Barber" userId="2439b294-b381-4911-ad1d-575a5e61005a" providerId="ADAL" clId="{DF3213F6-EFFA-3B45-8D12-2F0BAD035C32}" dt="2020-11-13T11:37:51.249" v="3" actId="27636"/>
+          <ac:spMkLst>
+            <pc:docMk/>
+            <pc:sldMk cId="1039571386" sldId="292"/>
+            <ac:spMk id="5" creationId="{75CD495A-CD67-7047-8DC5-33BB818AF916}"/>
+          </ac:spMkLst>
+        </pc:spChg>
+      </pc:sldChg>
+      <pc:sldChg chg="modSp add mod">
+        <pc:chgData name="N.D. Barber" userId="2439b294-b381-4911-ad1d-575a5e61005a" providerId="ADAL" clId="{DF3213F6-EFFA-3B45-8D12-2F0BAD035C32}" dt="2020-11-13T11:38:14.686" v="38" actId="114"/>
+        <pc:sldMkLst>
+          <pc:docMk/>
+          <pc:sldMk cId="1126725813" sldId="300"/>
+        </pc:sldMkLst>
+        <pc:spChg chg="mod">
+          <ac:chgData name="N.D. Barber" userId="2439b294-b381-4911-ad1d-575a5e61005a" providerId="ADAL" clId="{DF3213F6-EFFA-3B45-8D12-2F0BAD035C32}" dt="2020-11-13T11:38:14.686" v="38" actId="114"/>
+          <ac:spMkLst>
+            <pc:docMk/>
+            <pc:sldMk cId="1126725813" sldId="300"/>
+            <ac:spMk id="3" creationId="{5077F4FB-9D15-3840-9E2B-97EDC56F0F0E}"/>
+          </ac:spMkLst>
+        </pc:spChg>
+      </pc:sldChg>
+      <pc:sldChg chg="new del">
+        <pc:chgData name="N.D. Barber" userId="2439b294-b381-4911-ad1d-575a5e61005a" providerId="ADAL" clId="{DF3213F6-EFFA-3B45-8D12-2F0BAD035C32}" dt="2020-11-13T11:54:36.499" v="41" actId="2696"/>
+        <pc:sldMkLst>
+          <pc:docMk/>
+          <pc:sldMk cId="1373387995" sldId="301"/>
+        </pc:sldMkLst>
+      </pc:sldChg>
+      <pc:sldChg chg="modSp new mod">
+        <pc:chgData name="N.D. Barber" userId="2439b294-b381-4911-ad1d-575a5e61005a" providerId="ADAL" clId="{DF3213F6-EFFA-3B45-8D12-2F0BAD035C32}" dt="2020-11-13T11:57:13.516" v="548" actId="20577"/>
+        <pc:sldMkLst>
+          <pc:docMk/>
+          <pc:sldMk cId="1963489512" sldId="302"/>
+        </pc:sldMkLst>
+        <pc:spChg chg="mod">
+          <ac:chgData name="N.D. Barber" userId="2439b294-b381-4911-ad1d-575a5e61005a" providerId="ADAL" clId="{DF3213F6-EFFA-3B45-8D12-2F0BAD035C32}" dt="2020-11-13T11:54:50.618" v="72" actId="20577"/>
+          <ac:spMkLst>
+            <pc:docMk/>
+            <pc:sldMk cId="1963489512" sldId="302"/>
+            <ac:spMk id="2" creationId="{C8226636-C9F8-4648-A23D-C177A9D5CAF3}"/>
+          </ac:spMkLst>
+        </pc:spChg>
+        <pc:spChg chg="mod">
+          <ac:chgData name="N.D. Barber" userId="2439b294-b381-4911-ad1d-575a5e61005a" providerId="ADAL" clId="{DF3213F6-EFFA-3B45-8D12-2F0BAD035C32}" dt="2020-11-13T11:57:13.516" v="548" actId="20577"/>
+          <ac:spMkLst>
+            <pc:docMk/>
+            <pc:sldMk cId="1963489512" sldId="302"/>
+            <ac:spMk id="3" creationId="{4F3D8ED2-3C33-DA49-B823-2E028E7AFB30}"/>
+          </ac:spMkLst>
+        </pc:spChg>
+        <pc:spChg chg="mod">
+          <ac:chgData name="N.D. Barber" userId="2439b294-b381-4911-ad1d-575a5e61005a" providerId="ADAL" clId="{DF3213F6-EFFA-3B45-8D12-2F0BAD035C32}" dt="2020-11-13T11:54:44.722" v="44" actId="20577"/>
+          <ac:spMkLst>
+            <pc:docMk/>
+            <pc:sldMk cId="1963489512" sldId="302"/>
+            <ac:spMk id="6" creationId="{160E8CCA-4179-BB46-A846-B11F0F183102}"/>
+          </ac:spMkLst>
+        </pc:spChg>
+      </pc:sldChg>
+    </pc:docChg>
+  </pc:docChgLst>
 </pc:chgInfo>
 </file>
 
@@ -1980,7 +2065,7 @@
           <a:p>
             <a:fld id="{A5C20BB3-3CCB-4FE5-991B-82F6BCB48AF3}" type="datetimeFigureOut">
               <a:rPr lang="en-US" smtClean="0"/>
-              <a:t>8/17/20</a:t>
+              <a:t>11/13/20</a:t>
             </a:fld>
             <a:endParaRPr lang="en-US"/>
           </a:p>
@@ -2502,7 +2587,7 @@
           <a:p>
             <a:fld id="{87645D96-3108-B545-9B42-23C24617A283}" type="datetime1">
               <a:rPr lang="en-US" smtClean="0"/>
-              <a:t>8/17/20</a:t>
+              <a:t>11/13/20</a:t>
             </a:fld>
             <a:endParaRPr lang="en-US" dirty="0"/>
           </a:p>
@@ -2910,7 +2995,7 @@
           <a:p>
             <a:fld id="{70C19497-7443-3649-BD98-86E7AA467390}" type="datetime1">
               <a:rPr lang="en-US" smtClean="0"/>
-              <a:t>8/17/20</a:t>
+              <a:t>11/13/20</a:t>
             </a:fld>
             <a:endParaRPr lang="en-US" dirty="0"/>
           </a:p>
@@ -3122,7 +3207,7 @@
           <a:p>
             <a:fld id="{B1C12939-C404-CD42-9389-BDB8482DAA01}" type="datetime1">
               <a:rPr lang="en-US" smtClean="0"/>
-              <a:t>8/17/20</a:t>
+              <a:t>11/13/20</a:t>
             </a:fld>
             <a:endParaRPr lang="en-US" dirty="0"/>
           </a:p>
@@ -3356,7 +3441,7 @@
           <a:p>
             <a:fld id="{0C058645-6F24-9C43-8FC3-443F02031404}" type="datetime1">
               <a:rPr lang="en-US" smtClean="0"/>
-              <a:t>8/17/20</a:t>
+              <a:t>11/13/20</a:t>
             </a:fld>
             <a:endParaRPr lang="en-US" dirty="0"/>
           </a:p>
@@ -3645,7 +3730,7 @@
           <a:p>
             <a:fld id="{453754D5-8BE9-294A-B481-283E1E39E0CC}" type="datetime1">
               <a:rPr lang="en-US" smtClean="0"/>
-              <a:t>8/17/20</a:t>
+              <a:t>11/13/20</a:t>
             </a:fld>
             <a:endParaRPr lang="en-US" dirty="0"/>
           </a:p>
@@ -4035,7 +4120,7 @@
           <a:p>
             <a:fld id="{CA2FF639-FC09-5F4A-B23C-8B1FDDDDEFBF}" type="datetime1">
               <a:rPr lang="en-US" smtClean="0"/>
-              <a:t>8/17/20</a:t>
+              <a:t>11/13/20</a:t>
             </a:fld>
             <a:endParaRPr lang="en-US" dirty="0"/>
           </a:p>
@@ -4551,7 +4636,7 @@
           <a:p>
             <a:fld id="{FC355047-41C0-8641-9CD9-E597560F38B5}" type="datetime1">
               <a:rPr lang="en-US" smtClean="0"/>
-              <a:t>8/17/20</a:t>
+              <a:t>11/13/20</a:t>
             </a:fld>
             <a:endParaRPr lang="en-US" dirty="0"/>
           </a:p>
@@ -4713,7 +4798,7 @@
           <a:p>
             <a:fld id="{36C54D54-7A92-A645-BFCE-8BE6B8068A7A}" type="datetime1">
               <a:rPr lang="en-US" smtClean="0"/>
-              <a:t>8/17/20</a:t>
+              <a:t>11/13/20</a:t>
             </a:fld>
             <a:endParaRPr lang="en-US" dirty="0"/>
           </a:p>
@@ -4846,7 +4931,7 @@
           <a:p>
             <a:fld id="{B6F76746-A03E-1446-B7CF-798FC3EE1D94}" type="datetime1">
               <a:rPr lang="en-US" smtClean="0"/>
-              <a:t>8/17/20</a:t>
+              <a:t>11/13/20</a:t>
             </a:fld>
             <a:endParaRPr lang="en-US" dirty="0"/>
           </a:p>
@@ -5185,7 +5270,7 @@
           <a:p>
             <a:fld id="{4152640C-FBCD-2845-990D-FAE60167BFE2}" type="datetime1">
               <a:rPr lang="en-US" smtClean="0"/>
-              <a:t>8/17/20</a:t>
+              <a:t>11/13/20</a:t>
             </a:fld>
             <a:endParaRPr lang="en-US" dirty="0"/>
           </a:p>
@@ -5555,7 +5640,7 @@
           <a:p>
             <a:fld id="{57BE5EE7-EBBE-D047-A622-014412DFBC0F}" type="datetime1">
               <a:rPr lang="en-US" smtClean="0"/>
-              <a:t>8/17/20</a:t>
+              <a:t>11/13/20</a:t>
             </a:fld>
             <a:endParaRPr lang="en-US" dirty="0"/>
           </a:p>
@@ -5842,7 +5927,7 @@
           <a:p>
             <a:fld id="{70D1B046-536E-594E-9C7D-0944F6913C4A}" type="datetime1">
               <a:rPr lang="en-US" smtClean="0"/>
-              <a:t>8/17/20</a:t>
+              <a:t>11/13/20</a:t>
             </a:fld>
             <a:endParaRPr lang="en-US" dirty="0"/>
           </a:p>
@@ -6821,6 +6906,291 @@
           <p:cNvPr id="2" name="Title 1">
             <a:extLst>
               <a:ext uri="{FF2B5EF4-FFF2-40B4-BE49-F238E27FC236}">
+                <a16:creationId xmlns:a16="http://schemas.microsoft.com/office/drawing/2014/main" id="{C8226636-C9F8-4648-A23D-C177A9D5CAF3}"/>
+              </a:ext>
+            </a:extLst>
+          </p:cNvPr>
+          <p:cNvSpPr>
+            <a:spLocks noGrp="1"/>
+          </p:cNvSpPr>
+          <p:nvPr>
+            <p:ph type="title"/>
+          </p:nvPr>
+        </p:nvSpPr>
+        <p:spPr/>
+        <p:txBody>
+          <a:bodyPr/>
+          <a:lstStyle/>
+          <a:p>
+            <a:r>
+              <a:rPr lang="en-US" dirty="0"/>
+              <a:t>Outline of Today’s Activity</a:t>
+            </a:r>
+          </a:p>
+        </p:txBody>
+      </p:sp>
+      <p:sp>
+        <p:nvSpPr>
+          <p:cNvPr id="3" name="Content Placeholder 2">
+            <a:extLst>
+              <a:ext uri="{FF2B5EF4-FFF2-40B4-BE49-F238E27FC236}">
+                <a16:creationId xmlns:a16="http://schemas.microsoft.com/office/drawing/2014/main" id="{4F3D8ED2-3C33-DA49-B823-2E028E7AFB30}"/>
+              </a:ext>
+            </a:extLst>
+          </p:cNvPr>
+          <p:cNvSpPr>
+            <a:spLocks noGrp="1"/>
+          </p:cNvSpPr>
+          <p:nvPr>
+            <p:ph idx="1"/>
+          </p:nvPr>
+        </p:nvSpPr>
+        <p:spPr/>
+        <p:txBody>
+          <a:bodyPr>
+            <a:normAutofit lnSpcReduction="10000"/>
+          </a:bodyPr>
+          <a:lstStyle/>
+          <a:p>
+            <a:r>
+              <a:rPr lang="en-US" dirty="0"/>
+              <a:t>Exercise #2</a:t>
+            </a:r>
+          </a:p>
+          <a:p>
+            <a:pPr lvl="1"/>
+            <a:r>
+              <a:rPr lang="en-US" dirty="0"/>
+              <a:t>We want to know the chemistry of the fluids measured at G.P. Are there hotspots of high SO4 activity?</a:t>
+            </a:r>
+          </a:p>
+          <a:p>
+            <a:pPr lvl="1"/>
+            <a:r>
+              <a:rPr lang="en-US" dirty="0"/>
+              <a:t>Requires:</a:t>
+            </a:r>
+          </a:p>
+          <a:p>
+            <a:pPr lvl="2"/>
+            <a:r>
+              <a:rPr lang="en-US" dirty="0"/>
+              <a:t>Importing known geochemical data.</a:t>
+            </a:r>
+          </a:p>
+          <a:p>
+            <a:pPr lvl="2"/>
+            <a:r>
+              <a:rPr lang="en-US" dirty="0"/>
+              <a:t>Georeferencing 2 new maps</a:t>
+            </a:r>
+          </a:p>
+          <a:p>
+            <a:pPr lvl="2"/>
+            <a:r>
+              <a:rPr lang="en-US" dirty="0"/>
+              <a:t>Importing a dataset with no </a:t>
+            </a:r>
+            <a:r>
+              <a:rPr lang="en-US" dirty="0" err="1"/>
+              <a:t>lat</a:t>
+            </a:r>
+            <a:r>
+              <a:rPr lang="en-US" dirty="0"/>
+              <a:t>/long information</a:t>
+            </a:r>
+          </a:p>
+          <a:p>
+            <a:pPr lvl="2"/>
+            <a:r>
+              <a:rPr lang="en-US" dirty="0"/>
+              <a:t>Creating new features</a:t>
+            </a:r>
+          </a:p>
+          <a:p>
+            <a:pPr lvl="2"/>
+            <a:r>
+              <a:rPr lang="en-US" dirty="0"/>
+              <a:t>Performing a spatial join</a:t>
+            </a:r>
+          </a:p>
+          <a:p>
+            <a:pPr lvl="2"/>
+            <a:r>
+              <a:rPr lang="en-US" dirty="0"/>
+              <a:t>Interpolating to find hotpots</a:t>
+            </a:r>
+          </a:p>
+          <a:p>
+            <a:r>
+              <a:rPr lang="en-US" dirty="0"/>
+              <a:t>Exercise #3</a:t>
+            </a:r>
+          </a:p>
+          <a:p>
+            <a:pPr lvl="1"/>
+            <a:r>
+              <a:rPr lang="en-US" dirty="0"/>
+              <a:t>Landslide Risk example</a:t>
+            </a:r>
+          </a:p>
+          <a:p>
+            <a:pPr lvl="2"/>
+            <a:r>
+              <a:rPr lang="en-US" dirty="0"/>
+              <a:t>Importing precipitation data</a:t>
+            </a:r>
+          </a:p>
+          <a:p>
+            <a:pPr lvl="2"/>
+            <a:r>
+              <a:rPr lang="en-US" dirty="0"/>
+              <a:t>Calculating Raster Slope</a:t>
+            </a:r>
+          </a:p>
+          <a:p>
+            <a:pPr lvl="2"/>
+            <a:r>
+              <a:rPr lang="en-US" dirty="0"/>
+              <a:t>Rasterize rainfall</a:t>
+            </a:r>
+          </a:p>
+          <a:p>
+            <a:pPr lvl="2"/>
+            <a:r>
+              <a:rPr lang="en-US" dirty="0"/>
+              <a:t>Use raster calculator</a:t>
+            </a:r>
+          </a:p>
+        </p:txBody>
+      </p:sp>
+      <p:sp>
+        <p:nvSpPr>
+          <p:cNvPr id="4" name="Date Placeholder 3">
+            <a:extLst>
+              <a:ext uri="{FF2B5EF4-FFF2-40B4-BE49-F238E27FC236}">
+                <a16:creationId xmlns:a16="http://schemas.microsoft.com/office/drawing/2014/main" id="{C339A10E-280D-7F4F-9A31-68B610831BB4}"/>
+              </a:ext>
+            </a:extLst>
+          </p:cNvPr>
+          <p:cNvSpPr>
+            <a:spLocks noGrp="1"/>
+          </p:cNvSpPr>
+          <p:nvPr>
+            <p:ph type="dt" sz="half" idx="10"/>
+          </p:nvPr>
+        </p:nvSpPr>
+        <p:spPr/>
+        <p:txBody>
+          <a:bodyPr/>
+          <a:lstStyle/>
+          <a:p>
+            <a:fld id="{0C058645-6F24-9C43-8FC3-443F02031404}" type="datetime1">
+              <a:rPr lang="en-US" smtClean="0"/>
+              <a:t>11/13/20</a:t>
+            </a:fld>
+            <a:endParaRPr lang="en-US" dirty="0"/>
+          </a:p>
+        </p:txBody>
+      </p:sp>
+      <p:sp>
+        <p:nvSpPr>
+          <p:cNvPr id="5" name="Slide Number Placeholder 4">
+            <a:extLst>
+              <a:ext uri="{FF2B5EF4-FFF2-40B4-BE49-F238E27FC236}">
+                <a16:creationId xmlns:a16="http://schemas.microsoft.com/office/drawing/2014/main" id="{3CB85161-6AD8-124E-A1C8-3223CEC04C25}"/>
+              </a:ext>
+            </a:extLst>
+          </p:cNvPr>
+          <p:cNvSpPr>
+            <a:spLocks noGrp="1"/>
+          </p:cNvSpPr>
+          <p:nvPr>
+            <p:ph type="sldNum" sz="quarter" idx="12"/>
+          </p:nvPr>
+        </p:nvSpPr>
+        <p:spPr/>
+        <p:txBody>
+          <a:bodyPr/>
+          <a:lstStyle/>
+          <a:p>
+            <a:fld id="{4FAB73BC-B049-4115-A692-8D63A059BFB8}" type="slidenum">
+              <a:rPr lang="en-US" smtClean="0"/>
+              <a:t>9</a:t>
+            </a:fld>
+            <a:endParaRPr lang="en-US" dirty="0"/>
+          </a:p>
+        </p:txBody>
+      </p:sp>
+      <p:sp>
+        <p:nvSpPr>
+          <p:cNvPr id="6" name="Footer Placeholder 5">
+            <a:extLst>
+              <a:ext uri="{FF2B5EF4-FFF2-40B4-BE49-F238E27FC236}">
+                <a16:creationId xmlns:a16="http://schemas.microsoft.com/office/drawing/2014/main" id="{160E8CCA-4179-BB46-A846-B11F0F183102}"/>
+              </a:ext>
+            </a:extLst>
+          </p:cNvPr>
+          <p:cNvSpPr>
+            <a:spLocks noGrp="1"/>
+          </p:cNvSpPr>
+          <p:nvPr>
+            <p:ph type="ftr" sz="quarter" idx="3"/>
+          </p:nvPr>
+        </p:nvSpPr>
+        <p:spPr/>
+        <p:txBody>
+          <a:bodyPr/>
+          <a:lstStyle/>
+          <a:p>
+            <a:r>
+              <a:rPr lang="en-US" dirty="0"/>
+              <a:t>UC GIS for Geoscientists- Session 3- Intermediate GIS</a:t>
+            </a:r>
+          </a:p>
+          <a:p>
+            <a:r>
+              <a:rPr lang="en-US" dirty="0"/>
+              <a:t>Presented by N.D. Barber (Cambridge) ndb38@cam.ac.uk</a:t>
+            </a:r>
+          </a:p>
+        </p:txBody>
+      </p:sp>
+    </p:spTree>
+    <p:extLst>
+      <p:ext uri="{BB962C8B-B14F-4D97-AF65-F5344CB8AC3E}">
+        <p14:creationId xmlns:p14="http://schemas.microsoft.com/office/powerpoint/2010/main" val="1963489512"/>
+      </p:ext>
+    </p:extLst>
+  </p:cSld>
+  <p:clrMapOvr>
+    <a:masterClrMapping/>
+  </p:clrMapOvr>
+</p:sld>
+</file>
+
+<file path=ppt/slides/slide11.xml><?xml version="1.0" encoding="utf-8"?>
+<p:sld xmlns:a="http://schemas.openxmlformats.org/drawingml/2006/main" xmlns:r="http://schemas.openxmlformats.org/officeDocument/2006/relationships" xmlns:p="http://schemas.openxmlformats.org/presentationml/2006/main">
+  <p:cSld>
+    <p:spTree>
+      <p:nvGrpSpPr>
+        <p:cNvPr id="1" name=""/>
+        <p:cNvGrpSpPr/>
+        <p:nvPr/>
+      </p:nvGrpSpPr>
+      <p:grpSpPr>
+        <a:xfrm>
+          <a:off x="0" y="0"/>
+          <a:ext cx="0" cy="0"/>
+          <a:chOff x="0" y="0"/>
+          <a:chExt cx="0" cy="0"/>
+        </a:xfrm>
+      </p:grpSpPr>
+      <p:sp>
+        <p:nvSpPr>
+          <p:cNvPr id="2" name="Title 1">
+            <a:extLst>
+              <a:ext uri="{FF2B5EF4-FFF2-40B4-BE49-F238E27FC236}">
                 <a16:creationId xmlns:a16="http://schemas.microsoft.com/office/drawing/2014/main" id="{FD6C7A8A-0B0E-BC40-BBB3-A2EBA505A425}"/>
               </a:ext>
             </a:extLst>
@@ -6964,7 +7334,7 @@
           <a:p>
             <a:fld id="{0C058645-6F24-9C43-8FC3-443F02031404}" type="datetime1">
               <a:rPr lang="en-US" smtClean="0"/>
-              <a:t>8/17/20</a:t>
+              <a:t>11/13/20</a:t>
             </a:fld>
             <a:endParaRPr lang="en-US" dirty="0"/>
           </a:p>
@@ -6995,7 +7365,7 @@
           <a:p>
             <a:fld id="{4FAB73BC-B049-4115-A692-8D63A059BFB8}" type="slidenum">
               <a:rPr lang="en-US" smtClean="0"/>
-              <a:t>9</a:t>
+              <a:t>10</a:t>
             </a:fld>
             <a:endParaRPr lang="en-US" dirty="0"/>
           </a:p>
@@ -7109,149 +7479,6 @@
 </p:sld>
 </file>
 
-<file path=ppt/slides/slide11.xml><?xml version="1.0" encoding="utf-8"?>
-<p:sld xmlns:a="http://schemas.openxmlformats.org/drawingml/2006/main" xmlns:r="http://schemas.openxmlformats.org/officeDocument/2006/relationships" xmlns:p="http://schemas.openxmlformats.org/presentationml/2006/main">
-  <p:cSld>
-    <p:spTree>
-      <p:nvGrpSpPr>
-        <p:cNvPr id="1" name=""/>
-        <p:cNvGrpSpPr/>
-        <p:nvPr/>
-      </p:nvGrpSpPr>
-      <p:grpSpPr>
-        <a:xfrm>
-          <a:off x="0" y="0"/>
-          <a:ext cx="0" cy="0"/>
-          <a:chOff x="0" y="0"/>
-          <a:chExt cx="0" cy="0"/>
-        </a:xfrm>
-      </p:grpSpPr>
-      <p:sp>
-        <p:nvSpPr>
-          <p:cNvPr id="2" name="Title 1">
-            <a:extLst>
-              <a:ext uri="{FF2B5EF4-FFF2-40B4-BE49-F238E27FC236}">
-                <a16:creationId xmlns:a16="http://schemas.microsoft.com/office/drawing/2014/main" id="{E73C7915-CC85-9E40-AA7E-3F0881F6E290}"/>
-              </a:ext>
-            </a:extLst>
-          </p:cNvPr>
-          <p:cNvSpPr>
-            <a:spLocks noGrp="1"/>
-          </p:cNvSpPr>
-          <p:nvPr>
-            <p:ph type="title"/>
-          </p:nvPr>
-        </p:nvSpPr>
-        <p:spPr/>
-        <p:txBody>
-          <a:bodyPr/>
-          <a:lstStyle/>
-          <a:p>
-            <a:r>
-              <a:rPr lang="en-US" dirty="0"/>
-              <a:t>Section 2</a:t>
-            </a:r>
-          </a:p>
-        </p:txBody>
-      </p:sp>
-      <p:sp>
-        <p:nvSpPr>
-          <p:cNvPr id="3" name="Text Placeholder 2">
-            <a:extLst>
-              <a:ext uri="{FF2B5EF4-FFF2-40B4-BE49-F238E27FC236}">
-                <a16:creationId xmlns:a16="http://schemas.microsoft.com/office/drawing/2014/main" id="{1A3DBBD6-115A-774E-A5E1-F125CFEC5E82}"/>
-              </a:ext>
-            </a:extLst>
-          </p:cNvPr>
-          <p:cNvSpPr>
-            <a:spLocks noGrp="1"/>
-          </p:cNvSpPr>
-          <p:nvPr>
-            <p:ph type="body" idx="1"/>
-          </p:nvPr>
-        </p:nvSpPr>
-        <p:spPr/>
-        <p:txBody>
-          <a:bodyPr/>
-          <a:lstStyle/>
-          <a:p>
-            <a:endParaRPr lang="en-US"/>
-          </a:p>
-        </p:txBody>
-      </p:sp>
-      <p:sp>
-        <p:nvSpPr>
-          <p:cNvPr id="4" name="Date Placeholder 3">
-            <a:extLst>
-              <a:ext uri="{FF2B5EF4-FFF2-40B4-BE49-F238E27FC236}">
-                <a16:creationId xmlns:a16="http://schemas.microsoft.com/office/drawing/2014/main" id="{C1ABD5A6-4818-8E43-B2D7-487D0F12D677}"/>
-              </a:ext>
-            </a:extLst>
-          </p:cNvPr>
-          <p:cNvSpPr>
-            <a:spLocks noGrp="1"/>
-          </p:cNvSpPr>
-          <p:nvPr>
-            <p:ph type="dt" sz="half" idx="10"/>
-          </p:nvPr>
-        </p:nvSpPr>
-        <p:spPr/>
-        <p:txBody>
-          <a:bodyPr/>
-          <a:lstStyle/>
-          <a:p>
-            <a:fld id="{453754D5-8BE9-294A-B481-283E1E39E0CC}" type="datetime1">
-              <a:rPr lang="en-US" smtClean="0"/>
-              <a:t>8/17/20</a:t>
-            </a:fld>
-            <a:endParaRPr lang="en-US" dirty="0"/>
-          </a:p>
-        </p:txBody>
-      </p:sp>
-      <p:sp>
-        <p:nvSpPr>
-          <p:cNvPr id="5" name="Slide Number Placeholder 4">
-            <a:extLst>
-              <a:ext uri="{FF2B5EF4-FFF2-40B4-BE49-F238E27FC236}">
-                <a16:creationId xmlns:a16="http://schemas.microsoft.com/office/drawing/2014/main" id="{34888928-534E-5244-99DF-F63281AE9D0B}"/>
-              </a:ext>
-            </a:extLst>
-          </p:cNvPr>
-          <p:cNvSpPr>
-            <a:spLocks noGrp="1"/>
-          </p:cNvSpPr>
-          <p:nvPr>
-            <p:ph type="sldNum" sz="quarter" idx="12"/>
-          </p:nvPr>
-        </p:nvSpPr>
-        <p:spPr/>
-        <p:txBody>
-          <a:bodyPr>
-            <a:normAutofit lnSpcReduction="10000"/>
-          </a:bodyPr>
-          <a:lstStyle/>
-          <a:p>
-            <a:fld id="{4FAB73BC-B049-4115-A692-8D63A059BFB8}" type="slidenum">
-              <a:rPr lang="en-US" smtClean="0"/>
-              <a:t>10</a:t>
-            </a:fld>
-            <a:endParaRPr lang="en-US" dirty="0"/>
-          </a:p>
-        </p:txBody>
-      </p:sp>
-    </p:spTree>
-    <p:extLst>
-      <p:ext uri="{BB962C8B-B14F-4D97-AF65-F5344CB8AC3E}">
-        <p14:creationId xmlns:p14="http://schemas.microsoft.com/office/powerpoint/2010/main" val="2286077533"/>
-      </p:ext>
-    </p:extLst>
-  </p:cSld>
-  <p:clrMapOvr>
-    <a:masterClrMapping/>
-  </p:clrMapOvr>
-</p:sld>
-</file>
-
 <file path=ppt/slides/slide12.xml><?xml version="1.0" encoding="utf-8"?>
 <p:sld xmlns:a="http://schemas.openxmlformats.org/drawingml/2006/main" xmlns:r="http://schemas.openxmlformats.org/officeDocument/2006/relationships" xmlns:p="http://schemas.openxmlformats.org/presentationml/2006/main">
   <p:cSld>
@@ -7274,7 +7501,7 @@
           <p:cNvPr id="2" name="Title 1">
             <a:extLst>
               <a:ext uri="{FF2B5EF4-FFF2-40B4-BE49-F238E27FC236}">
-                <a16:creationId xmlns:a16="http://schemas.microsoft.com/office/drawing/2014/main" id="{F809FD02-7E77-FB41-935A-099DF641A3BD}"/>
+                <a16:creationId xmlns:a16="http://schemas.microsoft.com/office/drawing/2014/main" id="{E73C7915-CC85-9E40-AA7E-3F0881F6E290}"/>
               </a:ext>
             </a:extLst>
           </p:cNvPr>
@@ -7290,45 +7517,44 @@
           <a:bodyPr/>
           <a:lstStyle/>
           <a:p>
-            <a:endParaRPr lang="en-US"/>
-          </a:p>
-        </p:txBody>
-      </p:sp>
-      <p:pic>
-        <p:nvPicPr>
-          <p:cNvPr id="8" name="Content Placeholder 7" descr="A picture containing text, newspaper&#10;&#10;Description automatically generated">
+            <a:r>
+              <a:rPr lang="en-US" dirty="0"/>
+              <a:t>Section 2</a:t>
+            </a:r>
+          </a:p>
+        </p:txBody>
+      </p:sp>
+      <p:sp>
+        <p:nvSpPr>
+          <p:cNvPr id="3" name="Text Placeholder 2">
             <a:extLst>
               <a:ext uri="{FF2B5EF4-FFF2-40B4-BE49-F238E27FC236}">
-                <a16:creationId xmlns:a16="http://schemas.microsoft.com/office/drawing/2014/main" id="{DB9853F3-2614-3341-A43D-F2820205773A}"/>
+                <a16:creationId xmlns:a16="http://schemas.microsoft.com/office/drawing/2014/main" id="{1A3DBBD6-115A-774E-A5E1-F125CFEC5E82}"/>
               </a:ext>
             </a:extLst>
           </p:cNvPr>
-          <p:cNvPicPr>
-            <a:picLocks noGrp="1" noChangeAspect="1"/>
-          </p:cNvPicPr>
-          <p:nvPr>
-            <p:ph idx="1"/>
-          </p:nvPr>
-        </p:nvPicPr>
-        <p:blipFill>
-          <a:blip r:embed="rId2"/>
-          <a:stretch>
-            <a:fillRect/>
-          </a:stretch>
-        </p:blipFill>
-        <p:spPr>
-          <a:xfrm>
-            <a:off x="2940908" y="33174"/>
-            <a:ext cx="5239265" cy="6786098"/>
-          </a:xfrm>
-        </p:spPr>
-      </p:pic>
+          <p:cNvSpPr>
+            <a:spLocks noGrp="1"/>
+          </p:cNvSpPr>
+          <p:nvPr>
+            <p:ph type="body" idx="1"/>
+          </p:nvPr>
+        </p:nvSpPr>
+        <p:spPr/>
+        <p:txBody>
+          <a:bodyPr/>
+          <a:lstStyle/>
+          <a:p>
+            <a:endParaRPr lang="en-US"/>
+          </a:p>
+        </p:txBody>
+      </p:sp>
       <p:sp>
         <p:nvSpPr>
           <p:cNvPr id="4" name="Date Placeholder 3">
             <a:extLst>
               <a:ext uri="{FF2B5EF4-FFF2-40B4-BE49-F238E27FC236}">
-                <a16:creationId xmlns:a16="http://schemas.microsoft.com/office/drawing/2014/main" id="{F3B8E71E-42EC-CC43-B152-2271ECF4334B}"/>
+                <a16:creationId xmlns:a16="http://schemas.microsoft.com/office/drawing/2014/main" id="{C1ABD5A6-4818-8E43-B2D7-487D0F12D677}"/>
               </a:ext>
             </a:extLst>
           </p:cNvPr>
@@ -7344,9 +7570,9 @@
           <a:bodyPr/>
           <a:lstStyle/>
           <a:p>
-            <a:fld id="{0C058645-6F24-9C43-8FC3-443F02031404}" type="datetime1">
+            <a:fld id="{453754D5-8BE9-294A-B481-283E1E39E0CC}" type="datetime1">
               <a:rPr lang="en-US" smtClean="0"/>
-              <a:t>8/17/20</a:t>
+              <a:t>11/13/20</a:t>
             </a:fld>
             <a:endParaRPr lang="en-US" dirty="0"/>
           </a:p>
@@ -7357,7 +7583,7 @@
           <p:cNvPr id="5" name="Slide Number Placeholder 4">
             <a:extLst>
               <a:ext uri="{FF2B5EF4-FFF2-40B4-BE49-F238E27FC236}">
-                <a16:creationId xmlns:a16="http://schemas.microsoft.com/office/drawing/2014/main" id="{E140BD1B-6F28-1745-80D3-4B23AD310594}"/>
+                <a16:creationId xmlns:a16="http://schemas.microsoft.com/office/drawing/2014/main" id="{34888928-534E-5244-99DF-F63281AE9D0B}"/>
               </a:ext>
             </a:extLst>
           </p:cNvPr>
@@ -7383,45 +7609,10 @@
           </a:p>
         </p:txBody>
       </p:sp>
-      <p:sp>
-        <p:nvSpPr>
-          <p:cNvPr id="6" name="Footer Placeholder 5">
-            <a:extLst>
-              <a:ext uri="{FF2B5EF4-FFF2-40B4-BE49-F238E27FC236}">
-                <a16:creationId xmlns:a16="http://schemas.microsoft.com/office/drawing/2014/main" id="{FDCAB8DE-95BF-3F4C-BCCD-6BF40B9031F3}"/>
-              </a:ext>
-            </a:extLst>
-          </p:cNvPr>
-          <p:cNvSpPr>
-            <a:spLocks noGrp="1"/>
-          </p:cNvSpPr>
-          <p:nvPr>
-            <p:ph type="ftr" sz="quarter" idx="3"/>
-          </p:nvPr>
-        </p:nvSpPr>
-        <p:spPr/>
-        <p:txBody>
-          <a:bodyPr/>
-          <a:lstStyle/>
-          <a:p>
-            <a:r>
-              <a:rPr lang="en-US"/>
-              <a:t>UCL GIS for Geoscientists- Session 3- Intermediate GIS</a:t>
-            </a:r>
-          </a:p>
-          <a:p>
-            <a:r>
-              <a:rPr lang="en-US"/>
-              <a:t>Presented by N.D. Barber (Cambridge) ndb38@cam.ac.uk</a:t>
-            </a:r>
-            <a:endParaRPr lang="en-US" dirty="0"/>
-          </a:p>
-        </p:txBody>
-      </p:sp>
     </p:spTree>
     <p:extLst>
       <p:ext uri="{BB962C8B-B14F-4D97-AF65-F5344CB8AC3E}">
-        <p14:creationId xmlns:p14="http://schemas.microsoft.com/office/powerpoint/2010/main" val="3227073904"/>
+        <p14:creationId xmlns:p14="http://schemas.microsoft.com/office/powerpoint/2010/main" val="2286077533"/>
       </p:ext>
     </p:extLst>
   </p:cSld>
@@ -7453,7 +7644,7 @@
           <p:cNvPr id="2" name="Title 1">
             <a:extLst>
               <a:ext uri="{FF2B5EF4-FFF2-40B4-BE49-F238E27FC236}">
-                <a16:creationId xmlns:a16="http://schemas.microsoft.com/office/drawing/2014/main" id="{72C44A9B-F735-B54D-B030-262342A89C97}"/>
+                <a16:creationId xmlns:a16="http://schemas.microsoft.com/office/drawing/2014/main" id="{F809FD02-7E77-FB41-935A-099DF641A3BD}"/>
               </a:ext>
             </a:extLst>
           </p:cNvPr>
@@ -7469,44 +7660,45 @@
           <a:bodyPr/>
           <a:lstStyle/>
           <a:p>
-            <a:r>
-              <a:rPr lang="en-US" dirty="0"/>
-              <a:t>Section 3</a:t>
-            </a:r>
-          </a:p>
-        </p:txBody>
-      </p:sp>
-      <p:sp>
-        <p:nvSpPr>
-          <p:cNvPr id="3" name="Text Placeholder 2">
+            <a:endParaRPr lang="en-US"/>
+          </a:p>
+        </p:txBody>
+      </p:sp>
+      <p:pic>
+        <p:nvPicPr>
+          <p:cNvPr id="8" name="Content Placeholder 7" descr="A picture containing text, newspaper&#10;&#10;Description automatically generated">
             <a:extLst>
               <a:ext uri="{FF2B5EF4-FFF2-40B4-BE49-F238E27FC236}">
-                <a16:creationId xmlns:a16="http://schemas.microsoft.com/office/drawing/2014/main" id="{6EDE35EF-D7C9-E34F-AC87-E32EE5EAD359}"/>
+                <a16:creationId xmlns:a16="http://schemas.microsoft.com/office/drawing/2014/main" id="{DB9853F3-2614-3341-A43D-F2820205773A}"/>
               </a:ext>
             </a:extLst>
           </p:cNvPr>
-          <p:cNvSpPr>
-            <a:spLocks noGrp="1"/>
-          </p:cNvSpPr>
-          <p:nvPr>
-            <p:ph type="body" idx="1"/>
-          </p:nvPr>
-        </p:nvSpPr>
-        <p:spPr/>
-        <p:txBody>
-          <a:bodyPr/>
-          <a:lstStyle/>
-          <a:p>
-            <a:endParaRPr lang="en-US"/>
-          </a:p>
-        </p:txBody>
-      </p:sp>
+          <p:cNvPicPr>
+            <a:picLocks noGrp="1" noChangeAspect="1"/>
+          </p:cNvPicPr>
+          <p:nvPr>
+            <p:ph idx="1"/>
+          </p:nvPr>
+        </p:nvPicPr>
+        <p:blipFill>
+          <a:blip r:embed="rId2"/>
+          <a:stretch>
+            <a:fillRect/>
+          </a:stretch>
+        </p:blipFill>
+        <p:spPr>
+          <a:xfrm>
+            <a:off x="2940908" y="33174"/>
+            <a:ext cx="5239265" cy="6786098"/>
+          </a:xfrm>
+        </p:spPr>
+      </p:pic>
       <p:sp>
         <p:nvSpPr>
           <p:cNvPr id="4" name="Date Placeholder 3">
             <a:extLst>
               <a:ext uri="{FF2B5EF4-FFF2-40B4-BE49-F238E27FC236}">
-                <a16:creationId xmlns:a16="http://schemas.microsoft.com/office/drawing/2014/main" id="{2AFA192A-4F71-8E46-87AE-01426B7BE3D6}"/>
+                <a16:creationId xmlns:a16="http://schemas.microsoft.com/office/drawing/2014/main" id="{F3B8E71E-42EC-CC43-B152-2271ECF4334B}"/>
               </a:ext>
             </a:extLst>
           </p:cNvPr>
@@ -7522,9 +7714,9 @@
           <a:bodyPr/>
           <a:lstStyle/>
           <a:p>
-            <a:fld id="{453754D5-8BE9-294A-B481-283E1E39E0CC}" type="datetime1">
+            <a:fld id="{0C058645-6F24-9C43-8FC3-443F02031404}" type="datetime1">
               <a:rPr lang="en-US" smtClean="0"/>
-              <a:t>8/17/20</a:t>
+              <a:t>11/13/20</a:t>
             </a:fld>
             <a:endParaRPr lang="en-US" dirty="0"/>
           </a:p>
@@ -7535,7 +7727,7 @@
           <p:cNvPr id="5" name="Slide Number Placeholder 4">
             <a:extLst>
               <a:ext uri="{FF2B5EF4-FFF2-40B4-BE49-F238E27FC236}">
-                <a16:creationId xmlns:a16="http://schemas.microsoft.com/office/drawing/2014/main" id="{34E1838B-A01F-E640-973D-877238FD50EC}"/>
+                <a16:creationId xmlns:a16="http://schemas.microsoft.com/office/drawing/2014/main" id="{E140BD1B-6F28-1745-80D3-4B23AD310594}"/>
               </a:ext>
             </a:extLst>
           </p:cNvPr>
@@ -7561,10 +7753,45 @@
           </a:p>
         </p:txBody>
       </p:sp>
+      <p:sp>
+        <p:nvSpPr>
+          <p:cNvPr id="6" name="Footer Placeholder 5">
+            <a:extLst>
+              <a:ext uri="{FF2B5EF4-FFF2-40B4-BE49-F238E27FC236}">
+                <a16:creationId xmlns:a16="http://schemas.microsoft.com/office/drawing/2014/main" id="{FDCAB8DE-95BF-3F4C-BCCD-6BF40B9031F3}"/>
+              </a:ext>
+            </a:extLst>
+          </p:cNvPr>
+          <p:cNvSpPr>
+            <a:spLocks noGrp="1"/>
+          </p:cNvSpPr>
+          <p:nvPr>
+            <p:ph type="ftr" sz="quarter" idx="3"/>
+          </p:nvPr>
+        </p:nvSpPr>
+        <p:spPr/>
+        <p:txBody>
+          <a:bodyPr/>
+          <a:lstStyle/>
+          <a:p>
+            <a:r>
+              <a:rPr lang="en-US"/>
+              <a:t>UCL GIS for Geoscientists- Session 3- Intermediate GIS</a:t>
+            </a:r>
+          </a:p>
+          <a:p>
+            <a:r>
+              <a:rPr lang="en-US"/>
+              <a:t>Presented by N.D. Barber (Cambridge) ndb38@cam.ac.uk</a:t>
+            </a:r>
+            <a:endParaRPr lang="en-US" dirty="0"/>
+          </a:p>
+        </p:txBody>
+      </p:sp>
     </p:spTree>
     <p:extLst>
       <p:ext uri="{BB962C8B-B14F-4D97-AF65-F5344CB8AC3E}">
-        <p14:creationId xmlns:p14="http://schemas.microsoft.com/office/powerpoint/2010/main" val="3836933792"/>
+        <p14:creationId xmlns:p14="http://schemas.microsoft.com/office/powerpoint/2010/main" val="3227073904"/>
       </p:ext>
     </p:extLst>
   </p:cSld>
@@ -7596,7 +7823,7 @@
           <p:cNvPr id="2" name="Title 1">
             <a:extLst>
               <a:ext uri="{FF2B5EF4-FFF2-40B4-BE49-F238E27FC236}">
-                <a16:creationId xmlns:a16="http://schemas.microsoft.com/office/drawing/2014/main" id="{02D5D0D7-1158-5040-B035-11B71C02D831}"/>
+                <a16:creationId xmlns:a16="http://schemas.microsoft.com/office/drawing/2014/main" id="{72C44A9B-F735-B54D-B030-262342A89C97}"/>
               </a:ext>
             </a:extLst>
           </p:cNvPr>
@@ -7613,22 +7840,18 @@
           <a:lstStyle/>
           <a:p>
             <a:r>
-              <a:rPr lang="en-US" dirty="0" err="1"/>
-              <a:t>PyQGIS</a:t>
-            </a:r>
-            <a:r>
-              <a:rPr lang="en-US" dirty="0"/>
-              <a:t> Resources</a:t>
-            </a:r>
-          </a:p>
-        </p:txBody>
-      </p:sp>
-      <p:sp>
-        <p:nvSpPr>
-          <p:cNvPr id="3" name="Content Placeholder 2">
+              <a:rPr lang="en-US" dirty="0"/>
+              <a:t>Section 3</a:t>
+            </a:r>
+          </a:p>
+        </p:txBody>
+      </p:sp>
+      <p:sp>
+        <p:nvSpPr>
+          <p:cNvPr id="3" name="Text Placeholder 2">
             <a:extLst>
               <a:ext uri="{FF2B5EF4-FFF2-40B4-BE49-F238E27FC236}">
-                <a16:creationId xmlns:a16="http://schemas.microsoft.com/office/drawing/2014/main" id="{47BF72F7-AC12-C34D-9C3D-A10E48B80699}"/>
+                <a16:creationId xmlns:a16="http://schemas.microsoft.com/office/drawing/2014/main" id="{6EDE35EF-D7C9-E34F-AC87-E32EE5EAD359}"/>
               </a:ext>
             </a:extLst>
           </p:cNvPr>
@@ -7636,7 +7859,7 @@
             <a:spLocks noGrp="1"/>
           </p:cNvSpPr>
           <p:nvPr>
-            <p:ph idx="1"/>
+            <p:ph type="body" idx="1"/>
           </p:nvPr>
         </p:nvSpPr>
         <p:spPr/>
@@ -7644,87 +7867,7 @@
           <a:bodyPr/>
           <a:lstStyle/>
           <a:p>
-            <a:r>
-              <a:rPr lang="en-US" dirty="0"/>
-              <a:t>Beginner friendly tutorial: </a:t>
-            </a:r>
-            <a:r>
-              <a:rPr lang="en-US" dirty="0">
-                <a:solidFill>
-                  <a:srgbClr val="67AABF"/>
-                </a:solidFill>
-                <a:hlinkClick r:id="rId2"/>
-              </a:rPr>
-              <a:t>https://anitagraser.com/pyqgis-101-introduction-to-qgis-python-programming-for-non-programmers/</a:t>
-            </a:r>
-            <a:endParaRPr lang="en-US" dirty="0">
-              <a:solidFill>
-                <a:srgbClr val="67AABF"/>
-              </a:solidFill>
-            </a:endParaRPr>
-          </a:p>
-          <a:p>
-            <a:r>
-              <a:rPr lang="en-US" dirty="0" err="1"/>
-              <a:t>PyQGIS</a:t>
-            </a:r>
-            <a:r>
-              <a:rPr lang="en-US" dirty="0"/>
-              <a:t> Official Cookbook: </a:t>
-            </a:r>
-            <a:r>
-              <a:rPr lang="en-US" dirty="0">
-                <a:hlinkClick r:id="rId3"/>
-              </a:rPr>
-              <a:t>https://docs.qgis.org/testing/en/docs/pyqgis_developer_cookbook/</a:t>
-            </a:r>
-            <a:endParaRPr lang="en-US" dirty="0"/>
-          </a:p>
-          <a:p>
-            <a:r>
-              <a:rPr lang="en-US" dirty="0"/>
-              <a:t>Learn Python in QGIS in a Day: </a:t>
-            </a:r>
-            <a:r>
-              <a:rPr lang="en-US" dirty="0">
-                <a:hlinkClick r:id="rId4"/>
-              </a:rPr>
-              <a:t>https://</a:t>
-            </a:r>
-            <a:r>
-              <a:rPr lang="en-US" dirty="0" err="1">
-                <a:hlinkClick r:id="rId4"/>
-              </a:rPr>
-              <a:t>courses.spatialthoughts.com</a:t>
-            </a:r>
-            <a:r>
-              <a:rPr lang="en-US" dirty="0">
-                <a:hlinkClick r:id="rId4"/>
-              </a:rPr>
-              <a:t>/</a:t>
-            </a:r>
-            <a:r>
-              <a:rPr lang="en-US" dirty="0" err="1">
-                <a:hlinkClick r:id="rId4"/>
-              </a:rPr>
-              <a:t>pyqgis</a:t>
-            </a:r>
-            <a:r>
-              <a:rPr lang="en-US" dirty="0">
-                <a:hlinkClick r:id="rId4"/>
-              </a:rPr>
-              <a:t>-in-a-</a:t>
-            </a:r>
-            <a:r>
-              <a:rPr lang="en-US" dirty="0" err="1">
-                <a:hlinkClick r:id="rId4"/>
-              </a:rPr>
-              <a:t>day.html</a:t>
-            </a:r>
-            <a:endParaRPr lang="en-US" dirty="0"/>
-          </a:p>
-          <a:p>
-            <a:endParaRPr lang="en-US" dirty="0"/>
+            <a:endParaRPr lang="en-US"/>
           </a:p>
         </p:txBody>
       </p:sp>
@@ -7733,7 +7876,7 @@
           <p:cNvPr id="4" name="Date Placeholder 3">
             <a:extLst>
               <a:ext uri="{FF2B5EF4-FFF2-40B4-BE49-F238E27FC236}">
-                <a16:creationId xmlns:a16="http://schemas.microsoft.com/office/drawing/2014/main" id="{025F5342-3251-0243-AFE7-1920DA878238}"/>
+                <a16:creationId xmlns:a16="http://schemas.microsoft.com/office/drawing/2014/main" id="{2AFA192A-4F71-8E46-87AE-01426B7BE3D6}"/>
               </a:ext>
             </a:extLst>
           </p:cNvPr>
@@ -7749,9 +7892,9 @@
           <a:bodyPr/>
           <a:lstStyle/>
           <a:p>
-            <a:fld id="{0C058645-6F24-9C43-8FC3-443F02031404}" type="datetime1">
+            <a:fld id="{453754D5-8BE9-294A-B481-283E1E39E0CC}" type="datetime1">
               <a:rPr lang="en-US" smtClean="0"/>
-              <a:t>8/17/20</a:t>
+              <a:t>11/13/20</a:t>
             </a:fld>
             <a:endParaRPr lang="en-US" dirty="0"/>
           </a:p>
@@ -7762,7 +7905,7 @@
           <p:cNvPr id="5" name="Slide Number Placeholder 4">
             <a:extLst>
               <a:ext uri="{FF2B5EF4-FFF2-40B4-BE49-F238E27FC236}">
-                <a16:creationId xmlns:a16="http://schemas.microsoft.com/office/drawing/2014/main" id="{CEBD24D7-BAC7-294E-9370-BAD2D7800611}"/>
+                <a16:creationId xmlns:a16="http://schemas.microsoft.com/office/drawing/2014/main" id="{34E1838B-A01F-E640-973D-877238FD50EC}"/>
               </a:ext>
             </a:extLst>
           </p:cNvPr>
@@ -7788,45 +7931,10 @@
           </a:p>
         </p:txBody>
       </p:sp>
-      <p:sp>
-        <p:nvSpPr>
-          <p:cNvPr id="6" name="Footer Placeholder 5">
-            <a:extLst>
-              <a:ext uri="{FF2B5EF4-FFF2-40B4-BE49-F238E27FC236}">
-                <a16:creationId xmlns:a16="http://schemas.microsoft.com/office/drawing/2014/main" id="{2B7CD493-98FF-F544-936A-C9D99CE8D3FB}"/>
-              </a:ext>
-            </a:extLst>
-          </p:cNvPr>
-          <p:cNvSpPr>
-            <a:spLocks noGrp="1"/>
-          </p:cNvSpPr>
-          <p:nvPr>
-            <p:ph type="ftr" sz="quarter" idx="3"/>
-          </p:nvPr>
-        </p:nvSpPr>
-        <p:spPr/>
-        <p:txBody>
-          <a:bodyPr/>
-          <a:lstStyle/>
-          <a:p>
-            <a:r>
-              <a:rPr lang="en-US"/>
-              <a:t>UCL GIS for Geoscientists- Session 3- Intermediate GIS</a:t>
-            </a:r>
-          </a:p>
-          <a:p>
-            <a:r>
-              <a:rPr lang="en-US"/>
-              <a:t>Presented by N.D. Barber (Cambridge) ndb38@cam.ac.uk</a:t>
-            </a:r>
-            <a:endParaRPr lang="en-US" dirty="0"/>
-          </a:p>
-        </p:txBody>
-      </p:sp>
     </p:spTree>
     <p:extLst>
       <p:ext uri="{BB962C8B-B14F-4D97-AF65-F5344CB8AC3E}">
-        <p14:creationId xmlns:p14="http://schemas.microsoft.com/office/powerpoint/2010/main" val="3394649118"/>
+        <p14:creationId xmlns:p14="http://schemas.microsoft.com/office/powerpoint/2010/main" val="3836933792"/>
       </p:ext>
     </p:extLst>
   </p:cSld>
@@ -7858,7 +7966,7 @@
           <p:cNvPr id="2" name="Title 1">
             <a:extLst>
               <a:ext uri="{FF2B5EF4-FFF2-40B4-BE49-F238E27FC236}">
-                <a16:creationId xmlns:a16="http://schemas.microsoft.com/office/drawing/2014/main" id="{4892FDEF-BB20-2640-AE33-EF3C356CA4C2}"/>
+                <a16:creationId xmlns:a16="http://schemas.microsoft.com/office/drawing/2014/main" id="{02D5D0D7-1158-5040-B035-11B71C02D831}"/>
               </a:ext>
             </a:extLst>
           </p:cNvPr>
@@ -7875,18 +7983,22 @@
           <a:lstStyle/>
           <a:p>
             <a:r>
-              <a:rPr lang="en-US" dirty="0"/>
-              <a:t>Final Thoughts</a:t>
-            </a:r>
-          </a:p>
-        </p:txBody>
-      </p:sp>
-      <p:sp>
-        <p:nvSpPr>
-          <p:cNvPr id="3" name="Text Placeholder 2">
+              <a:rPr lang="en-US" dirty="0" err="1"/>
+              <a:t>PyQGIS</a:t>
+            </a:r>
+            <a:r>
+              <a:rPr lang="en-US" dirty="0"/>
+              <a:t> Resources</a:t>
+            </a:r>
+          </a:p>
+        </p:txBody>
+      </p:sp>
+      <p:sp>
+        <p:nvSpPr>
+          <p:cNvPr id="3" name="Content Placeholder 2">
             <a:extLst>
               <a:ext uri="{FF2B5EF4-FFF2-40B4-BE49-F238E27FC236}">
-                <a16:creationId xmlns:a16="http://schemas.microsoft.com/office/drawing/2014/main" id="{1B0A57AD-5209-A842-9D75-5F0838EC0D81}"/>
+                <a16:creationId xmlns:a16="http://schemas.microsoft.com/office/drawing/2014/main" id="{47BF72F7-AC12-C34D-9C3D-A10E48B80699}"/>
               </a:ext>
             </a:extLst>
           </p:cNvPr>
@@ -7894,7 +8006,7 @@
             <a:spLocks noGrp="1"/>
           </p:cNvSpPr>
           <p:nvPr>
-            <p:ph type="body" idx="1"/>
+            <p:ph idx="1"/>
           </p:nvPr>
         </p:nvSpPr>
         <p:spPr/>
@@ -7902,7 +8014,87 @@
           <a:bodyPr/>
           <a:lstStyle/>
           <a:p>
-            <a:endParaRPr lang="en-US"/>
+            <a:r>
+              <a:rPr lang="en-US" dirty="0"/>
+              <a:t>Beginner friendly tutorial: </a:t>
+            </a:r>
+            <a:r>
+              <a:rPr lang="en-US" dirty="0">
+                <a:solidFill>
+                  <a:srgbClr val="67AABF"/>
+                </a:solidFill>
+                <a:hlinkClick r:id="rId2"/>
+              </a:rPr>
+              <a:t>https://anitagraser.com/pyqgis-101-introduction-to-qgis-python-programming-for-non-programmers/</a:t>
+            </a:r>
+            <a:endParaRPr lang="en-US" dirty="0">
+              <a:solidFill>
+                <a:srgbClr val="67AABF"/>
+              </a:solidFill>
+            </a:endParaRPr>
+          </a:p>
+          <a:p>
+            <a:r>
+              <a:rPr lang="en-US" dirty="0" err="1"/>
+              <a:t>PyQGIS</a:t>
+            </a:r>
+            <a:r>
+              <a:rPr lang="en-US" dirty="0"/>
+              <a:t> Official Cookbook: </a:t>
+            </a:r>
+            <a:r>
+              <a:rPr lang="en-US" dirty="0">
+                <a:hlinkClick r:id="rId3"/>
+              </a:rPr>
+              <a:t>https://docs.qgis.org/testing/en/docs/pyqgis_developer_cookbook/</a:t>
+            </a:r>
+            <a:endParaRPr lang="en-US" dirty="0"/>
+          </a:p>
+          <a:p>
+            <a:r>
+              <a:rPr lang="en-US" dirty="0"/>
+              <a:t>Learn Python in QGIS in a Day: </a:t>
+            </a:r>
+            <a:r>
+              <a:rPr lang="en-US" dirty="0">
+                <a:hlinkClick r:id="rId4"/>
+              </a:rPr>
+              <a:t>https://</a:t>
+            </a:r>
+            <a:r>
+              <a:rPr lang="en-US" dirty="0" err="1">
+                <a:hlinkClick r:id="rId4"/>
+              </a:rPr>
+              <a:t>courses.spatialthoughts.com</a:t>
+            </a:r>
+            <a:r>
+              <a:rPr lang="en-US" dirty="0">
+                <a:hlinkClick r:id="rId4"/>
+              </a:rPr>
+              <a:t>/</a:t>
+            </a:r>
+            <a:r>
+              <a:rPr lang="en-US" dirty="0" err="1">
+                <a:hlinkClick r:id="rId4"/>
+              </a:rPr>
+              <a:t>pyqgis</a:t>
+            </a:r>
+            <a:r>
+              <a:rPr lang="en-US" dirty="0">
+                <a:hlinkClick r:id="rId4"/>
+              </a:rPr>
+              <a:t>-in-a-</a:t>
+            </a:r>
+            <a:r>
+              <a:rPr lang="en-US" dirty="0" err="1">
+                <a:hlinkClick r:id="rId4"/>
+              </a:rPr>
+              <a:t>day.html</a:t>
+            </a:r>
+            <a:endParaRPr lang="en-US" dirty="0"/>
+          </a:p>
+          <a:p>
+            <a:endParaRPr lang="en-US" dirty="0"/>
           </a:p>
         </p:txBody>
       </p:sp>
@@ -7911,7 +8103,7 @@
           <p:cNvPr id="4" name="Date Placeholder 3">
             <a:extLst>
               <a:ext uri="{FF2B5EF4-FFF2-40B4-BE49-F238E27FC236}">
-                <a16:creationId xmlns:a16="http://schemas.microsoft.com/office/drawing/2014/main" id="{25DC910F-2CF2-7144-BC19-8EBF79413CA9}"/>
+                <a16:creationId xmlns:a16="http://schemas.microsoft.com/office/drawing/2014/main" id="{025F5342-3251-0243-AFE7-1920DA878238}"/>
               </a:ext>
             </a:extLst>
           </p:cNvPr>
@@ -7927,9 +8119,9 @@
           <a:bodyPr/>
           <a:lstStyle/>
           <a:p>
-            <a:fld id="{453754D5-8BE9-294A-B481-283E1E39E0CC}" type="datetime1">
+            <a:fld id="{0C058645-6F24-9C43-8FC3-443F02031404}" type="datetime1">
               <a:rPr lang="en-US" smtClean="0"/>
-              <a:t>8/17/20</a:t>
+              <a:t>11/13/20</a:t>
             </a:fld>
             <a:endParaRPr lang="en-US" dirty="0"/>
           </a:p>
@@ -7940,7 +8132,7 @@
           <p:cNvPr id="5" name="Slide Number Placeholder 4">
             <a:extLst>
               <a:ext uri="{FF2B5EF4-FFF2-40B4-BE49-F238E27FC236}">
-                <a16:creationId xmlns:a16="http://schemas.microsoft.com/office/drawing/2014/main" id="{8C0F5160-A52B-134F-8321-172876D7A8F3}"/>
+                <a16:creationId xmlns:a16="http://schemas.microsoft.com/office/drawing/2014/main" id="{CEBD24D7-BAC7-294E-9370-BAD2D7800611}"/>
               </a:ext>
             </a:extLst>
           </p:cNvPr>
@@ -7966,10 +8158,45 @@
           </a:p>
         </p:txBody>
       </p:sp>
+      <p:sp>
+        <p:nvSpPr>
+          <p:cNvPr id="6" name="Footer Placeholder 5">
+            <a:extLst>
+              <a:ext uri="{FF2B5EF4-FFF2-40B4-BE49-F238E27FC236}">
+                <a16:creationId xmlns:a16="http://schemas.microsoft.com/office/drawing/2014/main" id="{2B7CD493-98FF-F544-936A-C9D99CE8D3FB}"/>
+              </a:ext>
+            </a:extLst>
+          </p:cNvPr>
+          <p:cNvSpPr>
+            <a:spLocks noGrp="1"/>
+          </p:cNvSpPr>
+          <p:nvPr>
+            <p:ph type="ftr" sz="quarter" idx="3"/>
+          </p:nvPr>
+        </p:nvSpPr>
+        <p:spPr/>
+        <p:txBody>
+          <a:bodyPr/>
+          <a:lstStyle/>
+          <a:p>
+            <a:r>
+              <a:rPr lang="en-US"/>
+              <a:t>UCL GIS for Geoscientists- Session 3- Intermediate GIS</a:t>
+            </a:r>
+          </a:p>
+          <a:p>
+            <a:r>
+              <a:rPr lang="en-US"/>
+              <a:t>Presented by N.D. Barber (Cambridge) ndb38@cam.ac.uk</a:t>
+            </a:r>
+            <a:endParaRPr lang="en-US" dirty="0"/>
+          </a:p>
+        </p:txBody>
+      </p:sp>
     </p:spTree>
     <p:extLst>
       <p:ext uri="{BB962C8B-B14F-4D97-AF65-F5344CB8AC3E}">
-        <p14:creationId xmlns:p14="http://schemas.microsoft.com/office/powerpoint/2010/main" val="2817827341"/>
+        <p14:creationId xmlns:p14="http://schemas.microsoft.com/office/powerpoint/2010/main" val="3394649118"/>
       </p:ext>
     </p:extLst>
   </p:cSld>
@@ -8001,7 +8228,7 @@
           <p:cNvPr id="2" name="Title 1">
             <a:extLst>
               <a:ext uri="{FF2B5EF4-FFF2-40B4-BE49-F238E27FC236}">
-                <a16:creationId xmlns:a16="http://schemas.microsoft.com/office/drawing/2014/main" id="{F6DD355A-B1DE-394E-A944-0D553C6E4877}"/>
+                <a16:creationId xmlns:a16="http://schemas.microsoft.com/office/drawing/2014/main" id="{4892FDEF-BB20-2640-AE33-EF3C356CA4C2}"/>
               </a:ext>
             </a:extLst>
           </p:cNvPr>
@@ -8019,17 +8246,17 @@
           <a:p>
             <a:r>
               <a:rPr lang="en-US" dirty="0"/>
-              <a:t>My goals at the start:</a:t>
-            </a:r>
-          </a:p>
-        </p:txBody>
-      </p:sp>
-      <p:sp>
-        <p:nvSpPr>
-          <p:cNvPr id="3" name="Content Placeholder 2">
+              <a:t>Final Thoughts</a:t>
+            </a:r>
+          </a:p>
+        </p:txBody>
+      </p:sp>
+      <p:sp>
+        <p:nvSpPr>
+          <p:cNvPr id="3" name="Text Placeholder 2">
             <a:extLst>
               <a:ext uri="{FF2B5EF4-FFF2-40B4-BE49-F238E27FC236}">
-                <a16:creationId xmlns:a16="http://schemas.microsoft.com/office/drawing/2014/main" id="{42D5277B-D6A7-9B46-A1D7-07322D4DC192}"/>
+                <a16:creationId xmlns:a16="http://schemas.microsoft.com/office/drawing/2014/main" id="{1B0A57AD-5209-A842-9D75-5F0838EC0D81}"/>
               </a:ext>
             </a:extLst>
           </p:cNvPr>
@@ -8037,7 +8264,7 @@
             <a:spLocks noGrp="1"/>
           </p:cNvSpPr>
           <p:nvPr>
-            <p:ph idx="1"/>
+            <p:ph type="body" idx="1"/>
           </p:nvPr>
         </p:nvSpPr>
         <p:spPr/>
@@ -8045,47 +8272,7 @@
           <a:bodyPr/>
           <a:lstStyle/>
           <a:p>
-            <a:pPr marL="342900" indent="-342900">
-              <a:buFont typeface="+mj-lt"/>
-              <a:buAutoNum type="arabicPeriod"/>
-            </a:pPr>
-            <a:r>
-              <a:rPr lang="en-US" dirty="0"/>
-              <a:t>Highlight what GIS can do for geoscientists</a:t>
-            </a:r>
-          </a:p>
-          <a:p>
-            <a:pPr marL="342900" indent="-342900">
-              <a:buFont typeface="+mj-lt"/>
-              <a:buAutoNum type="arabicPeriod"/>
-            </a:pPr>
-            <a:r>
-              <a:rPr lang="en-US" dirty="0"/>
-              <a:t>Outline the key principles of a geographic information system</a:t>
-            </a:r>
-          </a:p>
-          <a:p>
-            <a:pPr marL="342900" indent="-342900">
-              <a:buFont typeface="+mj-lt"/>
-              <a:buAutoNum type="arabicPeriod"/>
-            </a:pPr>
-            <a:r>
-              <a:rPr lang="en-US" dirty="0"/>
-              <a:t>Providing a fully guided GIS workflow template</a:t>
-            </a:r>
-          </a:p>
-          <a:p>
-            <a:pPr marL="342900" indent="-342900">
-              <a:buFont typeface="+mj-lt"/>
-              <a:buAutoNum type="arabicPeriod"/>
-            </a:pPr>
-            <a:r>
-              <a:rPr lang="en-US" dirty="0"/>
-              <a:t>Identify key areas of growth for GIS in geoscience research</a:t>
-            </a:r>
-          </a:p>
-          <a:p>
-            <a:endParaRPr lang="en-US" dirty="0"/>
+            <a:endParaRPr lang="en-US"/>
           </a:p>
         </p:txBody>
       </p:sp>
@@ -8094,7 +8281,7 @@
           <p:cNvPr id="4" name="Date Placeholder 3">
             <a:extLst>
               <a:ext uri="{FF2B5EF4-FFF2-40B4-BE49-F238E27FC236}">
-                <a16:creationId xmlns:a16="http://schemas.microsoft.com/office/drawing/2014/main" id="{3663C2EB-62D0-A24B-B39B-D1019AE7D826}"/>
+                <a16:creationId xmlns:a16="http://schemas.microsoft.com/office/drawing/2014/main" id="{25DC910F-2CF2-7144-BC19-8EBF79413CA9}"/>
               </a:ext>
             </a:extLst>
           </p:cNvPr>
@@ -8110,9 +8297,9 @@
           <a:bodyPr/>
           <a:lstStyle/>
           <a:p>
-            <a:fld id="{0C058645-6F24-9C43-8FC3-443F02031404}" type="datetime1">
+            <a:fld id="{453754D5-8BE9-294A-B481-283E1E39E0CC}" type="datetime1">
               <a:rPr lang="en-US" smtClean="0"/>
-              <a:t>8/17/20</a:t>
+              <a:t>11/13/20</a:t>
             </a:fld>
             <a:endParaRPr lang="en-US" dirty="0"/>
           </a:p>
@@ -8123,7 +8310,7 @@
           <p:cNvPr id="5" name="Slide Number Placeholder 4">
             <a:extLst>
               <a:ext uri="{FF2B5EF4-FFF2-40B4-BE49-F238E27FC236}">
-                <a16:creationId xmlns:a16="http://schemas.microsoft.com/office/drawing/2014/main" id="{14CB9155-EBFD-674B-B601-817944DEC749}"/>
+                <a16:creationId xmlns:a16="http://schemas.microsoft.com/office/drawing/2014/main" id="{8C0F5160-A52B-134F-8321-172876D7A8F3}"/>
               </a:ext>
             </a:extLst>
           </p:cNvPr>
@@ -8152,7 +8339,7 @@
     </p:spTree>
     <p:extLst>
       <p:ext uri="{BB962C8B-B14F-4D97-AF65-F5344CB8AC3E}">
-        <p14:creationId xmlns:p14="http://schemas.microsoft.com/office/powerpoint/2010/main" val="1198860467"/>
+        <p14:creationId xmlns:p14="http://schemas.microsoft.com/office/powerpoint/2010/main" val="2817827341"/>
       </p:ext>
     </p:extLst>
   </p:cSld>
@@ -8184,6 +8371,189 @@
           <p:cNvPr id="2" name="Title 1">
             <a:extLst>
               <a:ext uri="{FF2B5EF4-FFF2-40B4-BE49-F238E27FC236}">
+                <a16:creationId xmlns:a16="http://schemas.microsoft.com/office/drawing/2014/main" id="{F6DD355A-B1DE-394E-A944-0D553C6E4877}"/>
+              </a:ext>
+            </a:extLst>
+          </p:cNvPr>
+          <p:cNvSpPr>
+            <a:spLocks noGrp="1"/>
+          </p:cNvSpPr>
+          <p:nvPr>
+            <p:ph type="title"/>
+          </p:nvPr>
+        </p:nvSpPr>
+        <p:spPr/>
+        <p:txBody>
+          <a:bodyPr/>
+          <a:lstStyle/>
+          <a:p>
+            <a:r>
+              <a:rPr lang="en-US" dirty="0"/>
+              <a:t>My goals at the start:</a:t>
+            </a:r>
+          </a:p>
+        </p:txBody>
+      </p:sp>
+      <p:sp>
+        <p:nvSpPr>
+          <p:cNvPr id="3" name="Content Placeholder 2">
+            <a:extLst>
+              <a:ext uri="{FF2B5EF4-FFF2-40B4-BE49-F238E27FC236}">
+                <a16:creationId xmlns:a16="http://schemas.microsoft.com/office/drawing/2014/main" id="{42D5277B-D6A7-9B46-A1D7-07322D4DC192}"/>
+              </a:ext>
+            </a:extLst>
+          </p:cNvPr>
+          <p:cNvSpPr>
+            <a:spLocks noGrp="1"/>
+          </p:cNvSpPr>
+          <p:nvPr>
+            <p:ph idx="1"/>
+          </p:nvPr>
+        </p:nvSpPr>
+        <p:spPr/>
+        <p:txBody>
+          <a:bodyPr/>
+          <a:lstStyle/>
+          <a:p>
+            <a:pPr marL="342900" indent="-342900">
+              <a:buFont typeface="+mj-lt"/>
+              <a:buAutoNum type="arabicPeriod"/>
+            </a:pPr>
+            <a:r>
+              <a:rPr lang="en-US" dirty="0"/>
+              <a:t>Highlight what GIS can do for geoscientists</a:t>
+            </a:r>
+          </a:p>
+          <a:p>
+            <a:pPr marL="342900" indent="-342900">
+              <a:buFont typeface="+mj-lt"/>
+              <a:buAutoNum type="arabicPeriod"/>
+            </a:pPr>
+            <a:r>
+              <a:rPr lang="en-US" dirty="0"/>
+              <a:t>Outline the key principles of a geographic information system</a:t>
+            </a:r>
+          </a:p>
+          <a:p>
+            <a:pPr marL="342900" indent="-342900">
+              <a:buFont typeface="+mj-lt"/>
+              <a:buAutoNum type="arabicPeriod"/>
+            </a:pPr>
+            <a:r>
+              <a:rPr lang="en-US" dirty="0"/>
+              <a:t>Providing a fully guided GIS workflow template</a:t>
+            </a:r>
+          </a:p>
+          <a:p>
+            <a:pPr marL="342900" indent="-342900">
+              <a:buFont typeface="+mj-lt"/>
+              <a:buAutoNum type="arabicPeriod"/>
+            </a:pPr>
+            <a:r>
+              <a:rPr lang="en-US" dirty="0"/>
+              <a:t>Identify key areas of growth for GIS in geoscience research</a:t>
+            </a:r>
+          </a:p>
+          <a:p>
+            <a:endParaRPr lang="en-US" dirty="0"/>
+          </a:p>
+        </p:txBody>
+      </p:sp>
+      <p:sp>
+        <p:nvSpPr>
+          <p:cNvPr id="4" name="Date Placeholder 3">
+            <a:extLst>
+              <a:ext uri="{FF2B5EF4-FFF2-40B4-BE49-F238E27FC236}">
+                <a16:creationId xmlns:a16="http://schemas.microsoft.com/office/drawing/2014/main" id="{3663C2EB-62D0-A24B-B39B-D1019AE7D826}"/>
+              </a:ext>
+            </a:extLst>
+          </p:cNvPr>
+          <p:cNvSpPr>
+            <a:spLocks noGrp="1"/>
+          </p:cNvSpPr>
+          <p:nvPr>
+            <p:ph type="dt" sz="half" idx="10"/>
+          </p:nvPr>
+        </p:nvSpPr>
+        <p:spPr/>
+        <p:txBody>
+          <a:bodyPr/>
+          <a:lstStyle/>
+          <a:p>
+            <a:fld id="{0C058645-6F24-9C43-8FC3-443F02031404}" type="datetime1">
+              <a:rPr lang="en-US" smtClean="0"/>
+              <a:t>11/13/20</a:t>
+            </a:fld>
+            <a:endParaRPr lang="en-US" dirty="0"/>
+          </a:p>
+        </p:txBody>
+      </p:sp>
+      <p:sp>
+        <p:nvSpPr>
+          <p:cNvPr id="5" name="Slide Number Placeholder 4">
+            <a:extLst>
+              <a:ext uri="{FF2B5EF4-FFF2-40B4-BE49-F238E27FC236}">
+                <a16:creationId xmlns:a16="http://schemas.microsoft.com/office/drawing/2014/main" id="{14CB9155-EBFD-674B-B601-817944DEC749}"/>
+              </a:ext>
+            </a:extLst>
+          </p:cNvPr>
+          <p:cNvSpPr>
+            <a:spLocks noGrp="1"/>
+          </p:cNvSpPr>
+          <p:nvPr>
+            <p:ph type="sldNum" sz="quarter" idx="12"/>
+          </p:nvPr>
+        </p:nvSpPr>
+        <p:spPr/>
+        <p:txBody>
+          <a:bodyPr>
+            <a:normAutofit lnSpcReduction="10000"/>
+          </a:bodyPr>
+          <a:lstStyle/>
+          <a:p>
+            <a:fld id="{4FAB73BC-B049-4115-A692-8D63A059BFB8}" type="slidenum">
+              <a:rPr lang="en-US" smtClean="0"/>
+              <a:t>16</a:t>
+            </a:fld>
+            <a:endParaRPr lang="en-US" dirty="0"/>
+          </a:p>
+        </p:txBody>
+      </p:sp>
+    </p:spTree>
+    <p:extLst>
+      <p:ext uri="{BB962C8B-B14F-4D97-AF65-F5344CB8AC3E}">
+        <p14:creationId xmlns:p14="http://schemas.microsoft.com/office/powerpoint/2010/main" val="1198860467"/>
+      </p:ext>
+    </p:extLst>
+  </p:cSld>
+  <p:clrMapOvr>
+    <a:masterClrMapping/>
+  </p:clrMapOvr>
+</p:sld>
+</file>
+
+<file path=ppt/slides/slide18.xml><?xml version="1.0" encoding="utf-8"?>
+<p:sld xmlns:a="http://schemas.openxmlformats.org/drawingml/2006/main" xmlns:r="http://schemas.openxmlformats.org/officeDocument/2006/relationships" xmlns:p="http://schemas.openxmlformats.org/presentationml/2006/main">
+  <p:cSld>
+    <p:spTree>
+      <p:nvGrpSpPr>
+        <p:cNvPr id="1" name=""/>
+        <p:cNvGrpSpPr/>
+        <p:nvPr/>
+      </p:nvGrpSpPr>
+      <p:grpSpPr>
+        <a:xfrm>
+          <a:off x="0" y="0"/>
+          <a:ext cx="0" cy="0"/>
+          <a:chOff x="0" y="0"/>
+          <a:chExt cx="0" cy="0"/>
+        </a:xfrm>
+      </p:grpSpPr>
+      <p:sp>
+        <p:nvSpPr>
+          <p:cNvPr id="2" name="Title 1">
+            <a:extLst>
+              <a:ext uri="{FF2B5EF4-FFF2-40B4-BE49-F238E27FC236}">
                 <a16:creationId xmlns:a16="http://schemas.microsoft.com/office/drawing/2014/main" id="{E3F3BBB5-7E9F-D04C-A949-3F643F7AED5A}"/>
               </a:ext>
             </a:extLst>
@@ -8288,7 +8658,7 @@
           <a:p>
             <a:fld id="{0C058645-6F24-9C43-8FC3-443F02031404}" type="datetime1">
               <a:rPr lang="en-US" smtClean="0"/>
-              <a:t>8/17/20</a:t>
+              <a:t>11/13/20</a:t>
             </a:fld>
             <a:endParaRPr lang="en-US" dirty="0"/>
           </a:p>
@@ -8319,7 +8689,7 @@
           <a:p>
             <a:fld id="{4FAB73BC-B049-4115-A692-8D63A059BFB8}" type="slidenum">
               <a:rPr lang="en-US" smtClean="0"/>
-              <a:t>16</a:t>
+              <a:t>17</a:t>
             </a:fld>
             <a:endParaRPr lang="en-US" dirty="0"/>
           </a:p>
@@ -8373,12 +8743,211 @@
         </p:nvSpPr>
         <p:spPr/>
         <p:txBody>
-          <a:bodyPr/>
+          <a:bodyPr>
+            <a:normAutofit fontScale="90000"/>
+          </a:bodyPr>
           <a:lstStyle/>
           <a:p>
-            <a:r>
-              <a:rPr lang="en-US" dirty="0"/>
-              <a:t>Workshop Structure</a:t>
+            <a:br>
+              <a:rPr lang="en-US" dirty="0"/>
+            </a:br>
+            <a:r>
+              <a:rPr lang="en-US" dirty="0"/>
+              <a:t>Course Structure</a:t>
+            </a:r>
+            <a:br>
+              <a:rPr lang="en-US" dirty="0"/>
+            </a:br>
+            <a:endParaRPr lang="en-US" dirty="0"/>
+          </a:p>
+        </p:txBody>
+      </p:sp>
+      <p:sp>
+        <p:nvSpPr>
+          <p:cNvPr id="3" name="Content Placeholder 2">
+            <a:extLst>
+              <a:ext uri="{FF2B5EF4-FFF2-40B4-BE49-F238E27FC236}">
+                <a16:creationId xmlns:a16="http://schemas.microsoft.com/office/drawing/2014/main" id="{5077F4FB-9D15-3840-9E2B-97EDC56F0F0E}"/>
+              </a:ext>
+            </a:extLst>
+          </p:cNvPr>
+          <p:cNvSpPr>
+            <a:spLocks noGrp="1"/>
+          </p:cNvSpPr>
+          <p:nvPr>
+            <p:ph idx="1"/>
+          </p:nvPr>
+        </p:nvSpPr>
+        <p:spPr>
+          <a:xfrm>
+            <a:off x="1261872" y="1186250"/>
+            <a:ext cx="8595360" cy="5486400"/>
+          </a:xfrm>
+        </p:spPr>
+        <p:txBody>
+          <a:bodyPr>
+            <a:normAutofit fontScale="92500" lnSpcReduction="20000"/>
+          </a:bodyPr>
+          <a:lstStyle/>
+          <a:p>
+            <a:r>
+              <a:rPr lang="en-US" dirty="0"/>
+              <a:t>Today: Session 1 – Principles and Motivation for GIS in the Geosciences</a:t>
+            </a:r>
+          </a:p>
+          <a:p>
+            <a:pPr lvl="1"/>
+            <a:r>
+              <a:rPr lang="en-US" dirty="0"/>
+              <a:t>Why GIS?</a:t>
+            </a:r>
+          </a:p>
+          <a:p>
+            <a:pPr lvl="1"/>
+            <a:r>
+              <a:rPr lang="en-US" dirty="0"/>
+              <a:t>Principles of GIS</a:t>
+            </a:r>
+          </a:p>
+          <a:p>
+            <a:pPr lvl="1"/>
+            <a:r>
+              <a:rPr lang="en-US" dirty="0"/>
+              <a:t>Getting acquainted with Quantum GIS</a:t>
+            </a:r>
+          </a:p>
+          <a:p>
+            <a:r>
+              <a:rPr lang="en-US" dirty="0"/>
+              <a:t>Tuesday November 10</a:t>
+            </a:r>
+            <a:r>
+              <a:rPr lang="en-US" baseline="30000" dirty="0"/>
+              <a:t>th</a:t>
+            </a:r>
+            <a:r>
+              <a:rPr lang="en-US" dirty="0"/>
+              <a:t>: Session 2 – Beginner GIS Exercises</a:t>
+            </a:r>
+          </a:p>
+          <a:p>
+            <a:pPr lvl="1"/>
+            <a:r>
+              <a:rPr lang="en-US" dirty="0"/>
+              <a:t>Tour of Interface</a:t>
+            </a:r>
+          </a:p>
+          <a:p>
+            <a:pPr lvl="1"/>
+            <a:r>
+              <a:rPr lang="en-US" dirty="0"/>
+              <a:t>Guagua Pichincha Hazard Assessment</a:t>
+            </a:r>
+          </a:p>
+          <a:p>
+            <a:r>
+              <a:rPr lang="en-US" b="1" dirty="0"/>
+              <a:t>Friday November 13</a:t>
+            </a:r>
+            <a:r>
+              <a:rPr lang="en-US" b="1" baseline="30000" dirty="0"/>
+              <a:t>th</a:t>
+            </a:r>
+            <a:r>
+              <a:rPr lang="en-US" b="1" dirty="0"/>
+              <a:t>: Session 3 – Intermediate GIS Exercises</a:t>
+            </a:r>
+          </a:p>
+          <a:p>
+            <a:pPr lvl="1"/>
+            <a:r>
+              <a:rPr lang="en-US" dirty="0"/>
+              <a:t>Finishing up from last week</a:t>
+            </a:r>
+          </a:p>
+          <a:p>
+            <a:pPr lvl="1"/>
+            <a:r>
+              <a:rPr lang="en-US" dirty="0"/>
+              <a:t>Importing raw data</a:t>
+            </a:r>
+          </a:p>
+          <a:p>
+            <a:pPr lvl="1"/>
+            <a:r>
+              <a:rPr lang="en-US" dirty="0"/>
+              <a:t>Spatial Analysis</a:t>
+            </a:r>
+          </a:p>
+          <a:p>
+            <a:pPr lvl="1"/>
+            <a:r>
+              <a:rPr lang="en-US" dirty="0"/>
+              <a:t>Interpolation</a:t>
+            </a:r>
+          </a:p>
+          <a:p>
+            <a:pPr lvl="1"/>
+            <a:r>
+              <a:rPr lang="en-US" i="1" dirty="0"/>
+              <a:t>Data Management</a:t>
+            </a:r>
+          </a:p>
+          <a:p>
+            <a:pPr lvl="1"/>
+            <a:r>
+              <a:rPr lang="en-US" i="1" dirty="0"/>
+              <a:t>Advanced formatting</a:t>
+            </a:r>
+          </a:p>
+          <a:p>
+            <a:r>
+              <a:rPr lang="en-US" dirty="0"/>
+              <a:t>Thursday November 17</a:t>
+            </a:r>
+            <a:r>
+              <a:rPr lang="en-US" baseline="30000" dirty="0"/>
+              <a:t>th</a:t>
+            </a:r>
+            <a:r>
+              <a:rPr lang="en-US" dirty="0"/>
+              <a:t>: Advanced GIS Exercises (Work in Progress)</a:t>
+            </a:r>
+          </a:p>
+          <a:p>
+            <a:pPr lvl="1"/>
+            <a:r>
+              <a:rPr lang="en-US" dirty="0" err="1"/>
+              <a:t>Geostatistics</a:t>
+            </a:r>
+            <a:endParaRPr lang="en-US" dirty="0"/>
+          </a:p>
+          <a:p>
+            <a:pPr lvl="1"/>
+            <a:r>
+              <a:rPr lang="en-US" dirty="0"/>
+              <a:t>Python</a:t>
+            </a:r>
+          </a:p>
+          <a:p>
+            <a:pPr lvl="1"/>
+            <a:r>
+              <a:rPr lang="en-US" dirty="0"/>
+              <a:t>Models</a:t>
+            </a:r>
+          </a:p>
+          <a:p>
+            <a:pPr lvl="1"/>
+            <a:r>
+              <a:rPr lang="en-US" dirty="0"/>
+              <a:t>Databases</a:t>
+            </a:r>
+          </a:p>
+          <a:p>
+            <a:pPr lvl="1"/>
+            <a:r>
+              <a:rPr lang="en-US" dirty="0"/>
+              <a:t>Q&amp;A</a:t>
             </a:r>
           </a:p>
         </p:txBody>
@@ -8406,7 +8975,7 @@
           <a:p>
             <a:fld id="{0C058645-6F24-9C43-8FC3-443F02031404}" type="datetime1">
               <a:rPr lang="en-US" smtClean="0"/>
-              <a:t>8/17/20</a:t>
+              <a:t>11/13/20</a:t>
             </a:fld>
             <a:endParaRPr lang="en-US" dirty="0"/>
           </a:p>
@@ -8445,10 +9014,1726 @@
       </p:sp>
       <p:sp>
         <p:nvSpPr>
-          <p:cNvPr id="9" name="Content Placeholder 2">
+          <p:cNvPr id="7" name="Footer Placeholder 4">
             <a:extLst>
               <a:ext uri="{FF2B5EF4-FFF2-40B4-BE49-F238E27FC236}">
-                <a16:creationId xmlns:a16="http://schemas.microsoft.com/office/drawing/2014/main" id="{E2FF03D0-BDCA-014E-ABE9-5AA81A1B1E2B}"/>
+                <a16:creationId xmlns:a16="http://schemas.microsoft.com/office/drawing/2014/main" id="{D1684B32-10FC-F64F-A16F-A313057CB329}"/>
+              </a:ext>
+            </a:extLst>
+          </p:cNvPr>
+          <p:cNvSpPr>
+            <a:spLocks noGrp="1"/>
+          </p:cNvSpPr>
+          <p:nvPr>
+            <p:ph type="ftr" sz="quarter" idx="11"/>
+          </p:nvPr>
+        </p:nvSpPr>
+        <p:spPr>
+          <a:xfrm rot="16200000">
+            <a:off x="9959341" y="4046537"/>
+            <a:ext cx="3581400" cy="365125"/>
+          </a:xfrm>
+          <a:prstGeom prst="rect">
+            <a:avLst/>
+          </a:prstGeom>
+        </p:spPr>
+        <p:txBody>
+          <a:bodyPr/>
+          <a:lstStyle>
+            <a:defPPr>
+              <a:defRPr lang="en-US"/>
+            </a:defPPr>
+            <a:lvl1pPr marL="0" algn="l" defTabSz="457200" rtl="0" eaLnBrk="1" latinLnBrk="0" hangingPunct="1">
+              <a:defRPr sz="1100" kern="1200">
+                <a:solidFill>
+                  <a:schemeClr val="bg1"/>
+                </a:solidFill>
+                <a:latin typeface="Candara" panose="020E0502030303020204" pitchFamily="34" charset="0"/>
+                <a:ea typeface="+mn-ea"/>
+                <a:cs typeface="+mn-cs"/>
+              </a:defRPr>
+            </a:lvl1pPr>
+            <a:lvl2pPr marL="457200" algn="l" defTabSz="457200" rtl="0" eaLnBrk="1" latinLnBrk="0" hangingPunct="1">
+              <a:defRPr sz="1800" kern="1200">
+                <a:solidFill>
+                  <a:schemeClr val="tx1"/>
+                </a:solidFill>
+                <a:latin typeface="+mn-lt"/>
+                <a:ea typeface="+mn-ea"/>
+                <a:cs typeface="+mn-cs"/>
+              </a:defRPr>
+            </a:lvl2pPr>
+            <a:lvl3pPr marL="914400" algn="l" defTabSz="457200" rtl="0" eaLnBrk="1" latinLnBrk="0" hangingPunct="1">
+              <a:defRPr sz="1800" kern="1200">
+                <a:solidFill>
+                  <a:schemeClr val="tx1"/>
+                </a:solidFill>
+                <a:latin typeface="+mn-lt"/>
+                <a:ea typeface="+mn-ea"/>
+                <a:cs typeface="+mn-cs"/>
+              </a:defRPr>
+            </a:lvl3pPr>
+            <a:lvl4pPr marL="1371600" algn="l" defTabSz="457200" rtl="0" eaLnBrk="1" latinLnBrk="0" hangingPunct="1">
+              <a:defRPr sz="1800" kern="1200">
+                <a:solidFill>
+                  <a:schemeClr val="tx1"/>
+                </a:solidFill>
+                <a:latin typeface="+mn-lt"/>
+                <a:ea typeface="+mn-ea"/>
+                <a:cs typeface="+mn-cs"/>
+              </a:defRPr>
+            </a:lvl4pPr>
+            <a:lvl5pPr marL="1828800" algn="l" defTabSz="457200" rtl="0" eaLnBrk="1" latinLnBrk="0" hangingPunct="1">
+              <a:defRPr sz="1800" kern="1200">
+                <a:solidFill>
+                  <a:schemeClr val="tx1"/>
+                </a:solidFill>
+                <a:latin typeface="+mn-lt"/>
+                <a:ea typeface="+mn-ea"/>
+                <a:cs typeface="+mn-cs"/>
+              </a:defRPr>
+            </a:lvl5pPr>
+            <a:lvl6pPr marL="2286000" algn="l" defTabSz="457200" rtl="0" eaLnBrk="1" latinLnBrk="0" hangingPunct="1">
+              <a:defRPr sz="1800" kern="1200">
+                <a:solidFill>
+                  <a:schemeClr val="tx1"/>
+                </a:solidFill>
+                <a:latin typeface="+mn-lt"/>
+                <a:ea typeface="+mn-ea"/>
+                <a:cs typeface="+mn-cs"/>
+              </a:defRPr>
+            </a:lvl6pPr>
+            <a:lvl7pPr marL="2743200" algn="l" defTabSz="457200" rtl="0" eaLnBrk="1" latinLnBrk="0" hangingPunct="1">
+              <a:defRPr sz="1800" kern="1200">
+                <a:solidFill>
+                  <a:schemeClr val="tx1"/>
+                </a:solidFill>
+                <a:latin typeface="+mn-lt"/>
+                <a:ea typeface="+mn-ea"/>
+                <a:cs typeface="+mn-cs"/>
+              </a:defRPr>
+            </a:lvl7pPr>
+            <a:lvl8pPr marL="3200400" algn="l" defTabSz="457200" rtl="0" eaLnBrk="1" latinLnBrk="0" hangingPunct="1">
+              <a:defRPr sz="1800" kern="1200">
+                <a:solidFill>
+                  <a:schemeClr val="tx1"/>
+                </a:solidFill>
+                <a:latin typeface="+mn-lt"/>
+                <a:ea typeface="+mn-ea"/>
+                <a:cs typeface="+mn-cs"/>
+              </a:defRPr>
+            </a:lvl8pPr>
+            <a:lvl9pPr marL="3657600" algn="l" defTabSz="457200" rtl="0" eaLnBrk="1" latinLnBrk="0" hangingPunct="1">
+              <a:defRPr sz="1800" kern="1200">
+                <a:solidFill>
+                  <a:schemeClr val="tx1"/>
+                </a:solidFill>
+                <a:latin typeface="+mn-lt"/>
+                <a:ea typeface="+mn-ea"/>
+                <a:cs typeface="+mn-cs"/>
+              </a:defRPr>
+            </a:lvl9pPr>
+          </a:lstStyle>
+          <a:p>
+            <a:r>
+              <a:rPr lang="en-US"/>
+              <a:t>UC GIS for Geoscientists- Session 1 - GIS Fundamentals  Presented by N.D. Barber (Cambridge) ndb38@cam.ac.uk</a:t>
+            </a:r>
+            <a:endParaRPr lang="en-US" dirty="0"/>
+          </a:p>
+        </p:txBody>
+      </p:sp>
+    </p:spTree>
+    <p:extLst>
+      <p:ext uri="{BB962C8B-B14F-4D97-AF65-F5344CB8AC3E}">
+        <p14:creationId xmlns:p14="http://schemas.microsoft.com/office/powerpoint/2010/main" val="1126725813"/>
+      </p:ext>
+    </p:extLst>
+  </p:cSld>
+  <p:clrMapOvr>
+    <a:masterClrMapping/>
+  </p:clrMapOvr>
+</p:sld>
+</file>
+
+<file path=ppt/slides/slide3.xml><?xml version="1.0" encoding="utf-8"?>
+<p:sld xmlns:a="http://schemas.openxmlformats.org/drawingml/2006/main" xmlns:r="http://schemas.openxmlformats.org/officeDocument/2006/relationships" xmlns:p="http://schemas.openxmlformats.org/presentationml/2006/main">
+  <p:cSld>
+    <p:spTree>
+      <p:nvGrpSpPr>
+        <p:cNvPr id="1" name=""/>
+        <p:cNvGrpSpPr/>
+        <p:nvPr/>
+      </p:nvGrpSpPr>
+      <p:grpSpPr>
+        <a:xfrm>
+          <a:off x="0" y="0"/>
+          <a:ext cx="0" cy="0"/>
+          <a:chOff x="0" y="0"/>
+          <a:chExt cx="0" cy="0"/>
+        </a:xfrm>
+      </p:grpSpPr>
+      <p:sp>
+        <p:nvSpPr>
+          <p:cNvPr id="2" name="Title 1">
+            <a:extLst>
+              <a:ext uri="{FF2B5EF4-FFF2-40B4-BE49-F238E27FC236}">
+                <a16:creationId xmlns:a16="http://schemas.microsoft.com/office/drawing/2014/main" id="{D702DAE0-CE78-6D4F-B83E-1CE269CCDA44}"/>
+              </a:ext>
+            </a:extLst>
+          </p:cNvPr>
+          <p:cNvSpPr>
+            <a:spLocks noGrp="1"/>
+          </p:cNvSpPr>
+          <p:nvPr>
+            <p:ph type="title"/>
+          </p:nvPr>
+        </p:nvSpPr>
+        <p:spPr/>
+        <p:txBody>
+          <a:bodyPr/>
+          <a:lstStyle/>
+          <a:p>
+            <a:r>
+              <a:rPr lang="en-US" dirty="0"/>
+              <a:t>Notes for Today</a:t>
+            </a:r>
+          </a:p>
+        </p:txBody>
+      </p:sp>
+      <p:sp>
+        <p:nvSpPr>
+          <p:cNvPr id="3" name="Content Placeholder 2">
+            <a:extLst>
+              <a:ext uri="{FF2B5EF4-FFF2-40B4-BE49-F238E27FC236}">
+                <a16:creationId xmlns:a16="http://schemas.microsoft.com/office/drawing/2014/main" id="{CE97C9BC-88BC-914F-A032-AFBB2AB8A102}"/>
+              </a:ext>
+            </a:extLst>
+          </p:cNvPr>
+          <p:cNvSpPr>
+            <a:spLocks noGrp="1"/>
+          </p:cNvSpPr>
+          <p:nvPr>
+            <p:ph idx="1"/>
+          </p:nvPr>
+        </p:nvSpPr>
+        <p:spPr>
+          <a:xfrm>
+            <a:off x="1261872" y="1828800"/>
+            <a:ext cx="4945698" cy="4351337"/>
+          </a:xfrm>
+        </p:spPr>
+        <p:txBody>
+          <a:bodyPr/>
+          <a:lstStyle/>
+          <a:p>
+            <a:r>
+              <a:rPr lang="en-US" dirty="0"/>
+              <a:t>NEWLY FOUND PLUGIN: </a:t>
+            </a:r>
+            <a:r>
+              <a:rPr lang="en-US" dirty="0">
+                <a:hlinkClick r:id="rId2"/>
+              </a:rPr>
+              <a:t>SRTM Downloader</a:t>
+            </a:r>
+            <a:endParaRPr lang="en-US" dirty="0"/>
+          </a:p>
+          <a:p>
+            <a:pPr lvl="1"/>
+            <a:r>
+              <a:rPr lang="en-US" dirty="0"/>
+              <a:t>Need NASA </a:t>
+            </a:r>
+            <a:r>
+              <a:rPr lang="en-US" dirty="0" err="1"/>
+              <a:t>EarthData</a:t>
+            </a:r>
+            <a:r>
+              <a:rPr lang="en-US" dirty="0"/>
+              <a:t> Account</a:t>
+            </a:r>
+          </a:p>
+          <a:p>
+            <a:pPr lvl="1"/>
+            <a:r>
+              <a:rPr lang="en-US" dirty="0"/>
+              <a:t>Doesn’t replace USGS Earth Explorer</a:t>
+            </a:r>
+          </a:p>
+          <a:p>
+            <a:pPr marL="0" indent="0">
+              <a:buNone/>
+            </a:pPr>
+            <a:endParaRPr lang="en-US" dirty="0"/>
+          </a:p>
+          <a:p>
+            <a:r>
+              <a:rPr lang="en-US" dirty="0"/>
+              <a:t>Wednesday 1-1 Tutorial Sessions: Sign Up Open!!</a:t>
+            </a:r>
+          </a:p>
+          <a:p>
+            <a:pPr lvl="1"/>
+            <a:r>
+              <a:rPr lang="en-US" dirty="0"/>
+              <a:t>This course has mainly been me talking – this is the chance for us to interact and for me to help you with any GIS topic that crosses your mind!</a:t>
+            </a:r>
+          </a:p>
+          <a:p>
+            <a:pPr lvl="1"/>
+            <a:r>
+              <a:rPr lang="en-US" dirty="0"/>
+              <a:t>Sign Up Link: </a:t>
+            </a:r>
+            <a:r>
+              <a:rPr lang="en-US" dirty="0">
+                <a:hlinkClick r:id="rId3"/>
+              </a:rPr>
+              <a:t>https://doodle.com/meetme/qc/iFKktdhLst</a:t>
+            </a:r>
+            <a:endParaRPr lang="en-US" dirty="0"/>
+          </a:p>
+        </p:txBody>
+      </p:sp>
+      <p:sp>
+        <p:nvSpPr>
+          <p:cNvPr id="4" name="Date Placeholder 3">
+            <a:extLst>
+              <a:ext uri="{FF2B5EF4-FFF2-40B4-BE49-F238E27FC236}">
+                <a16:creationId xmlns:a16="http://schemas.microsoft.com/office/drawing/2014/main" id="{5961E080-3C63-3C41-8DC8-53D90BD2A120}"/>
+              </a:ext>
+            </a:extLst>
+          </p:cNvPr>
+          <p:cNvSpPr>
+            <a:spLocks noGrp="1"/>
+          </p:cNvSpPr>
+          <p:nvPr>
+            <p:ph type="dt" sz="half" idx="10"/>
+          </p:nvPr>
+        </p:nvSpPr>
+        <p:spPr/>
+        <p:txBody>
+          <a:bodyPr/>
+          <a:lstStyle/>
+          <a:p>
+            <a:fld id="{0C058645-6F24-9C43-8FC3-443F02031404}" type="datetime1">
+              <a:rPr lang="en-US" smtClean="0"/>
+              <a:t>11/13/20</a:t>
+            </a:fld>
+            <a:endParaRPr lang="en-US" dirty="0"/>
+          </a:p>
+        </p:txBody>
+      </p:sp>
+      <p:sp>
+        <p:nvSpPr>
+          <p:cNvPr id="5" name="Slide Number Placeholder 4">
+            <a:extLst>
+              <a:ext uri="{FF2B5EF4-FFF2-40B4-BE49-F238E27FC236}">
+                <a16:creationId xmlns:a16="http://schemas.microsoft.com/office/drawing/2014/main" id="{40B24145-4A2B-4D41-87BF-19ADD96E0560}"/>
+              </a:ext>
+            </a:extLst>
+          </p:cNvPr>
+          <p:cNvSpPr>
+            <a:spLocks noGrp="1"/>
+          </p:cNvSpPr>
+          <p:nvPr>
+            <p:ph type="sldNum" sz="quarter" idx="12"/>
+          </p:nvPr>
+        </p:nvSpPr>
+        <p:spPr/>
+        <p:txBody>
+          <a:bodyPr>
+            <a:normAutofit lnSpcReduction="10000"/>
+          </a:bodyPr>
+          <a:lstStyle/>
+          <a:p>
+            <a:fld id="{4FAB73BC-B049-4115-A692-8D63A059BFB8}" type="slidenum">
+              <a:rPr lang="en-US" smtClean="0"/>
+              <a:t>2</a:t>
+            </a:fld>
+            <a:endParaRPr lang="en-US" dirty="0"/>
+          </a:p>
+        </p:txBody>
+      </p:sp>
+      <p:sp>
+        <p:nvSpPr>
+          <p:cNvPr id="6" name="Footer Placeholder 5">
+            <a:extLst>
+              <a:ext uri="{FF2B5EF4-FFF2-40B4-BE49-F238E27FC236}">
+                <a16:creationId xmlns:a16="http://schemas.microsoft.com/office/drawing/2014/main" id="{16484A0D-8274-3842-BAAF-9051D816CCC9}"/>
+              </a:ext>
+            </a:extLst>
+          </p:cNvPr>
+          <p:cNvSpPr>
+            <a:spLocks noGrp="1"/>
+          </p:cNvSpPr>
+          <p:nvPr>
+            <p:ph type="ftr" sz="quarter" idx="3"/>
+          </p:nvPr>
+        </p:nvSpPr>
+        <p:spPr/>
+        <p:txBody>
+          <a:bodyPr/>
+          <a:lstStyle/>
+          <a:p>
+            <a:r>
+              <a:rPr lang="en-US"/>
+              <a:t>UCL GIS for Geoscientists- Session 3- Intermediate GIS</a:t>
+            </a:r>
+          </a:p>
+          <a:p>
+            <a:r>
+              <a:rPr lang="en-US"/>
+              <a:t>Presented by N.D. Barber (Cambridge) ndb38@cam.ac.uk</a:t>
+            </a:r>
+            <a:endParaRPr lang="en-US" dirty="0"/>
+          </a:p>
+        </p:txBody>
+      </p:sp>
+      <p:pic>
+        <p:nvPicPr>
+          <p:cNvPr id="8" name="Picture 7" descr="A screenshot of a video game&#10;&#10;Description automatically generated">
+            <a:extLst>
+              <a:ext uri="{FF2B5EF4-FFF2-40B4-BE49-F238E27FC236}">
+                <a16:creationId xmlns:a16="http://schemas.microsoft.com/office/drawing/2014/main" id="{5B9FEA42-1711-BB40-923D-F2F6C7CC5D4C}"/>
+              </a:ext>
+            </a:extLst>
+          </p:cNvPr>
+          <p:cNvPicPr>
+            <a:picLocks noChangeAspect="1"/>
+          </p:cNvPicPr>
+          <p:nvPr/>
+        </p:nvPicPr>
+        <p:blipFill>
+          <a:blip r:embed="rId4"/>
+          <a:stretch>
+            <a:fillRect/>
+          </a:stretch>
+        </p:blipFill>
+        <p:spPr>
+          <a:xfrm>
+            <a:off x="6788055" y="1057361"/>
+            <a:ext cx="3924300" cy="5346700"/>
+          </a:xfrm>
+          <a:prstGeom prst="rect">
+            <a:avLst/>
+          </a:prstGeom>
+        </p:spPr>
+      </p:pic>
+    </p:spTree>
+    <p:extLst>
+      <p:ext uri="{BB962C8B-B14F-4D97-AF65-F5344CB8AC3E}">
+        <p14:creationId xmlns:p14="http://schemas.microsoft.com/office/powerpoint/2010/main" val="528329236"/>
+      </p:ext>
+    </p:extLst>
+  </p:cSld>
+  <p:clrMapOvr>
+    <a:masterClrMapping/>
+  </p:clrMapOvr>
+</p:sld>
+</file>
+
+<file path=ppt/slides/slide4.xml><?xml version="1.0" encoding="utf-8"?>
+<p:sld xmlns:a="http://schemas.openxmlformats.org/drawingml/2006/main" xmlns:r="http://schemas.openxmlformats.org/officeDocument/2006/relationships" xmlns:p="http://schemas.openxmlformats.org/presentationml/2006/main">
+  <p:cSld>
+    <p:spTree>
+      <p:nvGrpSpPr>
+        <p:cNvPr id="1" name=""/>
+        <p:cNvGrpSpPr/>
+        <p:nvPr/>
+      </p:nvGrpSpPr>
+      <p:grpSpPr>
+        <a:xfrm>
+          <a:off x="0" y="0"/>
+          <a:ext cx="0" cy="0"/>
+          <a:chOff x="0" y="0"/>
+          <a:chExt cx="0" cy="0"/>
+        </a:xfrm>
+      </p:grpSpPr>
+      <p:sp>
+        <p:nvSpPr>
+          <p:cNvPr id="2" name="Title 1">
+            <a:extLst>
+              <a:ext uri="{FF2B5EF4-FFF2-40B4-BE49-F238E27FC236}">
+                <a16:creationId xmlns:a16="http://schemas.microsoft.com/office/drawing/2014/main" id="{796FB70C-4F2A-E648-A8B8-801C7B0D9DC7}"/>
+              </a:ext>
+            </a:extLst>
+          </p:cNvPr>
+          <p:cNvSpPr>
+            <a:spLocks noGrp="1"/>
+          </p:cNvSpPr>
+          <p:nvPr>
+            <p:ph type="title"/>
+          </p:nvPr>
+        </p:nvSpPr>
+        <p:spPr/>
+        <p:txBody>
+          <a:bodyPr/>
+          <a:lstStyle/>
+          <a:p>
+            <a:r>
+              <a:rPr lang="en-US" dirty="0"/>
+              <a:t>Previous Sessions Demonstration:</a:t>
+            </a:r>
+          </a:p>
+        </p:txBody>
+      </p:sp>
+      <p:sp>
+        <p:nvSpPr>
+          <p:cNvPr id="3" name="Content Placeholder 2">
+            <a:extLst>
+              <a:ext uri="{FF2B5EF4-FFF2-40B4-BE49-F238E27FC236}">
+                <a16:creationId xmlns:a16="http://schemas.microsoft.com/office/drawing/2014/main" id="{BB985F6C-414B-6C46-AC13-CE425348F9CE}"/>
+              </a:ext>
+            </a:extLst>
+          </p:cNvPr>
+          <p:cNvSpPr>
+            <a:spLocks noGrp="1"/>
+          </p:cNvSpPr>
+          <p:nvPr>
+            <p:ph idx="1"/>
+          </p:nvPr>
+        </p:nvSpPr>
+        <p:spPr/>
+        <p:txBody>
+          <a:bodyPr/>
+          <a:lstStyle/>
+          <a:p>
+            <a:r>
+              <a:rPr lang="en-US" dirty="0"/>
+              <a:t>Planning a project</a:t>
+            </a:r>
+          </a:p>
+          <a:p>
+            <a:r>
+              <a:rPr lang="en-US" dirty="0"/>
+              <a:t>Finding Data</a:t>
+            </a:r>
+          </a:p>
+          <a:p>
+            <a:r>
+              <a:rPr lang="en-US" dirty="0"/>
+              <a:t>Defining CRS/PCS</a:t>
+            </a:r>
+          </a:p>
+          <a:p>
+            <a:r>
+              <a:rPr lang="en-US" dirty="0"/>
+              <a:t>Initial Import + Projection </a:t>
+            </a:r>
+          </a:p>
+          <a:p>
+            <a:r>
+              <a:rPr lang="en-US" dirty="0"/>
+              <a:t>Georeferencing Images</a:t>
+            </a:r>
+          </a:p>
+          <a:p>
+            <a:r>
+              <a:rPr lang="en-US" dirty="0"/>
+              <a:t>Tracing </a:t>
+            </a:r>
+            <a:r>
+              <a:rPr lang="en-US" dirty="0" err="1"/>
+              <a:t>Basemaps</a:t>
+            </a:r>
+            <a:endParaRPr lang="en-US" dirty="0"/>
+          </a:p>
+          <a:p>
+            <a:r>
+              <a:rPr lang="en-US" dirty="0"/>
+              <a:t>Analysis: Geoprocessing, Statistics, Attributes</a:t>
+            </a:r>
+          </a:p>
+          <a:p>
+            <a:r>
+              <a:rPr lang="en-US" dirty="0"/>
+              <a:t>Visualization and Symbology</a:t>
+            </a:r>
+          </a:p>
+          <a:p>
+            <a:r>
+              <a:rPr lang="en-US" dirty="0"/>
+              <a:t>Layout Design &lt;&lt;&lt;&lt; TODAY</a:t>
+            </a:r>
+          </a:p>
+        </p:txBody>
+      </p:sp>
+      <p:sp>
+        <p:nvSpPr>
+          <p:cNvPr id="4" name="Date Placeholder 3">
+            <a:extLst>
+              <a:ext uri="{FF2B5EF4-FFF2-40B4-BE49-F238E27FC236}">
+                <a16:creationId xmlns:a16="http://schemas.microsoft.com/office/drawing/2014/main" id="{FA219F90-D68F-234F-B195-0CAA751C48C1}"/>
+              </a:ext>
+            </a:extLst>
+          </p:cNvPr>
+          <p:cNvSpPr>
+            <a:spLocks noGrp="1"/>
+          </p:cNvSpPr>
+          <p:nvPr>
+            <p:ph type="dt" sz="half" idx="10"/>
+          </p:nvPr>
+        </p:nvSpPr>
+        <p:spPr/>
+        <p:txBody>
+          <a:bodyPr/>
+          <a:lstStyle/>
+          <a:p>
+            <a:fld id="{0C058645-6F24-9C43-8FC3-443F02031404}" type="datetime1">
+              <a:rPr lang="en-US" smtClean="0"/>
+              <a:t>11/13/20</a:t>
+            </a:fld>
+            <a:endParaRPr lang="en-US" dirty="0"/>
+          </a:p>
+        </p:txBody>
+      </p:sp>
+      <p:sp>
+        <p:nvSpPr>
+          <p:cNvPr id="6" name="Slide Number Placeholder 5">
+            <a:extLst>
+              <a:ext uri="{FF2B5EF4-FFF2-40B4-BE49-F238E27FC236}">
+                <a16:creationId xmlns:a16="http://schemas.microsoft.com/office/drawing/2014/main" id="{224DD8CA-8D81-0941-9989-FF65858E75D3}"/>
+              </a:ext>
+            </a:extLst>
+          </p:cNvPr>
+          <p:cNvSpPr>
+            <a:spLocks noGrp="1"/>
+          </p:cNvSpPr>
+          <p:nvPr>
+            <p:ph type="sldNum" sz="quarter" idx="12"/>
+          </p:nvPr>
+        </p:nvSpPr>
+        <p:spPr/>
+        <p:txBody>
+          <a:bodyPr>
+            <a:normAutofit lnSpcReduction="10000"/>
+          </a:bodyPr>
+          <a:lstStyle/>
+          <a:p>
+            <a:fld id="{4FAB73BC-B049-4115-A692-8D63A059BFB8}" type="slidenum">
+              <a:rPr lang="en-US" smtClean="0"/>
+              <a:t>3</a:t>
+            </a:fld>
+            <a:endParaRPr lang="en-US" dirty="0"/>
+          </a:p>
+        </p:txBody>
+      </p:sp>
+      <p:sp>
+        <p:nvSpPr>
+          <p:cNvPr id="7" name="Footer Placeholder 4">
+            <a:extLst>
+              <a:ext uri="{FF2B5EF4-FFF2-40B4-BE49-F238E27FC236}">
+                <a16:creationId xmlns:a16="http://schemas.microsoft.com/office/drawing/2014/main" id="{4806680E-D792-E643-9AAD-FCA4F88B3655}"/>
+              </a:ext>
+            </a:extLst>
+          </p:cNvPr>
+          <p:cNvSpPr>
+            <a:spLocks noGrp="1"/>
+          </p:cNvSpPr>
+          <p:nvPr>
+            <p:ph type="ftr" sz="quarter" idx="3"/>
+          </p:nvPr>
+        </p:nvSpPr>
+        <p:spPr>
+          <a:xfrm rot="16200000">
+            <a:off x="9390931" y="3548149"/>
+            <a:ext cx="4718224" cy="365125"/>
+          </a:xfrm>
+          <a:prstGeom prst="rect">
+            <a:avLst/>
+          </a:prstGeom>
+        </p:spPr>
+        <p:txBody>
+          <a:bodyPr/>
+          <a:lstStyle>
+            <a:lvl1pPr>
+              <a:defRPr sz="1200">
+                <a:solidFill>
+                  <a:schemeClr val="bg1"/>
+                </a:solidFill>
+                <a:latin typeface="Candara" panose="020E0502030303020204" pitchFamily="34" charset="0"/>
+              </a:defRPr>
+            </a:lvl1pPr>
+          </a:lstStyle>
+          <a:p>
+            <a:r>
+              <a:rPr lang="en-US" dirty="0"/>
+              <a:t>UCL GIS for Geoscientists- Session 3- Intermediate GIS</a:t>
+            </a:r>
+          </a:p>
+          <a:p>
+            <a:r>
+              <a:rPr lang="en-US" dirty="0"/>
+              <a:t>Presented by N.D. Barber (Cambridge) ndb38@cam.ac.uk</a:t>
+            </a:r>
+          </a:p>
+        </p:txBody>
+      </p:sp>
+    </p:spTree>
+    <p:extLst>
+      <p:ext uri="{BB962C8B-B14F-4D97-AF65-F5344CB8AC3E}">
+        <p14:creationId xmlns:p14="http://schemas.microsoft.com/office/powerpoint/2010/main" val="1534045868"/>
+      </p:ext>
+    </p:extLst>
+  </p:cSld>
+  <p:clrMapOvr>
+    <a:masterClrMapping/>
+  </p:clrMapOvr>
+</p:sld>
+</file>
+
+<file path=ppt/slides/slide5.xml><?xml version="1.0" encoding="utf-8"?>
+<p:sld xmlns:a="http://schemas.openxmlformats.org/drawingml/2006/main" xmlns:r="http://schemas.openxmlformats.org/officeDocument/2006/relationships" xmlns:p="http://schemas.openxmlformats.org/presentationml/2006/main">
+  <p:cSld>
+    <p:spTree>
+      <p:nvGrpSpPr>
+        <p:cNvPr id="1" name=""/>
+        <p:cNvGrpSpPr/>
+        <p:nvPr/>
+      </p:nvGrpSpPr>
+      <p:grpSpPr>
+        <a:xfrm>
+          <a:off x="0" y="0"/>
+          <a:ext cx="0" cy="0"/>
+          <a:chOff x="0" y="0"/>
+          <a:chExt cx="0" cy="0"/>
+        </a:xfrm>
+      </p:grpSpPr>
+      <p:sp>
+        <p:nvSpPr>
+          <p:cNvPr id="2" name="Title 1">
+            <a:extLst>
+              <a:ext uri="{FF2B5EF4-FFF2-40B4-BE49-F238E27FC236}">
+                <a16:creationId xmlns:a16="http://schemas.microsoft.com/office/drawing/2014/main" id="{B6924150-A855-644E-93DD-B1A5C2E76B9B}"/>
+              </a:ext>
+            </a:extLst>
+          </p:cNvPr>
+          <p:cNvSpPr>
+            <a:spLocks noGrp="1"/>
+          </p:cNvSpPr>
+          <p:nvPr>
+            <p:ph type="title"/>
+          </p:nvPr>
+        </p:nvSpPr>
+        <p:spPr/>
+        <p:txBody>
+          <a:bodyPr/>
+          <a:lstStyle/>
+          <a:p>
+            <a:r>
+              <a:rPr lang="en-US" dirty="0"/>
+              <a:t>Today’s Demonstration</a:t>
+            </a:r>
+          </a:p>
+        </p:txBody>
+      </p:sp>
+      <p:sp>
+        <p:nvSpPr>
+          <p:cNvPr id="3" name="Content Placeholder 2">
+            <a:extLst>
+              <a:ext uri="{FF2B5EF4-FFF2-40B4-BE49-F238E27FC236}">
+                <a16:creationId xmlns:a16="http://schemas.microsoft.com/office/drawing/2014/main" id="{DAB305CE-FF84-504E-A791-57A99FB1C5BB}"/>
+              </a:ext>
+            </a:extLst>
+          </p:cNvPr>
+          <p:cNvSpPr>
+            <a:spLocks noGrp="1"/>
+          </p:cNvSpPr>
+          <p:nvPr>
+            <p:ph idx="1"/>
+          </p:nvPr>
+        </p:nvSpPr>
+        <p:spPr/>
+        <p:txBody>
+          <a:bodyPr/>
+          <a:lstStyle/>
+          <a:p>
+            <a:r>
+              <a:rPr lang="en-US" dirty="0"/>
+              <a:t>What It Won’t Cover</a:t>
+            </a:r>
+          </a:p>
+          <a:p>
+            <a:pPr lvl="1"/>
+            <a:r>
+              <a:rPr lang="en-US" dirty="0"/>
+              <a:t>Advanced Cartography (layout Manager)</a:t>
+            </a:r>
+          </a:p>
+          <a:p>
+            <a:pPr lvl="1"/>
+            <a:r>
+              <a:rPr lang="en-US" dirty="0"/>
+              <a:t>LANDSAT Mineral Exploration</a:t>
+            </a:r>
+          </a:p>
+          <a:p>
+            <a:pPr lvl="2"/>
+            <a:r>
+              <a:rPr lang="en-US" dirty="0"/>
+              <a:t>Too big a topic to cover in a 2-hour course </a:t>
+            </a:r>
+            <a:r>
+              <a:rPr lang="en-US" dirty="0">
+                <a:sym typeface="Wingdings" pitchFamily="2" charset="2"/>
+              </a:rPr>
+              <a:t> </a:t>
+            </a:r>
+            <a:endParaRPr lang="en-US" dirty="0"/>
+          </a:p>
+          <a:p>
+            <a:pPr lvl="1"/>
+            <a:r>
+              <a:rPr lang="en-US" dirty="0"/>
+              <a:t>Python in QGIS **in great detail**</a:t>
+            </a:r>
+          </a:p>
+          <a:p>
+            <a:pPr lvl="2"/>
+            <a:r>
+              <a:rPr lang="en-US" dirty="0"/>
+              <a:t>I will show functionality, but once you know the basics, the details are self-explanatory</a:t>
+            </a:r>
+          </a:p>
+        </p:txBody>
+      </p:sp>
+      <p:sp>
+        <p:nvSpPr>
+          <p:cNvPr id="4" name="Date Placeholder 3">
+            <a:extLst>
+              <a:ext uri="{FF2B5EF4-FFF2-40B4-BE49-F238E27FC236}">
+                <a16:creationId xmlns:a16="http://schemas.microsoft.com/office/drawing/2014/main" id="{9832673E-13E5-EB44-B5EE-749A920CDFC9}"/>
+              </a:ext>
+            </a:extLst>
+          </p:cNvPr>
+          <p:cNvSpPr>
+            <a:spLocks noGrp="1"/>
+          </p:cNvSpPr>
+          <p:nvPr>
+            <p:ph type="dt" sz="half" idx="10"/>
+          </p:nvPr>
+        </p:nvSpPr>
+        <p:spPr/>
+        <p:txBody>
+          <a:bodyPr/>
+          <a:lstStyle/>
+          <a:p>
+            <a:fld id="{0C058645-6F24-9C43-8FC3-443F02031404}" type="datetime1">
+              <a:rPr lang="en-US" smtClean="0"/>
+              <a:t>11/13/20</a:t>
+            </a:fld>
+            <a:endParaRPr lang="en-US" dirty="0"/>
+          </a:p>
+        </p:txBody>
+      </p:sp>
+      <p:sp>
+        <p:nvSpPr>
+          <p:cNvPr id="6" name="Slide Number Placeholder 5">
+            <a:extLst>
+              <a:ext uri="{FF2B5EF4-FFF2-40B4-BE49-F238E27FC236}">
+                <a16:creationId xmlns:a16="http://schemas.microsoft.com/office/drawing/2014/main" id="{3A4F7F12-B06E-6549-B7D9-357DB5A064CB}"/>
+              </a:ext>
+            </a:extLst>
+          </p:cNvPr>
+          <p:cNvSpPr>
+            <a:spLocks noGrp="1"/>
+          </p:cNvSpPr>
+          <p:nvPr>
+            <p:ph type="sldNum" sz="quarter" idx="12"/>
+          </p:nvPr>
+        </p:nvSpPr>
+        <p:spPr/>
+        <p:txBody>
+          <a:bodyPr>
+            <a:normAutofit lnSpcReduction="10000"/>
+          </a:bodyPr>
+          <a:lstStyle/>
+          <a:p>
+            <a:fld id="{4FAB73BC-B049-4115-A692-8D63A059BFB8}" type="slidenum">
+              <a:rPr lang="en-US" smtClean="0"/>
+              <a:t>4</a:t>
+            </a:fld>
+            <a:endParaRPr lang="en-US" dirty="0"/>
+          </a:p>
+        </p:txBody>
+      </p:sp>
+      <p:sp>
+        <p:nvSpPr>
+          <p:cNvPr id="7" name="Footer Placeholder 4">
+            <a:extLst>
+              <a:ext uri="{FF2B5EF4-FFF2-40B4-BE49-F238E27FC236}">
+                <a16:creationId xmlns:a16="http://schemas.microsoft.com/office/drawing/2014/main" id="{E1C3E264-5FCA-4648-94F5-032D2AC9D90B}"/>
+              </a:ext>
+            </a:extLst>
+          </p:cNvPr>
+          <p:cNvSpPr>
+            <a:spLocks noGrp="1"/>
+          </p:cNvSpPr>
+          <p:nvPr>
+            <p:ph type="ftr" sz="quarter" idx="3"/>
+          </p:nvPr>
+        </p:nvSpPr>
+        <p:spPr>
+          <a:xfrm rot="16200000">
+            <a:off x="9390931" y="3548149"/>
+            <a:ext cx="4718224" cy="365125"/>
+          </a:xfrm>
+          <a:prstGeom prst="rect">
+            <a:avLst/>
+          </a:prstGeom>
+        </p:spPr>
+        <p:txBody>
+          <a:bodyPr/>
+          <a:lstStyle>
+            <a:lvl1pPr>
+              <a:defRPr sz="1200">
+                <a:solidFill>
+                  <a:schemeClr val="bg1"/>
+                </a:solidFill>
+                <a:latin typeface="Candara" panose="020E0502030303020204" pitchFamily="34" charset="0"/>
+              </a:defRPr>
+            </a:lvl1pPr>
+          </a:lstStyle>
+          <a:p>
+            <a:r>
+              <a:rPr lang="en-US" dirty="0"/>
+              <a:t>UCL GIS for Geoscientists- Session 3- Intermediate GIS</a:t>
+            </a:r>
+          </a:p>
+          <a:p>
+            <a:r>
+              <a:rPr lang="en-US" dirty="0"/>
+              <a:t>Presented by N.D. Barber (Cambridge) ndb38@cam.ac.uk</a:t>
+            </a:r>
+          </a:p>
+        </p:txBody>
+      </p:sp>
+    </p:spTree>
+    <p:extLst>
+      <p:ext uri="{BB962C8B-B14F-4D97-AF65-F5344CB8AC3E}">
+        <p14:creationId xmlns:p14="http://schemas.microsoft.com/office/powerpoint/2010/main" val="3982107366"/>
+      </p:ext>
+    </p:extLst>
+  </p:cSld>
+  <p:clrMapOvr>
+    <a:masterClrMapping/>
+  </p:clrMapOvr>
+</p:sld>
+</file>
+
+<file path=ppt/slides/slide6.xml><?xml version="1.0" encoding="utf-8"?>
+<p:sld xmlns:a="http://schemas.openxmlformats.org/drawingml/2006/main" xmlns:r="http://schemas.openxmlformats.org/officeDocument/2006/relationships" xmlns:p="http://schemas.openxmlformats.org/presentationml/2006/main">
+  <p:cSld>
+    <p:spTree>
+      <p:nvGrpSpPr>
+        <p:cNvPr id="1" name=""/>
+        <p:cNvGrpSpPr/>
+        <p:nvPr/>
+      </p:nvGrpSpPr>
+      <p:grpSpPr>
+        <a:xfrm>
+          <a:off x="0" y="0"/>
+          <a:ext cx="0" cy="0"/>
+          <a:chOff x="0" y="0"/>
+          <a:chExt cx="0" cy="0"/>
+        </a:xfrm>
+      </p:grpSpPr>
+      <p:sp>
+        <p:nvSpPr>
+          <p:cNvPr id="2" name="Title 1">
+            <a:extLst>
+              <a:ext uri="{FF2B5EF4-FFF2-40B4-BE49-F238E27FC236}">
+                <a16:creationId xmlns:a16="http://schemas.microsoft.com/office/drawing/2014/main" id="{B6924150-A855-644E-93DD-B1A5C2E76B9B}"/>
+              </a:ext>
+            </a:extLst>
+          </p:cNvPr>
+          <p:cNvSpPr>
+            <a:spLocks noGrp="1"/>
+          </p:cNvSpPr>
+          <p:nvPr>
+            <p:ph type="title"/>
+          </p:nvPr>
+        </p:nvSpPr>
+        <p:spPr/>
+        <p:txBody>
+          <a:bodyPr/>
+          <a:lstStyle/>
+          <a:p>
+            <a:r>
+              <a:rPr lang="en-US" dirty="0"/>
+              <a:t>Today’s Demonstration</a:t>
+            </a:r>
+          </a:p>
+        </p:txBody>
+      </p:sp>
+      <p:sp>
+        <p:nvSpPr>
+          <p:cNvPr id="3" name="Content Placeholder 2">
+            <a:extLst>
+              <a:ext uri="{FF2B5EF4-FFF2-40B4-BE49-F238E27FC236}">
+                <a16:creationId xmlns:a16="http://schemas.microsoft.com/office/drawing/2014/main" id="{DAB305CE-FF84-504E-A791-57A99FB1C5BB}"/>
+              </a:ext>
+            </a:extLst>
+          </p:cNvPr>
+          <p:cNvSpPr>
+            <a:spLocks noGrp="1"/>
+          </p:cNvSpPr>
+          <p:nvPr>
+            <p:ph idx="1"/>
+          </p:nvPr>
+        </p:nvSpPr>
+        <p:spPr/>
+        <p:txBody>
+          <a:bodyPr>
+            <a:normAutofit fontScale="92500" lnSpcReduction="10000"/>
+          </a:bodyPr>
+          <a:lstStyle/>
+          <a:p>
+            <a:r>
+              <a:rPr lang="en-US" dirty="0"/>
+              <a:t>What It Won’t Cover</a:t>
+            </a:r>
+          </a:p>
+          <a:p>
+            <a:pPr lvl="1"/>
+            <a:r>
+              <a:rPr lang="en-US" dirty="0"/>
+              <a:t>Advanced Cartography (layout Manager)</a:t>
+            </a:r>
+          </a:p>
+          <a:p>
+            <a:pPr lvl="1"/>
+            <a:r>
+              <a:rPr lang="en-US" dirty="0"/>
+              <a:t>LANDSAT Mineral </a:t>
+            </a:r>
+            <a:r>
+              <a:rPr lang="en-US" dirty="0" err="1"/>
+              <a:t>Epxloration</a:t>
+            </a:r>
+            <a:endParaRPr lang="en-US" dirty="0"/>
+          </a:p>
+          <a:p>
+            <a:pPr lvl="2"/>
+            <a:r>
+              <a:rPr lang="en-US" dirty="0"/>
+              <a:t>Too big a topic to cover in a 2 hour course</a:t>
+            </a:r>
+          </a:p>
+          <a:p>
+            <a:pPr lvl="1"/>
+            <a:r>
+              <a:rPr lang="en-US" dirty="0"/>
+              <a:t>Python in QGIS **in great detail**</a:t>
+            </a:r>
+          </a:p>
+          <a:p>
+            <a:pPr lvl="2"/>
+            <a:r>
+              <a:rPr lang="en-US" dirty="0"/>
+              <a:t>I will show functionality, but once you know the basics, the details are self-explanatory</a:t>
+            </a:r>
+          </a:p>
+          <a:p>
+            <a:r>
+              <a:rPr lang="en-US" dirty="0"/>
+              <a:t>What It Will Cover</a:t>
+            </a:r>
+          </a:p>
+          <a:p>
+            <a:pPr lvl="1"/>
+            <a:r>
+              <a:rPr lang="en-US" i="1" dirty="0"/>
+              <a:t>**Layout Management and Map Creation**</a:t>
+            </a:r>
+          </a:p>
+          <a:p>
+            <a:pPr lvl="1"/>
+            <a:r>
+              <a:rPr lang="en-US" dirty="0"/>
+              <a:t>Multiple Data Types Handling/Conversion</a:t>
+            </a:r>
+          </a:p>
+          <a:p>
+            <a:pPr lvl="1"/>
+            <a:r>
+              <a:rPr lang="en-US" dirty="0"/>
+              <a:t>CSV + Raster Manipulation</a:t>
+            </a:r>
+          </a:p>
+          <a:p>
+            <a:pPr lvl="1"/>
+            <a:r>
+              <a:rPr lang="en-US" dirty="0" err="1"/>
+              <a:t>Geostatistics</a:t>
+            </a:r>
+            <a:endParaRPr lang="en-US" dirty="0"/>
+          </a:p>
+          <a:p>
+            <a:pPr lvl="1"/>
+            <a:r>
+              <a:rPr lang="en-US" dirty="0"/>
+              <a:t>Raster Statistics + Zonal Statistics</a:t>
+            </a:r>
+          </a:p>
+          <a:p>
+            <a:pPr lvl="1"/>
+            <a:r>
+              <a:rPr lang="en-US" dirty="0"/>
+              <a:t>Advanced Formatting + Symbology</a:t>
+            </a:r>
+          </a:p>
+          <a:p>
+            <a:pPr lvl="1"/>
+            <a:r>
+              <a:rPr lang="en-US" dirty="0"/>
+              <a:t>DEM Visualization</a:t>
+            </a:r>
+          </a:p>
+          <a:p>
+            <a:pPr lvl="1"/>
+            <a:r>
+              <a:rPr lang="en-US" dirty="0"/>
+              <a:t>Web Database Connections</a:t>
+            </a:r>
+          </a:p>
+          <a:p>
+            <a:pPr lvl="1"/>
+            <a:r>
+              <a:rPr lang="en-US" dirty="0"/>
+              <a:t>Basics of Python in QGIS</a:t>
+            </a:r>
+          </a:p>
+          <a:p>
+            <a:pPr lvl="2"/>
+            <a:endParaRPr lang="en-US" dirty="0"/>
+          </a:p>
+          <a:p>
+            <a:pPr marL="548640" lvl="2" indent="0">
+              <a:buNone/>
+            </a:pPr>
+            <a:endParaRPr lang="en-US" dirty="0"/>
+          </a:p>
+        </p:txBody>
+      </p:sp>
+      <p:sp>
+        <p:nvSpPr>
+          <p:cNvPr id="4" name="Date Placeholder 3">
+            <a:extLst>
+              <a:ext uri="{FF2B5EF4-FFF2-40B4-BE49-F238E27FC236}">
+                <a16:creationId xmlns:a16="http://schemas.microsoft.com/office/drawing/2014/main" id="{9832673E-13E5-EB44-B5EE-749A920CDFC9}"/>
+              </a:ext>
+            </a:extLst>
+          </p:cNvPr>
+          <p:cNvSpPr>
+            <a:spLocks noGrp="1"/>
+          </p:cNvSpPr>
+          <p:nvPr>
+            <p:ph type="dt" sz="half" idx="10"/>
+          </p:nvPr>
+        </p:nvSpPr>
+        <p:spPr/>
+        <p:txBody>
+          <a:bodyPr/>
+          <a:lstStyle/>
+          <a:p>
+            <a:fld id="{0C058645-6F24-9C43-8FC3-443F02031404}" type="datetime1">
+              <a:rPr lang="en-US" smtClean="0"/>
+              <a:t>11/13/20</a:t>
+            </a:fld>
+            <a:endParaRPr lang="en-US" dirty="0"/>
+          </a:p>
+        </p:txBody>
+      </p:sp>
+      <p:sp>
+        <p:nvSpPr>
+          <p:cNvPr id="6" name="Slide Number Placeholder 5">
+            <a:extLst>
+              <a:ext uri="{FF2B5EF4-FFF2-40B4-BE49-F238E27FC236}">
+                <a16:creationId xmlns:a16="http://schemas.microsoft.com/office/drawing/2014/main" id="{3A4F7F12-B06E-6549-B7D9-357DB5A064CB}"/>
+              </a:ext>
+            </a:extLst>
+          </p:cNvPr>
+          <p:cNvSpPr>
+            <a:spLocks noGrp="1"/>
+          </p:cNvSpPr>
+          <p:nvPr>
+            <p:ph type="sldNum" sz="quarter" idx="12"/>
+          </p:nvPr>
+        </p:nvSpPr>
+        <p:spPr/>
+        <p:txBody>
+          <a:bodyPr>
+            <a:normAutofit lnSpcReduction="10000"/>
+          </a:bodyPr>
+          <a:lstStyle/>
+          <a:p>
+            <a:fld id="{4FAB73BC-B049-4115-A692-8D63A059BFB8}" type="slidenum">
+              <a:rPr lang="en-US" smtClean="0"/>
+              <a:t>5</a:t>
+            </a:fld>
+            <a:endParaRPr lang="en-US" dirty="0"/>
+          </a:p>
+        </p:txBody>
+      </p:sp>
+      <p:sp>
+        <p:nvSpPr>
+          <p:cNvPr id="7" name="Footer Placeholder 4">
+            <a:extLst>
+              <a:ext uri="{FF2B5EF4-FFF2-40B4-BE49-F238E27FC236}">
+                <a16:creationId xmlns:a16="http://schemas.microsoft.com/office/drawing/2014/main" id="{02C3649A-5040-F04B-A726-FEA28F3C30FF}"/>
+              </a:ext>
+            </a:extLst>
+          </p:cNvPr>
+          <p:cNvSpPr>
+            <a:spLocks noGrp="1"/>
+          </p:cNvSpPr>
+          <p:nvPr>
+            <p:ph type="ftr" sz="quarter" idx="3"/>
+          </p:nvPr>
+        </p:nvSpPr>
+        <p:spPr>
+          <a:xfrm rot="16200000">
+            <a:off x="9390931" y="3548149"/>
+            <a:ext cx="4718224" cy="365125"/>
+          </a:xfrm>
+          <a:prstGeom prst="rect">
+            <a:avLst/>
+          </a:prstGeom>
+        </p:spPr>
+        <p:txBody>
+          <a:bodyPr/>
+          <a:lstStyle>
+            <a:lvl1pPr>
+              <a:defRPr sz="1200">
+                <a:solidFill>
+                  <a:schemeClr val="bg1"/>
+                </a:solidFill>
+                <a:latin typeface="Candara" panose="020E0502030303020204" pitchFamily="34" charset="0"/>
+              </a:defRPr>
+            </a:lvl1pPr>
+          </a:lstStyle>
+          <a:p>
+            <a:r>
+              <a:rPr lang="en-US" dirty="0"/>
+              <a:t>UCL GIS for Geoscientists- Session 3- Intermediate GIS</a:t>
+            </a:r>
+          </a:p>
+          <a:p>
+            <a:r>
+              <a:rPr lang="en-US" dirty="0"/>
+              <a:t>Presented by N.D. Barber (Cambridge) ndb38@cam.ac.uk</a:t>
+            </a:r>
+          </a:p>
+        </p:txBody>
+      </p:sp>
+    </p:spTree>
+    <p:extLst>
+      <p:ext uri="{BB962C8B-B14F-4D97-AF65-F5344CB8AC3E}">
+        <p14:creationId xmlns:p14="http://schemas.microsoft.com/office/powerpoint/2010/main" val="1109333282"/>
+      </p:ext>
+    </p:extLst>
+  </p:cSld>
+  <p:clrMapOvr>
+    <a:masterClrMapping/>
+  </p:clrMapOvr>
+</p:sld>
+</file>
+
+<file path=ppt/slides/slide7.xml><?xml version="1.0" encoding="utf-8"?>
+<p:sld xmlns:a="http://schemas.openxmlformats.org/drawingml/2006/main" xmlns:r="http://schemas.openxmlformats.org/officeDocument/2006/relationships" xmlns:p="http://schemas.openxmlformats.org/presentationml/2006/main">
+  <p:cSld>
+    <p:spTree>
+      <p:nvGrpSpPr>
+        <p:cNvPr id="1" name=""/>
+        <p:cNvGrpSpPr/>
+        <p:nvPr/>
+      </p:nvGrpSpPr>
+      <p:grpSpPr>
+        <a:xfrm>
+          <a:off x="0" y="0"/>
+          <a:ext cx="0" cy="0"/>
+          <a:chOff x="0" y="0"/>
+          <a:chExt cx="0" cy="0"/>
+        </a:xfrm>
+      </p:grpSpPr>
+      <p:sp>
+        <p:nvSpPr>
+          <p:cNvPr id="2" name="Title 1">
+            <a:extLst>
+              <a:ext uri="{FF2B5EF4-FFF2-40B4-BE49-F238E27FC236}">
+                <a16:creationId xmlns:a16="http://schemas.microsoft.com/office/drawing/2014/main" id="{59A8B2AC-352B-8F4A-9D7A-6C546DE1107B}"/>
+              </a:ext>
+            </a:extLst>
+          </p:cNvPr>
+          <p:cNvSpPr>
+            <a:spLocks noGrp="1"/>
+          </p:cNvSpPr>
+          <p:nvPr>
+            <p:ph type="title"/>
+          </p:nvPr>
+        </p:nvSpPr>
+        <p:spPr/>
+        <p:txBody>
+          <a:bodyPr/>
+          <a:lstStyle/>
+          <a:p>
+            <a:r>
+              <a:rPr lang="en-US" dirty="0"/>
+              <a:t>Finishing Up From Session 2: </a:t>
+            </a:r>
+            <a:br>
+              <a:rPr lang="en-US" dirty="0"/>
+            </a:br>
+            <a:r>
+              <a:rPr lang="en-US" dirty="0"/>
+              <a:t>Layout</a:t>
+            </a:r>
+          </a:p>
+        </p:txBody>
+      </p:sp>
+      <p:sp>
+        <p:nvSpPr>
+          <p:cNvPr id="4" name="Date Placeholder 3">
+            <a:extLst>
+              <a:ext uri="{FF2B5EF4-FFF2-40B4-BE49-F238E27FC236}">
+                <a16:creationId xmlns:a16="http://schemas.microsoft.com/office/drawing/2014/main" id="{7DA4649F-889A-6546-8E0B-F5FD3539BC5C}"/>
+              </a:ext>
+            </a:extLst>
+          </p:cNvPr>
+          <p:cNvSpPr>
+            <a:spLocks noGrp="1"/>
+          </p:cNvSpPr>
+          <p:nvPr>
+            <p:ph type="dt" sz="half" idx="10"/>
+          </p:nvPr>
+        </p:nvSpPr>
+        <p:spPr/>
+        <p:txBody>
+          <a:bodyPr/>
+          <a:lstStyle/>
+          <a:p>
+            <a:fld id="{0C058645-6F24-9C43-8FC3-443F02031404}" type="datetime1">
+              <a:rPr lang="en-US" smtClean="0"/>
+              <a:t>11/13/20</a:t>
+            </a:fld>
+            <a:endParaRPr lang="en-US" dirty="0"/>
+          </a:p>
+        </p:txBody>
+      </p:sp>
+      <p:sp>
+        <p:nvSpPr>
+          <p:cNvPr id="5" name="Slide Number Placeholder 4">
+            <a:extLst>
+              <a:ext uri="{FF2B5EF4-FFF2-40B4-BE49-F238E27FC236}">
+                <a16:creationId xmlns:a16="http://schemas.microsoft.com/office/drawing/2014/main" id="{F9504AF3-27B4-6B4E-83B8-B4BC988C5459}"/>
+              </a:ext>
+            </a:extLst>
+          </p:cNvPr>
+          <p:cNvSpPr>
+            <a:spLocks noGrp="1"/>
+          </p:cNvSpPr>
+          <p:nvPr>
+            <p:ph type="sldNum" sz="quarter" idx="12"/>
+          </p:nvPr>
+        </p:nvSpPr>
+        <p:spPr/>
+        <p:txBody>
+          <a:bodyPr>
+            <a:normAutofit lnSpcReduction="10000"/>
+          </a:bodyPr>
+          <a:lstStyle/>
+          <a:p>
+            <a:fld id="{4FAB73BC-B049-4115-A692-8D63A059BFB8}" type="slidenum">
+              <a:rPr lang="en-US" smtClean="0"/>
+              <a:t>6</a:t>
+            </a:fld>
+            <a:endParaRPr lang="en-US" dirty="0"/>
+          </a:p>
+        </p:txBody>
+      </p:sp>
+      <p:sp>
+        <p:nvSpPr>
+          <p:cNvPr id="6" name="Footer Placeholder 5">
+            <a:extLst>
+              <a:ext uri="{FF2B5EF4-FFF2-40B4-BE49-F238E27FC236}">
+                <a16:creationId xmlns:a16="http://schemas.microsoft.com/office/drawing/2014/main" id="{55D0A802-D94A-6140-A981-75D69F6B41BB}"/>
+              </a:ext>
+            </a:extLst>
+          </p:cNvPr>
+          <p:cNvSpPr>
+            <a:spLocks noGrp="1"/>
+          </p:cNvSpPr>
+          <p:nvPr>
+            <p:ph type="ftr" sz="quarter" idx="3"/>
+          </p:nvPr>
+        </p:nvSpPr>
+        <p:spPr/>
+        <p:txBody>
+          <a:bodyPr/>
+          <a:lstStyle/>
+          <a:p>
+            <a:r>
+              <a:rPr lang="en-US"/>
+              <a:t>UCL GIS for Geoscientists- Session 3- Intermediate GIS</a:t>
+            </a:r>
+          </a:p>
+          <a:p>
+            <a:r>
+              <a:rPr lang="en-US"/>
+              <a:t>Presented by N.D. Barber (Cambridge) ndb38@cam.ac.uk</a:t>
+            </a:r>
+            <a:endParaRPr lang="en-US" dirty="0"/>
+          </a:p>
+        </p:txBody>
+      </p:sp>
+      <p:sp>
+        <p:nvSpPr>
+          <p:cNvPr id="7" name="Content Placeholder 2">
+            <a:extLst>
+              <a:ext uri="{FF2B5EF4-FFF2-40B4-BE49-F238E27FC236}">
+                <a16:creationId xmlns:a16="http://schemas.microsoft.com/office/drawing/2014/main" id="{C5D51057-382C-7D44-8954-98B01AFB2D75}"/>
+              </a:ext>
+            </a:extLst>
+          </p:cNvPr>
+          <p:cNvSpPr>
+            <a:spLocks noGrp="1"/>
+          </p:cNvSpPr>
+          <p:nvPr>
+            <p:ph idx="1"/>
+          </p:nvPr>
+        </p:nvSpPr>
+        <p:spPr>
+          <a:xfrm>
+            <a:off x="1261872" y="1828800"/>
+            <a:ext cx="8595360" cy="4351337"/>
+          </a:xfrm>
+        </p:spPr>
+        <p:txBody>
+          <a:bodyPr/>
+          <a:lstStyle/>
+          <a:p>
+            <a:r>
+              <a:rPr lang="en-US" dirty="0"/>
+              <a:t>Elements we want:</a:t>
+            </a:r>
+          </a:p>
+          <a:p>
+            <a:pPr lvl="1"/>
+            <a:r>
+              <a:rPr lang="en-US" dirty="0"/>
+              <a:t>Main Map</a:t>
+            </a:r>
+          </a:p>
+          <a:p>
+            <a:pPr lvl="1"/>
+            <a:r>
+              <a:rPr lang="en-US" dirty="0"/>
+              <a:t>Regional Inset Map</a:t>
+            </a:r>
+          </a:p>
+          <a:p>
+            <a:pPr lvl="1"/>
+            <a:r>
+              <a:rPr lang="en-US" dirty="0"/>
+              <a:t>Legend</a:t>
+            </a:r>
+          </a:p>
+          <a:p>
+            <a:pPr lvl="1"/>
+            <a:r>
+              <a:rPr lang="en-US" dirty="0"/>
+              <a:t>North Arrow</a:t>
+            </a:r>
+          </a:p>
+          <a:p>
+            <a:pPr lvl="1"/>
+            <a:r>
+              <a:rPr lang="en-US" dirty="0"/>
+              <a:t>Scale bar</a:t>
+            </a:r>
+          </a:p>
+          <a:p>
+            <a:pPr lvl="1"/>
+            <a:r>
+              <a:rPr lang="en-US" dirty="0"/>
+              <a:t>Grid</a:t>
+            </a:r>
+          </a:p>
+          <a:p>
+            <a:pPr lvl="1"/>
+            <a:r>
+              <a:rPr lang="en-US" dirty="0"/>
+              <a:t>Labels for important features</a:t>
+            </a:r>
+          </a:p>
+          <a:p>
+            <a:pPr lvl="1"/>
+            <a:r>
+              <a:rPr lang="en-US" dirty="0"/>
+              <a:t>Text box summarizing findings</a:t>
+            </a:r>
+          </a:p>
+          <a:p>
+            <a:r>
+              <a:rPr lang="en-US" dirty="0"/>
+              <a:t>Thigs to keep in mind:</a:t>
+            </a:r>
+          </a:p>
+          <a:p>
+            <a:pPr lvl="1"/>
+            <a:r>
+              <a:rPr lang="en-US" dirty="0"/>
+              <a:t>Map Scale</a:t>
+            </a:r>
+          </a:p>
+          <a:p>
+            <a:pPr lvl="1"/>
+            <a:r>
+              <a:rPr lang="en-US" dirty="0"/>
+              <a:t>Locking of display</a:t>
+            </a:r>
+          </a:p>
+          <a:p>
+            <a:pPr lvl="1"/>
+            <a:r>
+              <a:rPr lang="en-US" dirty="0"/>
+              <a:t>Legend items</a:t>
+            </a:r>
+          </a:p>
+          <a:p>
+            <a:pPr lvl="1"/>
+            <a:r>
+              <a:rPr lang="en-US" dirty="0"/>
+              <a:t>Aesthetic value</a:t>
+            </a:r>
+          </a:p>
+        </p:txBody>
+      </p:sp>
+    </p:spTree>
+    <p:extLst>
+      <p:ext uri="{BB962C8B-B14F-4D97-AF65-F5344CB8AC3E}">
+        <p14:creationId xmlns:p14="http://schemas.microsoft.com/office/powerpoint/2010/main" val="2959314020"/>
+      </p:ext>
+    </p:extLst>
+  </p:cSld>
+  <p:clrMapOvr>
+    <a:masterClrMapping/>
+  </p:clrMapOvr>
+</p:sld>
+</file>
+
+<file path=ppt/slides/slide8.xml><?xml version="1.0" encoding="utf-8"?>
+<p:sld xmlns:a="http://schemas.openxmlformats.org/drawingml/2006/main" xmlns:r="http://schemas.openxmlformats.org/officeDocument/2006/relationships" xmlns:p="http://schemas.openxmlformats.org/presentationml/2006/main">
+  <p:cSld>
+    <p:spTree>
+      <p:nvGrpSpPr>
+        <p:cNvPr id="1" name=""/>
+        <p:cNvGrpSpPr/>
+        <p:nvPr/>
+      </p:nvGrpSpPr>
+      <p:grpSpPr>
+        <a:xfrm>
+          <a:off x="0" y="0"/>
+          <a:ext cx="0" cy="0"/>
+          <a:chOff x="0" y="0"/>
+          <a:chExt cx="0" cy="0"/>
+        </a:xfrm>
+      </p:grpSpPr>
+      <p:sp>
+        <p:nvSpPr>
+          <p:cNvPr id="2" name="Title 1">
+            <a:extLst>
+              <a:ext uri="{FF2B5EF4-FFF2-40B4-BE49-F238E27FC236}">
+                <a16:creationId xmlns:a16="http://schemas.microsoft.com/office/drawing/2014/main" id="{8CD2B2F7-7C36-004D-917B-D978CFAA84D3}"/>
+              </a:ext>
+            </a:extLst>
+          </p:cNvPr>
+          <p:cNvSpPr>
+            <a:spLocks noGrp="1"/>
+          </p:cNvSpPr>
+          <p:nvPr>
+            <p:ph type="title"/>
+          </p:nvPr>
+        </p:nvSpPr>
+        <p:spPr/>
+        <p:txBody>
+          <a:bodyPr/>
+          <a:lstStyle/>
+          <a:p>
+            <a:r>
+              <a:rPr lang="en-US" dirty="0"/>
+              <a:t>Let’s Get to It!</a:t>
+            </a:r>
+          </a:p>
+        </p:txBody>
+      </p:sp>
+      <p:sp>
+        <p:nvSpPr>
+          <p:cNvPr id="3" name="Content Placeholder 2">
+            <a:extLst>
+              <a:ext uri="{FF2B5EF4-FFF2-40B4-BE49-F238E27FC236}">
+                <a16:creationId xmlns:a16="http://schemas.microsoft.com/office/drawing/2014/main" id="{6F69D046-0F02-CE4B-BCEF-330237B3E970}"/>
+              </a:ext>
+            </a:extLst>
+          </p:cNvPr>
+          <p:cNvSpPr>
+            <a:spLocks noGrp="1"/>
+          </p:cNvSpPr>
+          <p:nvPr>
+            <p:ph idx="1"/>
+          </p:nvPr>
+        </p:nvSpPr>
+        <p:spPr>
+          <a:xfrm>
+            <a:off x="1261872" y="1820863"/>
+            <a:ext cx="8932452" cy="4351337"/>
+          </a:xfrm>
+        </p:spPr>
+        <p:txBody>
+          <a:bodyPr>
+            <a:normAutofit/>
+          </a:bodyPr>
+          <a:lstStyle/>
+          <a:p>
+            <a:r>
+              <a:rPr lang="en-US" b="1" dirty="0"/>
+              <a:t>Section 1: Advanced Analysis</a:t>
+            </a:r>
+          </a:p>
+          <a:p>
+            <a:pPr lvl="1"/>
+            <a:r>
+              <a:rPr lang="en-US" dirty="0"/>
+              <a:t>Exercise 2: Fluid Geochemistry of G.P.</a:t>
+            </a:r>
+          </a:p>
+          <a:p>
+            <a:pPr lvl="2"/>
+            <a:r>
+              <a:rPr lang="en-US" dirty="0"/>
+              <a:t>Importing CSVs</a:t>
+            </a:r>
+          </a:p>
+          <a:p>
+            <a:pPr lvl="2"/>
+            <a:r>
+              <a:rPr lang="en-US" dirty="0"/>
+              <a:t>Spatial Joins</a:t>
+            </a:r>
+          </a:p>
+          <a:p>
+            <a:pPr lvl="2"/>
+            <a:r>
+              <a:rPr lang="en-US" dirty="0"/>
+              <a:t>Interpolating Point Shapefiles</a:t>
+            </a:r>
+          </a:p>
+          <a:p>
+            <a:pPr lvl="1"/>
+            <a:r>
+              <a:rPr lang="en-US" dirty="0"/>
+              <a:t>Exercise 3: Landslide Risk near Quito</a:t>
+            </a:r>
+          </a:p>
+          <a:p>
+            <a:pPr lvl="2"/>
+            <a:r>
+              <a:rPr lang="en-US" dirty="0"/>
+              <a:t>Raster Statistics</a:t>
+            </a:r>
+          </a:p>
+          <a:p>
+            <a:pPr lvl="2"/>
+            <a:r>
+              <a:rPr lang="en-US" dirty="0"/>
+              <a:t>Rasterizing a Shapefile</a:t>
+            </a:r>
+          </a:p>
+          <a:p>
+            <a:pPr lvl="2"/>
+            <a:r>
+              <a:rPr lang="en-US" dirty="0"/>
+              <a:t>Raster Calculator</a:t>
+            </a:r>
+          </a:p>
+          <a:p>
+            <a:pPr lvl="2"/>
+            <a:r>
+              <a:rPr lang="en-US" dirty="0"/>
+              <a:t>Zonal Statistics</a:t>
+            </a:r>
+          </a:p>
+        </p:txBody>
+      </p:sp>
+      <p:sp>
+        <p:nvSpPr>
+          <p:cNvPr id="4" name="Date Placeholder 3">
+            <a:extLst>
+              <a:ext uri="{FF2B5EF4-FFF2-40B4-BE49-F238E27FC236}">
+                <a16:creationId xmlns:a16="http://schemas.microsoft.com/office/drawing/2014/main" id="{6E290827-2326-D643-8A9C-74680968F71C}"/>
+              </a:ext>
+            </a:extLst>
+          </p:cNvPr>
+          <p:cNvSpPr>
+            <a:spLocks noGrp="1"/>
+          </p:cNvSpPr>
+          <p:nvPr>
+            <p:ph type="dt" sz="half" idx="10"/>
+          </p:nvPr>
+        </p:nvSpPr>
+        <p:spPr/>
+        <p:txBody>
+          <a:bodyPr/>
+          <a:lstStyle/>
+          <a:p>
+            <a:fld id="{0C058645-6F24-9C43-8FC3-443F02031404}" type="datetime1">
+              <a:rPr lang="en-US" smtClean="0"/>
+              <a:t>11/13/20</a:t>
+            </a:fld>
+            <a:endParaRPr lang="en-US" dirty="0"/>
+          </a:p>
+        </p:txBody>
+      </p:sp>
+      <p:sp>
+        <p:nvSpPr>
+          <p:cNvPr id="5" name="Slide Number Placeholder 4">
+            <a:extLst>
+              <a:ext uri="{FF2B5EF4-FFF2-40B4-BE49-F238E27FC236}">
+                <a16:creationId xmlns:a16="http://schemas.microsoft.com/office/drawing/2014/main" id="{C8F82A5C-F4BD-FC4E-BDA7-9E86DC022D3F}"/>
+              </a:ext>
+            </a:extLst>
+          </p:cNvPr>
+          <p:cNvSpPr>
+            <a:spLocks noGrp="1"/>
+          </p:cNvSpPr>
+          <p:nvPr>
+            <p:ph type="sldNum" sz="quarter" idx="12"/>
+          </p:nvPr>
+        </p:nvSpPr>
+        <p:spPr/>
+        <p:txBody>
+          <a:bodyPr>
+            <a:normAutofit lnSpcReduction="10000"/>
+          </a:bodyPr>
+          <a:lstStyle/>
+          <a:p>
+            <a:fld id="{4FAB73BC-B049-4115-A692-8D63A059BFB8}" type="slidenum">
+              <a:rPr lang="en-US" smtClean="0"/>
+              <a:t>7</a:t>
+            </a:fld>
+            <a:endParaRPr lang="en-US" dirty="0"/>
+          </a:p>
+        </p:txBody>
+      </p:sp>
+      <p:sp>
+        <p:nvSpPr>
+          <p:cNvPr id="8" name="Content Placeholder 2">
+            <a:extLst>
+              <a:ext uri="{FF2B5EF4-FFF2-40B4-BE49-F238E27FC236}">
+                <a16:creationId xmlns:a16="http://schemas.microsoft.com/office/drawing/2014/main" id="{1952B431-84ED-EA48-99FA-614D3EE146A8}"/>
               </a:ext>
             </a:extLst>
           </p:cNvPr>
@@ -8459,8 +10744,8 @@
         </p:nvSpPr>
         <p:spPr>
           <a:xfrm>
-            <a:off x="1261872" y="1820863"/>
-            <a:ext cx="8595360" cy="4351337"/>
+            <a:off x="5405503" y="1820862"/>
+            <a:ext cx="8932452" cy="4351337"/>
           </a:xfrm>
           <a:prstGeom prst="rect">
             <a:avLst/>
@@ -8715,1989 +11000,6 @@
           </a:lstStyle>
           <a:p>
             <a:r>
-              <a:rPr lang="en-US" dirty="0"/>
-              <a:t>Monday August 10th: Session 1 – Principles and Motivation for GIS in the Geosciences</a:t>
-            </a:r>
-          </a:p>
-          <a:p>
-            <a:pPr lvl="1"/>
-            <a:r>
-              <a:rPr lang="en-US" dirty="0"/>
-              <a:t>Why GIS?</a:t>
-            </a:r>
-          </a:p>
-          <a:p>
-            <a:pPr lvl="1"/>
-            <a:r>
-              <a:rPr lang="en-US" dirty="0"/>
-              <a:t>Principles of GIS</a:t>
-            </a:r>
-          </a:p>
-          <a:p>
-            <a:pPr lvl="1"/>
-            <a:r>
-              <a:rPr lang="en-US" dirty="0"/>
-              <a:t>Getting acquainted with Quantum GIS?</a:t>
-            </a:r>
-          </a:p>
-          <a:p>
-            <a:r>
-              <a:rPr lang="en-US" dirty="0"/>
-              <a:t>Today: Session 2 – Beginner GIS Exercise</a:t>
-            </a:r>
-          </a:p>
-          <a:p>
-            <a:pPr lvl="1"/>
-            <a:r>
-              <a:rPr lang="en-US" dirty="0"/>
-              <a:t>Exercise 1</a:t>
-            </a:r>
-          </a:p>
-          <a:p>
-            <a:r>
-              <a:rPr lang="en-US" b="1" dirty="0"/>
-              <a:t>Monday August 17</a:t>
-            </a:r>
-            <a:r>
-              <a:rPr lang="en-US" b="1" baseline="30000" dirty="0"/>
-              <a:t>th</a:t>
-            </a:r>
-            <a:r>
-              <a:rPr lang="en-US" b="1" dirty="0"/>
-              <a:t>: Session 3 – Intermediate GIS Exercise</a:t>
-            </a:r>
-          </a:p>
-          <a:p>
-            <a:pPr lvl="1"/>
-            <a:r>
-              <a:rPr lang="en-US" dirty="0"/>
-              <a:t>Exercise 2, Parts 1,2,3</a:t>
-            </a:r>
-          </a:p>
-          <a:p>
-            <a:r>
-              <a:rPr lang="en-US" dirty="0"/>
-              <a:t>Wednesday August 19</a:t>
-            </a:r>
-            <a:r>
-              <a:rPr lang="en-US" baseline="30000" dirty="0"/>
-              <a:t>th</a:t>
-            </a:r>
-            <a:r>
-              <a:rPr lang="en-US" dirty="0"/>
-              <a:t>: Scheduled “TA Hours” for 1-on-1 project advice</a:t>
-            </a:r>
-          </a:p>
-        </p:txBody>
-      </p:sp>
-      <p:sp>
-        <p:nvSpPr>
-          <p:cNvPr id="10" name="Footer Placeholder 4">
-            <a:extLst>
-              <a:ext uri="{FF2B5EF4-FFF2-40B4-BE49-F238E27FC236}">
-                <a16:creationId xmlns:a16="http://schemas.microsoft.com/office/drawing/2014/main" id="{CA82BD2B-71CC-5542-9321-E3A7081505BF}"/>
-              </a:ext>
-            </a:extLst>
-          </p:cNvPr>
-          <p:cNvSpPr>
-            <a:spLocks noGrp="1"/>
-          </p:cNvSpPr>
-          <p:nvPr>
-            <p:ph type="ftr" sz="quarter" idx="3"/>
-          </p:nvPr>
-        </p:nvSpPr>
-        <p:spPr>
-          <a:xfrm rot="16200000">
-            <a:off x="9390931" y="3548149"/>
-            <a:ext cx="4718224" cy="365125"/>
-          </a:xfrm>
-          <a:prstGeom prst="rect">
-            <a:avLst/>
-          </a:prstGeom>
-        </p:spPr>
-        <p:txBody>
-          <a:bodyPr/>
-          <a:lstStyle>
-            <a:lvl1pPr>
-              <a:defRPr sz="1200">
-                <a:solidFill>
-                  <a:schemeClr val="bg1"/>
-                </a:solidFill>
-                <a:latin typeface="Candara" panose="020E0502030303020204" pitchFamily="34" charset="0"/>
-              </a:defRPr>
-            </a:lvl1pPr>
-          </a:lstStyle>
-          <a:p>
-            <a:r>
-              <a:rPr lang="en-US" dirty="0"/>
-              <a:t>UCL GIS for Geoscientists- Session 3- Intermediate GIS</a:t>
-            </a:r>
-          </a:p>
-          <a:p>
-            <a:r>
-              <a:rPr lang="en-US" dirty="0"/>
-              <a:t>Presented by N.D. Barber (Cambridge) ndb38@cam.ac.uk</a:t>
-            </a:r>
-          </a:p>
-        </p:txBody>
-      </p:sp>
-    </p:spTree>
-    <p:extLst>
-      <p:ext uri="{BB962C8B-B14F-4D97-AF65-F5344CB8AC3E}">
-        <p14:creationId xmlns:p14="http://schemas.microsoft.com/office/powerpoint/2010/main" val="1875994291"/>
-      </p:ext>
-    </p:extLst>
-  </p:cSld>
-  <p:clrMapOvr>
-    <a:masterClrMapping/>
-  </p:clrMapOvr>
-</p:sld>
-</file>
-
-<file path=ppt/slides/slide3.xml><?xml version="1.0" encoding="utf-8"?>
-<p:sld xmlns:a="http://schemas.openxmlformats.org/drawingml/2006/main" xmlns:r="http://schemas.openxmlformats.org/officeDocument/2006/relationships" xmlns:p="http://schemas.openxmlformats.org/presentationml/2006/main">
-  <p:cSld>
-    <p:spTree>
-      <p:nvGrpSpPr>
-        <p:cNvPr id="1" name=""/>
-        <p:cNvGrpSpPr/>
-        <p:nvPr/>
-      </p:nvGrpSpPr>
-      <p:grpSpPr>
-        <a:xfrm>
-          <a:off x="0" y="0"/>
-          <a:ext cx="0" cy="0"/>
-          <a:chOff x="0" y="0"/>
-          <a:chExt cx="0" cy="0"/>
-        </a:xfrm>
-      </p:grpSpPr>
-      <p:sp>
-        <p:nvSpPr>
-          <p:cNvPr id="2" name="Title 1">
-            <a:extLst>
-              <a:ext uri="{FF2B5EF4-FFF2-40B4-BE49-F238E27FC236}">
-                <a16:creationId xmlns:a16="http://schemas.microsoft.com/office/drawing/2014/main" id="{D702DAE0-CE78-6D4F-B83E-1CE269CCDA44}"/>
-              </a:ext>
-            </a:extLst>
-          </p:cNvPr>
-          <p:cNvSpPr>
-            <a:spLocks noGrp="1"/>
-          </p:cNvSpPr>
-          <p:nvPr>
-            <p:ph type="title"/>
-          </p:nvPr>
-        </p:nvSpPr>
-        <p:spPr/>
-        <p:txBody>
-          <a:bodyPr/>
-          <a:lstStyle/>
-          <a:p>
-            <a:r>
-              <a:rPr lang="en-US" dirty="0"/>
-              <a:t>Notes for Today</a:t>
-            </a:r>
-          </a:p>
-        </p:txBody>
-      </p:sp>
-      <p:sp>
-        <p:nvSpPr>
-          <p:cNvPr id="3" name="Content Placeholder 2">
-            <a:extLst>
-              <a:ext uri="{FF2B5EF4-FFF2-40B4-BE49-F238E27FC236}">
-                <a16:creationId xmlns:a16="http://schemas.microsoft.com/office/drawing/2014/main" id="{CE97C9BC-88BC-914F-A032-AFBB2AB8A102}"/>
-              </a:ext>
-            </a:extLst>
-          </p:cNvPr>
-          <p:cNvSpPr>
-            <a:spLocks noGrp="1"/>
-          </p:cNvSpPr>
-          <p:nvPr>
-            <p:ph idx="1"/>
-          </p:nvPr>
-        </p:nvSpPr>
-        <p:spPr>
-          <a:xfrm>
-            <a:off x="1261872" y="1828800"/>
-            <a:ext cx="4945698" cy="4351337"/>
-          </a:xfrm>
-        </p:spPr>
-        <p:txBody>
-          <a:bodyPr/>
-          <a:lstStyle/>
-          <a:p>
-            <a:r>
-              <a:rPr lang="en-US" dirty="0"/>
-              <a:t>NEWLY FOUND PLUGIN: </a:t>
-            </a:r>
-            <a:r>
-              <a:rPr lang="en-US" dirty="0">
-                <a:hlinkClick r:id="rId2"/>
-              </a:rPr>
-              <a:t>SRTM Downloader</a:t>
-            </a:r>
-            <a:endParaRPr lang="en-US" dirty="0"/>
-          </a:p>
-          <a:p>
-            <a:pPr lvl="1"/>
-            <a:r>
-              <a:rPr lang="en-US" dirty="0"/>
-              <a:t>Need NASA </a:t>
-            </a:r>
-            <a:r>
-              <a:rPr lang="en-US" dirty="0" err="1"/>
-              <a:t>EarthData</a:t>
-            </a:r>
-            <a:r>
-              <a:rPr lang="en-US" dirty="0"/>
-              <a:t> Account</a:t>
-            </a:r>
-          </a:p>
-          <a:p>
-            <a:pPr lvl="1"/>
-            <a:r>
-              <a:rPr lang="en-US" dirty="0"/>
-              <a:t>Doesn’t replace USGS Earth Explorer</a:t>
-            </a:r>
-          </a:p>
-          <a:p>
-            <a:pPr marL="0" indent="0">
-              <a:buNone/>
-            </a:pPr>
-            <a:endParaRPr lang="en-US" dirty="0"/>
-          </a:p>
-          <a:p>
-            <a:r>
-              <a:rPr lang="en-US" dirty="0"/>
-              <a:t>Wednesday 1-1 Tutorial Sessions: Sign Up Open!!</a:t>
-            </a:r>
-          </a:p>
-          <a:p>
-            <a:pPr lvl="1"/>
-            <a:r>
-              <a:rPr lang="en-US" dirty="0"/>
-              <a:t>This course has mainly been me talking – this is the chance for us to interact and for me to help you with any GIS topic that crosses your mind!</a:t>
-            </a:r>
-          </a:p>
-          <a:p>
-            <a:pPr lvl="1"/>
-            <a:r>
-              <a:rPr lang="en-US" dirty="0"/>
-              <a:t>Sign Up Link: </a:t>
-            </a:r>
-            <a:r>
-              <a:rPr lang="en-US" dirty="0">
-                <a:hlinkClick r:id="rId3"/>
-              </a:rPr>
-              <a:t>https://doodle.com/meetme/qc/iFKktdhLst</a:t>
-            </a:r>
-            <a:endParaRPr lang="en-US" dirty="0"/>
-          </a:p>
-        </p:txBody>
-      </p:sp>
-      <p:sp>
-        <p:nvSpPr>
-          <p:cNvPr id="4" name="Date Placeholder 3">
-            <a:extLst>
-              <a:ext uri="{FF2B5EF4-FFF2-40B4-BE49-F238E27FC236}">
-                <a16:creationId xmlns:a16="http://schemas.microsoft.com/office/drawing/2014/main" id="{5961E080-3C63-3C41-8DC8-53D90BD2A120}"/>
-              </a:ext>
-            </a:extLst>
-          </p:cNvPr>
-          <p:cNvSpPr>
-            <a:spLocks noGrp="1"/>
-          </p:cNvSpPr>
-          <p:nvPr>
-            <p:ph type="dt" sz="half" idx="10"/>
-          </p:nvPr>
-        </p:nvSpPr>
-        <p:spPr/>
-        <p:txBody>
-          <a:bodyPr/>
-          <a:lstStyle/>
-          <a:p>
-            <a:fld id="{0C058645-6F24-9C43-8FC3-443F02031404}" type="datetime1">
-              <a:rPr lang="en-US" smtClean="0"/>
-              <a:t>8/17/20</a:t>
-            </a:fld>
-            <a:endParaRPr lang="en-US" dirty="0"/>
-          </a:p>
-        </p:txBody>
-      </p:sp>
-      <p:sp>
-        <p:nvSpPr>
-          <p:cNvPr id="5" name="Slide Number Placeholder 4">
-            <a:extLst>
-              <a:ext uri="{FF2B5EF4-FFF2-40B4-BE49-F238E27FC236}">
-                <a16:creationId xmlns:a16="http://schemas.microsoft.com/office/drawing/2014/main" id="{40B24145-4A2B-4D41-87BF-19ADD96E0560}"/>
-              </a:ext>
-            </a:extLst>
-          </p:cNvPr>
-          <p:cNvSpPr>
-            <a:spLocks noGrp="1"/>
-          </p:cNvSpPr>
-          <p:nvPr>
-            <p:ph type="sldNum" sz="quarter" idx="12"/>
-          </p:nvPr>
-        </p:nvSpPr>
-        <p:spPr/>
-        <p:txBody>
-          <a:bodyPr>
-            <a:normAutofit lnSpcReduction="10000"/>
-          </a:bodyPr>
-          <a:lstStyle/>
-          <a:p>
-            <a:fld id="{4FAB73BC-B049-4115-A692-8D63A059BFB8}" type="slidenum">
-              <a:rPr lang="en-US" smtClean="0"/>
-              <a:t>2</a:t>
-            </a:fld>
-            <a:endParaRPr lang="en-US" dirty="0"/>
-          </a:p>
-        </p:txBody>
-      </p:sp>
-      <p:sp>
-        <p:nvSpPr>
-          <p:cNvPr id="6" name="Footer Placeholder 5">
-            <a:extLst>
-              <a:ext uri="{FF2B5EF4-FFF2-40B4-BE49-F238E27FC236}">
-                <a16:creationId xmlns:a16="http://schemas.microsoft.com/office/drawing/2014/main" id="{16484A0D-8274-3842-BAAF-9051D816CCC9}"/>
-              </a:ext>
-            </a:extLst>
-          </p:cNvPr>
-          <p:cNvSpPr>
-            <a:spLocks noGrp="1"/>
-          </p:cNvSpPr>
-          <p:nvPr>
-            <p:ph type="ftr" sz="quarter" idx="3"/>
-          </p:nvPr>
-        </p:nvSpPr>
-        <p:spPr/>
-        <p:txBody>
-          <a:bodyPr/>
-          <a:lstStyle/>
-          <a:p>
-            <a:r>
-              <a:rPr lang="en-US"/>
-              <a:t>UCL GIS for Geoscientists- Session 3- Intermediate GIS</a:t>
-            </a:r>
-          </a:p>
-          <a:p>
-            <a:r>
-              <a:rPr lang="en-US"/>
-              <a:t>Presented by N.D. Barber (Cambridge) ndb38@cam.ac.uk</a:t>
-            </a:r>
-            <a:endParaRPr lang="en-US" dirty="0"/>
-          </a:p>
-        </p:txBody>
-      </p:sp>
-      <p:pic>
-        <p:nvPicPr>
-          <p:cNvPr id="8" name="Picture 7" descr="A screenshot of a video game&#10;&#10;Description automatically generated">
-            <a:extLst>
-              <a:ext uri="{FF2B5EF4-FFF2-40B4-BE49-F238E27FC236}">
-                <a16:creationId xmlns:a16="http://schemas.microsoft.com/office/drawing/2014/main" id="{5B9FEA42-1711-BB40-923D-F2F6C7CC5D4C}"/>
-              </a:ext>
-            </a:extLst>
-          </p:cNvPr>
-          <p:cNvPicPr>
-            <a:picLocks noChangeAspect="1"/>
-          </p:cNvPicPr>
-          <p:nvPr/>
-        </p:nvPicPr>
-        <p:blipFill>
-          <a:blip r:embed="rId4"/>
-          <a:stretch>
-            <a:fillRect/>
-          </a:stretch>
-        </p:blipFill>
-        <p:spPr>
-          <a:xfrm>
-            <a:off x="6788055" y="1057361"/>
-            <a:ext cx="3924300" cy="5346700"/>
-          </a:xfrm>
-          <a:prstGeom prst="rect">
-            <a:avLst/>
-          </a:prstGeom>
-        </p:spPr>
-      </p:pic>
-    </p:spTree>
-    <p:extLst>
-      <p:ext uri="{BB962C8B-B14F-4D97-AF65-F5344CB8AC3E}">
-        <p14:creationId xmlns:p14="http://schemas.microsoft.com/office/powerpoint/2010/main" val="528329236"/>
-      </p:ext>
-    </p:extLst>
-  </p:cSld>
-  <p:clrMapOvr>
-    <a:masterClrMapping/>
-  </p:clrMapOvr>
-</p:sld>
-</file>
-
-<file path=ppt/slides/slide4.xml><?xml version="1.0" encoding="utf-8"?>
-<p:sld xmlns:a="http://schemas.openxmlformats.org/drawingml/2006/main" xmlns:r="http://schemas.openxmlformats.org/officeDocument/2006/relationships" xmlns:p="http://schemas.openxmlformats.org/presentationml/2006/main">
-  <p:cSld>
-    <p:spTree>
-      <p:nvGrpSpPr>
-        <p:cNvPr id="1" name=""/>
-        <p:cNvGrpSpPr/>
-        <p:nvPr/>
-      </p:nvGrpSpPr>
-      <p:grpSpPr>
-        <a:xfrm>
-          <a:off x="0" y="0"/>
-          <a:ext cx="0" cy="0"/>
-          <a:chOff x="0" y="0"/>
-          <a:chExt cx="0" cy="0"/>
-        </a:xfrm>
-      </p:grpSpPr>
-      <p:sp>
-        <p:nvSpPr>
-          <p:cNvPr id="2" name="Title 1">
-            <a:extLst>
-              <a:ext uri="{FF2B5EF4-FFF2-40B4-BE49-F238E27FC236}">
-                <a16:creationId xmlns:a16="http://schemas.microsoft.com/office/drawing/2014/main" id="{796FB70C-4F2A-E648-A8B8-801C7B0D9DC7}"/>
-              </a:ext>
-            </a:extLst>
-          </p:cNvPr>
-          <p:cNvSpPr>
-            <a:spLocks noGrp="1"/>
-          </p:cNvSpPr>
-          <p:nvPr>
-            <p:ph type="title"/>
-          </p:nvPr>
-        </p:nvSpPr>
-        <p:spPr/>
-        <p:txBody>
-          <a:bodyPr/>
-          <a:lstStyle/>
-          <a:p>
-            <a:r>
-              <a:rPr lang="en-US" dirty="0"/>
-              <a:t>Previous Sessions Demonstration:</a:t>
-            </a:r>
-          </a:p>
-        </p:txBody>
-      </p:sp>
-      <p:sp>
-        <p:nvSpPr>
-          <p:cNvPr id="3" name="Content Placeholder 2">
-            <a:extLst>
-              <a:ext uri="{FF2B5EF4-FFF2-40B4-BE49-F238E27FC236}">
-                <a16:creationId xmlns:a16="http://schemas.microsoft.com/office/drawing/2014/main" id="{BB985F6C-414B-6C46-AC13-CE425348F9CE}"/>
-              </a:ext>
-            </a:extLst>
-          </p:cNvPr>
-          <p:cNvSpPr>
-            <a:spLocks noGrp="1"/>
-          </p:cNvSpPr>
-          <p:nvPr>
-            <p:ph idx="1"/>
-          </p:nvPr>
-        </p:nvSpPr>
-        <p:spPr/>
-        <p:txBody>
-          <a:bodyPr/>
-          <a:lstStyle/>
-          <a:p>
-            <a:r>
-              <a:rPr lang="en-US" dirty="0"/>
-              <a:t>Planning a project</a:t>
-            </a:r>
-          </a:p>
-          <a:p>
-            <a:r>
-              <a:rPr lang="en-US" dirty="0"/>
-              <a:t>Finding Data</a:t>
-            </a:r>
-          </a:p>
-          <a:p>
-            <a:r>
-              <a:rPr lang="en-US" dirty="0"/>
-              <a:t>Defining CRS/PCS</a:t>
-            </a:r>
-          </a:p>
-          <a:p>
-            <a:r>
-              <a:rPr lang="en-US" dirty="0"/>
-              <a:t>Initial Import + Projection </a:t>
-            </a:r>
-          </a:p>
-          <a:p>
-            <a:r>
-              <a:rPr lang="en-US" dirty="0"/>
-              <a:t>Georeferencing Images</a:t>
-            </a:r>
-          </a:p>
-          <a:p>
-            <a:r>
-              <a:rPr lang="en-US" dirty="0"/>
-              <a:t>Tracing </a:t>
-            </a:r>
-            <a:r>
-              <a:rPr lang="en-US" dirty="0" err="1"/>
-              <a:t>Basemaps</a:t>
-            </a:r>
-            <a:endParaRPr lang="en-US" dirty="0"/>
-          </a:p>
-          <a:p>
-            <a:r>
-              <a:rPr lang="en-US" dirty="0"/>
-              <a:t>Analysis: Geoprocessing, Statistics, Attributes</a:t>
-            </a:r>
-          </a:p>
-          <a:p>
-            <a:r>
-              <a:rPr lang="en-US" dirty="0"/>
-              <a:t>Visualization and Symbology</a:t>
-            </a:r>
-          </a:p>
-          <a:p>
-            <a:r>
-              <a:rPr lang="en-US" dirty="0"/>
-              <a:t>Layout Design &lt;&lt;&lt;&lt; TODAY</a:t>
-            </a:r>
-          </a:p>
-        </p:txBody>
-      </p:sp>
-      <p:sp>
-        <p:nvSpPr>
-          <p:cNvPr id="4" name="Date Placeholder 3">
-            <a:extLst>
-              <a:ext uri="{FF2B5EF4-FFF2-40B4-BE49-F238E27FC236}">
-                <a16:creationId xmlns:a16="http://schemas.microsoft.com/office/drawing/2014/main" id="{FA219F90-D68F-234F-B195-0CAA751C48C1}"/>
-              </a:ext>
-            </a:extLst>
-          </p:cNvPr>
-          <p:cNvSpPr>
-            <a:spLocks noGrp="1"/>
-          </p:cNvSpPr>
-          <p:nvPr>
-            <p:ph type="dt" sz="half" idx="10"/>
-          </p:nvPr>
-        </p:nvSpPr>
-        <p:spPr/>
-        <p:txBody>
-          <a:bodyPr/>
-          <a:lstStyle/>
-          <a:p>
-            <a:fld id="{0C058645-6F24-9C43-8FC3-443F02031404}" type="datetime1">
-              <a:rPr lang="en-US" smtClean="0"/>
-              <a:t>8/17/20</a:t>
-            </a:fld>
-            <a:endParaRPr lang="en-US" dirty="0"/>
-          </a:p>
-        </p:txBody>
-      </p:sp>
-      <p:sp>
-        <p:nvSpPr>
-          <p:cNvPr id="6" name="Slide Number Placeholder 5">
-            <a:extLst>
-              <a:ext uri="{FF2B5EF4-FFF2-40B4-BE49-F238E27FC236}">
-                <a16:creationId xmlns:a16="http://schemas.microsoft.com/office/drawing/2014/main" id="{224DD8CA-8D81-0941-9989-FF65858E75D3}"/>
-              </a:ext>
-            </a:extLst>
-          </p:cNvPr>
-          <p:cNvSpPr>
-            <a:spLocks noGrp="1"/>
-          </p:cNvSpPr>
-          <p:nvPr>
-            <p:ph type="sldNum" sz="quarter" idx="12"/>
-          </p:nvPr>
-        </p:nvSpPr>
-        <p:spPr/>
-        <p:txBody>
-          <a:bodyPr>
-            <a:normAutofit lnSpcReduction="10000"/>
-          </a:bodyPr>
-          <a:lstStyle/>
-          <a:p>
-            <a:fld id="{4FAB73BC-B049-4115-A692-8D63A059BFB8}" type="slidenum">
-              <a:rPr lang="en-US" smtClean="0"/>
-              <a:t>3</a:t>
-            </a:fld>
-            <a:endParaRPr lang="en-US" dirty="0"/>
-          </a:p>
-        </p:txBody>
-      </p:sp>
-      <p:sp>
-        <p:nvSpPr>
-          <p:cNvPr id="7" name="Footer Placeholder 4">
-            <a:extLst>
-              <a:ext uri="{FF2B5EF4-FFF2-40B4-BE49-F238E27FC236}">
-                <a16:creationId xmlns:a16="http://schemas.microsoft.com/office/drawing/2014/main" id="{4806680E-D792-E643-9AAD-FCA4F88B3655}"/>
-              </a:ext>
-            </a:extLst>
-          </p:cNvPr>
-          <p:cNvSpPr>
-            <a:spLocks noGrp="1"/>
-          </p:cNvSpPr>
-          <p:nvPr>
-            <p:ph type="ftr" sz="quarter" idx="3"/>
-          </p:nvPr>
-        </p:nvSpPr>
-        <p:spPr>
-          <a:xfrm rot="16200000">
-            <a:off x="9390931" y="3548149"/>
-            <a:ext cx="4718224" cy="365125"/>
-          </a:xfrm>
-          <a:prstGeom prst="rect">
-            <a:avLst/>
-          </a:prstGeom>
-        </p:spPr>
-        <p:txBody>
-          <a:bodyPr/>
-          <a:lstStyle>
-            <a:lvl1pPr>
-              <a:defRPr sz="1200">
-                <a:solidFill>
-                  <a:schemeClr val="bg1"/>
-                </a:solidFill>
-                <a:latin typeface="Candara" panose="020E0502030303020204" pitchFamily="34" charset="0"/>
-              </a:defRPr>
-            </a:lvl1pPr>
-          </a:lstStyle>
-          <a:p>
-            <a:r>
-              <a:rPr lang="en-US" dirty="0"/>
-              <a:t>UCL GIS for Geoscientists- Session 3- Intermediate GIS</a:t>
-            </a:r>
-          </a:p>
-          <a:p>
-            <a:r>
-              <a:rPr lang="en-US" dirty="0"/>
-              <a:t>Presented by N.D. Barber (Cambridge) ndb38@cam.ac.uk</a:t>
-            </a:r>
-          </a:p>
-        </p:txBody>
-      </p:sp>
-    </p:spTree>
-    <p:extLst>
-      <p:ext uri="{BB962C8B-B14F-4D97-AF65-F5344CB8AC3E}">
-        <p14:creationId xmlns:p14="http://schemas.microsoft.com/office/powerpoint/2010/main" val="1534045868"/>
-      </p:ext>
-    </p:extLst>
-  </p:cSld>
-  <p:clrMapOvr>
-    <a:masterClrMapping/>
-  </p:clrMapOvr>
-</p:sld>
-</file>
-
-<file path=ppt/slides/slide5.xml><?xml version="1.0" encoding="utf-8"?>
-<p:sld xmlns:a="http://schemas.openxmlformats.org/drawingml/2006/main" xmlns:r="http://schemas.openxmlformats.org/officeDocument/2006/relationships" xmlns:p="http://schemas.openxmlformats.org/presentationml/2006/main">
-  <p:cSld>
-    <p:spTree>
-      <p:nvGrpSpPr>
-        <p:cNvPr id="1" name=""/>
-        <p:cNvGrpSpPr/>
-        <p:nvPr/>
-      </p:nvGrpSpPr>
-      <p:grpSpPr>
-        <a:xfrm>
-          <a:off x="0" y="0"/>
-          <a:ext cx="0" cy="0"/>
-          <a:chOff x="0" y="0"/>
-          <a:chExt cx="0" cy="0"/>
-        </a:xfrm>
-      </p:grpSpPr>
-      <p:sp>
-        <p:nvSpPr>
-          <p:cNvPr id="2" name="Title 1">
-            <a:extLst>
-              <a:ext uri="{FF2B5EF4-FFF2-40B4-BE49-F238E27FC236}">
-                <a16:creationId xmlns:a16="http://schemas.microsoft.com/office/drawing/2014/main" id="{B6924150-A855-644E-93DD-B1A5C2E76B9B}"/>
-              </a:ext>
-            </a:extLst>
-          </p:cNvPr>
-          <p:cNvSpPr>
-            <a:spLocks noGrp="1"/>
-          </p:cNvSpPr>
-          <p:nvPr>
-            <p:ph type="title"/>
-          </p:nvPr>
-        </p:nvSpPr>
-        <p:spPr/>
-        <p:txBody>
-          <a:bodyPr/>
-          <a:lstStyle/>
-          <a:p>
-            <a:r>
-              <a:rPr lang="en-US" dirty="0"/>
-              <a:t>Today’s Demonstration</a:t>
-            </a:r>
-          </a:p>
-        </p:txBody>
-      </p:sp>
-      <p:sp>
-        <p:nvSpPr>
-          <p:cNvPr id="3" name="Content Placeholder 2">
-            <a:extLst>
-              <a:ext uri="{FF2B5EF4-FFF2-40B4-BE49-F238E27FC236}">
-                <a16:creationId xmlns:a16="http://schemas.microsoft.com/office/drawing/2014/main" id="{DAB305CE-FF84-504E-A791-57A99FB1C5BB}"/>
-              </a:ext>
-            </a:extLst>
-          </p:cNvPr>
-          <p:cNvSpPr>
-            <a:spLocks noGrp="1"/>
-          </p:cNvSpPr>
-          <p:nvPr>
-            <p:ph idx="1"/>
-          </p:nvPr>
-        </p:nvSpPr>
-        <p:spPr/>
-        <p:txBody>
-          <a:bodyPr/>
-          <a:lstStyle/>
-          <a:p>
-            <a:r>
-              <a:rPr lang="en-US" dirty="0"/>
-              <a:t>What It Won’t Cover</a:t>
-            </a:r>
-          </a:p>
-          <a:p>
-            <a:pPr lvl="1"/>
-            <a:r>
-              <a:rPr lang="en-US" dirty="0"/>
-              <a:t>Advanced Cartography (layout Manager)</a:t>
-            </a:r>
-          </a:p>
-          <a:p>
-            <a:pPr lvl="1"/>
-            <a:r>
-              <a:rPr lang="en-US" dirty="0"/>
-              <a:t>LANDSAT Mineral Exploration</a:t>
-            </a:r>
-          </a:p>
-          <a:p>
-            <a:pPr lvl="2"/>
-            <a:r>
-              <a:rPr lang="en-US" dirty="0"/>
-              <a:t>Too big a topic to cover in a 2-hour course </a:t>
-            </a:r>
-            <a:r>
-              <a:rPr lang="en-US" dirty="0">
-                <a:sym typeface="Wingdings" pitchFamily="2" charset="2"/>
-              </a:rPr>
-              <a:t> </a:t>
-            </a:r>
-            <a:endParaRPr lang="en-US" dirty="0"/>
-          </a:p>
-          <a:p>
-            <a:pPr lvl="1"/>
-            <a:r>
-              <a:rPr lang="en-US" dirty="0"/>
-              <a:t>Python in QGIS **in great detail**</a:t>
-            </a:r>
-          </a:p>
-          <a:p>
-            <a:pPr lvl="2"/>
-            <a:r>
-              <a:rPr lang="en-US" dirty="0"/>
-              <a:t>I will show functionality, but once you know the basics, the details are self-explanatory</a:t>
-            </a:r>
-          </a:p>
-        </p:txBody>
-      </p:sp>
-      <p:sp>
-        <p:nvSpPr>
-          <p:cNvPr id="4" name="Date Placeholder 3">
-            <a:extLst>
-              <a:ext uri="{FF2B5EF4-FFF2-40B4-BE49-F238E27FC236}">
-                <a16:creationId xmlns:a16="http://schemas.microsoft.com/office/drawing/2014/main" id="{9832673E-13E5-EB44-B5EE-749A920CDFC9}"/>
-              </a:ext>
-            </a:extLst>
-          </p:cNvPr>
-          <p:cNvSpPr>
-            <a:spLocks noGrp="1"/>
-          </p:cNvSpPr>
-          <p:nvPr>
-            <p:ph type="dt" sz="half" idx="10"/>
-          </p:nvPr>
-        </p:nvSpPr>
-        <p:spPr/>
-        <p:txBody>
-          <a:bodyPr/>
-          <a:lstStyle/>
-          <a:p>
-            <a:fld id="{0C058645-6F24-9C43-8FC3-443F02031404}" type="datetime1">
-              <a:rPr lang="en-US" smtClean="0"/>
-              <a:t>8/17/20</a:t>
-            </a:fld>
-            <a:endParaRPr lang="en-US" dirty="0"/>
-          </a:p>
-        </p:txBody>
-      </p:sp>
-      <p:sp>
-        <p:nvSpPr>
-          <p:cNvPr id="6" name="Slide Number Placeholder 5">
-            <a:extLst>
-              <a:ext uri="{FF2B5EF4-FFF2-40B4-BE49-F238E27FC236}">
-                <a16:creationId xmlns:a16="http://schemas.microsoft.com/office/drawing/2014/main" id="{3A4F7F12-B06E-6549-B7D9-357DB5A064CB}"/>
-              </a:ext>
-            </a:extLst>
-          </p:cNvPr>
-          <p:cNvSpPr>
-            <a:spLocks noGrp="1"/>
-          </p:cNvSpPr>
-          <p:nvPr>
-            <p:ph type="sldNum" sz="quarter" idx="12"/>
-          </p:nvPr>
-        </p:nvSpPr>
-        <p:spPr/>
-        <p:txBody>
-          <a:bodyPr>
-            <a:normAutofit lnSpcReduction="10000"/>
-          </a:bodyPr>
-          <a:lstStyle/>
-          <a:p>
-            <a:fld id="{4FAB73BC-B049-4115-A692-8D63A059BFB8}" type="slidenum">
-              <a:rPr lang="en-US" smtClean="0"/>
-              <a:t>4</a:t>
-            </a:fld>
-            <a:endParaRPr lang="en-US" dirty="0"/>
-          </a:p>
-        </p:txBody>
-      </p:sp>
-      <p:sp>
-        <p:nvSpPr>
-          <p:cNvPr id="7" name="Footer Placeholder 4">
-            <a:extLst>
-              <a:ext uri="{FF2B5EF4-FFF2-40B4-BE49-F238E27FC236}">
-                <a16:creationId xmlns:a16="http://schemas.microsoft.com/office/drawing/2014/main" id="{E1C3E264-5FCA-4648-94F5-032D2AC9D90B}"/>
-              </a:ext>
-            </a:extLst>
-          </p:cNvPr>
-          <p:cNvSpPr>
-            <a:spLocks noGrp="1"/>
-          </p:cNvSpPr>
-          <p:nvPr>
-            <p:ph type="ftr" sz="quarter" idx="3"/>
-          </p:nvPr>
-        </p:nvSpPr>
-        <p:spPr>
-          <a:xfrm rot="16200000">
-            <a:off x="9390931" y="3548149"/>
-            <a:ext cx="4718224" cy="365125"/>
-          </a:xfrm>
-          <a:prstGeom prst="rect">
-            <a:avLst/>
-          </a:prstGeom>
-        </p:spPr>
-        <p:txBody>
-          <a:bodyPr/>
-          <a:lstStyle>
-            <a:lvl1pPr>
-              <a:defRPr sz="1200">
-                <a:solidFill>
-                  <a:schemeClr val="bg1"/>
-                </a:solidFill>
-                <a:latin typeface="Candara" panose="020E0502030303020204" pitchFamily="34" charset="0"/>
-              </a:defRPr>
-            </a:lvl1pPr>
-          </a:lstStyle>
-          <a:p>
-            <a:r>
-              <a:rPr lang="en-US" dirty="0"/>
-              <a:t>UCL GIS for Geoscientists- Session 3- Intermediate GIS</a:t>
-            </a:r>
-          </a:p>
-          <a:p>
-            <a:r>
-              <a:rPr lang="en-US" dirty="0"/>
-              <a:t>Presented by N.D. Barber (Cambridge) ndb38@cam.ac.uk</a:t>
-            </a:r>
-          </a:p>
-        </p:txBody>
-      </p:sp>
-    </p:spTree>
-    <p:extLst>
-      <p:ext uri="{BB962C8B-B14F-4D97-AF65-F5344CB8AC3E}">
-        <p14:creationId xmlns:p14="http://schemas.microsoft.com/office/powerpoint/2010/main" val="3982107366"/>
-      </p:ext>
-    </p:extLst>
-  </p:cSld>
-  <p:clrMapOvr>
-    <a:masterClrMapping/>
-  </p:clrMapOvr>
-</p:sld>
-</file>
-
-<file path=ppt/slides/slide6.xml><?xml version="1.0" encoding="utf-8"?>
-<p:sld xmlns:a="http://schemas.openxmlformats.org/drawingml/2006/main" xmlns:r="http://schemas.openxmlformats.org/officeDocument/2006/relationships" xmlns:p="http://schemas.openxmlformats.org/presentationml/2006/main">
-  <p:cSld>
-    <p:spTree>
-      <p:nvGrpSpPr>
-        <p:cNvPr id="1" name=""/>
-        <p:cNvGrpSpPr/>
-        <p:nvPr/>
-      </p:nvGrpSpPr>
-      <p:grpSpPr>
-        <a:xfrm>
-          <a:off x="0" y="0"/>
-          <a:ext cx="0" cy="0"/>
-          <a:chOff x="0" y="0"/>
-          <a:chExt cx="0" cy="0"/>
-        </a:xfrm>
-      </p:grpSpPr>
-      <p:sp>
-        <p:nvSpPr>
-          <p:cNvPr id="2" name="Title 1">
-            <a:extLst>
-              <a:ext uri="{FF2B5EF4-FFF2-40B4-BE49-F238E27FC236}">
-                <a16:creationId xmlns:a16="http://schemas.microsoft.com/office/drawing/2014/main" id="{B6924150-A855-644E-93DD-B1A5C2E76B9B}"/>
-              </a:ext>
-            </a:extLst>
-          </p:cNvPr>
-          <p:cNvSpPr>
-            <a:spLocks noGrp="1"/>
-          </p:cNvSpPr>
-          <p:nvPr>
-            <p:ph type="title"/>
-          </p:nvPr>
-        </p:nvSpPr>
-        <p:spPr/>
-        <p:txBody>
-          <a:bodyPr/>
-          <a:lstStyle/>
-          <a:p>
-            <a:r>
-              <a:rPr lang="en-US" dirty="0"/>
-              <a:t>Today’s Demonstration</a:t>
-            </a:r>
-          </a:p>
-        </p:txBody>
-      </p:sp>
-      <p:sp>
-        <p:nvSpPr>
-          <p:cNvPr id="3" name="Content Placeholder 2">
-            <a:extLst>
-              <a:ext uri="{FF2B5EF4-FFF2-40B4-BE49-F238E27FC236}">
-                <a16:creationId xmlns:a16="http://schemas.microsoft.com/office/drawing/2014/main" id="{DAB305CE-FF84-504E-A791-57A99FB1C5BB}"/>
-              </a:ext>
-            </a:extLst>
-          </p:cNvPr>
-          <p:cNvSpPr>
-            <a:spLocks noGrp="1"/>
-          </p:cNvSpPr>
-          <p:nvPr>
-            <p:ph idx="1"/>
-          </p:nvPr>
-        </p:nvSpPr>
-        <p:spPr/>
-        <p:txBody>
-          <a:bodyPr>
-            <a:normAutofit fontScale="92500" lnSpcReduction="10000"/>
-          </a:bodyPr>
-          <a:lstStyle/>
-          <a:p>
-            <a:r>
-              <a:rPr lang="en-US" dirty="0"/>
-              <a:t>What It Won’t Cover</a:t>
-            </a:r>
-          </a:p>
-          <a:p>
-            <a:pPr lvl="1"/>
-            <a:r>
-              <a:rPr lang="en-US" dirty="0"/>
-              <a:t>Advanced Cartography (layout Manager)</a:t>
-            </a:r>
-          </a:p>
-          <a:p>
-            <a:pPr lvl="1"/>
-            <a:r>
-              <a:rPr lang="en-US" dirty="0"/>
-              <a:t>LANDSAT Mineral </a:t>
-            </a:r>
-            <a:r>
-              <a:rPr lang="en-US" dirty="0" err="1"/>
-              <a:t>Epxloration</a:t>
-            </a:r>
-            <a:endParaRPr lang="en-US" dirty="0"/>
-          </a:p>
-          <a:p>
-            <a:pPr lvl="2"/>
-            <a:r>
-              <a:rPr lang="en-US" dirty="0"/>
-              <a:t>Too big a topic to cover in a 2 hour course</a:t>
-            </a:r>
-          </a:p>
-          <a:p>
-            <a:pPr lvl="1"/>
-            <a:r>
-              <a:rPr lang="en-US" dirty="0"/>
-              <a:t>Python in QGIS **in great detail**</a:t>
-            </a:r>
-          </a:p>
-          <a:p>
-            <a:pPr lvl="2"/>
-            <a:r>
-              <a:rPr lang="en-US" dirty="0"/>
-              <a:t>I will show functionality, but once you know the basics, the details are self-explanatory</a:t>
-            </a:r>
-          </a:p>
-          <a:p>
-            <a:r>
-              <a:rPr lang="en-US" dirty="0"/>
-              <a:t>What It Will Cover</a:t>
-            </a:r>
-          </a:p>
-          <a:p>
-            <a:pPr lvl="1"/>
-            <a:r>
-              <a:rPr lang="en-US" i="1" dirty="0"/>
-              <a:t>**Layout Management and Map Creation**</a:t>
-            </a:r>
-          </a:p>
-          <a:p>
-            <a:pPr lvl="1"/>
-            <a:r>
-              <a:rPr lang="en-US" dirty="0"/>
-              <a:t>Multiple Data Types Handling/Conversion</a:t>
-            </a:r>
-          </a:p>
-          <a:p>
-            <a:pPr lvl="1"/>
-            <a:r>
-              <a:rPr lang="en-US" dirty="0"/>
-              <a:t>CSV + Raster Manipulation</a:t>
-            </a:r>
-          </a:p>
-          <a:p>
-            <a:pPr lvl="1"/>
-            <a:r>
-              <a:rPr lang="en-US" dirty="0" err="1"/>
-              <a:t>Geostatistics</a:t>
-            </a:r>
-            <a:endParaRPr lang="en-US" dirty="0"/>
-          </a:p>
-          <a:p>
-            <a:pPr lvl="1"/>
-            <a:r>
-              <a:rPr lang="en-US" dirty="0"/>
-              <a:t>Raster Statistics + Zonal Statistics</a:t>
-            </a:r>
-          </a:p>
-          <a:p>
-            <a:pPr lvl="1"/>
-            <a:r>
-              <a:rPr lang="en-US" dirty="0"/>
-              <a:t>Advanced Formatting + Symbology</a:t>
-            </a:r>
-          </a:p>
-          <a:p>
-            <a:pPr lvl="1"/>
-            <a:r>
-              <a:rPr lang="en-US" dirty="0"/>
-              <a:t>DEM Visualization</a:t>
-            </a:r>
-          </a:p>
-          <a:p>
-            <a:pPr lvl="1"/>
-            <a:r>
-              <a:rPr lang="en-US" dirty="0"/>
-              <a:t>Web Database Connections</a:t>
-            </a:r>
-          </a:p>
-          <a:p>
-            <a:pPr lvl="1"/>
-            <a:r>
-              <a:rPr lang="en-US" dirty="0"/>
-              <a:t>Basics of Python in QGIS</a:t>
-            </a:r>
-          </a:p>
-          <a:p>
-            <a:pPr lvl="2"/>
-            <a:endParaRPr lang="en-US" dirty="0"/>
-          </a:p>
-          <a:p>
-            <a:pPr marL="548640" lvl="2" indent="0">
-              <a:buNone/>
-            </a:pPr>
-            <a:endParaRPr lang="en-US" dirty="0"/>
-          </a:p>
-        </p:txBody>
-      </p:sp>
-      <p:sp>
-        <p:nvSpPr>
-          <p:cNvPr id="4" name="Date Placeholder 3">
-            <a:extLst>
-              <a:ext uri="{FF2B5EF4-FFF2-40B4-BE49-F238E27FC236}">
-                <a16:creationId xmlns:a16="http://schemas.microsoft.com/office/drawing/2014/main" id="{9832673E-13E5-EB44-B5EE-749A920CDFC9}"/>
-              </a:ext>
-            </a:extLst>
-          </p:cNvPr>
-          <p:cNvSpPr>
-            <a:spLocks noGrp="1"/>
-          </p:cNvSpPr>
-          <p:nvPr>
-            <p:ph type="dt" sz="half" idx="10"/>
-          </p:nvPr>
-        </p:nvSpPr>
-        <p:spPr/>
-        <p:txBody>
-          <a:bodyPr/>
-          <a:lstStyle/>
-          <a:p>
-            <a:fld id="{0C058645-6F24-9C43-8FC3-443F02031404}" type="datetime1">
-              <a:rPr lang="en-US" smtClean="0"/>
-              <a:t>8/17/20</a:t>
-            </a:fld>
-            <a:endParaRPr lang="en-US" dirty="0"/>
-          </a:p>
-        </p:txBody>
-      </p:sp>
-      <p:sp>
-        <p:nvSpPr>
-          <p:cNvPr id="6" name="Slide Number Placeholder 5">
-            <a:extLst>
-              <a:ext uri="{FF2B5EF4-FFF2-40B4-BE49-F238E27FC236}">
-                <a16:creationId xmlns:a16="http://schemas.microsoft.com/office/drawing/2014/main" id="{3A4F7F12-B06E-6549-B7D9-357DB5A064CB}"/>
-              </a:ext>
-            </a:extLst>
-          </p:cNvPr>
-          <p:cNvSpPr>
-            <a:spLocks noGrp="1"/>
-          </p:cNvSpPr>
-          <p:nvPr>
-            <p:ph type="sldNum" sz="quarter" idx="12"/>
-          </p:nvPr>
-        </p:nvSpPr>
-        <p:spPr/>
-        <p:txBody>
-          <a:bodyPr>
-            <a:normAutofit lnSpcReduction="10000"/>
-          </a:bodyPr>
-          <a:lstStyle/>
-          <a:p>
-            <a:fld id="{4FAB73BC-B049-4115-A692-8D63A059BFB8}" type="slidenum">
-              <a:rPr lang="en-US" smtClean="0"/>
-              <a:t>5</a:t>
-            </a:fld>
-            <a:endParaRPr lang="en-US" dirty="0"/>
-          </a:p>
-        </p:txBody>
-      </p:sp>
-      <p:sp>
-        <p:nvSpPr>
-          <p:cNvPr id="7" name="Footer Placeholder 4">
-            <a:extLst>
-              <a:ext uri="{FF2B5EF4-FFF2-40B4-BE49-F238E27FC236}">
-                <a16:creationId xmlns:a16="http://schemas.microsoft.com/office/drawing/2014/main" id="{02C3649A-5040-F04B-A726-FEA28F3C30FF}"/>
-              </a:ext>
-            </a:extLst>
-          </p:cNvPr>
-          <p:cNvSpPr>
-            <a:spLocks noGrp="1"/>
-          </p:cNvSpPr>
-          <p:nvPr>
-            <p:ph type="ftr" sz="quarter" idx="3"/>
-          </p:nvPr>
-        </p:nvSpPr>
-        <p:spPr>
-          <a:xfrm rot="16200000">
-            <a:off x="9390931" y="3548149"/>
-            <a:ext cx="4718224" cy="365125"/>
-          </a:xfrm>
-          <a:prstGeom prst="rect">
-            <a:avLst/>
-          </a:prstGeom>
-        </p:spPr>
-        <p:txBody>
-          <a:bodyPr/>
-          <a:lstStyle>
-            <a:lvl1pPr>
-              <a:defRPr sz="1200">
-                <a:solidFill>
-                  <a:schemeClr val="bg1"/>
-                </a:solidFill>
-                <a:latin typeface="Candara" panose="020E0502030303020204" pitchFamily="34" charset="0"/>
-              </a:defRPr>
-            </a:lvl1pPr>
-          </a:lstStyle>
-          <a:p>
-            <a:r>
-              <a:rPr lang="en-US" dirty="0"/>
-              <a:t>UCL GIS for Geoscientists- Session 3- Intermediate GIS</a:t>
-            </a:r>
-          </a:p>
-          <a:p>
-            <a:r>
-              <a:rPr lang="en-US" dirty="0"/>
-              <a:t>Presented by N.D. Barber (Cambridge) ndb38@cam.ac.uk</a:t>
-            </a:r>
-          </a:p>
-        </p:txBody>
-      </p:sp>
-    </p:spTree>
-    <p:extLst>
-      <p:ext uri="{BB962C8B-B14F-4D97-AF65-F5344CB8AC3E}">
-        <p14:creationId xmlns:p14="http://schemas.microsoft.com/office/powerpoint/2010/main" val="1109333282"/>
-      </p:ext>
-    </p:extLst>
-  </p:cSld>
-  <p:clrMapOvr>
-    <a:masterClrMapping/>
-  </p:clrMapOvr>
-</p:sld>
-</file>
-
-<file path=ppt/slides/slide7.xml><?xml version="1.0" encoding="utf-8"?>
-<p:sld xmlns:a="http://schemas.openxmlformats.org/drawingml/2006/main" xmlns:r="http://schemas.openxmlformats.org/officeDocument/2006/relationships" xmlns:p="http://schemas.openxmlformats.org/presentationml/2006/main">
-  <p:cSld>
-    <p:spTree>
-      <p:nvGrpSpPr>
-        <p:cNvPr id="1" name=""/>
-        <p:cNvGrpSpPr/>
-        <p:nvPr/>
-      </p:nvGrpSpPr>
-      <p:grpSpPr>
-        <a:xfrm>
-          <a:off x="0" y="0"/>
-          <a:ext cx="0" cy="0"/>
-          <a:chOff x="0" y="0"/>
-          <a:chExt cx="0" cy="0"/>
-        </a:xfrm>
-      </p:grpSpPr>
-      <p:sp>
-        <p:nvSpPr>
-          <p:cNvPr id="2" name="Title 1">
-            <a:extLst>
-              <a:ext uri="{FF2B5EF4-FFF2-40B4-BE49-F238E27FC236}">
-                <a16:creationId xmlns:a16="http://schemas.microsoft.com/office/drawing/2014/main" id="{59A8B2AC-352B-8F4A-9D7A-6C546DE1107B}"/>
-              </a:ext>
-            </a:extLst>
-          </p:cNvPr>
-          <p:cNvSpPr>
-            <a:spLocks noGrp="1"/>
-          </p:cNvSpPr>
-          <p:nvPr>
-            <p:ph type="title"/>
-          </p:nvPr>
-        </p:nvSpPr>
-        <p:spPr/>
-        <p:txBody>
-          <a:bodyPr/>
-          <a:lstStyle/>
-          <a:p>
-            <a:r>
-              <a:rPr lang="en-US" dirty="0"/>
-              <a:t>Finishing Up From Session 2: </a:t>
-            </a:r>
-            <a:br>
-              <a:rPr lang="en-US" dirty="0"/>
-            </a:br>
-            <a:r>
-              <a:rPr lang="en-US" dirty="0"/>
-              <a:t>Layout</a:t>
-            </a:r>
-          </a:p>
-        </p:txBody>
-      </p:sp>
-      <p:sp>
-        <p:nvSpPr>
-          <p:cNvPr id="4" name="Date Placeholder 3">
-            <a:extLst>
-              <a:ext uri="{FF2B5EF4-FFF2-40B4-BE49-F238E27FC236}">
-                <a16:creationId xmlns:a16="http://schemas.microsoft.com/office/drawing/2014/main" id="{7DA4649F-889A-6546-8E0B-F5FD3539BC5C}"/>
-              </a:ext>
-            </a:extLst>
-          </p:cNvPr>
-          <p:cNvSpPr>
-            <a:spLocks noGrp="1"/>
-          </p:cNvSpPr>
-          <p:nvPr>
-            <p:ph type="dt" sz="half" idx="10"/>
-          </p:nvPr>
-        </p:nvSpPr>
-        <p:spPr/>
-        <p:txBody>
-          <a:bodyPr/>
-          <a:lstStyle/>
-          <a:p>
-            <a:fld id="{0C058645-6F24-9C43-8FC3-443F02031404}" type="datetime1">
-              <a:rPr lang="en-US" smtClean="0"/>
-              <a:t>8/17/20</a:t>
-            </a:fld>
-            <a:endParaRPr lang="en-US" dirty="0"/>
-          </a:p>
-        </p:txBody>
-      </p:sp>
-      <p:sp>
-        <p:nvSpPr>
-          <p:cNvPr id="5" name="Slide Number Placeholder 4">
-            <a:extLst>
-              <a:ext uri="{FF2B5EF4-FFF2-40B4-BE49-F238E27FC236}">
-                <a16:creationId xmlns:a16="http://schemas.microsoft.com/office/drawing/2014/main" id="{F9504AF3-27B4-6B4E-83B8-B4BC988C5459}"/>
-              </a:ext>
-            </a:extLst>
-          </p:cNvPr>
-          <p:cNvSpPr>
-            <a:spLocks noGrp="1"/>
-          </p:cNvSpPr>
-          <p:nvPr>
-            <p:ph type="sldNum" sz="quarter" idx="12"/>
-          </p:nvPr>
-        </p:nvSpPr>
-        <p:spPr/>
-        <p:txBody>
-          <a:bodyPr>
-            <a:normAutofit lnSpcReduction="10000"/>
-          </a:bodyPr>
-          <a:lstStyle/>
-          <a:p>
-            <a:fld id="{4FAB73BC-B049-4115-A692-8D63A059BFB8}" type="slidenum">
-              <a:rPr lang="en-US" smtClean="0"/>
-              <a:t>6</a:t>
-            </a:fld>
-            <a:endParaRPr lang="en-US" dirty="0"/>
-          </a:p>
-        </p:txBody>
-      </p:sp>
-      <p:sp>
-        <p:nvSpPr>
-          <p:cNvPr id="6" name="Footer Placeholder 5">
-            <a:extLst>
-              <a:ext uri="{FF2B5EF4-FFF2-40B4-BE49-F238E27FC236}">
-                <a16:creationId xmlns:a16="http://schemas.microsoft.com/office/drawing/2014/main" id="{55D0A802-D94A-6140-A981-75D69F6B41BB}"/>
-              </a:ext>
-            </a:extLst>
-          </p:cNvPr>
-          <p:cNvSpPr>
-            <a:spLocks noGrp="1"/>
-          </p:cNvSpPr>
-          <p:nvPr>
-            <p:ph type="ftr" sz="quarter" idx="3"/>
-          </p:nvPr>
-        </p:nvSpPr>
-        <p:spPr/>
-        <p:txBody>
-          <a:bodyPr/>
-          <a:lstStyle/>
-          <a:p>
-            <a:r>
-              <a:rPr lang="en-US"/>
-              <a:t>UCL GIS for Geoscientists- Session 3- Intermediate GIS</a:t>
-            </a:r>
-          </a:p>
-          <a:p>
-            <a:r>
-              <a:rPr lang="en-US"/>
-              <a:t>Presented by N.D. Barber (Cambridge) ndb38@cam.ac.uk</a:t>
-            </a:r>
-            <a:endParaRPr lang="en-US" dirty="0"/>
-          </a:p>
-        </p:txBody>
-      </p:sp>
-      <p:sp>
-        <p:nvSpPr>
-          <p:cNvPr id="7" name="Content Placeholder 2">
-            <a:extLst>
-              <a:ext uri="{FF2B5EF4-FFF2-40B4-BE49-F238E27FC236}">
-                <a16:creationId xmlns:a16="http://schemas.microsoft.com/office/drawing/2014/main" id="{C5D51057-382C-7D44-8954-98B01AFB2D75}"/>
-              </a:ext>
-            </a:extLst>
-          </p:cNvPr>
-          <p:cNvSpPr>
-            <a:spLocks noGrp="1"/>
-          </p:cNvSpPr>
-          <p:nvPr>
-            <p:ph idx="1"/>
-          </p:nvPr>
-        </p:nvSpPr>
-        <p:spPr>
-          <a:xfrm>
-            <a:off x="1261872" y="1828800"/>
-            <a:ext cx="8595360" cy="4351337"/>
-          </a:xfrm>
-        </p:spPr>
-        <p:txBody>
-          <a:bodyPr/>
-          <a:lstStyle/>
-          <a:p>
-            <a:r>
-              <a:rPr lang="en-US" dirty="0"/>
-              <a:t>Elements we want:</a:t>
-            </a:r>
-          </a:p>
-          <a:p>
-            <a:pPr lvl="1"/>
-            <a:r>
-              <a:rPr lang="en-US" dirty="0"/>
-              <a:t>Main Map</a:t>
-            </a:r>
-          </a:p>
-          <a:p>
-            <a:pPr lvl="1"/>
-            <a:r>
-              <a:rPr lang="en-US" dirty="0"/>
-              <a:t>Regional Inset Map</a:t>
-            </a:r>
-          </a:p>
-          <a:p>
-            <a:pPr lvl="1"/>
-            <a:r>
-              <a:rPr lang="en-US" dirty="0"/>
-              <a:t>Legend</a:t>
-            </a:r>
-          </a:p>
-          <a:p>
-            <a:pPr lvl="1"/>
-            <a:r>
-              <a:rPr lang="en-US" dirty="0"/>
-              <a:t>North Arrow</a:t>
-            </a:r>
-          </a:p>
-          <a:p>
-            <a:pPr lvl="1"/>
-            <a:r>
-              <a:rPr lang="en-US" dirty="0"/>
-              <a:t>Scale bar</a:t>
-            </a:r>
-          </a:p>
-          <a:p>
-            <a:pPr lvl="1"/>
-            <a:r>
-              <a:rPr lang="en-US" dirty="0"/>
-              <a:t>Grid</a:t>
-            </a:r>
-          </a:p>
-          <a:p>
-            <a:pPr lvl="1"/>
-            <a:r>
-              <a:rPr lang="en-US" dirty="0"/>
-              <a:t>Labels for important features</a:t>
-            </a:r>
-          </a:p>
-          <a:p>
-            <a:pPr lvl="1"/>
-            <a:r>
-              <a:rPr lang="en-US" dirty="0"/>
-              <a:t>Text box summarizing findings</a:t>
-            </a:r>
-          </a:p>
-          <a:p>
-            <a:r>
-              <a:rPr lang="en-US" dirty="0"/>
-              <a:t>Thigs to keep in mind:</a:t>
-            </a:r>
-          </a:p>
-          <a:p>
-            <a:pPr lvl="1"/>
-            <a:r>
-              <a:rPr lang="en-US" dirty="0"/>
-              <a:t>Map Scale</a:t>
-            </a:r>
-          </a:p>
-          <a:p>
-            <a:pPr lvl="1"/>
-            <a:r>
-              <a:rPr lang="en-US" dirty="0"/>
-              <a:t>Locking of display</a:t>
-            </a:r>
-          </a:p>
-          <a:p>
-            <a:pPr lvl="1"/>
-            <a:r>
-              <a:rPr lang="en-US" dirty="0"/>
-              <a:t>Legend items</a:t>
-            </a:r>
-          </a:p>
-          <a:p>
-            <a:pPr lvl="1"/>
-            <a:r>
-              <a:rPr lang="en-US" dirty="0"/>
-              <a:t>Aesthetic value</a:t>
-            </a:r>
-          </a:p>
-        </p:txBody>
-      </p:sp>
-    </p:spTree>
-    <p:extLst>
-      <p:ext uri="{BB962C8B-B14F-4D97-AF65-F5344CB8AC3E}">
-        <p14:creationId xmlns:p14="http://schemas.microsoft.com/office/powerpoint/2010/main" val="2959314020"/>
-      </p:ext>
-    </p:extLst>
-  </p:cSld>
-  <p:clrMapOvr>
-    <a:masterClrMapping/>
-  </p:clrMapOvr>
-</p:sld>
-</file>
-
-<file path=ppt/slides/slide8.xml><?xml version="1.0" encoding="utf-8"?>
-<p:sld xmlns:a="http://schemas.openxmlformats.org/drawingml/2006/main" xmlns:r="http://schemas.openxmlformats.org/officeDocument/2006/relationships" xmlns:p="http://schemas.openxmlformats.org/presentationml/2006/main">
-  <p:cSld>
-    <p:spTree>
-      <p:nvGrpSpPr>
-        <p:cNvPr id="1" name=""/>
-        <p:cNvGrpSpPr/>
-        <p:nvPr/>
-      </p:nvGrpSpPr>
-      <p:grpSpPr>
-        <a:xfrm>
-          <a:off x="0" y="0"/>
-          <a:ext cx="0" cy="0"/>
-          <a:chOff x="0" y="0"/>
-          <a:chExt cx="0" cy="0"/>
-        </a:xfrm>
-      </p:grpSpPr>
-      <p:sp>
-        <p:nvSpPr>
-          <p:cNvPr id="2" name="Title 1">
-            <a:extLst>
-              <a:ext uri="{FF2B5EF4-FFF2-40B4-BE49-F238E27FC236}">
-                <a16:creationId xmlns:a16="http://schemas.microsoft.com/office/drawing/2014/main" id="{8CD2B2F7-7C36-004D-917B-D978CFAA84D3}"/>
-              </a:ext>
-            </a:extLst>
-          </p:cNvPr>
-          <p:cNvSpPr>
-            <a:spLocks noGrp="1"/>
-          </p:cNvSpPr>
-          <p:nvPr>
-            <p:ph type="title"/>
-          </p:nvPr>
-        </p:nvSpPr>
-        <p:spPr/>
-        <p:txBody>
-          <a:bodyPr/>
-          <a:lstStyle/>
-          <a:p>
-            <a:r>
-              <a:rPr lang="en-US" dirty="0"/>
-              <a:t>Let’s Get to It!</a:t>
-            </a:r>
-          </a:p>
-        </p:txBody>
-      </p:sp>
-      <p:sp>
-        <p:nvSpPr>
-          <p:cNvPr id="3" name="Content Placeholder 2">
-            <a:extLst>
-              <a:ext uri="{FF2B5EF4-FFF2-40B4-BE49-F238E27FC236}">
-                <a16:creationId xmlns:a16="http://schemas.microsoft.com/office/drawing/2014/main" id="{6F69D046-0F02-CE4B-BCEF-330237B3E970}"/>
-              </a:ext>
-            </a:extLst>
-          </p:cNvPr>
-          <p:cNvSpPr>
-            <a:spLocks noGrp="1"/>
-          </p:cNvSpPr>
-          <p:nvPr>
-            <p:ph idx="1"/>
-          </p:nvPr>
-        </p:nvSpPr>
-        <p:spPr>
-          <a:xfrm>
-            <a:off x="1261872" y="1820863"/>
-            <a:ext cx="8932452" cy="4351337"/>
-          </a:xfrm>
-        </p:spPr>
-        <p:txBody>
-          <a:bodyPr>
-            <a:normAutofit/>
-          </a:bodyPr>
-          <a:lstStyle/>
-          <a:p>
-            <a:r>
-              <a:rPr lang="en-US" b="1" dirty="0"/>
-              <a:t>Section 1: Advanced Analysis</a:t>
-            </a:r>
-          </a:p>
-          <a:p>
-            <a:pPr lvl="1"/>
-            <a:r>
-              <a:rPr lang="en-US" dirty="0"/>
-              <a:t>Exercise 2: Fluid Geochemistry of G.P.</a:t>
-            </a:r>
-          </a:p>
-          <a:p>
-            <a:pPr lvl="2"/>
-            <a:r>
-              <a:rPr lang="en-US" dirty="0"/>
-              <a:t>Importing CSVs</a:t>
-            </a:r>
-          </a:p>
-          <a:p>
-            <a:pPr lvl="2"/>
-            <a:r>
-              <a:rPr lang="en-US" dirty="0"/>
-              <a:t>Spatial Joins</a:t>
-            </a:r>
-          </a:p>
-          <a:p>
-            <a:pPr lvl="2"/>
-            <a:r>
-              <a:rPr lang="en-US" dirty="0"/>
-              <a:t>Interpolating Point Shapefiles</a:t>
-            </a:r>
-          </a:p>
-          <a:p>
-            <a:pPr lvl="1"/>
-            <a:r>
-              <a:rPr lang="en-US" dirty="0"/>
-              <a:t>Exercise 3: Landslide Risk near Quito</a:t>
-            </a:r>
-          </a:p>
-          <a:p>
-            <a:pPr lvl="2"/>
-            <a:r>
-              <a:rPr lang="en-US" dirty="0"/>
-              <a:t>Raster Statistics</a:t>
-            </a:r>
-          </a:p>
-          <a:p>
-            <a:pPr lvl="2"/>
-            <a:r>
-              <a:rPr lang="en-US" dirty="0"/>
-              <a:t>Rasterizing a Shapefile</a:t>
-            </a:r>
-          </a:p>
-          <a:p>
-            <a:pPr lvl="2"/>
-            <a:r>
-              <a:rPr lang="en-US" dirty="0"/>
-              <a:t>Raster Calculator</a:t>
-            </a:r>
-          </a:p>
-          <a:p>
-            <a:pPr lvl="2"/>
-            <a:r>
-              <a:rPr lang="en-US" dirty="0"/>
-              <a:t>Zonal Statistics</a:t>
-            </a:r>
-          </a:p>
-        </p:txBody>
-      </p:sp>
-      <p:sp>
-        <p:nvSpPr>
-          <p:cNvPr id="4" name="Date Placeholder 3">
-            <a:extLst>
-              <a:ext uri="{FF2B5EF4-FFF2-40B4-BE49-F238E27FC236}">
-                <a16:creationId xmlns:a16="http://schemas.microsoft.com/office/drawing/2014/main" id="{6E290827-2326-D643-8A9C-74680968F71C}"/>
-              </a:ext>
-            </a:extLst>
-          </p:cNvPr>
-          <p:cNvSpPr>
-            <a:spLocks noGrp="1"/>
-          </p:cNvSpPr>
-          <p:nvPr>
-            <p:ph type="dt" sz="half" idx="10"/>
-          </p:nvPr>
-        </p:nvSpPr>
-        <p:spPr/>
-        <p:txBody>
-          <a:bodyPr/>
-          <a:lstStyle/>
-          <a:p>
-            <a:fld id="{0C058645-6F24-9C43-8FC3-443F02031404}" type="datetime1">
-              <a:rPr lang="en-US" smtClean="0"/>
-              <a:t>8/17/20</a:t>
-            </a:fld>
-            <a:endParaRPr lang="en-US" dirty="0"/>
-          </a:p>
-        </p:txBody>
-      </p:sp>
-      <p:sp>
-        <p:nvSpPr>
-          <p:cNvPr id="5" name="Slide Number Placeholder 4">
-            <a:extLst>
-              <a:ext uri="{FF2B5EF4-FFF2-40B4-BE49-F238E27FC236}">
-                <a16:creationId xmlns:a16="http://schemas.microsoft.com/office/drawing/2014/main" id="{C8F82A5C-F4BD-FC4E-BDA7-9E86DC022D3F}"/>
-              </a:ext>
-            </a:extLst>
-          </p:cNvPr>
-          <p:cNvSpPr>
-            <a:spLocks noGrp="1"/>
-          </p:cNvSpPr>
-          <p:nvPr>
-            <p:ph type="sldNum" sz="quarter" idx="12"/>
-          </p:nvPr>
-        </p:nvSpPr>
-        <p:spPr/>
-        <p:txBody>
-          <a:bodyPr>
-            <a:normAutofit lnSpcReduction="10000"/>
-          </a:bodyPr>
-          <a:lstStyle/>
-          <a:p>
-            <a:fld id="{4FAB73BC-B049-4115-A692-8D63A059BFB8}" type="slidenum">
-              <a:rPr lang="en-US" smtClean="0"/>
-              <a:t>7</a:t>
-            </a:fld>
-            <a:endParaRPr lang="en-US" dirty="0"/>
-          </a:p>
-        </p:txBody>
-      </p:sp>
-      <p:sp>
-        <p:nvSpPr>
-          <p:cNvPr id="8" name="Content Placeholder 2">
-            <a:extLst>
-              <a:ext uri="{FF2B5EF4-FFF2-40B4-BE49-F238E27FC236}">
-                <a16:creationId xmlns:a16="http://schemas.microsoft.com/office/drawing/2014/main" id="{1952B431-84ED-EA48-99FA-614D3EE146A8}"/>
-              </a:ext>
-            </a:extLst>
-          </p:cNvPr>
-          <p:cNvSpPr txBox="1">
-            <a:spLocks/>
-          </p:cNvSpPr>
-          <p:nvPr/>
-        </p:nvSpPr>
-        <p:spPr>
-          <a:xfrm>
-            <a:off x="5405503" y="1820862"/>
-            <a:ext cx="8932452" cy="4351337"/>
-          </a:xfrm>
-          <a:prstGeom prst="rect">
-            <a:avLst/>
-          </a:prstGeom>
-        </p:spPr>
-        <p:txBody>
-          <a:bodyPr vert="horz" lIns="91440" tIns="45720" rIns="91440" bIns="45720" rtlCol="0">
-            <a:normAutofit/>
-          </a:bodyPr>
-          <a:lstStyle>
-            <a:lvl1pPr marL="182880" indent="-182880" algn="l" defTabSz="914400" rtl="0" eaLnBrk="1" latinLnBrk="0" hangingPunct="1">
-              <a:lnSpc>
-                <a:spcPct val="95000"/>
-              </a:lnSpc>
-              <a:spcBef>
-                <a:spcPts val="1400"/>
-              </a:spcBef>
-              <a:spcAft>
-                <a:spcPts val="200"/>
-              </a:spcAft>
-              <a:buClr>
-                <a:schemeClr val="accent1"/>
-              </a:buClr>
-              <a:buSzPct val="80000"/>
-              <a:buFont typeface="Arial" pitchFamily="34" charset="0"/>
-              <a:buChar char="•"/>
-              <a:defRPr sz="1800" kern="1200" spc="10" baseline="0">
-                <a:solidFill>
-                  <a:schemeClr val="tx1"/>
-                </a:solidFill>
-                <a:latin typeface="Candara" panose="020E0502030303020204" pitchFamily="34" charset="0"/>
-                <a:ea typeface="+mn-ea"/>
-                <a:cs typeface="+mn-cs"/>
-              </a:defRPr>
-            </a:lvl1pPr>
-            <a:lvl2pPr marL="457200" indent="-182880" algn="l" defTabSz="914400" rtl="0" eaLnBrk="1" latinLnBrk="0" hangingPunct="1">
-              <a:lnSpc>
-                <a:spcPct val="90000"/>
-              </a:lnSpc>
-              <a:spcBef>
-                <a:spcPts val="300"/>
-              </a:spcBef>
-              <a:spcAft>
-                <a:spcPts val="300"/>
-              </a:spcAft>
-              <a:buClr>
-                <a:schemeClr val="accent1"/>
-              </a:buClr>
-              <a:buFont typeface="Wingdings 2" pitchFamily="18" charset="2"/>
-              <a:buChar char=""/>
-              <a:defRPr sz="1600" kern="1200">
-                <a:solidFill>
-                  <a:schemeClr val="tx1">
-                    <a:lumMod val="85000"/>
-                    <a:lumOff val="15000"/>
-                  </a:schemeClr>
-                </a:solidFill>
-                <a:latin typeface="Candara" panose="020E0502030303020204" pitchFamily="34" charset="0"/>
-                <a:ea typeface="+mn-ea"/>
-                <a:cs typeface="+mn-cs"/>
-              </a:defRPr>
-            </a:lvl2pPr>
-            <a:lvl3pPr marL="731520" indent="-182880" algn="l" defTabSz="914400" rtl="0" eaLnBrk="1" latinLnBrk="0" hangingPunct="1">
-              <a:lnSpc>
-                <a:spcPct val="90000"/>
-              </a:lnSpc>
-              <a:spcBef>
-                <a:spcPts val="300"/>
-              </a:spcBef>
-              <a:spcAft>
-                <a:spcPts val="300"/>
-              </a:spcAft>
-              <a:buClr>
-                <a:schemeClr val="accent1"/>
-              </a:buClr>
-              <a:buFont typeface="Wingdings 2" pitchFamily="18" charset="2"/>
-              <a:buChar char=""/>
-              <a:defRPr sz="1400" kern="1200">
-                <a:solidFill>
-                  <a:schemeClr val="tx1">
-                    <a:lumMod val="85000"/>
-                    <a:lumOff val="15000"/>
-                  </a:schemeClr>
-                </a:solidFill>
-                <a:latin typeface="Candara" panose="020E0502030303020204" pitchFamily="34" charset="0"/>
-                <a:ea typeface="+mn-ea"/>
-                <a:cs typeface="+mn-cs"/>
-              </a:defRPr>
-            </a:lvl3pPr>
-            <a:lvl4pPr marL="1005840" indent="-182880" algn="l" defTabSz="914400" rtl="0" eaLnBrk="1" latinLnBrk="0" hangingPunct="1">
-              <a:lnSpc>
-                <a:spcPct val="90000"/>
-              </a:lnSpc>
-              <a:spcBef>
-                <a:spcPts val="300"/>
-              </a:spcBef>
-              <a:spcAft>
-                <a:spcPts val="300"/>
-              </a:spcAft>
-              <a:buClr>
-                <a:schemeClr val="accent1"/>
-              </a:buClr>
-              <a:buFont typeface="Wingdings 2" pitchFamily="18" charset="2"/>
-              <a:buChar char=""/>
-              <a:defRPr sz="1400" kern="1200">
-                <a:solidFill>
-                  <a:schemeClr val="tx1">
-                    <a:lumMod val="85000"/>
-                    <a:lumOff val="15000"/>
-                  </a:schemeClr>
-                </a:solidFill>
-                <a:latin typeface="Candara" panose="020E0502030303020204" pitchFamily="34" charset="0"/>
-                <a:ea typeface="+mn-ea"/>
-                <a:cs typeface="+mn-cs"/>
-              </a:defRPr>
-            </a:lvl4pPr>
-            <a:lvl5pPr marL="1280160" indent="-182880" algn="l" defTabSz="914400" rtl="0" eaLnBrk="1" latinLnBrk="0" hangingPunct="1">
-              <a:lnSpc>
-                <a:spcPct val="90000"/>
-              </a:lnSpc>
-              <a:spcBef>
-                <a:spcPts val="300"/>
-              </a:spcBef>
-              <a:spcAft>
-                <a:spcPts val="300"/>
-              </a:spcAft>
-              <a:buClr>
-                <a:schemeClr val="accent1"/>
-              </a:buClr>
-              <a:buFont typeface="Wingdings 2" pitchFamily="18" charset="2"/>
-              <a:buChar char=""/>
-              <a:defRPr sz="1400" kern="1200">
-                <a:solidFill>
-                  <a:schemeClr val="tx1">
-                    <a:lumMod val="85000"/>
-                    <a:lumOff val="15000"/>
-                  </a:schemeClr>
-                </a:solidFill>
-                <a:latin typeface="Candara" panose="020E0502030303020204" pitchFamily="34" charset="0"/>
-                <a:ea typeface="+mn-ea"/>
-                <a:cs typeface="+mn-cs"/>
-              </a:defRPr>
-            </a:lvl5pPr>
-            <a:lvl6pPr marL="1600000" indent="-228600" algn="l" defTabSz="914400" rtl="0" eaLnBrk="1" latinLnBrk="0" hangingPunct="1">
-              <a:lnSpc>
-                <a:spcPct val="90000"/>
-              </a:lnSpc>
-              <a:spcBef>
-                <a:spcPts val="300"/>
-              </a:spcBef>
-              <a:spcAft>
-                <a:spcPts val="300"/>
-              </a:spcAft>
-              <a:buClr>
-                <a:schemeClr val="accent1"/>
-              </a:buClr>
-              <a:buFont typeface="Wingdings 2" pitchFamily="18" charset="2"/>
-              <a:buChar char=""/>
-              <a:defRPr sz="1400" kern="1200">
-                <a:solidFill>
-                  <a:schemeClr val="tx1">
-                    <a:lumMod val="85000"/>
-                    <a:lumOff val="15000"/>
-                  </a:schemeClr>
-                </a:solidFill>
-                <a:latin typeface="+mn-lt"/>
-                <a:ea typeface="+mn-ea"/>
-                <a:cs typeface="+mn-cs"/>
-              </a:defRPr>
-            </a:lvl6pPr>
-            <a:lvl7pPr marL="1900000" indent="-228600" algn="l" defTabSz="914400" rtl="0" eaLnBrk="1" latinLnBrk="0" hangingPunct="1">
-              <a:lnSpc>
-                <a:spcPct val="90000"/>
-              </a:lnSpc>
-              <a:spcBef>
-                <a:spcPts val="300"/>
-              </a:spcBef>
-              <a:spcAft>
-                <a:spcPts val="300"/>
-              </a:spcAft>
-              <a:buClr>
-                <a:schemeClr val="accent1"/>
-              </a:buClr>
-              <a:buFont typeface="Wingdings 2" pitchFamily="18" charset="2"/>
-              <a:buChar char=""/>
-              <a:defRPr sz="1400" kern="1200">
-                <a:solidFill>
-                  <a:schemeClr val="tx1">
-                    <a:lumMod val="85000"/>
-                    <a:lumOff val="15000"/>
-                  </a:schemeClr>
-                </a:solidFill>
-                <a:latin typeface="+mn-lt"/>
-                <a:ea typeface="+mn-ea"/>
-                <a:cs typeface="+mn-cs"/>
-              </a:defRPr>
-            </a:lvl7pPr>
-            <a:lvl8pPr marL="2200000" indent="-228600" algn="l" defTabSz="914400" rtl="0" eaLnBrk="1" latinLnBrk="0" hangingPunct="1">
-              <a:lnSpc>
-                <a:spcPct val="90000"/>
-              </a:lnSpc>
-              <a:spcBef>
-                <a:spcPts val="300"/>
-              </a:spcBef>
-              <a:spcAft>
-                <a:spcPts val="300"/>
-              </a:spcAft>
-              <a:buClr>
-                <a:schemeClr val="accent1"/>
-              </a:buClr>
-              <a:buFont typeface="Wingdings 2" pitchFamily="18" charset="2"/>
-              <a:buChar char=""/>
-              <a:defRPr sz="1400" kern="1200">
-                <a:solidFill>
-                  <a:schemeClr val="tx1">
-                    <a:lumMod val="85000"/>
-                    <a:lumOff val="15000"/>
-                  </a:schemeClr>
-                </a:solidFill>
-                <a:latin typeface="+mn-lt"/>
-                <a:ea typeface="+mn-ea"/>
-                <a:cs typeface="+mn-cs"/>
-              </a:defRPr>
-            </a:lvl8pPr>
-            <a:lvl9pPr marL="2500000" indent="-228600" algn="l" defTabSz="914400" rtl="0" eaLnBrk="1" latinLnBrk="0" hangingPunct="1">
-              <a:lnSpc>
-                <a:spcPct val="90000"/>
-              </a:lnSpc>
-              <a:spcBef>
-                <a:spcPts val="300"/>
-              </a:spcBef>
-              <a:spcAft>
-                <a:spcPts val="300"/>
-              </a:spcAft>
-              <a:buClr>
-                <a:schemeClr val="accent1"/>
-              </a:buClr>
-              <a:buFont typeface="Wingdings 2" pitchFamily="18" charset="2"/>
-              <a:buChar char=""/>
-              <a:defRPr sz="1400" kern="1200">
-                <a:solidFill>
-                  <a:schemeClr val="tx1">
-                    <a:lumMod val="85000"/>
-                    <a:lumOff val="15000"/>
-                  </a:schemeClr>
-                </a:solidFill>
-                <a:latin typeface="+mn-lt"/>
-                <a:ea typeface="+mn-ea"/>
-                <a:cs typeface="+mn-cs"/>
-              </a:defRPr>
-            </a:lvl9pPr>
-          </a:lstStyle>
-          <a:p>
-            <a:r>
               <a:rPr lang="en-US" b="1" dirty="0"/>
               <a:t>Section 2: Advanced Formatting</a:t>
             </a:r>
@@ -10956,7 +11258,7 @@
           <a:p>
             <a:fld id="{453754D5-8BE9-294A-B481-283E1E39E0CC}" type="datetime1">
               <a:rPr lang="en-US" smtClean="0"/>
-              <a:t>8/17/20</a:t>
+              <a:t>11/13/20</a:t>
             </a:fld>
             <a:endParaRPr lang="en-US" dirty="0"/>
           </a:p>
